--- a/Assicurazioni/Smart Contract_ita.pptx
+++ b/Assicurazioni/Smart Contract_ita.pptx
@@ -5,7 +5,7 @@
     <p:sldMasterId id="2147483648" r:id="rId5"/>
   </p:sldMasterIdLst>
   <p:notesMasterIdLst>
-    <p:notesMasterId r:id="rId13"/>
+    <p:notesMasterId r:id="rId19"/>
   </p:notesMasterIdLst>
   <p:sldIdLst>
     <p:sldId id="256" r:id="rId6"/>
@@ -14,7 +14,13 @@
     <p:sldId id="368" r:id="rId9"/>
     <p:sldId id="367" r:id="rId10"/>
     <p:sldId id="369" r:id="rId11"/>
-    <p:sldId id="343" r:id="rId12"/>
+    <p:sldId id="370" r:id="rId12"/>
+    <p:sldId id="372" r:id="rId13"/>
+    <p:sldId id="371" r:id="rId14"/>
+    <p:sldId id="373" r:id="rId15"/>
+    <p:sldId id="374" r:id="rId16"/>
+    <p:sldId id="375" r:id="rId17"/>
+    <p:sldId id="343" r:id="rId18"/>
   </p:sldIdLst>
   <p:sldSz cx="12192000" cy="6858000"/>
   <p:notesSz cx="6858000" cy="9144000"/>
@@ -272,7 +278,7 @@
               <a:pPr>
                 <a:defRPr/>
               </a:pPr>
-              <a:t>3/14/2023</a:t>
+              <a:t>3/15/2023</a:t>
             </a:fld>
             <a:endParaRPr lang="en-US"/>
           </a:p>
@@ -6793,6 +6799,1119 @@
 </p:sld>
 </file>
 
+<file path=ppt/slides/slide10.xml><?xml version="1.0" encoding="utf-8"?>
+<p:sld xmlns:a="http://schemas.openxmlformats.org/drawingml/2006/main" xmlns:r="http://schemas.openxmlformats.org/officeDocument/2006/relationships" xmlns:p="http://schemas.openxmlformats.org/presentationml/2006/main">
+  <p:cSld>
+    <p:spTree>
+      <p:nvGrpSpPr>
+        <p:cNvPr id="1" name=""/>
+        <p:cNvGrpSpPr/>
+        <p:nvPr/>
+      </p:nvGrpSpPr>
+      <p:grpSpPr>
+        <a:xfrm>
+          <a:off x="0" y="0"/>
+          <a:ext cx="0" cy="0"/>
+          <a:chOff x="0" y="0"/>
+          <a:chExt cx="0" cy="0"/>
+        </a:xfrm>
+      </p:grpSpPr>
+      <p:sp>
+        <p:nvSpPr>
+          <p:cNvPr id="2" name="Segnaposto testo 1">
+            <a:extLst>
+              <a:ext uri="{FF2B5EF4-FFF2-40B4-BE49-F238E27FC236}">
+                <a16:creationId xmlns:a16="http://schemas.microsoft.com/office/drawing/2014/main" id="{E5AE986C-196F-4141-A898-FA4C4198CDCC}"/>
+              </a:ext>
+            </a:extLst>
+          </p:cNvPr>
+          <p:cNvSpPr>
+            <a:spLocks noGrp="1"/>
+          </p:cNvSpPr>
+          <p:nvPr>
+            <p:ph type="body" idx="1"/>
+          </p:nvPr>
+        </p:nvSpPr>
+        <p:spPr>
+          <a:xfrm>
+            <a:off x="323469" y="1305471"/>
+            <a:ext cx="11414506" cy="1901963"/>
+          </a:xfrm>
+        </p:spPr>
+        <p:txBody>
+          <a:bodyPr/>
+          <a:lstStyle/>
+          <a:p>
+            <a:pPr marL="342900" indent="-342900" algn="just">
+              <a:lnSpc>
+                <a:spcPct val="115000"/>
+              </a:lnSpc>
+              <a:spcBef>
+                <a:spcPts val="2400"/>
+              </a:spcBef>
+              <a:buFont typeface="Wingdings" panose="05000000000000000000" pitchFamily="2" charset="2"/>
+              <a:buChar char="ü"/>
+              <a:tabLst>
+                <a:tab pos="457200" algn="l"/>
+              </a:tabLst>
+            </a:pPr>
+            <a:r>
+              <a:rPr lang="it-IT" sz="2400">
+                <a:solidFill>
+                  <a:srgbClr val="0F0F0F"/>
+                </a:solidFill>
+                <a:latin typeface="sole_text"/>
+                <a:ea typeface="Tahoma" panose="020B0604030504040204" pitchFamily="34" charset="0"/>
+                <a:cs typeface="Tahoma" panose="020B0604030504040204" pitchFamily="34" charset="0"/>
+              </a:rPr>
+              <a:t>L'</a:t>
+            </a:r>
+            <a:r>
+              <a:rPr lang="it-IT" sz="2400">
+                <a:solidFill>
+                  <a:schemeClr val="tx1"/>
+                </a:solidFill>
+                <a:latin typeface="Tahoma" panose="020B0604030504040204" pitchFamily="34" charset="0"/>
+                <a:ea typeface="Tahoma" panose="020B0604030504040204" pitchFamily="34" charset="0"/>
+                <a:cs typeface="Tahoma" panose="020B0604030504040204" pitchFamily="34" charset="0"/>
+              </a:rPr>
+              <a:t>accento torna dunque sulle caratteristiche della “</a:t>
+            </a:r>
+            <a:r>
+              <a:rPr lang="it-IT" sz="2400" b="1">
+                <a:solidFill>
+                  <a:schemeClr val="tx1"/>
+                </a:solidFill>
+                <a:latin typeface="Tahoma" panose="020B0604030504040204" pitchFamily="34" charset="0"/>
+                <a:ea typeface="Tahoma" panose="020B0604030504040204" pitchFamily="34" charset="0"/>
+                <a:cs typeface="Tahoma" panose="020B0604030504040204" pitchFamily="34" charset="0"/>
+              </a:rPr>
+              <a:t>catena dei blocch</a:t>
+            </a:r>
+            <a:r>
+              <a:rPr lang="it-IT" sz="2400">
+                <a:solidFill>
+                  <a:schemeClr val="tx1"/>
+                </a:solidFill>
+                <a:latin typeface="Tahoma" panose="020B0604030504040204" pitchFamily="34" charset="0"/>
+                <a:ea typeface="Tahoma" panose="020B0604030504040204" pitchFamily="34" charset="0"/>
+                <a:cs typeface="Tahoma" panose="020B0604030504040204" pitchFamily="34" charset="0"/>
+              </a:rPr>
+              <a:t>i”: </a:t>
+            </a:r>
+            <a:r>
+              <a:rPr lang="it-IT" sz="2400" b="1">
+                <a:solidFill>
+                  <a:schemeClr val="tx1"/>
+                </a:solidFill>
+                <a:latin typeface="Tahoma" panose="020B0604030504040204" pitchFamily="34" charset="0"/>
+                <a:ea typeface="Tahoma" panose="020B0604030504040204" pitchFamily="34" charset="0"/>
+                <a:cs typeface="Tahoma" panose="020B0604030504040204" pitchFamily="34" charset="0"/>
+              </a:rPr>
+              <a:t>distribuita</a:t>
+            </a:r>
+            <a:r>
+              <a:rPr lang="it-IT" sz="2400">
+                <a:solidFill>
+                  <a:schemeClr val="tx1"/>
+                </a:solidFill>
+                <a:latin typeface="Tahoma" panose="020B0604030504040204" pitchFamily="34" charset="0"/>
+                <a:ea typeface="Tahoma" panose="020B0604030504040204" pitchFamily="34" charset="0"/>
+                <a:cs typeface="Tahoma" panose="020B0604030504040204" pitchFamily="34" charset="0"/>
+              </a:rPr>
+              <a:t>, </a:t>
+            </a:r>
+            <a:r>
+              <a:rPr lang="it-IT" sz="2400" b="1">
+                <a:solidFill>
+                  <a:schemeClr val="tx1"/>
+                </a:solidFill>
+                <a:latin typeface="Tahoma" panose="020B0604030504040204" pitchFamily="34" charset="0"/>
+                <a:ea typeface="Tahoma" panose="020B0604030504040204" pitchFamily="34" charset="0"/>
+                <a:cs typeface="Tahoma" panose="020B0604030504040204" pitchFamily="34" charset="0"/>
+              </a:rPr>
+              <a:t>disintermediata</a:t>
+            </a:r>
+            <a:r>
+              <a:rPr lang="it-IT" sz="2400">
+                <a:solidFill>
+                  <a:schemeClr val="tx1"/>
+                </a:solidFill>
+                <a:latin typeface="Tahoma" panose="020B0604030504040204" pitchFamily="34" charset="0"/>
+                <a:ea typeface="Tahoma" panose="020B0604030504040204" pitchFamily="34" charset="0"/>
+                <a:cs typeface="Tahoma" panose="020B0604030504040204" pitchFamily="34" charset="0"/>
+              </a:rPr>
+              <a:t> (meglio, diversamente intermediata), </a:t>
+            </a:r>
+            <a:r>
+              <a:rPr lang="it-IT" sz="2400" b="1">
+                <a:solidFill>
+                  <a:schemeClr val="tx1"/>
+                </a:solidFill>
+                <a:latin typeface="Tahoma" panose="020B0604030504040204" pitchFamily="34" charset="0"/>
+                <a:ea typeface="Tahoma" panose="020B0604030504040204" pitchFamily="34" charset="0"/>
+                <a:cs typeface="Tahoma" panose="020B0604030504040204" pitchFamily="34" charset="0"/>
+              </a:rPr>
+              <a:t>certificata</a:t>
+            </a:r>
+            <a:r>
+              <a:rPr lang="it-IT" sz="2400">
+                <a:solidFill>
+                  <a:schemeClr val="tx1"/>
+                </a:solidFill>
+                <a:latin typeface="Tahoma" panose="020B0604030504040204" pitchFamily="34" charset="0"/>
+                <a:ea typeface="Tahoma" panose="020B0604030504040204" pitchFamily="34" charset="0"/>
+                <a:cs typeface="Tahoma" panose="020B0604030504040204" pitchFamily="34" charset="0"/>
+              </a:rPr>
+              <a:t> e </a:t>
+            </a:r>
+            <a:r>
+              <a:rPr lang="it-IT" sz="2400" b="1">
+                <a:solidFill>
+                  <a:schemeClr val="tx1"/>
+                </a:solidFill>
+                <a:latin typeface="Tahoma" panose="020B0604030504040204" pitchFamily="34" charset="0"/>
+                <a:ea typeface="Tahoma" panose="020B0604030504040204" pitchFamily="34" charset="0"/>
+                <a:cs typeface="Tahoma" panose="020B0604030504040204" pitchFamily="34" charset="0"/>
+              </a:rPr>
+              <a:t>immodificabile</a:t>
+            </a:r>
+            <a:r>
+              <a:rPr lang="it-IT" sz="2400">
+                <a:solidFill>
+                  <a:schemeClr val="tx1"/>
+                </a:solidFill>
+                <a:latin typeface="Tahoma" panose="020B0604030504040204" pitchFamily="34" charset="0"/>
+                <a:ea typeface="Tahoma" panose="020B0604030504040204" pitchFamily="34" charset="0"/>
+                <a:cs typeface="Tahoma" panose="020B0604030504040204" pitchFamily="34" charset="0"/>
+              </a:rPr>
+              <a:t>. Ma anche sugli incentivi economici: infatti i contratti di Ethereum, gestibili peer-to-peer, da persona a persona, “pagano” l’uso della sua potenza computazionale tramite un’unità di conto, la criptovaluta </a:t>
+            </a:r>
+            <a:r>
+              <a:rPr lang="it-IT" sz="2400" b="1">
+                <a:solidFill>
+                  <a:schemeClr val="tx1"/>
+                </a:solidFill>
+                <a:latin typeface="Tahoma" panose="020B0604030504040204" pitchFamily="34" charset="0"/>
+                <a:ea typeface="Tahoma" panose="020B0604030504040204" pitchFamily="34" charset="0"/>
+                <a:cs typeface="Tahoma" panose="020B0604030504040204" pitchFamily="34" charset="0"/>
+              </a:rPr>
+              <a:t>ether</a:t>
+            </a:r>
+            <a:r>
+              <a:rPr lang="it-IT" sz="2400">
+                <a:solidFill>
+                  <a:schemeClr val="tx1"/>
+                </a:solidFill>
+                <a:latin typeface="Tahoma" panose="020B0604030504040204" pitchFamily="34" charset="0"/>
+                <a:ea typeface="Tahoma" panose="020B0604030504040204" pitchFamily="34" charset="0"/>
+                <a:cs typeface="Tahoma" panose="020B0604030504040204" pitchFamily="34" charset="0"/>
+              </a:rPr>
+              <a:t>.</a:t>
+            </a:r>
+          </a:p>
+          <a:p>
+            <a:pPr marL="342900" indent="-342900" algn="just">
+              <a:buFont typeface="Wingdings" panose="05000000000000000000" pitchFamily="2" charset="2"/>
+              <a:buChar char="ü"/>
+            </a:pPr>
+            <a:r>
+              <a:rPr lang="it-IT" sz="2400">
+                <a:solidFill>
+                  <a:schemeClr val="tx1"/>
+                </a:solidFill>
+                <a:latin typeface="Tahoma" panose="020B0604030504040204" pitchFamily="34" charset="0"/>
+                <a:ea typeface="Tahoma" panose="020B0604030504040204" pitchFamily="34" charset="0"/>
+                <a:cs typeface="Tahoma" panose="020B0604030504040204" pitchFamily="34" charset="0"/>
+              </a:rPr>
+              <a:t>Se invii </a:t>
+            </a:r>
+            <a:r>
+              <a:rPr lang="it-IT" sz="2400" b="1">
+                <a:solidFill>
+                  <a:schemeClr val="tx1"/>
+                </a:solidFill>
+                <a:latin typeface="Tahoma" panose="020B0604030504040204" pitchFamily="34" charset="0"/>
+                <a:ea typeface="Tahoma" panose="020B0604030504040204" pitchFamily="34" charset="0"/>
+                <a:cs typeface="Tahoma" panose="020B0604030504040204" pitchFamily="34" charset="0"/>
+              </a:rPr>
+              <a:t>ETH</a:t>
+            </a:r>
+            <a:r>
+              <a:rPr lang="it-IT" sz="2400">
+                <a:solidFill>
+                  <a:schemeClr val="tx1"/>
+                </a:solidFill>
+                <a:latin typeface="Tahoma" panose="020B0604030504040204" pitchFamily="34" charset="0"/>
+                <a:ea typeface="Tahoma" panose="020B0604030504040204" pitchFamily="34" charset="0"/>
+                <a:cs typeface="Tahoma" panose="020B0604030504040204" pitchFamily="34" charset="0"/>
+              </a:rPr>
+              <a:t> a un altro utente, i dati della transazione devono essere aggiunti a un blocco affinché l'operazione riesca. "Catena" si riferisce al fatto che ogni blocco fa riferimento crittograficamente al suo padre. In altre parole, i blocchi si incatenano tra loro.</a:t>
+            </a:r>
+          </a:p>
+          <a:p>
+            <a:br>
+              <a:rPr lang="it-IT" sz="2400" b="0" i="0">
+                <a:solidFill>
+                  <a:srgbClr val="202124"/>
+                </a:solidFill>
+                <a:effectLst/>
+                <a:latin typeface="arial" panose="020B0604020202020204" pitchFamily="34" charset="0"/>
+              </a:rPr>
+            </a:br>
+            <a:endParaRPr lang="it-IT" sz="2400">
+              <a:solidFill>
+                <a:schemeClr val="tx1"/>
+              </a:solidFill>
+              <a:latin typeface="Tahoma" panose="020B0604030504040204" pitchFamily="34" charset="0"/>
+              <a:ea typeface="Tahoma" panose="020B0604030504040204" pitchFamily="34" charset="0"/>
+              <a:cs typeface="Tahoma" panose="020B0604030504040204" pitchFamily="34" charset="0"/>
+            </a:endParaRPr>
+          </a:p>
+        </p:txBody>
+      </p:sp>
+      <p:sp>
+        <p:nvSpPr>
+          <p:cNvPr id="7" name="Segnaposto numero diapositiva 6">
+            <a:extLst>
+              <a:ext uri="{FF2B5EF4-FFF2-40B4-BE49-F238E27FC236}">
+                <a16:creationId xmlns:a16="http://schemas.microsoft.com/office/drawing/2014/main" id="{AB740BE9-E218-4144-BFDE-AE473D230A3D}"/>
+              </a:ext>
+            </a:extLst>
+          </p:cNvPr>
+          <p:cNvSpPr>
+            <a:spLocks noGrp="1"/>
+          </p:cNvSpPr>
+          <p:nvPr>
+            <p:ph type="sldNum" sz="quarter" idx="12"/>
+          </p:nvPr>
+        </p:nvSpPr>
+        <p:spPr/>
+        <p:txBody>
+          <a:bodyPr/>
+          <a:lstStyle/>
+          <a:p>
+            <a:pPr>
+              <a:defRPr/>
+            </a:pPr>
+            <a:fld id="{48B4153A-D4C5-4CEF-8992-0D8815C829E3}" type="slidenum">
+              <a:rPr lang="en-US" smtClean="0"/>
+              <a:pPr>
+                <a:defRPr/>
+              </a:pPr>
+              <a:t>10</a:t>
+            </a:fld>
+            <a:endParaRPr lang="en-US" dirty="0"/>
+          </a:p>
+        </p:txBody>
+      </p:sp>
+      <p:sp>
+        <p:nvSpPr>
+          <p:cNvPr id="6" name="Titolo 4">
+            <a:extLst>
+              <a:ext uri="{FF2B5EF4-FFF2-40B4-BE49-F238E27FC236}">
+                <a16:creationId xmlns:a16="http://schemas.microsoft.com/office/drawing/2014/main" id="{CF9A4806-60B4-80DC-1F76-D2EB3E6C376B}"/>
+              </a:ext>
+            </a:extLst>
+          </p:cNvPr>
+          <p:cNvSpPr>
+            <a:spLocks noGrp="1"/>
+          </p:cNvSpPr>
+          <p:nvPr>
+            <p:ph type="title"/>
+          </p:nvPr>
+        </p:nvSpPr>
+        <p:spPr>
+          <a:xfrm>
+            <a:off x="468313" y="671508"/>
+            <a:ext cx="11269662" cy="384721"/>
+          </a:xfrm>
+        </p:spPr>
+        <p:txBody>
+          <a:bodyPr/>
+          <a:lstStyle/>
+          <a:p>
+            <a:r>
+              <a:rPr lang="it-IT" sz="2800">
+                <a:solidFill>
+                  <a:schemeClr val="tx1"/>
+                </a:solidFill>
+                <a:latin typeface="Tahoma" panose="020B0604030504040204" pitchFamily="34" charset="0"/>
+                <a:ea typeface="Tahoma" panose="020B0604030504040204" pitchFamily="34" charset="0"/>
+                <a:cs typeface="Tahoma" panose="020B0604030504040204" pitchFamily="34" charset="0"/>
+              </a:rPr>
+              <a:t>Smart Contract</a:t>
+            </a:r>
+            <a:endParaRPr lang="it-IT" dirty="0"/>
+          </a:p>
+        </p:txBody>
+      </p:sp>
+      <p:pic>
+        <p:nvPicPr>
+          <p:cNvPr id="5" name="Immagine 4" descr="Immagine che contiene diagramma">
+            <a:extLst>
+              <a:ext uri="{FF2B5EF4-FFF2-40B4-BE49-F238E27FC236}">
+                <a16:creationId xmlns:a16="http://schemas.microsoft.com/office/drawing/2014/main" id="{03DC0097-FB03-D8D5-3E97-A0375263A118}"/>
+              </a:ext>
+            </a:extLst>
+          </p:cNvPr>
+          <p:cNvPicPr>
+            <a:picLocks noChangeAspect="1"/>
+          </p:cNvPicPr>
+          <p:nvPr/>
+        </p:nvPicPr>
+        <p:blipFill>
+          <a:blip r:embed="rId2"/>
+          <a:stretch>
+            <a:fillRect/>
+          </a:stretch>
+        </p:blipFill>
+        <p:spPr>
+          <a:xfrm>
+            <a:off x="3488788" y="4783015"/>
+            <a:ext cx="8249187" cy="1979335"/>
+          </a:xfrm>
+          <a:prstGeom prst="rect">
+            <a:avLst/>
+          </a:prstGeom>
+        </p:spPr>
+      </p:pic>
+    </p:spTree>
+    <p:extLst>
+      <p:ext uri="{BB962C8B-B14F-4D97-AF65-F5344CB8AC3E}">
+        <p14:creationId xmlns:p14="http://schemas.microsoft.com/office/powerpoint/2010/main" val="1281208541"/>
+      </p:ext>
+    </p:extLst>
+  </p:cSld>
+  <p:clrMapOvr>
+    <a:masterClrMapping/>
+  </p:clrMapOvr>
+</p:sld>
+</file>
+
+<file path=ppt/slides/slide11.xml><?xml version="1.0" encoding="utf-8"?>
+<p:sld xmlns:a="http://schemas.openxmlformats.org/drawingml/2006/main" xmlns:r="http://schemas.openxmlformats.org/officeDocument/2006/relationships" xmlns:p="http://schemas.openxmlformats.org/presentationml/2006/main">
+  <p:cSld>
+    <p:spTree>
+      <p:nvGrpSpPr>
+        <p:cNvPr id="1" name=""/>
+        <p:cNvGrpSpPr/>
+        <p:nvPr/>
+      </p:nvGrpSpPr>
+      <p:grpSpPr>
+        <a:xfrm>
+          <a:off x="0" y="0"/>
+          <a:ext cx="0" cy="0"/>
+          <a:chOff x="0" y="0"/>
+          <a:chExt cx="0" cy="0"/>
+        </a:xfrm>
+      </p:grpSpPr>
+      <p:sp>
+        <p:nvSpPr>
+          <p:cNvPr id="2" name="Segnaposto testo 1">
+            <a:extLst>
+              <a:ext uri="{FF2B5EF4-FFF2-40B4-BE49-F238E27FC236}">
+                <a16:creationId xmlns:a16="http://schemas.microsoft.com/office/drawing/2014/main" id="{E5AE986C-196F-4141-A898-FA4C4198CDCC}"/>
+              </a:ext>
+            </a:extLst>
+          </p:cNvPr>
+          <p:cNvSpPr>
+            <a:spLocks noGrp="1"/>
+          </p:cNvSpPr>
+          <p:nvPr>
+            <p:ph type="body" idx="1"/>
+          </p:nvPr>
+        </p:nvSpPr>
+        <p:spPr>
+          <a:xfrm>
+            <a:off x="323469" y="1305471"/>
+            <a:ext cx="8693922" cy="1901963"/>
+          </a:xfrm>
+        </p:spPr>
+        <p:txBody>
+          <a:bodyPr/>
+          <a:lstStyle/>
+          <a:p>
+            <a:pPr marL="342900" indent="-342900" algn="just">
+              <a:lnSpc>
+                <a:spcPct val="115000"/>
+              </a:lnSpc>
+              <a:spcBef>
+                <a:spcPts val="2400"/>
+              </a:spcBef>
+              <a:buFont typeface="Wingdings" panose="05000000000000000000" pitchFamily="2" charset="2"/>
+              <a:buChar char="ü"/>
+              <a:tabLst>
+                <a:tab pos="457200" algn="l"/>
+              </a:tabLst>
+            </a:pPr>
+            <a:r>
+              <a:rPr lang="it-IT" sz="2400">
+                <a:solidFill>
+                  <a:schemeClr val="tx1"/>
+                </a:solidFill>
+                <a:latin typeface="Tahoma" panose="020B0604030504040204" pitchFamily="34" charset="0"/>
+                <a:ea typeface="Tahoma" panose="020B0604030504040204" pitchFamily="34" charset="0"/>
+                <a:cs typeface="Tahoma" panose="020B0604030504040204" pitchFamily="34" charset="0"/>
+              </a:rPr>
+              <a:t>«In ambito assicurativo - racconta l’avvocato Salvatore Iannitti, partner di Norton Rose Fulbright - si è mossa anche Axa, prima grande compagnia a consentire rimborsi automatici su carta di credito per i ritardi dei voli aerei, grazie alla polizza Fizzy già attiva in Italia, acquistabile via web e basata su blockchain (anche qui Ethereum, ndr). </a:t>
+            </a:r>
+          </a:p>
+          <a:p>
+            <a:pPr marL="342900" indent="-342900" algn="just">
+              <a:lnSpc>
+                <a:spcPct val="115000"/>
+              </a:lnSpc>
+              <a:spcBef>
+                <a:spcPts val="2400"/>
+              </a:spcBef>
+              <a:buFont typeface="Wingdings" panose="05000000000000000000" pitchFamily="2" charset="2"/>
+              <a:buChar char="ü"/>
+              <a:tabLst>
+                <a:tab pos="457200" algn="l"/>
+              </a:tabLst>
+            </a:pPr>
+            <a:r>
+              <a:rPr lang="it-IT" sz="2400">
+                <a:solidFill>
+                  <a:schemeClr val="tx1"/>
+                </a:solidFill>
+                <a:latin typeface="Tahoma" panose="020B0604030504040204" pitchFamily="34" charset="0"/>
+                <a:ea typeface="Tahoma" panose="020B0604030504040204" pitchFamily="34" charset="0"/>
+                <a:cs typeface="Tahoma" panose="020B0604030504040204" pitchFamily="34" charset="0"/>
+              </a:rPr>
+              <a:t>E un altro esempio è nella logistica, dove il colosso Maersk, con società assicurative come Ms Amlin e Axa Xl, ha avviato una piattaforma che sfrutta la blockchain per certificare le movimentazioni delle merci tra i vari porti».</a:t>
+            </a:r>
+          </a:p>
+        </p:txBody>
+      </p:sp>
+      <p:sp>
+        <p:nvSpPr>
+          <p:cNvPr id="7" name="Segnaposto numero diapositiva 6">
+            <a:extLst>
+              <a:ext uri="{FF2B5EF4-FFF2-40B4-BE49-F238E27FC236}">
+                <a16:creationId xmlns:a16="http://schemas.microsoft.com/office/drawing/2014/main" id="{AB740BE9-E218-4144-BFDE-AE473D230A3D}"/>
+              </a:ext>
+            </a:extLst>
+          </p:cNvPr>
+          <p:cNvSpPr>
+            <a:spLocks noGrp="1"/>
+          </p:cNvSpPr>
+          <p:nvPr>
+            <p:ph type="sldNum" sz="quarter" idx="12"/>
+          </p:nvPr>
+        </p:nvSpPr>
+        <p:spPr/>
+        <p:txBody>
+          <a:bodyPr/>
+          <a:lstStyle/>
+          <a:p>
+            <a:pPr>
+              <a:defRPr/>
+            </a:pPr>
+            <a:fld id="{48B4153A-D4C5-4CEF-8992-0D8815C829E3}" type="slidenum">
+              <a:rPr lang="en-US" smtClean="0"/>
+              <a:pPr>
+                <a:defRPr/>
+              </a:pPr>
+              <a:t>11</a:t>
+            </a:fld>
+            <a:endParaRPr lang="en-US" dirty="0"/>
+          </a:p>
+        </p:txBody>
+      </p:sp>
+      <p:sp>
+        <p:nvSpPr>
+          <p:cNvPr id="6" name="Titolo 4">
+            <a:extLst>
+              <a:ext uri="{FF2B5EF4-FFF2-40B4-BE49-F238E27FC236}">
+                <a16:creationId xmlns:a16="http://schemas.microsoft.com/office/drawing/2014/main" id="{CF9A4806-60B4-80DC-1F76-D2EB3E6C376B}"/>
+              </a:ext>
+            </a:extLst>
+          </p:cNvPr>
+          <p:cNvSpPr>
+            <a:spLocks noGrp="1"/>
+          </p:cNvSpPr>
+          <p:nvPr>
+            <p:ph type="title"/>
+          </p:nvPr>
+        </p:nvSpPr>
+        <p:spPr>
+          <a:xfrm>
+            <a:off x="468313" y="671508"/>
+            <a:ext cx="11269662" cy="384721"/>
+          </a:xfrm>
+        </p:spPr>
+        <p:txBody>
+          <a:bodyPr/>
+          <a:lstStyle/>
+          <a:p>
+            <a:r>
+              <a:rPr lang="it-IT">
+                <a:solidFill>
+                  <a:schemeClr val="tx1"/>
+                </a:solidFill>
+                <a:latin typeface="Tahoma" panose="020B0604030504040204" pitchFamily="34" charset="0"/>
+                <a:ea typeface="Tahoma" panose="020B0604030504040204" pitchFamily="34" charset="0"/>
+                <a:cs typeface="Tahoma" panose="020B0604030504040204" pitchFamily="34" charset="0"/>
+              </a:rPr>
+              <a:t>I campi di applicazione</a:t>
+            </a:r>
+            <a:endParaRPr lang="it-IT" dirty="0">
+              <a:solidFill>
+                <a:schemeClr val="tx1"/>
+              </a:solidFill>
+              <a:latin typeface="Tahoma" panose="020B0604030504040204" pitchFamily="34" charset="0"/>
+              <a:ea typeface="Tahoma" panose="020B0604030504040204" pitchFamily="34" charset="0"/>
+              <a:cs typeface="Tahoma" panose="020B0604030504040204" pitchFamily="34" charset="0"/>
+            </a:endParaRPr>
+          </a:p>
+        </p:txBody>
+      </p:sp>
+      <p:pic>
+        <p:nvPicPr>
+          <p:cNvPr id="11" name="Immagine 10" descr="Immagine che contiene testo&#10;&#10;Descrizione generata automaticamente">
+            <a:extLst>
+              <a:ext uri="{FF2B5EF4-FFF2-40B4-BE49-F238E27FC236}">
+                <a16:creationId xmlns:a16="http://schemas.microsoft.com/office/drawing/2014/main" id="{4B2E8797-551A-03BF-8D51-51DE18DC5C66}"/>
+              </a:ext>
+            </a:extLst>
+          </p:cNvPr>
+          <p:cNvPicPr>
+            <a:picLocks noChangeAspect="1"/>
+          </p:cNvPicPr>
+          <p:nvPr/>
+        </p:nvPicPr>
+        <p:blipFill>
+          <a:blip r:embed="rId2"/>
+          <a:stretch>
+            <a:fillRect/>
+          </a:stretch>
+        </p:blipFill>
+        <p:spPr>
+          <a:xfrm>
+            <a:off x="9214337" y="2850467"/>
+            <a:ext cx="2523637" cy="1600200"/>
+          </a:xfrm>
+          <a:prstGeom prst="rect">
+            <a:avLst/>
+          </a:prstGeom>
+        </p:spPr>
+      </p:pic>
+    </p:spTree>
+    <p:extLst>
+      <p:ext uri="{BB962C8B-B14F-4D97-AF65-F5344CB8AC3E}">
+        <p14:creationId xmlns:p14="http://schemas.microsoft.com/office/powerpoint/2010/main" val="2413380314"/>
+      </p:ext>
+    </p:extLst>
+  </p:cSld>
+  <p:clrMapOvr>
+    <a:masterClrMapping/>
+  </p:clrMapOvr>
+</p:sld>
+</file>
+
+<file path=ppt/slides/slide12.xml><?xml version="1.0" encoding="utf-8"?>
+<p:sld xmlns:a="http://schemas.openxmlformats.org/drawingml/2006/main" xmlns:r="http://schemas.openxmlformats.org/officeDocument/2006/relationships" xmlns:p="http://schemas.openxmlformats.org/presentationml/2006/main">
+  <p:cSld>
+    <p:spTree>
+      <p:nvGrpSpPr>
+        <p:cNvPr id="1" name=""/>
+        <p:cNvGrpSpPr/>
+        <p:nvPr/>
+      </p:nvGrpSpPr>
+      <p:grpSpPr>
+        <a:xfrm>
+          <a:off x="0" y="0"/>
+          <a:ext cx="0" cy="0"/>
+          <a:chOff x="0" y="0"/>
+          <a:chExt cx="0" cy="0"/>
+        </a:xfrm>
+      </p:grpSpPr>
+      <p:sp>
+        <p:nvSpPr>
+          <p:cNvPr id="2" name="Segnaposto testo 1">
+            <a:extLst>
+              <a:ext uri="{FF2B5EF4-FFF2-40B4-BE49-F238E27FC236}">
+                <a16:creationId xmlns:a16="http://schemas.microsoft.com/office/drawing/2014/main" id="{E5AE986C-196F-4141-A898-FA4C4198CDCC}"/>
+              </a:ext>
+            </a:extLst>
+          </p:cNvPr>
+          <p:cNvSpPr>
+            <a:spLocks noGrp="1"/>
+          </p:cNvSpPr>
+          <p:nvPr>
+            <p:ph type="body" idx="1"/>
+          </p:nvPr>
+        </p:nvSpPr>
+        <p:spPr>
+          <a:xfrm>
+            <a:off x="323469" y="1305471"/>
+            <a:ext cx="8693922" cy="1901963"/>
+          </a:xfrm>
+        </p:spPr>
+        <p:txBody>
+          <a:bodyPr/>
+          <a:lstStyle/>
+          <a:p>
+            <a:pPr marL="342900" indent="-342900" algn="just">
+              <a:lnSpc>
+                <a:spcPct val="115000"/>
+              </a:lnSpc>
+              <a:spcBef>
+                <a:spcPts val="2400"/>
+              </a:spcBef>
+              <a:buFont typeface="Wingdings" panose="05000000000000000000" pitchFamily="2" charset="2"/>
+              <a:buChar char="ü"/>
+              <a:tabLst>
+                <a:tab pos="457200" algn="l"/>
+              </a:tabLst>
+            </a:pPr>
+            <a:r>
+              <a:rPr lang="it-IT" sz="2400">
+                <a:solidFill>
+                  <a:schemeClr val="tx1"/>
+                </a:solidFill>
+                <a:latin typeface="Tahoma" panose="020B0604030504040204" pitchFamily="34" charset="0"/>
+                <a:ea typeface="Tahoma" panose="020B0604030504040204" pitchFamily="34" charset="0"/>
+                <a:cs typeface="Tahoma" panose="020B0604030504040204" pitchFamily="34" charset="0"/>
+              </a:rPr>
+              <a:t>Lo studio </a:t>
+            </a:r>
+            <a:r>
+              <a:rPr lang="it-IT" sz="2400" b="1">
+                <a:solidFill>
+                  <a:schemeClr val="tx1"/>
+                </a:solidFill>
+                <a:latin typeface="Tahoma" panose="020B0604030504040204" pitchFamily="34" charset="0"/>
+                <a:ea typeface="Tahoma" panose="020B0604030504040204" pitchFamily="34" charset="0"/>
+                <a:cs typeface="Tahoma" panose="020B0604030504040204" pitchFamily="34" charset="0"/>
+              </a:rPr>
+              <a:t>Norton</a:t>
+            </a:r>
+            <a:r>
+              <a:rPr lang="it-IT" sz="2400">
+                <a:solidFill>
+                  <a:schemeClr val="tx1"/>
+                </a:solidFill>
+                <a:latin typeface="Tahoma" panose="020B0604030504040204" pitchFamily="34" charset="0"/>
+                <a:ea typeface="Tahoma" panose="020B0604030504040204" pitchFamily="34" charset="0"/>
+                <a:cs typeface="Tahoma" panose="020B0604030504040204" pitchFamily="34" charset="0"/>
+              </a:rPr>
+              <a:t> </a:t>
+            </a:r>
+            <a:r>
+              <a:rPr lang="it-IT" sz="2400" b="1">
+                <a:solidFill>
+                  <a:schemeClr val="tx1"/>
+                </a:solidFill>
+                <a:latin typeface="Tahoma" panose="020B0604030504040204" pitchFamily="34" charset="0"/>
+                <a:ea typeface="Tahoma" panose="020B0604030504040204" pitchFamily="34" charset="0"/>
+                <a:cs typeface="Tahoma" panose="020B0604030504040204" pitchFamily="34" charset="0"/>
+              </a:rPr>
+              <a:t>Rose</a:t>
+            </a:r>
+            <a:r>
+              <a:rPr lang="it-IT" sz="2400">
+                <a:solidFill>
+                  <a:schemeClr val="tx1"/>
+                </a:solidFill>
+                <a:latin typeface="Tahoma" panose="020B0604030504040204" pitchFamily="34" charset="0"/>
+                <a:ea typeface="Tahoma" panose="020B0604030504040204" pitchFamily="34" charset="0"/>
+                <a:cs typeface="Tahoma" panose="020B0604030504040204" pitchFamily="34" charset="0"/>
+              </a:rPr>
+              <a:t> </a:t>
+            </a:r>
+            <a:r>
+              <a:rPr lang="it-IT" sz="2400" b="1">
+                <a:solidFill>
+                  <a:schemeClr val="tx1"/>
+                </a:solidFill>
+                <a:latin typeface="Tahoma" panose="020B0604030504040204" pitchFamily="34" charset="0"/>
+                <a:ea typeface="Tahoma" panose="020B0604030504040204" pitchFamily="34" charset="0"/>
+                <a:cs typeface="Tahoma" panose="020B0604030504040204" pitchFamily="34" charset="0"/>
+              </a:rPr>
+              <a:t>Fulbright</a:t>
+            </a:r>
+            <a:r>
+              <a:rPr lang="it-IT" sz="2400">
+                <a:solidFill>
+                  <a:schemeClr val="tx1"/>
+                </a:solidFill>
+                <a:latin typeface="Tahoma" panose="020B0604030504040204" pitchFamily="34" charset="0"/>
+                <a:ea typeface="Tahoma" panose="020B0604030504040204" pitchFamily="34" charset="0"/>
+                <a:cs typeface="Tahoma" panose="020B0604030504040204" pitchFamily="34" charset="0"/>
+              </a:rPr>
+              <a:t>, che ha collaborato a questi progetti, sta ora sviluppando dei prototipi di smart contract per la liquidazione degli indennizzi nelle operazioni M&amp;A. «Accorciare i tempi per ottenere le somme depositate in garanzia, attraverso un “</a:t>
+            </a:r>
+            <a:r>
+              <a:rPr lang="it-IT" sz="2400" b="1">
+                <a:solidFill>
+                  <a:schemeClr val="tx1"/>
+                </a:solidFill>
+                <a:latin typeface="Tahoma" panose="020B0604030504040204" pitchFamily="34" charset="0"/>
+                <a:ea typeface="Tahoma" panose="020B0604030504040204" pitchFamily="34" charset="0"/>
+                <a:cs typeface="Tahoma" panose="020B0604030504040204" pitchFamily="34" charset="0"/>
+              </a:rPr>
+              <a:t>escrow</a:t>
+            </a:r>
+            <a:r>
+              <a:rPr lang="it-IT" sz="2400">
+                <a:solidFill>
+                  <a:schemeClr val="tx1"/>
+                </a:solidFill>
+                <a:latin typeface="Tahoma" panose="020B0604030504040204" pitchFamily="34" charset="0"/>
+                <a:ea typeface="Tahoma" panose="020B0604030504040204" pitchFamily="34" charset="0"/>
+                <a:cs typeface="Tahoma" panose="020B0604030504040204" pitchFamily="34" charset="0"/>
+              </a:rPr>
+              <a:t> </a:t>
+            </a:r>
+            <a:r>
+              <a:rPr lang="it-IT" sz="2400" b="1">
+                <a:solidFill>
+                  <a:schemeClr val="tx1"/>
+                </a:solidFill>
+                <a:latin typeface="Tahoma" panose="020B0604030504040204" pitchFamily="34" charset="0"/>
+                <a:ea typeface="Tahoma" panose="020B0604030504040204" pitchFamily="34" charset="0"/>
+                <a:cs typeface="Tahoma" panose="020B0604030504040204" pitchFamily="34" charset="0"/>
+              </a:rPr>
+              <a:t>agreement</a:t>
+            </a:r>
+            <a:r>
+              <a:rPr lang="it-IT" sz="2400">
+                <a:solidFill>
+                  <a:schemeClr val="tx1"/>
+                </a:solidFill>
+                <a:latin typeface="Tahoma" panose="020B0604030504040204" pitchFamily="34" charset="0"/>
+                <a:ea typeface="Tahoma" panose="020B0604030504040204" pitchFamily="34" charset="0"/>
+                <a:cs typeface="Tahoma" panose="020B0604030504040204" pitchFamily="34" charset="0"/>
+              </a:rPr>
+              <a:t>” automatizzato, può favorire - osserva Iannitti - soprattutto le transazioni delle medie imprese».</a:t>
+            </a:r>
+          </a:p>
+          <a:p>
+            <a:pPr marL="342900" indent="-342900" algn="just">
+              <a:lnSpc>
+                <a:spcPct val="115000"/>
+              </a:lnSpc>
+              <a:spcBef>
+                <a:spcPts val="2400"/>
+              </a:spcBef>
+              <a:buFont typeface="Wingdings" panose="05000000000000000000" pitchFamily="2" charset="2"/>
+              <a:buChar char="ü"/>
+              <a:tabLst>
+                <a:tab pos="457200" algn="l"/>
+              </a:tabLst>
+            </a:pPr>
+            <a:endParaRPr lang="it-IT" sz="2400">
+              <a:solidFill>
+                <a:schemeClr val="tx1"/>
+              </a:solidFill>
+              <a:latin typeface="Tahoma" panose="020B0604030504040204" pitchFamily="34" charset="0"/>
+              <a:ea typeface="Tahoma" panose="020B0604030504040204" pitchFamily="34" charset="0"/>
+              <a:cs typeface="Tahoma" panose="020B0604030504040204" pitchFamily="34" charset="0"/>
+            </a:endParaRPr>
+          </a:p>
+        </p:txBody>
+      </p:sp>
+      <p:sp>
+        <p:nvSpPr>
+          <p:cNvPr id="7" name="Segnaposto numero diapositiva 6">
+            <a:extLst>
+              <a:ext uri="{FF2B5EF4-FFF2-40B4-BE49-F238E27FC236}">
+                <a16:creationId xmlns:a16="http://schemas.microsoft.com/office/drawing/2014/main" id="{AB740BE9-E218-4144-BFDE-AE473D230A3D}"/>
+              </a:ext>
+            </a:extLst>
+          </p:cNvPr>
+          <p:cNvSpPr>
+            <a:spLocks noGrp="1"/>
+          </p:cNvSpPr>
+          <p:nvPr>
+            <p:ph type="sldNum" sz="quarter" idx="12"/>
+          </p:nvPr>
+        </p:nvSpPr>
+        <p:spPr/>
+        <p:txBody>
+          <a:bodyPr/>
+          <a:lstStyle/>
+          <a:p>
+            <a:pPr>
+              <a:defRPr/>
+            </a:pPr>
+            <a:fld id="{48B4153A-D4C5-4CEF-8992-0D8815C829E3}" type="slidenum">
+              <a:rPr lang="en-US" smtClean="0"/>
+              <a:pPr>
+                <a:defRPr/>
+              </a:pPr>
+              <a:t>12</a:t>
+            </a:fld>
+            <a:endParaRPr lang="en-US" dirty="0"/>
+          </a:p>
+        </p:txBody>
+      </p:sp>
+      <p:sp>
+        <p:nvSpPr>
+          <p:cNvPr id="6" name="Titolo 4">
+            <a:extLst>
+              <a:ext uri="{FF2B5EF4-FFF2-40B4-BE49-F238E27FC236}">
+                <a16:creationId xmlns:a16="http://schemas.microsoft.com/office/drawing/2014/main" id="{CF9A4806-60B4-80DC-1F76-D2EB3E6C376B}"/>
+              </a:ext>
+            </a:extLst>
+          </p:cNvPr>
+          <p:cNvSpPr>
+            <a:spLocks noGrp="1"/>
+          </p:cNvSpPr>
+          <p:nvPr>
+            <p:ph type="title"/>
+          </p:nvPr>
+        </p:nvSpPr>
+        <p:spPr>
+          <a:xfrm>
+            <a:off x="468313" y="671508"/>
+            <a:ext cx="11269662" cy="384721"/>
+          </a:xfrm>
+        </p:spPr>
+        <p:txBody>
+          <a:bodyPr/>
+          <a:lstStyle/>
+          <a:p>
+            <a:r>
+              <a:rPr lang="it-IT">
+                <a:solidFill>
+                  <a:schemeClr val="tx1"/>
+                </a:solidFill>
+                <a:latin typeface="Tahoma" panose="020B0604030504040204" pitchFamily="34" charset="0"/>
+                <a:ea typeface="Tahoma" panose="020B0604030504040204" pitchFamily="34" charset="0"/>
+                <a:cs typeface="Tahoma" panose="020B0604030504040204" pitchFamily="34" charset="0"/>
+              </a:rPr>
+              <a:t>I campi di applicazione</a:t>
+            </a:r>
+            <a:endParaRPr lang="it-IT" dirty="0">
+              <a:solidFill>
+                <a:schemeClr val="tx1"/>
+              </a:solidFill>
+              <a:latin typeface="Tahoma" panose="020B0604030504040204" pitchFamily="34" charset="0"/>
+              <a:ea typeface="Tahoma" panose="020B0604030504040204" pitchFamily="34" charset="0"/>
+              <a:cs typeface="Tahoma" panose="020B0604030504040204" pitchFamily="34" charset="0"/>
+            </a:endParaRPr>
+          </a:p>
+        </p:txBody>
+      </p:sp>
+    </p:spTree>
+    <p:extLst>
+      <p:ext uri="{BB962C8B-B14F-4D97-AF65-F5344CB8AC3E}">
+        <p14:creationId xmlns:p14="http://schemas.microsoft.com/office/powerpoint/2010/main" val="946254089"/>
+      </p:ext>
+    </p:extLst>
+  </p:cSld>
+  <p:clrMapOvr>
+    <a:masterClrMapping/>
+  </p:clrMapOvr>
+</p:sld>
+</file>
+
+<file path=ppt/slides/slide13.xml><?xml version="1.0" encoding="utf-8"?>
+<p:sld xmlns:a="http://schemas.openxmlformats.org/drawingml/2006/main" xmlns:r="http://schemas.openxmlformats.org/officeDocument/2006/relationships" xmlns:p="http://schemas.openxmlformats.org/presentationml/2006/main">
+  <p:cSld>
+    <p:spTree>
+      <p:nvGrpSpPr>
+        <p:cNvPr id="1" name=""/>
+        <p:cNvGrpSpPr/>
+        <p:nvPr/>
+      </p:nvGrpSpPr>
+      <p:grpSpPr>
+        <a:xfrm>
+          <a:off x="0" y="0"/>
+          <a:ext cx="0" cy="0"/>
+          <a:chOff x="0" y="0"/>
+          <a:chExt cx="0" cy="0"/>
+        </a:xfrm>
+      </p:grpSpPr>
+      <p:sp>
+        <p:nvSpPr>
+          <p:cNvPr id="7" name="Segnaposto numero diapositiva 6">
+            <a:extLst>
+              <a:ext uri="{FF2B5EF4-FFF2-40B4-BE49-F238E27FC236}">
+                <a16:creationId xmlns:a16="http://schemas.microsoft.com/office/drawing/2014/main" id="{AB740BE9-E218-4144-BFDE-AE473D230A3D}"/>
+              </a:ext>
+            </a:extLst>
+          </p:cNvPr>
+          <p:cNvSpPr>
+            <a:spLocks noGrp="1"/>
+          </p:cNvSpPr>
+          <p:nvPr>
+            <p:ph type="sldNum" sz="quarter" idx="12"/>
+          </p:nvPr>
+        </p:nvSpPr>
+        <p:spPr/>
+        <p:txBody>
+          <a:bodyPr/>
+          <a:lstStyle/>
+          <a:p>
+            <a:pPr>
+              <a:defRPr/>
+            </a:pPr>
+            <a:fld id="{48B4153A-D4C5-4CEF-8992-0D8815C829E3}" type="slidenum">
+              <a:rPr lang="en-US" smtClean="0"/>
+              <a:pPr>
+                <a:defRPr/>
+              </a:pPr>
+              <a:t>13</a:t>
+            </a:fld>
+            <a:endParaRPr lang="en-US" dirty="0"/>
+          </a:p>
+        </p:txBody>
+      </p:sp>
+      <p:sp>
+        <p:nvSpPr>
+          <p:cNvPr id="5" name="Titolo 4">
+            <a:extLst>
+              <a:ext uri="{FF2B5EF4-FFF2-40B4-BE49-F238E27FC236}">
+                <a16:creationId xmlns:a16="http://schemas.microsoft.com/office/drawing/2014/main" id="{82C46BA2-B380-4357-B125-BA9F08A643F5}"/>
+              </a:ext>
+            </a:extLst>
+          </p:cNvPr>
+          <p:cNvSpPr>
+            <a:spLocks noGrp="1"/>
+          </p:cNvSpPr>
+          <p:nvPr>
+            <p:ph type="title"/>
+          </p:nvPr>
+        </p:nvSpPr>
+        <p:spPr>
+          <a:xfrm>
+            <a:off x="468895" y="503475"/>
+            <a:ext cx="11269308" cy="384721"/>
+          </a:xfrm>
+        </p:spPr>
+        <p:txBody>
+          <a:bodyPr/>
+          <a:lstStyle/>
+          <a:p>
+            <a:r>
+              <a:rPr lang="it-IT" altLang="it-IT"/>
+              <a:t>Bibliografia</a:t>
+            </a:r>
+            <a:endParaRPr lang="it-IT" dirty="0"/>
+          </a:p>
+        </p:txBody>
+      </p:sp>
+      <p:sp>
+        <p:nvSpPr>
+          <p:cNvPr id="3" name="Segnaposto testo 2">
+            <a:extLst>
+              <a:ext uri="{FF2B5EF4-FFF2-40B4-BE49-F238E27FC236}">
+                <a16:creationId xmlns:a16="http://schemas.microsoft.com/office/drawing/2014/main" id="{15CD42DB-61E6-AA3D-7125-BF4BEDB5D886}"/>
+              </a:ext>
+            </a:extLst>
+          </p:cNvPr>
+          <p:cNvSpPr>
+            <a:spLocks noGrp="1"/>
+          </p:cNvSpPr>
+          <p:nvPr>
+            <p:ph type="body" idx="1"/>
+          </p:nvPr>
+        </p:nvSpPr>
+        <p:spPr>
+          <a:xfrm>
+            <a:off x="477519" y="1557338"/>
+            <a:ext cx="11043921" cy="4392612"/>
+          </a:xfrm>
+        </p:spPr>
+        <p:txBody>
+          <a:bodyPr/>
+          <a:lstStyle/>
+          <a:p>
+            <a:endParaRPr lang="it-IT" dirty="0"/>
+          </a:p>
+          <a:p>
+            <a:endParaRPr lang="it-IT" dirty="0"/>
+          </a:p>
+        </p:txBody>
+      </p:sp>
+      <p:sp>
+        <p:nvSpPr>
+          <p:cNvPr id="6" name="CasellaDiTesto 5">
+            <a:extLst>
+              <a:ext uri="{FF2B5EF4-FFF2-40B4-BE49-F238E27FC236}">
+                <a16:creationId xmlns:a16="http://schemas.microsoft.com/office/drawing/2014/main" id="{FD1BEA3B-947C-2210-CF88-8B78BCA11B45}"/>
+              </a:ext>
+            </a:extLst>
+          </p:cNvPr>
+          <p:cNvSpPr txBox="1"/>
+          <p:nvPr/>
+        </p:nvSpPr>
+        <p:spPr>
+          <a:xfrm>
+            <a:off x="825119" y="1557338"/>
+            <a:ext cx="6098344" cy="646331"/>
+          </a:xfrm>
+          <a:prstGeom prst="rect">
+            <a:avLst/>
+          </a:prstGeom>
+          <a:noFill/>
+        </p:spPr>
+        <p:txBody>
+          <a:bodyPr wrap="square">
+            <a:spAutoFit/>
+          </a:bodyPr>
+          <a:lstStyle/>
+          <a:p>
+            <a:r>
+              <a:rPr lang="it-IT"/>
+              <a:t>https://www.ilsole24ore.com/art/smart-contract-cosa-sono-e-come-funzionano-clausole-blockchain-ACsDo2P?refresh_ce=1</a:t>
+            </a:r>
+          </a:p>
+        </p:txBody>
+      </p:sp>
+      <p:sp>
+        <p:nvSpPr>
+          <p:cNvPr id="9" name="CasellaDiTesto 8">
+            <a:extLst>
+              <a:ext uri="{FF2B5EF4-FFF2-40B4-BE49-F238E27FC236}">
+                <a16:creationId xmlns:a16="http://schemas.microsoft.com/office/drawing/2014/main" id="{D8200308-5116-5D19-B2AB-76EA4290F5F7}"/>
+              </a:ext>
+            </a:extLst>
+          </p:cNvPr>
+          <p:cNvSpPr txBox="1"/>
+          <p:nvPr/>
+        </p:nvSpPr>
+        <p:spPr>
+          <a:xfrm>
+            <a:off x="825119" y="2392004"/>
+            <a:ext cx="6098344" cy="369332"/>
+          </a:xfrm>
+          <a:prstGeom prst="rect">
+            <a:avLst/>
+          </a:prstGeom>
+          <a:noFill/>
+        </p:spPr>
+        <p:txBody>
+          <a:bodyPr wrap="square">
+            <a:spAutoFit/>
+          </a:bodyPr>
+          <a:lstStyle/>
+          <a:p>
+            <a:r>
+              <a:rPr lang="it-IT"/>
+              <a:t>https://it.wikipedia.org/wiki/Smart_contract</a:t>
+            </a:r>
+          </a:p>
+        </p:txBody>
+      </p:sp>
+    </p:spTree>
+    <p:extLst>
+      <p:ext uri="{BB962C8B-B14F-4D97-AF65-F5344CB8AC3E}">
+        <p14:creationId xmlns:p14="http://schemas.microsoft.com/office/powerpoint/2010/main" val="3490964097"/>
+      </p:ext>
+    </p:extLst>
+  </p:cSld>
+  <p:clrMapOvr>
+    <a:masterClrMapping/>
+  </p:clrMapOvr>
+</p:sld>
+</file>
+
 <file path=ppt/slides/slide2.xml><?xml version="1.0" encoding="utf-8"?>
 <p:sld xmlns:a="http://schemas.openxmlformats.org/drawingml/2006/main" xmlns:r="http://schemas.openxmlformats.org/officeDocument/2006/relationships" xmlns:p="http://schemas.openxmlformats.org/presentationml/2006/main">
   <p:cSld>
@@ -6928,29 +8047,7 @@
                 <a:ea typeface="Tahoma" panose="020B0604030504040204" pitchFamily="34" charset="0"/>
                 <a:cs typeface="Tahoma" panose="020B0604030504040204" pitchFamily="34" charset="0"/>
               </a:rPr>
-              <a:t>delle </a:t>
-            </a:r>
-            <a:r>
-              <a:rPr lang="it-IT" sz="2400" smtClean="0">
-                <a:solidFill>
-                  <a:schemeClr val="tx1"/>
-                </a:solidFill>
-                <a:latin typeface="Tahoma" panose="020B0604030504040204" pitchFamily="34" charset="0"/>
-                <a:ea typeface="Tahoma" panose="020B0604030504040204" pitchFamily="34" charset="0"/>
-                <a:cs typeface="Tahoma" panose="020B0604030504040204" pitchFamily="34" charset="0"/>
-              </a:rPr>
-              <a:t>forme </a:t>
-            </a:r>
-            <a:r>
-              <a:rPr lang="it-IT" sz="2400">
-                <a:solidFill>
-                  <a:schemeClr val="tx1"/>
-                </a:solidFill>
-                <a:latin typeface="Tahoma" panose="020B0604030504040204" pitchFamily="34" charset="0"/>
-                <a:ea typeface="Tahoma" panose="020B0604030504040204" pitchFamily="34" charset="0"/>
-                <a:cs typeface="Tahoma" panose="020B0604030504040204" pitchFamily="34" charset="0"/>
-              </a:rPr>
-              <a:t>contrattuali tradizionali. Anche se è indubbio che aprono nuovi spazi professionali.</a:t>
+              <a:t>delle forme contrattuali tradizionali. Anche se è indubbio che aprono nuovi spazi professionali.</a:t>
             </a:r>
           </a:p>
         </p:txBody>
@@ -8277,6 +9374,147 @@
       </p:grpSpPr>
       <p:sp>
         <p:nvSpPr>
+          <p:cNvPr id="2" name="Segnaposto testo 1">
+            <a:extLst>
+              <a:ext uri="{FF2B5EF4-FFF2-40B4-BE49-F238E27FC236}">
+                <a16:creationId xmlns:a16="http://schemas.microsoft.com/office/drawing/2014/main" id="{E5AE986C-196F-4141-A898-FA4C4198CDCC}"/>
+              </a:ext>
+            </a:extLst>
+          </p:cNvPr>
+          <p:cNvSpPr>
+            <a:spLocks noGrp="1"/>
+          </p:cNvSpPr>
+          <p:nvPr>
+            <p:ph type="body" idx="1"/>
+          </p:nvPr>
+        </p:nvSpPr>
+        <p:spPr>
+          <a:xfrm>
+            <a:off x="468314" y="1421529"/>
+            <a:ext cx="10856180" cy="2007471"/>
+          </a:xfrm>
+        </p:spPr>
+        <p:txBody>
+          <a:bodyPr/>
+          <a:lstStyle/>
+          <a:p>
+            <a:pPr marL="342900" indent="-342900" algn="just">
+              <a:lnSpc>
+                <a:spcPct val="115000"/>
+              </a:lnSpc>
+              <a:spcBef>
+                <a:spcPts val="2400"/>
+              </a:spcBef>
+              <a:buFont typeface="Wingdings" panose="05000000000000000000" pitchFamily="2" charset="2"/>
+              <a:buChar char="ü"/>
+              <a:tabLst>
+                <a:tab pos="457200" algn="l"/>
+              </a:tabLst>
+            </a:pPr>
+            <a:r>
+              <a:rPr lang="it-IT" sz="2400">
+                <a:solidFill>
+                  <a:schemeClr val="tx1"/>
+                </a:solidFill>
+                <a:latin typeface="Tahoma" panose="020B0604030504040204" pitchFamily="34" charset="0"/>
+                <a:ea typeface="Tahoma" panose="020B0604030504040204" pitchFamily="34" charset="0"/>
+                <a:cs typeface="Tahoma" panose="020B0604030504040204" pitchFamily="34" charset="0"/>
+              </a:rPr>
+              <a:t>La piattaforma tecnologica, oggi, è la </a:t>
+            </a:r>
+            <a:r>
+              <a:rPr lang="it-IT" sz="2400" b="1">
+                <a:solidFill>
+                  <a:schemeClr val="tx1"/>
+                </a:solidFill>
+                <a:latin typeface="Tahoma" panose="020B0604030504040204" pitchFamily="34" charset="0"/>
+                <a:ea typeface="Tahoma" panose="020B0604030504040204" pitchFamily="34" charset="0"/>
+                <a:cs typeface="Tahoma" panose="020B0604030504040204" pitchFamily="34" charset="0"/>
+              </a:rPr>
+              <a:t>Blockchain</a:t>
+            </a:r>
+            <a:r>
+              <a:rPr lang="it-IT" sz="2400">
+                <a:solidFill>
+                  <a:schemeClr val="tx1"/>
+                </a:solidFill>
+                <a:latin typeface="Tahoma" panose="020B0604030504040204" pitchFamily="34" charset="0"/>
+                <a:ea typeface="Tahoma" panose="020B0604030504040204" pitchFamily="34" charset="0"/>
+                <a:cs typeface="Tahoma" panose="020B0604030504040204" pitchFamily="34" charset="0"/>
+              </a:rPr>
+              <a:t>. Perché il concetto di smart contract esiste già da tempo (teorizzato dall’informatico </a:t>
+            </a:r>
+            <a:r>
+              <a:rPr lang="it-IT" sz="2400" b="1">
+                <a:solidFill>
+                  <a:schemeClr val="tx1"/>
+                </a:solidFill>
+                <a:latin typeface="Tahoma" panose="020B0604030504040204" pitchFamily="34" charset="0"/>
+                <a:ea typeface="Tahoma" panose="020B0604030504040204" pitchFamily="34" charset="0"/>
+                <a:cs typeface="Tahoma" panose="020B0604030504040204" pitchFamily="34" charset="0"/>
+              </a:rPr>
+              <a:t>Nick</a:t>
+            </a:r>
+            <a:r>
+              <a:rPr lang="it-IT" sz="2400">
+                <a:solidFill>
+                  <a:schemeClr val="tx1"/>
+                </a:solidFill>
+                <a:latin typeface="Tahoma" panose="020B0604030504040204" pitchFamily="34" charset="0"/>
+                <a:ea typeface="Tahoma" panose="020B0604030504040204" pitchFamily="34" charset="0"/>
+                <a:cs typeface="Tahoma" panose="020B0604030504040204" pitchFamily="34" charset="0"/>
+              </a:rPr>
+              <a:t> </a:t>
+            </a:r>
+            <a:r>
+              <a:rPr lang="it-IT" sz="2400" b="1">
+                <a:solidFill>
+                  <a:schemeClr val="tx1"/>
+                </a:solidFill>
+                <a:latin typeface="Tahoma" panose="020B0604030504040204" pitchFamily="34" charset="0"/>
+                <a:ea typeface="Tahoma" panose="020B0604030504040204" pitchFamily="34" charset="0"/>
+                <a:cs typeface="Tahoma" panose="020B0604030504040204" pitchFamily="34" charset="0"/>
+              </a:rPr>
+              <a:t>Szabo</a:t>
+            </a:r>
+            <a:r>
+              <a:rPr lang="it-IT" sz="2400">
+                <a:solidFill>
+                  <a:schemeClr val="tx1"/>
+                </a:solidFill>
+                <a:latin typeface="Tahoma" panose="020B0604030504040204" pitchFamily="34" charset="0"/>
+                <a:ea typeface="Tahoma" panose="020B0604030504040204" pitchFamily="34" charset="0"/>
+                <a:cs typeface="Tahoma" panose="020B0604030504040204" pitchFamily="34" charset="0"/>
+              </a:rPr>
+              <a:t> negli anni 90), ma proprio nella "</a:t>
+            </a:r>
+            <a:r>
+              <a:rPr lang="it-IT" sz="2400" b="1">
+                <a:solidFill>
+                  <a:schemeClr val="tx1"/>
+                </a:solidFill>
+                <a:latin typeface="Tahoma" panose="020B0604030504040204" pitchFamily="34" charset="0"/>
+                <a:ea typeface="Tahoma" panose="020B0604030504040204" pitchFamily="34" charset="0"/>
+                <a:cs typeface="Tahoma" panose="020B0604030504040204" pitchFamily="34" charset="0"/>
+              </a:rPr>
+              <a:t>catena dei blocchi</a:t>
+            </a:r>
+            <a:r>
+              <a:rPr lang="it-IT" sz="2400">
+                <a:solidFill>
+                  <a:schemeClr val="tx1"/>
+                </a:solidFill>
+                <a:latin typeface="Tahoma" panose="020B0604030504040204" pitchFamily="34" charset="0"/>
+                <a:ea typeface="Tahoma" panose="020B0604030504040204" pitchFamily="34" charset="0"/>
+                <a:cs typeface="Tahoma" panose="020B0604030504040204" pitchFamily="34" charset="0"/>
+              </a:rPr>
+              <a:t>" ha trovato un approdo ideale, che ne esalta le qualità: tra automatismi, trasparenza e sicurezza.</a:t>
+            </a:r>
+          </a:p>
+        </p:txBody>
+      </p:sp>
+      <p:sp>
+        <p:nvSpPr>
           <p:cNvPr id="7" name="Segnaposto numero diapositiva 6">
             <a:extLst>
               <a:ext uri="{FF2B5EF4-FFF2-40B4-BE49-F238E27FC236}">
@@ -8312,10 +9550,10 @@
       </p:sp>
       <p:sp>
         <p:nvSpPr>
-          <p:cNvPr id="5" name="Titolo 4">
-            <a:extLst>
-              <a:ext uri="{FF2B5EF4-FFF2-40B4-BE49-F238E27FC236}">
-                <a16:creationId xmlns:a16="http://schemas.microsoft.com/office/drawing/2014/main" id="{82C46BA2-B380-4357-B125-BA9F08A643F5}"/>
+          <p:cNvPr id="6" name="Titolo 4">
+            <a:extLst>
+              <a:ext uri="{FF2B5EF4-FFF2-40B4-BE49-F238E27FC236}">
+                <a16:creationId xmlns:a16="http://schemas.microsoft.com/office/drawing/2014/main" id="{CF9A4806-60B4-80DC-1F76-D2EB3E6C376B}"/>
               </a:ext>
             </a:extLst>
           </p:cNvPr>
@@ -8328,8 +9566,8 @@
         </p:nvSpPr>
         <p:spPr>
           <a:xfrm>
-            <a:off x="468895" y="503475"/>
-            <a:ext cx="11269308" cy="384721"/>
+            <a:off x="468313" y="671508"/>
+            <a:ext cx="11269662" cy="384721"/>
           </a:xfrm>
         </p:spPr>
         <p:txBody>
@@ -8337,19 +9575,86 @@
           <a:lstStyle/>
           <a:p>
             <a:r>
-              <a:rPr lang="it-IT" altLang="it-IT"/>
-              <a:t>Bibliografia</a:t>
+              <a:rPr lang="it-IT" sz="2800">
+                <a:solidFill>
+                  <a:schemeClr val="tx1"/>
+                </a:solidFill>
+                <a:latin typeface="Tahoma" panose="020B0604030504040204" pitchFamily="34" charset="0"/>
+                <a:ea typeface="Tahoma" panose="020B0604030504040204" pitchFamily="34" charset="0"/>
+                <a:cs typeface="Tahoma" panose="020B0604030504040204" pitchFamily="34" charset="0"/>
+              </a:rPr>
+              <a:t>Smart Contract</a:t>
             </a:r>
             <a:endParaRPr lang="it-IT" dirty="0"/>
           </a:p>
         </p:txBody>
       </p:sp>
-      <p:sp>
-        <p:nvSpPr>
-          <p:cNvPr id="3" name="Segnaposto testo 2">
-            <a:extLst>
-              <a:ext uri="{FF2B5EF4-FFF2-40B4-BE49-F238E27FC236}">
-                <a16:creationId xmlns:a16="http://schemas.microsoft.com/office/drawing/2014/main" id="{15CD42DB-61E6-AA3D-7125-BF4BEDB5D886}"/>
+      <p:pic>
+        <p:nvPicPr>
+          <p:cNvPr id="5" name="Immagine 4">
+            <a:extLst>
+              <a:ext uri="{FF2B5EF4-FFF2-40B4-BE49-F238E27FC236}">
+                <a16:creationId xmlns:a16="http://schemas.microsoft.com/office/drawing/2014/main" id="{BAAD4DFE-4F46-2021-1207-9AE9AF6C53E3}"/>
+              </a:ext>
+            </a:extLst>
+          </p:cNvPr>
+          <p:cNvPicPr>
+            <a:picLocks noChangeAspect="1"/>
+          </p:cNvPicPr>
+          <p:nvPr/>
+        </p:nvPicPr>
+        <p:blipFill>
+          <a:blip r:embed="rId2"/>
+          <a:stretch>
+            <a:fillRect/>
+          </a:stretch>
+        </p:blipFill>
+        <p:spPr>
+          <a:xfrm>
+            <a:off x="825118" y="3259675"/>
+            <a:ext cx="10499375" cy="3492465"/>
+          </a:xfrm>
+          <a:prstGeom prst="rect">
+            <a:avLst/>
+          </a:prstGeom>
+        </p:spPr>
+      </p:pic>
+    </p:spTree>
+    <p:extLst>
+      <p:ext uri="{BB962C8B-B14F-4D97-AF65-F5344CB8AC3E}">
+        <p14:creationId xmlns:p14="http://schemas.microsoft.com/office/powerpoint/2010/main" val="2001127477"/>
+      </p:ext>
+    </p:extLst>
+  </p:cSld>
+  <p:clrMapOvr>
+    <a:masterClrMapping/>
+  </p:clrMapOvr>
+</p:sld>
+</file>
+
+<file path=ppt/slides/slide8.xml><?xml version="1.0" encoding="utf-8"?>
+<p:sld xmlns:a="http://schemas.openxmlformats.org/drawingml/2006/main" xmlns:r="http://schemas.openxmlformats.org/officeDocument/2006/relationships" xmlns:p="http://schemas.openxmlformats.org/presentationml/2006/main">
+  <p:cSld>
+    <p:spTree>
+      <p:nvGrpSpPr>
+        <p:cNvPr id="1" name=""/>
+        <p:cNvGrpSpPr/>
+        <p:nvPr/>
+      </p:nvGrpSpPr>
+      <p:grpSpPr>
+        <a:xfrm>
+          <a:off x="0" y="0"/>
+          <a:ext cx="0" cy="0"/>
+          <a:chOff x="0" y="0"/>
+          <a:chExt cx="0" cy="0"/>
+        </a:xfrm>
+      </p:grpSpPr>
+      <p:sp>
+        <p:nvSpPr>
+          <p:cNvPr id="2" name="Segnaposto testo 1">
+            <a:extLst>
+              <a:ext uri="{FF2B5EF4-FFF2-40B4-BE49-F238E27FC236}">
+                <a16:creationId xmlns:a16="http://schemas.microsoft.com/office/drawing/2014/main" id="{E5AE986C-196F-4141-A898-FA4C4198CDCC}"/>
               </a:ext>
             </a:extLst>
           </p:cNvPr>
@@ -8362,95 +9667,450 @@
         </p:nvSpPr>
         <p:spPr>
           <a:xfrm>
-            <a:off x="477519" y="1557338"/>
-            <a:ext cx="11043921" cy="4392612"/>
+            <a:off x="468314" y="1421529"/>
+            <a:ext cx="10856180" cy="2007471"/>
           </a:xfrm>
         </p:spPr>
         <p:txBody>
           <a:bodyPr/>
           <a:lstStyle/>
           <a:p>
+            <a:pPr marL="342900" indent="-342900" algn="just">
+              <a:lnSpc>
+                <a:spcPct val="115000"/>
+              </a:lnSpc>
+              <a:spcBef>
+                <a:spcPts val="2400"/>
+              </a:spcBef>
+              <a:buFont typeface="Wingdings" panose="05000000000000000000" pitchFamily="2" charset="2"/>
+              <a:buChar char="ü"/>
+              <a:tabLst>
+                <a:tab pos="457200" algn="l"/>
+              </a:tabLst>
+            </a:pPr>
+            <a:r>
+              <a:rPr lang="it-IT" sz="2400">
+                <a:solidFill>
+                  <a:schemeClr val="tx1"/>
+                </a:solidFill>
+                <a:latin typeface="Tahoma" panose="020B0604030504040204" pitchFamily="34" charset="0"/>
+                <a:ea typeface="Tahoma" panose="020B0604030504040204" pitchFamily="34" charset="0"/>
+                <a:cs typeface="Tahoma" panose="020B0604030504040204" pitchFamily="34" charset="0"/>
+              </a:rPr>
+              <a:t>Un esempio attuale? Ingegneri e avvocati citano subito </a:t>
+            </a:r>
+            <a:r>
+              <a:rPr lang="it-IT" sz="2400" b="1">
+                <a:solidFill>
+                  <a:schemeClr val="tx1"/>
+                </a:solidFill>
+                <a:latin typeface="Tahoma" panose="020B0604030504040204" pitchFamily="34" charset="0"/>
+                <a:ea typeface="Tahoma" panose="020B0604030504040204" pitchFamily="34" charset="0"/>
+                <a:cs typeface="Tahoma" panose="020B0604030504040204" pitchFamily="34" charset="0"/>
+              </a:rPr>
+              <a:t>le polizze assicurative </a:t>
+            </a:r>
+            <a:r>
+              <a:rPr lang="it-IT" sz="2400">
+                <a:solidFill>
+                  <a:schemeClr val="tx1"/>
+                </a:solidFill>
+                <a:latin typeface="Tahoma" panose="020B0604030504040204" pitchFamily="34" charset="0"/>
+                <a:ea typeface="Tahoma" panose="020B0604030504040204" pitchFamily="34" charset="0"/>
+                <a:cs typeface="Tahoma" panose="020B0604030504040204" pitchFamily="34" charset="0"/>
+              </a:rPr>
+              <a:t>di tipo parametrico, basate cioè sul verificarsi (o meno) di determinate condizioni. </a:t>
+            </a:r>
+          </a:p>
+          <a:p>
+            <a:pPr marL="342900" indent="-342900" algn="just">
+              <a:lnSpc>
+                <a:spcPct val="115000"/>
+              </a:lnSpc>
+              <a:spcBef>
+                <a:spcPts val="2400"/>
+              </a:spcBef>
+              <a:buFont typeface="Wingdings" panose="05000000000000000000" pitchFamily="2" charset="2"/>
+              <a:buChar char="ü"/>
+              <a:tabLst>
+                <a:tab pos="457200" algn="l"/>
+              </a:tabLst>
+            </a:pPr>
+            <a:r>
+              <a:rPr lang="it-IT" sz="2400">
+                <a:solidFill>
+                  <a:schemeClr val="tx1"/>
+                </a:solidFill>
+                <a:latin typeface="Tahoma" panose="020B0604030504040204" pitchFamily="34" charset="0"/>
+                <a:ea typeface="Tahoma" panose="020B0604030504040204" pitchFamily="34" charset="0"/>
+                <a:cs typeface="Tahoma" panose="020B0604030504040204" pitchFamily="34" charset="0"/>
+              </a:rPr>
+              <a:t>«Pensiamo ad </a:t>
+            </a:r>
+            <a:r>
+              <a:rPr lang="it-IT" sz="2400" b="1">
+                <a:solidFill>
+                  <a:schemeClr val="tx1"/>
+                </a:solidFill>
+                <a:latin typeface="Tahoma" panose="020B0604030504040204" pitchFamily="34" charset="0"/>
+                <a:ea typeface="Tahoma" panose="020B0604030504040204" pitchFamily="34" charset="0"/>
+                <a:cs typeface="Tahoma" panose="020B0604030504040204" pitchFamily="34" charset="0"/>
+              </a:rPr>
+              <a:t>Etherisc</a:t>
+            </a:r>
+            <a:r>
+              <a:rPr lang="it-IT" sz="2400">
+                <a:solidFill>
+                  <a:schemeClr val="tx1"/>
+                </a:solidFill>
+                <a:latin typeface="Tahoma" panose="020B0604030504040204" pitchFamily="34" charset="0"/>
+                <a:ea typeface="Tahoma" panose="020B0604030504040204" pitchFamily="34" charset="0"/>
+                <a:cs typeface="Tahoma" panose="020B0604030504040204" pitchFamily="34" charset="0"/>
+              </a:rPr>
+              <a:t> - risponde il direttore dell’Osservatorio blockchain del Politecnico di Milano, Francesco Bruschi -. È un’assicurazione sui viaggi aerei decentralizzata, che opera sulla piattaforma Ethereum. Lo smart contract interroga delle Api (interfacce per la programmazione di applicazioni, ndr) per avere informazioni sugli orari di partenza e, in caso di ritardo del volo garantito dalla polizza, fa scattare automaticamente il rimborso».</a:t>
+            </a:r>
+          </a:p>
+        </p:txBody>
+      </p:sp>
+      <p:sp>
+        <p:nvSpPr>
+          <p:cNvPr id="7" name="Segnaposto numero diapositiva 6">
+            <a:extLst>
+              <a:ext uri="{FF2B5EF4-FFF2-40B4-BE49-F238E27FC236}">
+                <a16:creationId xmlns:a16="http://schemas.microsoft.com/office/drawing/2014/main" id="{AB740BE9-E218-4144-BFDE-AE473D230A3D}"/>
+              </a:ext>
+            </a:extLst>
+          </p:cNvPr>
+          <p:cNvSpPr>
+            <a:spLocks noGrp="1"/>
+          </p:cNvSpPr>
+          <p:nvPr>
+            <p:ph type="sldNum" sz="quarter" idx="12"/>
+          </p:nvPr>
+        </p:nvSpPr>
+        <p:spPr/>
+        <p:txBody>
+          <a:bodyPr/>
+          <a:lstStyle/>
+          <a:p>
+            <a:pPr>
+              <a:defRPr/>
+            </a:pPr>
+            <a:fld id="{48B4153A-D4C5-4CEF-8992-0D8815C829E3}" type="slidenum">
+              <a:rPr lang="en-US" smtClean="0"/>
+              <a:pPr>
+                <a:defRPr/>
+              </a:pPr>
+              <a:t>8</a:t>
+            </a:fld>
+            <a:endParaRPr lang="en-US" dirty="0"/>
+          </a:p>
+        </p:txBody>
+      </p:sp>
+      <p:sp>
+        <p:nvSpPr>
+          <p:cNvPr id="6" name="Titolo 4">
+            <a:extLst>
+              <a:ext uri="{FF2B5EF4-FFF2-40B4-BE49-F238E27FC236}">
+                <a16:creationId xmlns:a16="http://schemas.microsoft.com/office/drawing/2014/main" id="{CF9A4806-60B4-80DC-1F76-D2EB3E6C376B}"/>
+              </a:ext>
+            </a:extLst>
+          </p:cNvPr>
+          <p:cNvSpPr>
+            <a:spLocks noGrp="1"/>
+          </p:cNvSpPr>
+          <p:nvPr>
+            <p:ph type="title"/>
+          </p:nvPr>
+        </p:nvSpPr>
+        <p:spPr>
+          <a:xfrm>
+            <a:off x="468313" y="671508"/>
+            <a:ext cx="11269662" cy="384721"/>
+          </a:xfrm>
+        </p:spPr>
+        <p:txBody>
+          <a:bodyPr/>
+          <a:lstStyle/>
+          <a:p>
+            <a:r>
+              <a:rPr lang="it-IT" sz="2800">
+                <a:solidFill>
+                  <a:schemeClr val="tx1"/>
+                </a:solidFill>
+                <a:latin typeface="Tahoma" panose="020B0604030504040204" pitchFamily="34" charset="0"/>
+                <a:ea typeface="Tahoma" panose="020B0604030504040204" pitchFamily="34" charset="0"/>
+                <a:cs typeface="Tahoma" panose="020B0604030504040204" pitchFamily="34" charset="0"/>
+              </a:rPr>
+              <a:t>Smart Contract</a:t>
+            </a:r>
             <a:endParaRPr lang="it-IT" dirty="0"/>
           </a:p>
-          <a:p>
+        </p:txBody>
+      </p:sp>
+    </p:spTree>
+    <p:extLst>
+      <p:ext uri="{BB962C8B-B14F-4D97-AF65-F5344CB8AC3E}">
+        <p14:creationId xmlns:p14="http://schemas.microsoft.com/office/powerpoint/2010/main" val="1416756728"/>
+      </p:ext>
+    </p:extLst>
+  </p:cSld>
+  <p:clrMapOvr>
+    <a:masterClrMapping/>
+  </p:clrMapOvr>
+</p:sld>
+</file>
+
+<file path=ppt/slides/slide9.xml><?xml version="1.0" encoding="utf-8"?>
+<p:sld xmlns:a="http://schemas.openxmlformats.org/drawingml/2006/main" xmlns:r="http://schemas.openxmlformats.org/officeDocument/2006/relationships" xmlns:p="http://schemas.openxmlformats.org/presentationml/2006/main">
+  <p:cSld>
+    <p:spTree>
+      <p:nvGrpSpPr>
+        <p:cNvPr id="1" name=""/>
+        <p:cNvGrpSpPr/>
+        <p:nvPr/>
+      </p:nvGrpSpPr>
+      <p:grpSpPr>
+        <a:xfrm>
+          <a:off x="0" y="0"/>
+          <a:ext cx="0" cy="0"/>
+          <a:chOff x="0" y="0"/>
+          <a:chExt cx="0" cy="0"/>
+        </a:xfrm>
+      </p:grpSpPr>
+      <p:sp>
+        <p:nvSpPr>
+          <p:cNvPr id="2" name="Segnaposto testo 1">
+            <a:extLst>
+              <a:ext uri="{FF2B5EF4-FFF2-40B4-BE49-F238E27FC236}">
+                <a16:creationId xmlns:a16="http://schemas.microsoft.com/office/drawing/2014/main" id="{E5AE986C-196F-4141-A898-FA4C4198CDCC}"/>
+              </a:ext>
+            </a:extLst>
+          </p:cNvPr>
+          <p:cNvSpPr>
+            <a:spLocks noGrp="1"/>
+          </p:cNvSpPr>
+          <p:nvPr>
+            <p:ph type="body" idx="1"/>
+          </p:nvPr>
+        </p:nvSpPr>
+        <p:spPr>
+          <a:xfrm>
+            <a:off x="468313" y="1291403"/>
+            <a:ext cx="8450604" cy="2007471"/>
+          </a:xfrm>
+        </p:spPr>
+        <p:txBody>
+          <a:bodyPr/>
+          <a:lstStyle/>
+          <a:p>
+            <a:pPr marL="342900" indent="-342900" algn="just">
+              <a:lnSpc>
+                <a:spcPct val="115000"/>
+              </a:lnSpc>
+              <a:spcBef>
+                <a:spcPts val="2400"/>
+              </a:spcBef>
+              <a:buFont typeface="Wingdings" panose="05000000000000000000" pitchFamily="2" charset="2"/>
+              <a:buChar char="ü"/>
+              <a:tabLst>
+                <a:tab pos="457200" algn="l"/>
+              </a:tabLst>
+            </a:pPr>
+            <a:r>
+              <a:rPr lang="it-IT" sz="2400">
+                <a:solidFill>
+                  <a:schemeClr val="tx1"/>
+                </a:solidFill>
+                <a:latin typeface="Tahoma" panose="020B0604030504040204" pitchFamily="34" charset="0"/>
+                <a:ea typeface="Tahoma" panose="020B0604030504040204" pitchFamily="34" charset="0"/>
+                <a:cs typeface="Tahoma" panose="020B0604030504040204" pitchFamily="34" charset="0"/>
+              </a:rPr>
+              <a:t>Per far questo, in teoria, basterebbe anche un “</a:t>
+            </a:r>
+            <a:r>
+              <a:rPr lang="it-IT" sz="2400" b="1">
+                <a:solidFill>
+                  <a:schemeClr val="tx1"/>
+                </a:solidFill>
+                <a:latin typeface="Tahoma" panose="020B0604030504040204" pitchFamily="34" charset="0"/>
+                <a:ea typeface="Tahoma" panose="020B0604030504040204" pitchFamily="34" charset="0"/>
+                <a:cs typeface="Tahoma" panose="020B0604030504040204" pitchFamily="34" charset="0"/>
+              </a:rPr>
+              <a:t>semplice</a:t>
+            </a:r>
+            <a:r>
+              <a:rPr lang="it-IT" sz="2400">
+                <a:solidFill>
+                  <a:schemeClr val="tx1"/>
+                </a:solidFill>
+                <a:latin typeface="Tahoma" panose="020B0604030504040204" pitchFamily="34" charset="0"/>
+                <a:ea typeface="Tahoma" panose="020B0604030504040204" pitchFamily="34" charset="0"/>
+                <a:cs typeface="Tahoma" panose="020B0604030504040204" pitchFamily="34" charset="0"/>
+              </a:rPr>
+              <a:t>” programma informatico. «Sì, ma con uno script che gira su blockchain è il sistema stesso a garantire il funzionamento trasparente e verificabile e i soldi investiti», dice Bruschi.</a:t>
+            </a:r>
+          </a:p>
+          <a:p>
+            <a:pPr marL="342900" indent="-342900" algn="just">
+              <a:lnSpc>
+                <a:spcPct val="115000"/>
+              </a:lnSpc>
+              <a:spcBef>
+                <a:spcPts val="2400"/>
+              </a:spcBef>
+              <a:buFont typeface="Wingdings" panose="05000000000000000000" pitchFamily="2" charset="2"/>
+              <a:buChar char="ü"/>
+              <a:tabLst>
+                <a:tab pos="457200" algn="l"/>
+              </a:tabLst>
+            </a:pPr>
+            <a:r>
+              <a:rPr lang="it-IT" sz="2400">
+                <a:solidFill>
+                  <a:schemeClr val="tx1"/>
+                </a:solidFill>
+                <a:latin typeface="Tahoma" panose="020B0604030504040204" pitchFamily="34" charset="0"/>
+                <a:ea typeface="Tahoma" panose="020B0604030504040204" pitchFamily="34" charset="0"/>
+                <a:cs typeface="Tahoma" panose="020B0604030504040204" pitchFamily="34" charset="0"/>
+              </a:rPr>
+              <a:t>Secondo lui «oggi tutti intendono lo smart contract come programma su </a:t>
+            </a:r>
+            <a:r>
+              <a:rPr lang="it-IT" sz="2400" b="1">
+                <a:solidFill>
+                  <a:schemeClr val="tx1"/>
+                </a:solidFill>
+                <a:latin typeface="Tahoma" panose="020B0604030504040204" pitchFamily="34" charset="0"/>
+                <a:ea typeface="Tahoma" panose="020B0604030504040204" pitchFamily="34" charset="0"/>
+                <a:cs typeface="Tahoma" panose="020B0604030504040204" pitchFamily="34" charset="0"/>
+              </a:rPr>
+              <a:t>Ethereum</a:t>
+            </a:r>
+            <a:r>
+              <a:rPr lang="it-IT" sz="2400">
+                <a:solidFill>
+                  <a:schemeClr val="tx1"/>
+                </a:solidFill>
+                <a:latin typeface="Tahoma" panose="020B0604030504040204" pitchFamily="34" charset="0"/>
+                <a:ea typeface="Tahoma" panose="020B0604030504040204" pitchFamily="34" charset="0"/>
+                <a:cs typeface="Tahoma" panose="020B0604030504040204" pitchFamily="34" charset="0"/>
+              </a:rPr>
+              <a:t>, che è una forma di blockchain pubblica e aperta, permissionless, e dopo Bitcoin è quella a maggior capitalizzazione. Il motivo è semplice: la sicurezza delle transazioni aumenta proporzionalmente al grado di diffusione della piattaforma».</a:t>
+            </a:r>
+          </a:p>
+        </p:txBody>
+      </p:sp>
+      <p:sp>
+        <p:nvSpPr>
+          <p:cNvPr id="7" name="Segnaposto numero diapositiva 6">
+            <a:extLst>
+              <a:ext uri="{FF2B5EF4-FFF2-40B4-BE49-F238E27FC236}">
+                <a16:creationId xmlns:a16="http://schemas.microsoft.com/office/drawing/2014/main" id="{AB740BE9-E218-4144-BFDE-AE473D230A3D}"/>
+              </a:ext>
+            </a:extLst>
+          </p:cNvPr>
+          <p:cNvSpPr>
+            <a:spLocks noGrp="1"/>
+          </p:cNvSpPr>
+          <p:nvPr>
+            <p:ph type="sldNum" sz="quarter" idx="12"/>
+          </p:nvPr>
+        </p:nvSpPr>
+        <p:spPr/>
+        <p:txBody>
+          <a:bodyPr/>
+          <a:lstStyle/>
+          <a:p>
+            <a:pPr>
+              <a:defRPr/>
+            </a:pPr>
+            <a:fld id="{48B4153A-D4C5-4CEF-8992-0D8815C829E3}" type="slidenum">
+              <a:rPr lang="en-US" smtClean="0"/>
+              <a:pPr>
+                <a:defRPr/>
+              </a:pPr>
+              <a:t>9</a:t>
+            </a:fld>
+            <a:endParaRPr lang="en-US" dirty="0"/>
+          </a:p>
+        </p:txBody>
+      </p:sp>
+      <p:sp>
+        <p:nvSpPr>
+          <p:cNvPr id="6" name="Titolo 4">
+            <a:extLst>
+              <a:ext uri="{FF2B5EF4-FFF2-40B4-BE49-F238E27FC236}">
+                <a16:creationId xmlns:a16="http://schemas.microsoft.com/office/drawing/2014/main" id="{CF9A4806-60B4-80DC-1F76-D2EB3E6C376B}"/>
+              </a:ext>
+            </a:extLst>
+          </p:cNvPr>
+          <p:cNvSpPr>
+            <a:spLocks noGrp="1"/>
+          </p:cNvSpPr>
+          <p:nvPr>
+            <p:ph type="title"/>
+          </p:nvPr>
+        </p:nvSpPr>
+        <p:spPr>
+          <a:xfrm>
+            <a:off x="468313" y="671508"/>
+            <a:ext cx="11269662" cy="384721"/>
+          </a:xfrm>
+        </p:spPr>
+        <p:txBody>
+          <a:bodyPr/>
+          <a:lstStyle/>
+          <a:p>
+            <a:r>
+              <a:rPr lang="it-IT" sz="2800">
+                <a:solidFill>
+                  <a:schemeClr val="tx1"/>
+                </a:solidFill>
+                <a:latin typeface="Tahoma" panose="020B0604030504040204" pitchFamily="34" charset="0"/>
+                <a:ea typeface="Tahoma" panose="020B0604030504040204" pitchFamily="34" charset="0"/>
+                <a:cs typeface="Tahoma" panose="020B0604030504040204" pitchFamily="34" charset="0"/>
+              </a:rPr>
+              <a:t>Smart Contract</a:t>
+            </a:r>
             <a:endParaRPr lang="it-IT" dirty="0"/>
           </a:p>
         </p:txBody>
       </p:sp>
-      <p:sp>
-        <p:nvSpPr>
-          <p:cNvPr id="6" name="CasellaDiTesto 5">
-            <a:extLst>
-              <a:ext uri="{FF2B5EF4-FFF2-40B4-BE49-F238E27FC236}">
-                <a16:creationId xmlns:a16="http://schemas.microsoft.com/office/drawing/2014/main" id="{FD1BEA3B-947C-2210-CF88-8B78BCA11B45}"/>
-              </a:ext>
-            </a:extLst>
-          </p:cNvPr>
-          <p:cNvSpPr txBox="1"/>
+      <p:pic>
+        <p:nvPicPr>
+          <p:cNvPr id="4" name="Immagine 3" descr="Immagine che contiene testo, elettronica, circuito&#10;&#10;Descrizione generata automaticamente">
+            <a:extLst>
+              <a:ext uri="{FF2B5EF4-FFF2-40B4-BE49-F238E27FC236}">
+                <a16:creationId xmlns:a16="http://schemas.microsoft.com/office/drawing/2014/main" id="{F72C99CB-BD15-F7C6-2F61-D710DA66F0A6}"/>
+              </a:ext>
+            </a:extLst>
+          </p:cNvPr>
+          <p:cNvPicPr>
+            <a:picLocks noChangeAspect="1"/>
+          </p:cNvPicPr>
           <p:nvPr/>
-        </p:nvSpPr>
-        <p:spPr>
-          <a:xfrm>
-            <a:off x="825119" y="1557338"/>
-            <a:ext cx="6098344" cy="646331"/>
+        </p:nvPicPr>
+        <p:blipFill>
+          <a:blip r:embed="rId2"/>
+          <a:stretch>
+            <a:fillRect/>
+          </a:stretch>
+        </p:blipFill>
+        <p:spPr>
+          <a:xfrm>
+            <a:off x="9225719" y="2923442"/>
+            <a:ext cx="2667000" cy="1714500"/>
           </a:xfrm>
           <a:prstGeom prst="rect">
             <a:avLst/>
           </a:prstGeom>
-          <a:noFill/>
-        </p:spPr>
-        <p:txBody>
-          <a:bodyPr wrap="square">
-            <a:spAutoFit/>
-          </a:bodyPr>
-          <a:lstStyle/>
-          <a:p>
-            <a:r>
-              <a:rPr lang="it-IT"/>
-              <a:t>https://www.ilsole24ore.com/art/smart-contract-cosa-sono-e-come-funzionano-clausole-blockchain-ACsDo2P?refresh_ce=1</a:t>
-            </a:r>
-          </a:p>
-        </p:txBody>
-      </p:sp>
-      <p:sp>
-        <p:nvSpPr>
-          <p:cNvPr id="9" name="CasellaDiTesto 8">
-            <a:extLst>
-              <a:ext uri="{FF2B5EF4-FFF2-40B4-BE49-F238E27FC236}">
-                <a16:creationId xmlns:a16="http://schemas.microsoft.com/office/drawing/2014/main" id="{D8200308-5116-5D19-B2AB-76EA4290F5F7}"/>
-              </a:ext>
-            </a:extLst>
-          </p:cNvPr>
-          <p:cNvSpPr txBox="1"/>
-          <p:nvPr/>
-        </p:nvSpPr>
-        <p:spPr>
-          <a:xfrm>
-            <a:off x="825119" y="2392004"/>
-            <a:ext cx="6098344" cy="369332"/>
-          </a:xfrm>
-          <a:prstGeom prst="rect">
-            <a:avLst/>
-          </a:prstGeom>
-          <a:noFill/>
-        </p:spPr>
-        <p:txBody>
-          <a:bodyPr wrap="square">
-            <a:spAutoFit/>
-          </a:bodyPr>
-          <a:lstStyle/>
-          <a:p>
-            <a:r>
-              <a:rPr lang="it-IT"/>
-              <a:t>https://it.wikipedia.org/wiki/Smart_contract</a:t>
-            </a:r>
-          </a:p>
-        </p:txBody>
-      </p:sp>
+        </p:spPr>
+      </p:pic>
     </p:spTree>
     <p:extLst>
       <p:ext uri="{BB962C8B-B14F-4D97-AF65-F5344CB8AC3E}">
-        <p14:creationId xmlns:p14="http://schemas.microsoft.com/office/powerpoint/2010/main" val="3490964097"/>
+        <p14:creationId xmlns:p14="http://schemas.microsoft.com/office/powerpoint/2010/main" val="1827709417"/>
       </p:ext>
     </p:extLst>
   </p:cSld>
@@ -9025,6 +10685,15 @@
 </file>
 
 <file path=customXml/item1.xml><?xml version="1.0" encoding="utf-8"?>
+<?mso-contentType ?>
+<FormTemplates xmlns="http://schemas.microsoft.com/sharepoint/v3/contenttype/forms">
+  <Display>DocumentLibraryForm</Display>
+  <Edit>DocumentLibraryForm</Edit>
+  <New>DocumentLibraryForm</New>
+</FormTemplates>
+</file>
+
+<file path=customXml/item2.xml><?xml version="1.0" encoding="utf-8"?>
 <p:properties xmlns:p="http://schemas.microsoft.com/office/2006/metadata/properties" xmlns:xsi="http://www.w3.org/2001/XMLSchema-instance" xmlns:pc="http://schemas.microsoft.com/office/infopath/2007/PartnerControls">
   <documentManagement>
     <SottoCategoria xmlns="679261c3-551f-4e86-913f-177e0e529669">-</SottoCategoria>
@@ -9038,66 +10707,7 @@
 </p:properties>
 </file>
 
-<file path=customXml/item2.xml><?xml version="1.0" encoding="utf-8"?>
-<?mso-contentType ?>
-<FormTemplates xmlns="http://schemas.microsoft.com/sharepoint/v3/contenttype/forms">
-  <Display>DocumentLibraryForm</Display>
-  <Edit>DocumentLibraryForm</Edit>
-  <New>DocumentLibraryForm</New>
-</FormTemplates>
-</file>
-
 <file path=customXml/item3.xml><?xml version="1.0" encoding="utf-8"?>
-<?mso-contentType ?>
-<spe:Receivers xmlns:spe="http://schemas.microsoft.com/sharepoint/events">
-  <Receiver>
-    <Name>Document ID Generator</Name>
-    <Synchronization>Synchronous</Synchronization>
-    <Type>10001</Type>
-    <SequenceNumber>1000</SequenceNumber>
-    <Url/>
-    <Assembly>Microsoft.Office.DocumentManagement, Version=15.0.0.0, Culture=neutral, PublicKeyToken=71e9bce111e9429c</Assembly>
-    <Class>Microsoft.Office.DocumentManagement.Internal.DocIdHandler</Class>
-    <Data/>
-    <Filter/>
-  </Receiver>
-  <Receiver>
-    <Name>Document ID Generator</Name>
-    <Synchronization>Synchronous</Synchronization>
-    <Type>10002</Type>
-    <SequenceNumber>1001</SequenceNumber>
-    <Url/>
-    <Assembly>Microsoft.Office.DocumentManagement, Version=15.0.0.0, Culture=neutral, PublicKeyToken=71e9bce111e9429c</Assembly>
-    <Class>Microsoft.Office.DocumentManagement.Internal.DocIdHandler</Class>
-    <Data/>
-    <Filter/>
-  </Receiver>
-  <Receiver>
-    <Name>Document ID Generator</Name>
-    <Synchronization>Synchronous</Synchronization>
-    <Type>10004</Type>
-    <SequenceNumber>1002</SequenceNumber>
-    <Url/>
-    <Assembly>Microsoft.Office.DocumentManagement, Version=15.0.0.0, Culture=neutral, PublicKeyToken=71e9bce111e9429c</Assembly>
-    <Class>Microsoft.Office.DocumentManagement.Internal.DocIdHandler</Class>
-    <Data/>
-    <Filter/>
-  </Receiver>
-  <Receiver>
-    <Name>Document ID Generator</Name>
-    <Synchronization>Synchronous</Synchronization>
-    <Type>10006</Type>
-    <SequenceNumber>1003</SequenceNumber>
-    <Url/>
-    <Assembly>Microsoft.Office.DocumentManagement, Version=15.0.0.0, Culture=neutral, PublicKeyToken=71e9bce111e9429c</Assembly>
-    <Class>Microsoft.Office.DocumentManagement.Internal.DocIdHandler</Class>
-    <Data/>
-    <Filter/>
-  </Receiver>
-</spe:Receivers>
-</file>
-
-<file path=customXml/item4.xml><?xml version="1.0" encoding="utf-8"?>
 <ct:contentTypeSchema xmlns:ct="http://schemas.microsoft.com/office/2006/metadata/contentType" xmlns:ma="http://schemas.microsoft.com/office/2006/metadata/properties/metaAttributes" ct:_="" ma:_="" ma:contentTypeName="Documento" ma:contentTypeID="0x010100661A2BE3120D674DA36C11D6006822D4" ma:contentTypeVersion="3" ma:contentTypeDescription="Creare un nuovo documento." ma:contentTypeScope="" ma:versionID="2ad8b07f9840a1ce9cd199d874146b74">
   <xsd:schema xmlns:xsd="http://www.w3.org/2001/XMLSchema" xmlns:xs="http://www.w3.org/2001/XMLSchema" xmlns:p="http://schemas.microsoft.com/office/2006/metadata/properties" xmlns:ns2="c58f2efd-82a8-4ecf-b395-8c25e928921d" xmlns:ns3="459159c4-d20a-4ff3-9b11-fbd127bd52e5" xmlns:ns4="679261c3-551f-4e86-913f-177e0e529669" targetNamespace="http://schemas.microsoft.com/office/2006/metadata/properties" ma:root="true" ma:fieldsID="fffb0e16fb90ffea59fef1085e90ecca" ns2:_="" ns3:_="" ns4:_="">
     <xsd:import namespace="c58f2efd-82a8-4ecf-b395-8c25e928921d"/>
@@ -9284,7 +10894,65 @@
 </ct:contentTypeSchema>
 </file>
 
+<file path=customXml/item4.xml><?xml version="1.0" encoding="utf-8"?>
+<?mso-contentType ?>
+<spe:Receivers xmlns:spe="http://schemas.microsoft.com/sharepoint/events">
+  <Receiver>
+    <Name>Document ID Generator</Name>
+    <Synchronization>Synchronous</Synchronization>
+    <Type>10001</Type>
+    <SequenceNumber>1000</SequenceNumber>
+    <Url/>
+    <Assembly>Microsoft.Office.DocumentManagement, Version=15.0.0.0, Culture=neutral, PublicKeyToken=71e9bce111e9429c</Assembly>
+    <Class>Microsoft.Office.DocumentManagement.Internal.DocIdHandler</Class>
+    <Data/>
+    <Filter/>
+  </Receiver>
+  <Receiver>
+    <Name>Document ID Generator</Name>
+    <Synchronization>Synchronous</Synchronization>
+    <Type>10002</Type>
+    <SequenceNumber>1001</SequenceNumber>
+    <Url/>
+    <Assembly>Microsoft.Office.DocumentManagement, Version=15.0.0.0, Culture=neutral, PublicKeyToken=71e9bce111e9429c</Assembly>
+    <Class>Microsoft.Office.DocumentManagement.Internal.DocIdHandler</Class>
+    <Data/>
+    <Filter/>
+  </Receiver>
+  <Receiver>
+    <Name>Document ID Generator</Name>
+    <Synchronization>Synchronous</Synchronization>
+    <Type>10004</Type>
+    <SequenceNumber>1002</SequenceNumber>
+    <Url/>
+    <Assembly>Microsoft.Office.DocumentManagement, Version=15.0.0.0, Culture=neutral, PublicKeyToken=71e9bce111e9429c</Assembly>
+    <Class>Microsoft.Office.DocumentManagement.Internal.DocIdHandler</Class>
+    <Data/>
+    <Filter/>
+  </Receiver>
+  <Receiver>
+    <Name>Document ID Generator</Name>
+    <Synchronization>Synchronous</Synchronization>
+    <Type>10006</Type>
+    <SequenceNumber>1003</SequenceNumber>
+    <Url/>
+    <Assembly>Microsoft.Office.DocumentManagement, Version=15.0.0.0, Culture=neutral, PublicKeyToken=71e9bce111e9429c</Assembly>
+    <Class>Microsoft.Office.DocumentManagement.Internal.DocIdHandler</Class>
+    <Data/>
+    <Filter/>
+  </Receiver>
+</spe:Receivers>
+</file>
+
 <file path=customXml/itemProps1.xml><?xml version="1.0" encoding="utf-8"?>
+<ds:datastoreItem xmlns:ds="http://schemas.openxmlformats.org/officeDocument/2006/customXml" ds:itemID="{BD9C238D-4D5C-4783-820B-4854DCE45D41}">
+  <ds:schemaRefs>
+    <ds:schemaRef ds:uri="http://schemas.microsoft.com/sharepoint/v3/contenttype/forms"/>
+  </ds:schemaRefs>
+</ds:datastoreItem>
+</file>
+
+<file path=customXml/itemProps2.xml><?xml version="1.0" encoding="utf-8"?>
 <ds:datastoreItem xmlns:ds="http://schemas.openxmlformats.org/officeDocument/2006/customXml" ds:itemID="{3EF378BC-F4D0-4510-B4EC-07B6EFE18CF8}">
   <ds:schemaRefs>
     <ds:schemaRef ds:uri="http://schemas.microsoft.com/office/infopath/2007/PartnerControls"/>
@@ -9302,23 +10970,7 @@
 </ds:datastoreItem>
 </file>
 
-<file path=customXml/itemProps2.xml><?xml version="1.0" encoding="utf-8"?>
-<ds:datastoreItem xmlns:ds="http://schemas.openxmlformats.org/officeDocument/2006/customXml" ds:itemID="{BD9C238D-4D5C-4783-820B-4854DCE45D41}">
-  <ds:schemaRefs>
-    <ds:schemaRef ds:uri="http://schemas.microsoft.com/sharepoint/v3/contenttype/forms"/>
-  </ds:schemaRefs>
-</ds:datastoreItem>
-</file>
-
 <file path=customXml/itemProps3.xml><?xml version="1.0" encoding="utf-8"?>
-<ds:datastoreItem xmlns:ds="http://schemas.openxmlformats.org/officeDocument/2006/customXml" ds:itemID="{D9296C4F-9DE9-4B43-AA80-1FC85656CFFA}">
-  <ds:schemaRefs>
-    <ds:schemaRef ds:uri="http://schemas.microsoft.com/sharepoint/events"/>
-  </ds:schemaRefs>
-</ds:datastoreItem>
-</file>
-
-<file path=customXml/itemProps4.xml><?xml version="1.0" encoding="utf-8"?>
 <ds:datastoreItem xmlns:ds="http://schemas.openxmlformats.org/officeDocument/2006/customXml" ds:itemID="{3F66F418-6054-4EA5-BF8E-6AF3CEAE6265}">
   <ds:schemaRefs>
     <ds:schemaRef ds:uri="http://schemas.microsoft.com/office/2006/metadata/contentType"/>
@@ -9336,4 +10988,12 @@
     <ds:schemaRef ds:uri="http://schemas.microsoft.com/internal/obd"/>
   </ds:schemaRefs>
 </ds:datastoreItem>
+</file>
+
+<file path=customXml/itemProps4.xml><?xml version="1.0" encoding="utf-8"?>
+<ds:datastoreItem xmlns:ds="http://schemas.openxmlformats.org/officeDocument/2006/customXml" ds:itemID="{D9296C4F-9DE9-4B43-AA80-1FC85656CFFA}">
+  <ds:schemaRefs>
+    <ds:schemaRef ds:uri="http://schemas.microsoft.com/sharepoint/events"/>
+  </ds:schemaRefs>
+</ds:datastoreItem>
 </file>
--- a/Assicurazioni/Smart Contract_ita.pptx
+++ b/Assicurazioni/Smart Contract_ita.pptx
@@ -5,7 +5,7 @@
     <p:sldMasterId id="2147483648" r:id="rId5"/>
   </p:sldMasterIdLst>
   <p:notesMasterIdLst>
-    <p:notesMasterId r:id="rId19"/>
+    <p:notesMasterId r:id="rId25"/>
   </p:notesMasterIdLst>
   <p:sldIdLst>
     <p:sldId id="256" r:id="rId6"/>
@@ -19,8 +19,14 @@
     <p:sldId id="371" r:id="rId14"/>
     <p:sldId id="373" r:id="rId15"/>
     <p:sldId id="374" r:id="rId16"/>
-    <p:sldId id="375" r:id="rId17"/>
-    <p:sldId id="343" r:id="rId18"/>
+    <p:sldId id="376" r:id="rId17"/>
+    <p:sldId id="375" r:id="rId18"/>
+    <p:sldId id="377" r:id="rId19"/>
+    <p:sldId id="378" r:id="rId20"/>
+    <p:sldId id="379" r:id="rId21"/>
+    <p:sldId id="380" r:id="rId22"/>
+    <p:sldId id="381" r:id="rId23"/>
+    <p:sldId id="343" r:id="rId24"/>
   </p:sldIdLst>
   <p:sldSz cx="12192000" cy="6858000"/>
   <p:notesSz cx="6858000" cy="9144000"/>
@@ -278,7 +284,7 @@
               <a:pPr>
                 <a:defRPr/>
               </a:pPr>
-              <a:t>3/15/2023</a:t>
+              <a:t>4/3/2023</a:t>
             </a:fld>
             <a:endParaRPr lang="en-US"/>
           </a:p>
@@ -6856,7 +6862,7 @@
               </a:tabLst>
             </a:pPr>
             <a:r>
-              <a:rPr lang="it-IT" sz="2400">
+              <a:rPr lang="it-IT" sz="2400" dirty="0">
                 <a:solidFill>
                   <a:srgbClr val="0F0F0F"/>
                 </a:solidFill>
@@ -6867,7 +6873,7 @@
               <a:t>L'</a:t>
             </a:r>
             <a:r>
-              <a:rPr lang="it-IT" sz="2400">
+              <a:rPr lang="it-IT" sz="2400" dirty="0">
                 <a:solidFill>
                   <a:schemeClr val="tx1"/>
                 </a:solidFill>
@@ -6878,7 +6884,7 @@
               <a:t>accento torna dunque sulle caratteristiche della “</a:t>
             </a:r>
             <a:r>
-              <a:rPr lang="it-IT" sz="2400" b="1">
+              <a:rPr lang="it-IT" sz="2400" b="1" dirty="0">
                 <a:solidFill>
                   <a:schemeClr val="tx1"/>
                 </a:solidFill>
@@ -6889,7 +6895,7 @@
               <a:t>catena dei blocch</a:t>
             </a:r>
             <a:r>
-              <a:rPr lang="it-IT" sz="2400">
+              <a:rPr lang="it-IT" sz="2400" dirty="0">
                 <a:solidFill>
                   <a:schemeClr val="tx1"/>
                 </a:solidFill>
@@ -6900,7 +6906,7 @@
               <a:t>i”: </a:t>
             </a:r>
             <a:r>
-              <a:rPr lang="it-IT" sz="2400" b="1">
+              <a:rPr lang="it-IT" sz="2400" b="1" dirty="0">
                 <a:solidFill>
                   <a:schemeClr val="tx1"/>
                 </a:solidFill>
@@ -6911,7 +6917,7 @@
               <a:t>distribuita</a:t>
             </a:r>
             <a:r>
-              <a:rPr lang="it-IT" sz="2400">
+              <a:rPr lang="it-IT" sz="2400" dirty="0">
                 <a:solidFill>
                   <a:schemeClr val="tx1"/>
                 </a:solidFill>
@@ -6922,7 +6928,7 @@
               <a:t>, </a:t>
             </a:r>
             <a:r>
-              <a:rPr lang="it-IT" sz="2400" b="1">
+              <a:rPr lang="it-IT" sz="2400" b="1" dirty="0" err="1">
                 <a:solidFill>
                   <a:schemeClr val="tx1"/>
                 </a:solidFill>
@@ -6933,7 +6939,7 @@
               <a:t>disintermediata</a:t>
             </a:r>
             <a:r>
-              <a:rPr lang="it-IT" sz="2400">
+              <a:rPr lang="it-IT" sz="2400" dirty="0">
                 <a:solidFill>
                   <a:schemeClr val="tx1"/>
                 </a:solidFill>
@@ -6944,7 +6950,7 @@
               <a:t> (meglio, diversamente intermediata), </a:t>
             </a:r>
             <a:r>
-              <a:rPr lang="it-IT" sz="2400" b="1">
+              <a:rPr lang="it-IT" sz="2400" b="1" dirty="0">
                 <a:solidFill>
                   <a:schemeClr val="tx1"/>
                 </a:solidFill>
@@ -6955,7 +6961,7 @@
               <a:t>certificata</a:t>
             </a:r>
             <a:r>
-              <a:rPr lang="it-IT" sz="2400">
+              <a:rPr lang="it-IT" sz="2400" dirty="0">
                 <a:solidFill>
                   <a:schemeClr val="tx1"/>
                 </a:solidFill>
@@ -6966,7 +6972,7 @@
               <a:t> e </a:t>
             </a:r>
             <a:r>
-              <a:rPr lang="it-IT" sz="2400" b="1">
+              <a:rPr lang="it-IT" sz="2400" b="1" dirty="0">
                 <a:solidFill>
                   <a:schemeClr val="tx1"/>
                 </a:solidFill>
@@ -6977,18 +6983,128 @@
               <a:t>immodificabile</a:t>
             </a:r>
             <a:r>
-              <a:rPr lang="it-IT" sz="2400">
-                <a:solidFill>
-                  <a:schemeClr val="tx1"/>
-                </a:solidFill>
-                <a:latin typeface="Tahoma" panose="020B0604030504040204" pitchFamily="34" charset="0"/>
-                <a:ea typeface="Tahoma" panose="020B0604030504040204" pitchFamily="34" charset="0"/>
-                <a:cs typeface="Tahoma" panose="020B0604030504040204" pitchFamily="34" charset="0"/>
-              </a:rPr>
-              <a:t>. Ma anche sugli incentivi economici: infatti i contratti di Ethereum, gestibili peer-to-peer, da persona a persona, “pagano” l’uso della sua potenza computazionale tramite un’unità di conto, la criptovaluta </a:t>
-            </a:r>
-            <a:r>
-              <a:rPr lang="it-IT" sz="2400" b="1">
+              <a:rPr lang="it-IT" sz="2400" dirty="0">
+                <a:solidFill>
+                  <a:schemeClr val="tx1"/>
+                </a:solidFill>
+                <a:latin typeface="Tahoma" panose="020B0604030504040204" pitchFamily="34" charset="0"/>
+                <a:ea typeface="Tahoma" panose="020B0604030504040204" pitchFamily="34" charset="0"/>
+                <a:cs typeface="Tahoma" panose="020B0604030504040204" pitchFamily="34" charset="0"/>
+              </a:rPr>
+              <a:t>. Ma anche sugli </a:t>
+            </a:r>
+            <a:r>
+              <a:rPr lang="it-IT" sz="2400" b="1" dirty="0">
+                <a:solidFill>
+                  <a:schemeClr val="tx1"/>
+                </a:solidFill>
+                <a:latin typeface="Tahoma" panose="020B0604030504040204" pitchFamily="34" charset="0"/>
+                <a:ea typeface="Tahoma" panose="020B0604030504040204" pitchFamily="34" charset="0"/>
+                <a:cs typeface="Tahoma" panose="020B0604030504040204" pitchFamily="34" charset="0"/>
+              </a:rPr>
+              <a:t>incentivi</a:t>
+            </a:r>
+            <a:r>
+              <a:rPr lang="it-IT" sz="2400" dirty="0">
+                <a:solidFill>
+                  <a:schemeClr val="tx1"/>
+                </a:solidFill>
+                <a:latin typeface="Tahoma" panose="020B0604030504040204" pitchFamily="34" charset="0"/>
+                <a:ea typeface="Tahoma" panose="020B0604030504040204" pitchFamily="34" charset="0"/>
+                <a:cs typeface="Tahoma" panose="020B0604030504040204" pitchFamily="34" charset="0"/>
+              </a:rPr>
+              <a:t> </a:t>
+            </a:r>
+            <a:r>
+              <a:rPr lang="it-IT" sz="2400" b="1" dirty="0">
+                <a:solidFill>
+                  <a:schemeClr val="tx1"/>
+                </a:solidFill>
+                <a:latin typeface="Tahoma" panose="020B0604030504040204" pitchFamily="34" charset="0"/>
+                <a:ea typeface="Tahoma" panose="020B0604030504040204" pitchFamily="34" charset="0"/>
+                <a:cs typeface="Tahoma" panose="020B0604030504040204" pitchFamily="34" charset="0"/>
+              </a:rPr>
+              <a:t>economici</a:t>
+            </a:r>
+            <a:r>
+              <a:rPr lang="it-IT" sz="2400" dirty="0">
+                <a:solidFill>
+                  <a:schemeClr val="tx1"/>
+                </a:solidFill>
+                <a:latin typeface="Tahoma" panose="020B0604030504040204" pitchFamily="34" charset="0"/>
+                <a:ea typeface="Tahoma" panose="020B0604030504040204" pitchFamily="34" charset="0"/>
+                <a:cs typeface="Tahoma" panose="020B0604030504040204" pitchFamily="34" charset="0"/>
+              </a:rPr>
+              <a:t>: infatti i contratti di </a:t>
+            </a:r>
+            <a:r>
+              <a:rPr lang="it-IT" sz="2400" b="1" dirty="0" err="1">
+                <a:solidFill>
+                  <a:schemeClr val="tx1"/>
+                </a:solidFill>
+                <a:latin typeface="Tahoma" panose="020B0604030504040204" pitchFamily="34" charset="0"/>
+                <a:ea typeface="Tahoma" panose="020B0604030504040204" pitchFamily="34" charset="0"/>
+                <a:cs typeface="Tahoma" panose="020B0604030504040204" pitchFamily="34" charset="0"/>
+              </a:rPr>
+              <a:t>Ethereum</a:t>
+            </a:r>
+            <a:r>
+              <a:rPr lang="it-IT" sz="2400" dirty="0">
+                <a:solidFill>
+                  <a:schemeClr val="tx1"/>
+                </a:solidFill>
+                <a:latin typeface="Tahoma" panose="020B0604030504040204" pitchFamily="34" charset="0"/>
+                <a:ea typeface="Tahoma" panose="020B0604030504040204" pitchFamily="34" charset="0"/>
+                <a:cs typeface="Tahoma" panose="020B0604030504040204" pitchFamily="34" charset="0"/>
+              </a:rPr>
+              <a:t>, gestibili peer-to-peer, da persona a persona, “pagano” l’uso della sua potenza </a:t>
+            </a:r>
+            <a:r>
+              <a:rPr lang="it-IT" sz="2400" b="1" dirty="0">
+                <a:solidFill>
+                  <a:schemeClr val="tx1"/>
+                </a:solidFill>
+                <a:latin typeface="Tahoma" panose="020B0604030504040204" pitchFamily="34" charset="0"/>
+                <a:ea typeface="Tahoma" panose="020B0604030504040204" pitchFamily="34" charset="0"/>
+                <a:cs typeface="Tahoma" panose="020B0604030504040204" pitchFamily="34" charset="0"/>
+              </a:rPr>
+              <a:t>computazionale</a:t>
+            </a:r>
+            <a:r>
+              <a:rPr lang="it-IT" sz="2400" dirty="0">
+                <a:solidFill>
+                  <a:schemeClr val="tx1"/>
+                </a:solidFill>
+                <a:latin typeface="Tahoma" panose="020B0604030504040204" pitchFamily="34" charset="0"/>
+                <a:ea typeface="Tahoma" panose="020B0604030504040204" pitchFamily="34" charset="0"/>
+                <a:cs typeface="Tahoma" panose="020B0604030504040204" pitchFamily="34" charset="0"/>
+              </a:rPr>
+              <a:t> tramite un’unità di conto, la </a:t>
+            </a:r>
+            <a:r>
+              <a:rPr lang="it-IT" sz="2400" dirty="0" err="1">
+                <a:solidFill>
+                  <a:schemeClr val="tx1"/>
+                </a:solidFill>
+                <a:latin typeface="Tahoma" panose="020B0604030504040204" pitchFamily="34" charset="0"/>
+                <a:ea typeface="Tahoma" panose="020B0604030504040204" pitchFamily="34" charset="0"/>
+                <a:cs typeface="Tahoma" panose="020B0604030504040204" pitchFamily="34" charset="0"/>
+              </a:rPr>
+              <a:t>criptovaluta</a:t>
+            </a:r>
+            <a:r>
+              <a:rPr lang="it-IT" sz="2400" dirty="0">
+                <a:solidFill>
+                  <a:schemeClr val="tx1"/>
+                </a:solidFill>
+                <a:latin typeface="Tahoma" panose="020B0604030504040204" pitchFamily="34" charset="0"/>
+                <a:ea typeface="Tahoma" panose="020B0604030504040204" pitchFamily="34" charset="0"/>
+                <a:cs typeface="Tahoma" panose="020B0604030504040204" pitchFamily="34" charset="0"/>
+              </a:rPr>
+              <a:t> </a:t>
+            </a:r>
+            <a:r>
+              <a:rPr lang="it-IT" sz="2400" b="1" dirty="0" err="1">
                 <a:solidFill>
                   <a:schemeClr val="tx1"/>
                 </a:solidFill>
@@ -6999,7 +7115,7 @@
               <a:t>ether</a:t>
             </a:r>
             <a:r>
-              <a:rPr lang="it-IT" sz="2400">
+              <a:rPr lang="it-IT" sz="2400" dirty="0">
                 <a:solidFill>
                   <a:schemeClr val="tx1"/>
                 </a:solidFill>
@@ -7016,7 +7132,7 @@
               <a:buChar char="ü"/>
             </a:pPr>
             <a:r>
-              <a:rPr lang="it-IT" sz="2400">
+              <a:rPr lang="it-IT" sz="2400" dirty="0">
                 <a:solidFill>
                   <a:schemeClr val="tx1"/>
                 </a:solidFill>
@@ -7027,7 +7143,7 @@
               <a:t>Se invii </a:t>
             </a:r>
             <a:r>
-              <a:rPr lang="it-IT" sz="2400" b="1">
+              <a:rPr lang="it-IT" sz="2400" b="1" dirty="0">
                 <a:solidFill>
                   <a:schemeClr val="tx1"/>
                 </a:solidFill>
@@ -7038,28 +7154,123 @@
               <a:t>ETH</a:t>
             </a:r>
             <a:r>
-              <a:rPr lang="it-IT" sz="2400">
-                <a:solidFill>
-                  <a:schemeClr val="tx1"/>
-                </a:solidFill>
-                <a:latin typeface="Tahoma" panose="020B0604030504040204" pitchFamily="34" charset="0"/>
-                <a:ea typeface="Tahoma" panose="020B0604030504040204" pitchFamily="34" charset="0"/>
-                <a:cs typeface="Tahoma" panose="020B0604030504040204" pitchFamily="34" charset="0"/>
-              </a:rPr>
-              <a:t> a un altro utente, i dati della transazione devono essere aggiunti a un blocco affinché l'operazione riesca. "Catena" si riferisce al fatto che ogni blocco fa riferimento crittograficamente al suo padre. In altre parole, i blocchi si incatenano tra loro.</a:t>
-            </a:r>
+              <a:rPr lang="it-IT" sz="2400" dirty="0">
+                <a:solidFill>
+                  <a:schemeClr val="tx1"/>
+                </a:solidFill>
+                <a:latin typeface="Tahoma" panose="020B0604030504040204" pitchFamily="34" charset="0"/>
+                <a:ea typeface="Tahoma" panose="020B0604030504040204" pitchFamily="34" charset="0"/>
+                <a:cs typeface="Tahoma" panose="020B0604030504040204" pitchFamily="34" charset="0"/>
+              </a:rPr>
+              <a:t> a un altro utente, i dati della </a:t>
+            </a:r>
+            <a:r>
+              <a:rPr lang="it-IT" sz="2400" b="1" dirty="0">
+                <a:solidFill>
+                  <a:schemeClr val="tx1"/>
+                </a:solidFill>
+                <a:latin typeface="Tahoma" panose="020B0604030504040204" pitchFamily="34" charset="0"/>
+                <a:ea typeface="Tahoma" panose="020B0604030504040204" pitchFamily="34" charset="0"/>
+                <a:cs typeface="Tahoma" panose="020B0604030504040204" pitchFamily="34" charset="0"/>
+              </a:rPr>
+              <a:t>transazione</a:t>
+            </a:r>
+            <a:r>
+              <a:rPr lang="it-IT" sz="2400" dirty="0">
+                <a:solidFill>
+                  <a:schemeClr val="tx1"/>
+                </a:solidFill>
+                <a:latin typeface="Tahoma" panose="020B0604030504040204" pitchFamily="34" charset="0"/>
+                <a:ea typeface="Tahoma" panose="020B0604030504040204" pitchFamily="34" charset="0"/>
+                <a:cs typeface="Tahoma" panose="020B0604030504040204" pitchFamily="34" charset="0"/>
+              </a:rPr>
+              <a:t> devono essere aggiunti a un blocco affinché l'operazione riesca. "</a:t>
+            </a:r>
+            <a:r>
+              <a:rPr lang="it-IT" sz="2400" b="1" dirty="0">
+                <a:solidFill>
+                  <a:schemeClr val="tx1"/>
+                </a:solidFill>
+                <a:latin typeface="Tahoma" panose="020B0604030504040204" pitchFamily="34" charset="0"/>
+                <a:ea typeface="Tahoma" panose="020B0604030504040204" pitchFamily="34" charset="0"/>
+                <a:cs typeface="Tahoma" panose="020B0604030504040204" pitchFamily="34" charset="0"/>
+              </a:rPr>
+              <a:t>Catena</a:t>
+            </a:r>
+            <a:r>
+              <a:rPr lang="it-IT" sz="2400" dirty="0">
+                <a:solidFill>
+                  <a:schemeClr val="tx1"/>
+                </a:solidFill>
+                <a:latin typeface="Tahoma" panose="020B0604030504040204" pitchFamily="34" charset="0"/>
+                <a:ea typeface="Tahoma" panose="020B0604030504040204" pitchFamily="34" charset="0"/>
+                <a:cs typeface="Tahoma" panose="020B0604030504040204" pitchFamily="34" charset="0"/>
+              </a:rPr>
+              <a:t>" si riferisce al fatto che ogni blocco fa riferimento </a:t>
+            </a:r>
+            <a:r>
+              <a:rPr lang="it-IT" sz="2400" b="1" dirty="0">
+                <a:solidFill>
+                  <a:schemeClr val="tx1"/>
+                </a:solidFill>
+                <a:latin typeface="Tahoma" panose="020B0604030504040204" pitchFamily="34" charset="0"/>
+                <a:ea typeface="Tahoma" panose="020B0604030504040204" pitchFamily="34" charset="0"/>
+                <a:cs typeface="Tahoma" panose="020B0604030504040204" pitchFamily="34" charset="0"/>
+              </a:rPr>
+              <a:t>crittograficamente</a:t>
+            </a:r>
+            <a:r>
+              <a:rPr lang="it-IT" sz="2400" dirty="0">
+                <a:solidFill>
+                  <a:schemeClr val="tx1"/>
+                </a:solidFill>
+                <a:latin typeface="Tahoma" panose="020B0604030504040204" pitchFamily="34" charset="0"/>
+                <a:ea typeface="Tahoma" panose="020B0604030504040204" pitchFamily="34" charset="0"/>
+                <a:cs typeface="Tahoma" panose="020B0604030504040204" pitchFamily="34" charset="0"/>
+              </a:rPr>
+              <a:t> al suo padre. In altre parole, i blocchi si incatenano tra </a:t>
+            </a:r>
+            <a:r>
+              <a:rPr lang="it-IT" sz="2400" dirty="0" smtClean="0">
+                <a:solidFill>
+                  <a:schemeClr val="tx1"/>
+                </a:solidFill>
+                <a:latin typeface="Tahoma" panose="020B0604030504040204" pitchFamily="34" charset="0"/>
+                <a:ea typeface="Tahoma" panose="020B0604030504040204" pitchFamily="34" charset="0"/>
+                <a:cs typeface="Tahoma" panose="020B0604030504040204" pitchFamily="34" charset="0"/>
+              </a:rPr>
+              <a:t>loro.</a:t>
+            </a:r>
+            <a:endParaRPr lang="it-IT" sz="2400" dirty="0">
+              <a:solidFill>
+                <a:schemeClr val="tx1"/>
+              </a:solidFill>
+              <a:latin typeface="Tahoma" panose="020B0604030504040204" pitchFamily="34" charset="0"/>
+              <a:ea typeface="Tahoma" panose="020B0604030504040204" pitchFamily="34" charset="0"/>
+              <a:cs typeface="Tahoma" panose="020B0604030504040204" pitchFamily="34" charset="0"/>
+            </a:endParaRPr>
           </a:p>
           <a:p>
-            <a:br>
-              <a:rPr lang="it-IT" sz="2400" b="0" i="0">
+            <a:r>
+              <a:rPr lang="it-IT" sz="2400" b="0" i="0" dirty="0">
                 <a:solidFill>
                   <a:srgbClr val="202124"/>
                 </a:solidFill>
                 <a:effectLst/>
                 <a:latin typeface="arial" panose="020B0604020202020204" pitchFamily="34" charset="0"/>
               </a:rPr>
+              <a:t/>
+            </a:r>
+            <a:br>
+              <a:rPr lang="it-IT" sz="2400" b="0" i="0" dirty="0">
+                <a:solidFill>
+                  <a:srgbClr val="202124"/>
+                </a:solidFill>
+                <a:effectLst/>
+                <a:latin typeface="arial" panose="020B0604020202020204" pitchFamily="34" charset="0"/>
+              </a:rPr>
             </a:br>
-            <a:endParaRPr lang="it-IT" sz="2400">
+            <a:endParaRPr lang="it-IT" sz="2400" dirty="0">
               <a:solidFill>
                 <a:schemeClr val="tx1"/>
               </a:solidFill>
@@ -7168,8 +7379,8 @@
         </p:blipFill>
         <p:spPr>
           <a:xfrm>
-            <a:off x="3488788" y="4783015"/>
-            <a:ext cx="8249187" cy="1979335"/>
+            <a:off x="3716594" y="4783015"/>
+            <a:ext cx="8021381" cy="1979335"/>
           </a:xfrm>
           <a:prstGeom prst="rect">
             <a:avLst/>
@@ -7246,15 +7457,235 @@
               </a:tabLst>
             </a:pPr>
             <a:r>
-              <a:rPr lang="it-IT" sz="2400">
-                <a:solidFill>
-                  <a:schemeClr val="tx1"/>
-                </a:solidFill>
-                <a:latin typeface="Tahoma" panose="020B0604030504040204" pitchFamily="34" charset="0"/>
-                <a:ea typeface="Tahoma" panose="020B0604030504040204" pitchFamily="34" charset="0"/>
-                <a:cs typeface="Tahoma" panose="020B0604030504040204" pitchFamily="34" charset="0"/>
-              </a:rPr>
-              <a:t>«In ambito assicurativo - racconta l’avvocato Salvatore Iannitti, partner di Norton Rose Fulbright - si è mossa anche Axa, prima grande compagnia a consentire rimborsi automatici su carta di credito per i ritardi dei voli aerei, grazie alla polizza Fizzy già attiva in Italia, acquistabile via web e basata su blockchain (anche qui Ethereum, ndr). </a:t>
+              <a:rPr lang="it-IT" sz="2400" dirty="0">
+                <a:solidFill>
+                  <a:schemeClr val="tx1"/>
+                </a:solidFill>
+                <a:latin typeface="Tahoma" panose="020B0604030504040204" pitchFamily="34" charset="0"/>
+                <a:ea typeface="Tahoma" panose="020B0604030504040204" pitchFamily="34" charset="0"/>
+                <a:cs typeface="Tahoma" panose="020B0604030504040204" pitchFamily="34" charset="0"/>
+              </a:rPr>
+              <a:t>«In ambito </a:t>
+            </a:r>
+            <a:r>
+              <a:rPr lang="it-IT" sz="2400" b="1" dirty="0">
+                <a:solidFill>
+                  <a:schemeClr val="tx1"/>
+                </a:solidFill>
+                <a:latin typeface="Tahoma" panose="020B0604030504040204" pitchFamily="34" charset="0"/>
+                <a:ea typeface="Tahoma" panose="020B0604030504040204" pitchFamily="34" charset="0"/>
+                <a:cs typeface="Tahoma" panose="020B0604030504040204" pitchFamily="34" charset="0"/>
+              </a:rPr>
+              <a:t>assicurativo</a:t>
+            </a:r>
+            <a:r>
+              <a:rPr lang="it-IT" sz="2400" dirty="0">
+                <a:solidFill>
+                  <a:schemeClr val="tx1"/>
+                </a:solidFill>
+                <a:latin typeface="Tahoma" panose="020B0604030504040204" pitchFamily="34" charset="0"/>
+                <a:ea typeface="Tahoma" panose="020B0604030504040204" pitchFamily="34" charset="0"/>
+                <a:cs typeface="Tahoma" panose="020B0604030504040204" pitchFamily="34" charset="0"/>
+              </a:rPr>
+              <a:t> - racconta l’avvocato Salvatore </a:t>
+            </a:r>
+            <a:r>
+              <a:rPr lang="it-IT" sz="2400" dirty="0" err="1">
+                <a:solidFill>
+                  <a:schemeClr val="tx1"/>
+                </a:solidFill>
+                <a:latin typeface="Tahoma" panose="020B0604030504040204" pitchFamily="34" charset="0"/>
+                <a:ea typeface="Tahoma" panose="020B0604030504040204" pitchFamily="34" charset="0"/>
+                <a:cs typeface="Tahoma" panose="020B0604030504040204" pitchFamily="34" charset="0"/>
+              </a:rPr>
+              <a:t>Iannitti</a:t>
+            </a:r>
+            <a:r>
+              <a:rPr lang="it-IT" sz="2400" dirty="0">
+                <a:solidFill>
+                  <a:schemeClr val="tx1"/>
+                </a:solidFill>
+                <a:latin typeface="Tahoma" panose="020B0604030504040204" pitchFamily="34" charset="0"/>
+                <a:ea typeface="Tahoma" panose="020B0604030504040204" pitchFamily="34" charset="0"/>
+                <a:cs typeface="Tahoma" panose="020B0604030504040204" pitchFamily="34" charset="0"/>
+              </a:rPr>
+              <a:t>, partner di Norton Rose </a:t>
+            </a:r>
+            <a:r>
+              <a:rPr lang="it-IT" sz="2400" dirty="0" err="1">
+                <a:solidFill>
+                  <a:schemeClr val="tx1"/>
+                </a:solidFill>
+                <a:latin typeface="Tahoma" panose="020B0604030504040204" pitchFamily="34" charset="0"/>
+                <a:ea typeface="Tahoma" panose="020B0604030504040204" pitchFamily="34" charset="0"/>
+                <a:cs typeface="Tahoma" panose="020B0604030504040204" pitchFamily="34" charset="0"/>
+              </a:rPr>
+              <a:t>Fulbright</a:t>
+            </a:r>
+            <a:r>
+              <a:rPr lang="it-IT" sz="2400" dirty="0">
+                <a:solidFill>
+                  <a:schemeClr val="tx1"/>
+                </a:solidFill>
+                <a:latin typeface="Tahoma" panose="020B0604030504040204" pitchFamily="34" charset="0"/>
+                <a:ea typeface="Tahoma" panose="020B0604030504040204" pitchFamily="34" charset="0"/>
+                <a:cs typeface="Tahoma" panose="020B0604030504040204" pitchFamily="34" charset="0"/>
+              </a:rPr>
+              <a:t> - si è mossa anche </a:t>
+            </a:r>
+            <a:r>
+              <a:rPr lang="it-IT" sz="2400" dirty="0" err="1">
+                <a:solidFill>
+                  <a:schemeClr val="tx1"/>
+                </a:solidFill>
+                <a:latin typeface="Tahoma" panose="020B0604030504040204" pitchFamily="34" charset="0"/>
+                <a:ea typeface="Tahoma" panose="020B0604030504040204" pitchFamily="34" charset="0"/>
+                <a:cs typeface="Tahoma" panose="020B0604030504040204" pitchFamily="34" charset="0"/>
+              </a:rPr>
+              <a:t>Axa</a:t>
+            </a:r>
+            <a:r>
+              <a:rPr lang="it-IT" sz="2400" dirty="0">
+                <a:solidFill>
+                  <a:schemeClr val="tx1"/>
+                </a:solidFill>
+                <a:latin typeface="Tahoma" panose="020B0604030504040204" pitchFamily="34" charset="0"/>
+                <a:ea typeface="Tahoma" panose="020B0604030504040204" pitchFamily="34" charset="0"/>
+                <a:cs typeface="Tahoma" panose="020B0604030504040204" pitchFamily="34" charset="0"/>
+              </a:rPr>
+              <a:t>, prima grande compagnia a consentire </a:t>
+            </a:r>
+            <a:r>
+              <a:rPr lang="it-IT" sz="2400" b="1" dirty="0">
+                <a:solidFill>
+                  <a:schemeClr val="tx1"/>
+                </a:solidFill>
+                <a:latin typeface="Tahoma" panose="020B0604030504040204" pitchFamily="34" charset="0"/>
+                <a:ea typeface="Tahoma" panose="020B0604030504040204" pitchFamily="34" charset="0"/>
+                <a:cs typeface="Tahoma" panose="020B0604030504040204" pitchFamily="34" charset="0"/>
+              </a:rPr>
+              <a:t>rimborsi</a:t>
+            </a:r>
+            <a:r>
+              <a:rPr lang="it-IT" sz="2400" dirty="0">
+                <a:solidFill>
+                  <a:schemeClr val="tx1"/>
+                </a:solidFill>
+                <a:latin typeface="Tahoma" panose="020B0604030504040204" pitchFamily="34" charset="0"/>
+                <a:ea typeface="Tahoma" panose="020B0604030504040204" pitchFamily="34" charset="0"/>
+                <a:cs typeface="Tahoma" panose="020B0604030504040204" pitchFamily="34" charset="0"/>
+              </a:rPr>
+              <a:t> </a:t>
+            </a:r>
+            <a:r>
+              <a:rPr lang="it-IT" sz="2400" b="1" dirty="0">
+                <a:solidFill>
+                  <a:schemeClr val="tx1"/>
+                </a:solidFill>
+                <a:latin typeface="Tahoma" panose="020B0604030504040204" pitchFamily="34" charset="0"/>
+                <a:ea typeface="Tahoma" panose="020B0604030504040204" pitchFamily="34" charset="0"/>
+                <a:cs typeface="Tahoma" panose="020B0604030504040204" pitchFamily="34" charset="0"/>
+              </a:rPr>
+              <a:t>automatici</a:t>
+            </a:r>
+            <a:r>
+              <a:rPr lang="it-IT" sz="2400" dirty="0">
+                <a:solidFill>
+                  <a:schemeClr val="tx1"/>
+                </a:solidFill>
+                <a:latin typeface="Tahoma" panose="020B0604030504040204" pitchFamily="34" charset="0"/>
+                <a:ea typeface="Tahoma" panose="020B0604030504040204" pitchFamily="34" charset="0"/>
+                <a:cs typeface="Tahoma" panose="020B0604030504040204" pitchFamily="34" charset="0"/>
+              </a:rPr>
+              <a:t> su carta di credito per i ritardi dei voli aerei, grazie alla polizza </a:t>
+            </a:r>
+            <a:r>
+              <a:rPr lang="it-IT" sz="2400" b="1" dirty="0" err="1">
+                <a:solidFill>
+                  <a:schemeClr val="tx1"/>
+                </a:solidFill>
+                <a:latin typeface="Tahoma" panose="020B0604030504040204" pitchFamily="34" charset="0"/>
+                <a:ea typeface="Tahoma" panose="020B0604030504040204" pitchFamily="34" charset="0"/>
+                <a:cs typeface="Tahoma" panose="020B0604030504040204" pitchFamily="34" charset="0"/>
+              </a:rPr>
+              <a:t>Fizzy</a:t>
+            </a:r>
+            <a:r>
+              <a:rPr lang="it-IT" sz="2400" dirty="0">
+                <a:solidFill>
+                  <a:schemeClr val="tx1"/>
+                </a:solidFill>
+                <a:latin typeface="Tahoma" panose="020B0604030504040204" pitchFamily="34" charset="0"/>
+                <a:ea typeface="Tahoma" panose="020B0604030504040204" pitchFamily="34" charset="0"/>
+                <a:cs typeface="Tahoma" panose="020B0604030504040204" pitchFamily="34" charset="0"/>
+              </a:rPr>
+              <a:t> già attiva in Italia, acquistabile via web e basata su </a:t>
+            </a:r>
+            <a:r>
+              <a:rPr lang="it-IT" sz="2400" b="1" dirty="0" err="1">
+                <a:solidFill>
+                  <a:schemeClr val="tx1"/>
+                </a:solidFill>
+                <a:latin typeface="Tahoma" panose="020B0604030504040204" pitchFamily="34" charset="0"/>
+                <a:ea typeface="Tahoma" panose="020B0604030504040204" pitchFamily="34" charset="0"/>
+                <a:cs typeface="Tahoma" panose="020B0604030504040204" pitchFamily="34" charset="0"/>
+              </a:rPr>
+              <a:t>blockchain</a:t>
+            </a:r>
+            <a:r>
+              <a:rPr lang="it-IT" sz="2400" dirty="0">
+                <a:solidFill>
+                  <a:schemeClr val="tx1"/>
+                </a:solidFill>
+                <a:latin typeface="Tahoma" panose="020B0604030504040204" pitchFamily="34" charset="0"/>
+                <a:ea typeface="Tahoma" panose="020B0604030504040204" pitchFamily="34" charset="0"/>
+                <a:cs typeface="Tahoma" panose="020B0604030504040204" pitchFamily="34" charset="0"/>
+              </a:rPr>
+              <a:t> (anche qui </a:t>
+            </a:r>
+            <a:r>
+              <a:rPr lang="it-IT" sz="2400" b="1" dirty="0" err="1">
+                <a:solidFill>
+                  <a:schemeClr val="tx1"/>
+                </a:solidFill>
+                <a:latin typeface="Tahoma" panose="020B0604030504040204" pitchFamily="34" charset="0"/>
+                <a:ea typeface="Tahoma" panose="020B0604030504040204" pitchFamily="34" charset="0"/>
+                <a:cs typeface="Tahoma" panose="020B0604030504040204" pitchFamily="34" charset="0"/>
+              </a:rPr>
+              <a:t>Ethereum</a:t>
+            </a:r>
+            <a:r>
+              <a:rPr lang="it-IT" sz="2400" dirty="0">
+                <a:solidFill>
+                  <a:schemeClr val="tx1"/>
+                </a:solidFill>
+                <a:latin typeface="Tahoma" panose="020B0604030504040204" pitchFamily="34" charset="0"/>
+                <a:ea typeface="Tahoma" panose="020B0604030504040204" pitchFamily="34" charset="0"/>
+                <a:cs typeface="Tahoma" panose="020B0604030504040204" pitchFamily="34" charset="0"/>
+              </a:rPr>
+              <a:t>, </a:t>
+            </a:r>
+            <a:r>
+              <a:rPr lang="it-IT" sz="2400" dirty="0" err="1">
+                <a:solidFill>
+                  <a:schemeClr val="tx1"/>
+                </a:solidFill>
+                <a:latin typeface="Tahoma" panose="020B0604030504040204" pitchFamily="34" charset="0"/>
+                <a:ea typeface="Tahoma" panose="020B0604030504040204" pitchFamily="34" charset="0"/>
+                <a:cs typeface="Tahoma" panose="020B0604030504040204" pitchFamily="34" charset="0"/>
+              </a:rPr>
+              <a:t>ndr</a:t>
+            </a:r>
+            <a:r>
+              <a:rPr lang="it-IT" sz="2400" dirty="0">
+                <a:solidFill>
+                  <a:schemeClr val="tx1"/>
+                </a:solidFill>
+                <a:latin typeface="Tahoma" panose="020B0604030504040204" pitchFamily="34" charset="0"/>
+                <a:ea typeface="Tahoma" panose="020B0604030504040204" pitchFamily="34" charset="0"/>
+                <a:cs typeface="Tahoma" panose="020B0604030504040204" pitchFamily="34" charset="0"/>
+              </a:rPr>
+              <a:t>). </a:t>
             </a:r>
           </a:p>
           <a:p>
@@ -7272,15 +7703,147 @@
               </a:tabLst>
             </a:pPr>
             <a:r>
-              <a:rPr lang="it-IT" sz="2400">
-                <a:solidFill>
-                  <a:schemeClr val="tx1"/>
-                </a:solidFill>
-                <a:latin typeface="Tahoma" panose="020B0604030504040204" pitchFamily="34" charset="0"/>
-                <a:ea typeface="Tahoma" panose="020B0604030504040204" pitchFamily="34" charset="0"/>
-                <a:cs typeface="Tahoma" panose="020B0604030504040204" pitchFamily="34" charset="0"/>
-              </a:rPr>
-              <a:t>E un altro esempio è nella logistica, dove il colosso Maersk, con società assicurative come Ms Amlin e Axa Xl, ha avviato una piattaforma che sfrutta la blockchain per certificare le movimentazioni delle merci tra i vari porti».</a:t>
+              <a:rPr lang="it-IT" sz="2400" dirty="0">
+                <a:solidFill>
+                  <a:schemeClr val="tx1"/>
+                </a:solidFill>
+                <a:latin typeface="Tahoma" panose="020B0604030504040204" pitchFamily="34" charset="0"/>
+                <a:ea typeface="Tahoma" panose="020B0604030504040204" pitchFamily="34" charset="0"/>
+                <a:cs typeface="Tahoma" panose="020B0604030504040204" pitchFamily="34" charset="0"/>
+              </a:rPr>
+              <a:t>E un altro esempio è nella logistica, dove il colosso </a:t>
+            </a:r>
+            <a:r>
+              <a:rPr lang="it-IT" sz="2400" dirty="0" err="1">
+                <a:solidFill>
+                  <a:schemeClr val="tx1"/>
+                </a:solidFill>
+                <a:latin typeface="Tahoma" panose="020B0604030504040204" pitchFamily="34" charset="0"/>
+                <a:ea typeface="Tahoma" panose="020B0604030504040204" pitchFamily="34" charset="0"/>
+                <a:cs typeface="Tahoma" panose="020B0604030504040204" pitchFamily="34" charset="0"/>
+              </a:rPr>
+              <a:t>Maersk</a:t>
+            </a:r>
+            <a:r>
+              <a:rPr lang="it-IT" sz="2400" dirty="0">
+                <a:solidFill>
+                  <a:schemeClr val="tx1"/>
+                </a:solidFill>
+                <a:latin typeface="Tahoma" panose="020B0604030504040204" pitchFamily="34" charset="0"/>
+                <a:ea typeface="Tahoma" panose="020B0604030504040204" pitchFamily="34" charset="0"/>
+                <a:cs typeface="Tahoma" panose="020B0604030504040204" pitchFamily="34" charset="0"/>
+              </a:rPr>
+              <a:t>, con società assicurative come </a:t>
+            </a:r>
+            <a:r>
+              <a:rPr lang="it-IT" sz="2400" dirty="0" err="1">
+                <a:solidFill>
+                  <a:schemeClr val="tx1"/>
+                </a:solidFill>
+                <a:latin typeface="Tahoma" panose="020B0604030504040204" pitchFamily="34" charset="0"/>
+                <a:ea typeface="Tahoma" panose="020B0604030504040204" pitchFamily="34" charset="0"/>
+                <a:cs typeface="Tahoma" panose="020B0604030504040204" pitchFamily="34" charset="0"/>
+              </a:rPr>
+              <a:t>Ms</a:t>
+            </a:r>
+            <a:r>
+              <a:rPr lang="it-IT" sz="2400" dirty="0">
+                <a:solidFill>
+                  <a:schemeClr val="tx1"/>
+                </a:solidFill>
+                <a:latin typeface="Tahoma" panose="020B0604030504040204" pitchFamily="34" charset="0"/>
+                <a:ea typeface="Tahoma" panose="020B0604030504040204" pitchFamily="34" charset="0"/>
+                <a:cs typeface="Tahoma" panose="020B0604030504040204" pitchFamily="34" charset="0"/>
+              </a:rPr>
+              <a:t> </a:t>
+            </a:r>
+            <a:r>
+              <a:rPr lang="it-IT" sz="2400" dirty="0" err="1">
+                <a:solidFill>
+                  <a:schemeClr val="tx1"/>
+                </a:solidFill>
+                <a:latin typeface="Tahoma" panose="020B0604030504040204" pitchFamily="34" charset="0"/>
+                <a:ea typeface="Tahoma" panose="020B0604030504040204" pitchFamily="34" charset="0"/>
+                <a:cs typeface="Tahoma" panose="020B0604030504040204" pitchFamily="34" charset="0"/>
+              </a:rPr>
+              <a:t>Amlin</a:t>
+            </a:r>
+            <a:r>
+              <a:rPr lang="it-IT" sz="2400" dirty="0">
+                <a:solidFill>
+                  <a:schemeClr val="tx1"/>
+                </a:solidFill>
+                <a:latin typeface="Tahoma" panose="020B0604030504040204" pitchFamily="34" charset="0"/>
+                <a:ea typeface="Tahoma" panose="020B0604030504040204" pitchFamily="34" charset="0"/>
+                <a:cs typeface="Tahoma" panose="020B0604030504040204" pitchFamily="34" charset="0"/>
+              </a:rPr>
+              <a:t> e </a:t>
+            </a:r>
+            <a:r>
+              <a:rPr lang="it-IT" sz="2400" dirty="0" err="1">
+                <a:solidFill>
+                  <a:schemeClr val="tx1"/>
+                </a:solidFill>
+                <a:latin typeface="Tahoma" panose="020B0604030504040204" pitchFamily="34" charset="0"/>
+                <a:ea typeface="Tahoma" panose="020B0604030504040204" pitchFamily="34" charset="0"/>
+                <a:cs typeface="Tahoma" panose="020B0604030504040204" pitchFamily="34" charset="0"/>
+              </a:rPr>
+              <a:t>Axa</a:t>
+            </a:r>
+            <a:r>
+              <a:rPr lang="it-IT" sz="2400" dirty="0">
+                <a:solidFill>
+                  <a:schemeClr val="tx1"/>
+                </a:solidFill>
+                <a:latin typeface="Tahoma" panose="020B0604030504040204" pitchFamily="34" charset="0"/>
+                <a:ea typeface="Tahoma" panose="020B0604030504040204" pitchFamily="34" charset="0"/>
+                <a:cs typeface="Tahoma" panose="020B0604030504040204" pitchFamily="34" charset="0"/>
+              </a:rPr>
+              <a:t> </a:t>
+            </a:r>
+            <a:r>
+              <a:rPr lang="it-IT" sz="2400" dirty="0" err="1">
+                <a:solidFill>
+                  <a:schemeClr val="tx1"/>
+                </a:solidFill>
+                <a:latin typeface="Tahoma" panose="020B0604030504040204" pitchFamily="34" charset="0"/>
+                <a:ea typeface="Tahoma" panose="020B0604030504040204" pitchFamily="34" charset="0"/>
+                <a:cs typeface="Tahoma" panose="020B0604030504040204" pitchFamily="34" charset="0"/>
+              </a:rPr>
+              <a:t>Xl</a:t>
+            </a:r>
+            <a:r>
+              <a:rPr lang="it-IT" sz="2400" dirty="0">
+                <a:solidFill>
+                  <a:schemeClr val="tx1"/>
+                </a:solidFill>
+                <a:latin typeface="Tahoma" panose="020B0604030504040204" pitchFamily="34" charset="0"/>
+                <a:ea typeface="Tahoma" panose="020B0604030504040204" pitchFamily="34" charset="0"/>
+                <a:cs typeface="Tahoma" panose="020B0604030504040204" pitchFamily="34" charset="0"/>
+              </a:rPr>
+              <a:t>, ha avviato una piattaforma che sfrutta la </a:t>
+            </a:r>
+            <a:r>
+              <a:rPr lang="it-IT" sz="2400" b="1" dirty="0" err="1">
+                <a:solidFill>
+                  <a:schemeClr val="tx1"/>
+                </a:solidFill>
+                <a:latin typeface="Tahoma" panose="020B0604030504040204" pitchFamily="34" charset="0"/>
+                <a:ea typeface="Tahoma" panose="020B0604030504040204" pitchFamily="34" charset="0"/>
+                <a:cs typeface="Tahoma" panose="020B0604030504040204" pitchFamily="34" charset="0"/>
+              </a:rPr>
+              <a:t>blockchain</a:t>
+            </a:r>
+            <a:r>
+              <a:rPr lang="it-IT" sz="2400" dirty="0">
+                <a:solidFill>
+                  <a:schemeClr val="tx1"/>
+                </a:solidFill>
+                <a:latin typeface="Tahoma" panose="020B0604030504040204" pitchFamily="34" charset="0"/>
+                <a:ea typeface="Tahoma" panose="020B0604030504040204" pitchFamily="34" charset="0"/>
+                <a:cs typeface="Tahoma" panose="020B0604030504040204" pitchFamily="34" charset="0"/>
+              </a:rPr>
+              <a:t> per certificare le movimentazioni delle merci tra i vari porti».</a:t>
             </a:r>
           </a:p>
         </p:txBody>
@@ -7447,7 +8010,7 @@
         <p:spPr>
           <a:xfrm>
             <a:off x="323469" y="1305471"/>
-            <a:ext cx="8693922" cy="1901963"/>
+            <a:ext cx="7473512" cy="1919510"/>
           </a:xfrm>
         </p:spPr>
         <p:txBody>
@@ -7468,7 +8031,7 @@
               </a:tabLst>
             </a:pPr>
             <a:r>
-              <a:rPr lang="it-IT" sz="2400">
+              <a:rPr lang="it-IT" sz="2400" dirty="0">
                 <a:solidFill>
                   <a:schemeClr val="tx1"/>
                 </a:solidFill>
@@ -7479,7 +8042,7 @@
               <a:t>Lo studio </a:t>
             </a:r>
             <a:r>
-              <a:rPr lang="it-IT" sz="2400" b="1">
+              <a:rPr lang="it-IT" sz="2400" b="1" dirty="0">
                 <a:solidFill>
                   <a:schemeClr val="tx1"/>
                 </a:solidFill>
@@ -7490,7 +8053,7 @@
               <a:t>Norton</a:t>
             </a:r>
             <a:r>
-              <a:rPr lang="it-IT" sz="2400">
+              <a:rPr lang="it-IT" sz="2400" dirty="0">
                 <a:solidFill>
                   <a:schemeClr val="tx1"/>
                 </a:solidFill>
@@ -7501,7 +8064,7 @@
               <a:t> </a:t>
             </a:r>
             <a:r>
-              <a:rPr lang="it-IT" sz="2400" b="1">
+              <a:rPr lang="it-IT" sz="2400" b="1" dirty="0">
                 <a:solidFill>
                   <a:schemeClr val="tx1"/>
                 </a:solidFill>
@@ -7512,7 +8075,7 @@
               <a:t>Rose</a:t>
             </a:r>
             <a:r>
-              <a:rPr lang="it-IT" sz="2400">
+              <a:rPr lang="it-IT" sz="2400" dirty="0">
                 <a:solidFill>
                   <a:schemeClr val="tx1"/>
                 </a:solidFill>
@@ -7523,7 +8086,7 @@
               <a:t> </a:t>
             </a:r>
             <a:r>
-              <a:rPr lang="it-IT" sz="2400" b="1">
+              <a:rPr lang="it-IT" sz="2400" b="1" dirty="0" err="1">
                 <a:solidFill>
                   <a:schemeClr val="tx1"/>
                 </a:solidFill>
@@ -7534,18 +8097,62 @@
               <a:t>Fulbright</a:t>
             </a:r>
             <a:r>
-              <a:rPr lang="it-IT" sz="2400">
-                <a:solidFill>
-                  <a:schemeClr val="tx1"/>
-                </a:solidFill>
-                <a:latin typeface="Tahoma" panose="020B0604030504040204" pitchFamily="34" charset="0"/>
-                <a:ea typeface="Tahoma" panose="020B0604030504040204" pitchFamily="34" charset="0"/>
-                <a:cs typeface="Tahoma" panose="020B0604030504040204" pitchFamily="34" charset="0"/>
-              </a:rPr>
-              <a:t>, che ha collaborato a questi progetti, sta ora sviluppando dei prototipi di smart contract per la liquidazione degli indennizzi nelle operazioni M&amp;A. «Accorciare i tempi per ottenere le somme depositate in garanzia, attraverso un “</a:t>
-            </a:r>
-            <a:r>
-              <a:rPr lang="it-IT" sz="2400" b="1">
+              <a:rPr lang="it-IT" sz="2400" dirty="0">
+                <a:solidFill>
+                  <a:schemeClr val="tx1"/>
+                </a:solidFill>
+                <a:latin typeface="Tahoma" panose="020B0604030504040204" pitchFamily="34" charset="0"/>
+                <a:ea typeface="Tahoma" panose="020B0604030504040204" pitchFamily="34" charset="0"/>
+                <a:cs typeface="Tahoma" panose="020B0604030504040204" pitchFamily="34" charset="0"/>
+              </a:rPr>
+              <a:t>, che ha collaborato a questi progetti, sta ora sviluppando dei prototipi di </a:t>
+            </a:r>
+            <a:r>
+              <a:rPr lang="it-IT" sz="2400" b="1" dirty="0" err="1">
+                <a:solidFill>
+                  <a:schemeClr val="tx1"/>
+                </a:solidFill>
+                <a:latin typeface="Tahoma" panose="020B0604030504040204" pitchFamily="34" charset="0"/>
+                <a:ea typeface="Tahoma" panose="020B0604030504040204" pitchFamily="34" charset="0"/>
+                <a:cs typeface="Tahoma" panose="020B0604030504040204" pitchFamily="34" charset="0"/>
+              </a:rPr>
+              <a:t>smart</a:t>
+            </a:r>
+            <a:r>
+              <a:rPr lang="it-IT" sz="2400" dirty="0">
+                <a:solidFill>
+                  <a:schemeClr val="tx1"/>
+                </a:solidFill>
+                <a:latin typeface="Tahoma" panose="020B0604030504040204" pitchFamily="34" charset="0"/>
+                <a:ea typeface="Tahoma" panose="020B0604030504040204" pitchFamily="34" charset="0"/>
+                <a:cs typeface="Tahoma" panose="020B0604030504040204" pitchFamily="34" charset="0"/>
+              </a:rPr>
+              <a:t> </a:t>
+            </a:r>
+            <a:r>
+              <a:rPr lang="it-IT" sz="2400" b="1" dirty="0" err="1">
+                <a:solidFill>
+                  <a:schemeClr val="tx1"/>
+                </a:solidFill>
+                <a:latin typeface="Tahoma" panose="020B0604030504040204" pitchFamily="34" charset="0"/>
+                <a:ea typeface="Tahoma" panose="020B0604030504040204" pitchFamily="34" charset="0"/>
+                <a:cs typeface="Tahoma" panose="020B0604030504040204" pitchFamily="34" charset="0"/>
+              </a:rPr>
+              <a:t>contract</a:t>
+            </a:r>
+            <a:r>
+              <a:rPr lang="it-IT" sz="2400" dirty="0">
+                <a:solidFill>
+                  <a:schemeClr val="tx1"/>
+                </a:solidFill>
+                <a:latin typeface="Tahoma" panose="020B0604030504040204" pitchFamily="34" charset="0"/>
+                <a:ea typeface="Tahoma" panose="020B0604030504040204" pitchFamily="34" charset="0"/>
+                <a:cs typeface="Tahoma" panose="020B0604030504040204" pitchFamily="34" charset="0"/>
+              </a:rPr>
+              <a:t> per la liquidazione degli indennizzi nelle operazioni M&amp;A. «Accorciare i tempi per ottenere le somme depositate in garanzia, attraverso un “</a:t>
+            </a:r>
+            <a:r>
+              <a:rPr lang="it-IT" sz="2400" b="1" dirty="0" err="1">
                 <a:solidFill>
                   <a:schemeClr val="tx1"/>
                 </a:solidFill>
@@ -7556,7 +8163,7 @@
               <a:t>escrow</a:t>
             </a:r>
             <a:r>
-              <a:rPr lang="it-IT" sz="2400">
+              <a:rPr lang="it-IT" sz="2400" dirty="0">
                 <a:solidFill>
                   <a:schemeClr val="tx1"/>
                 </a:solidFill>
@@ -7567,7 +8174,7 @@
               <a:t> </a:t>
             </a:r>
             <a:r>
-              <a:rPr lang="it-IT" sz="2400" b="1">
+              <a:rPr lang="it-IT" sz="2400" b="1" dirty="0" err="1">
                 <a:solidFill>
                   <a:schemeClr val="tx1"/>
                 </a:solidFill>
@@ -7578,15 +8185,48 @@
               <a:t>agreement</a:t>
             </a:r>
             <a:r>
-              <a:rPr lang="it-IT" sz="2400">
-                <a:solidFill>
-                  <a:schemeClr val="tx1"/>
-                </a:solidFill>
-                <a:latin typeface="Tahoma" panose="020B0604030504040204" pitchFamily="34" charset="0"/>
-                <a:ea typeface="Tahoma" panose="020B0604030504040204" pitchFamily="34" charset="0"/>
-                <a:cs typeface="Tahoma" panose="020B0604030504040204" pitchFamily="34" charset="0"/>
-              </a:rPr>
-              <a:t>” automatizzato, può favorire - osserva Iannitti - soprattutto le transazioni delle medie imprese».</a:t>
+              <a:rPr lang="it-IT" sz="2400" dirty="0">
+                <a:solidFill>
+                  <a:schemeClr val="tx1"/>
+                </a:solidFill>
+                <a:latin typeface="Tahoma" panose="020B0604030504040204" pitchFamily="34" charset="0"/>
+                <a:ea typeface="Tahoma" panose="020B0604030504040204" pitchFamily="34" charset="0"/>
+                <a:cs typeface="Tahoma" panose="020B0604030504040204" pitchFamily="34" charset="0"/>
+              </a:rPr>
+              <a:t>” automatizzato, può favorire - osserva </a:t>
+            </a:r>
+            <a:r>
+              <a:rPr lang="it-IT" sz="2400" dirty="0" err="1">
+                <a:solidFill>
+                  <a:schemeClr val="tx1"/>
+                </a:solidFill>
+                <a:latin typeface="Tahoma" panose="020B0604030504040204" pitchFamily="34" charset="0"/>
+                <a:ea typeface="Tahoma" panose="020B0604030504040204" pitchFamily="34" charset="0"/>
+                <a:cs typeface="Tahoma" panose="020B0604030504040204" pitchFamily="34" charset="0"/>
+              </a:rPr>
+              <a:t>Iannitti</a:t>
+            </a:r>
+            <a:r>
+              <a:rPr lang="it-IT" sz="2400" dirty="0">
+                <a:solidFill>
+                  <a:schemeClr val="tx1"/>
+                </a:solidFill>
+                <a:latin typeface="Tahoma" panose="020B0604030504040204" pitchFamily="34" charset="0"/>
+                <a:ea typeface="Tahoma" panose="020B0604030504040204" pitchFamily="34" charset="0"/>
+                <a:cs typeface="Tahoma" panose="020B0604030504040204" pitchFamily="34" charset="0"/>
+              </a:rPr>
+              <a:t> - soprattutto le transazioni delle medie imprese</a:t>
+            </a:r>
+            <a:r>
+              <a:rPr lang="it-IT" sz="2400" dirty="0" smtClean="0">
+                <a:solidFill>
+                  <a:schemeClr val="tx1"/>
+                </a:solidFill>
+                <a:latin typeface="Tahoma" panose="020B0604030504040204" pitchFamily="34" charset="0"/>
+                <a:ea typeface="Tahoma" panose="020B0604030504040204" pitchFamily="34" charset="0"/>
+                <a:cs typeface="Tahoma" panose="020B0604030504040204" pitchFamily="34" charset="0"/>
+              </a:rPr>
+              <a:t>».</a:t>
             </a:r>
           </a:p>
           <a:p>
@@ -7603,14 +8243,61 @@
                 <a:tab pos="457200" algn="l"/>
               </a:tabLst>
             </a:pPr>
-            <a:endParaRPr lang="it-IT" sz="2400">
-              <a:solidFill>
-                <a:schemeClr val="tx1"/>
-              </a:solidFill>
-              <a:latin typeface="Tahoma" panose="020B0604030504040204" pitchFamily="34" charset="0"/>
-              <a:ea typeface="Tahoma" panose="020B0604030504040204" pitchFamily="34" charset="0"/>
-              <a:cs typeface="Tahoma" panose="020B0604030504040204" pitchFamily="34" charset="0"/>
-            </a:endParaRPr>
+            <a:r>
+              <a:rPr lang="it-IT" sz="2400" dirty="0">
+                <a:solidFill>
+                  <a:schemeClr val="tx1"/>
+                </a:solidFill>
+                <a:latin typeface="Tahoma" panose="020B0604030504040204" pitchFamily="34" charset="0"/>
+                <a:ea typeface="Tahoma" panose="020B0604030504040204" pitchFamily="34" charset="0"/>
+                <a:cs typeface="Tahoma" panose="020B0604030504040204" pitchFamily="34" charset="0"/>
+              </a:rPr>
+              <a:t>C’è anche la </a:t>
+            </a:r>
+            <a:r>
+              <a:rPr lang="it-IT" sz="2400" b="1" dirty="0">
+                <a:solidFill>
+                  <a:schemeClr val="tx1"/>
+                </a:solidFill>
+                <a:latin typeface="Tahoma" panose="020B0604030504040204" pitchFamily="34" charset="0"/>
+                <a:ea typeface="Tahoma" panose="020B0604030504040204" pitchFamily="34" charset="0"/>
+                <a:cs typeface="Tahoma" panose="020B0604030504040204" pitchFamily="34" charset="0"/>
+              </a:rPr>
+              <a:t>finanza</a:t>
+            </a:r>
+            <a:r>
+              <a:rPr lang="it-IT" sz="2400" dirty="0">
+                <a:solidFill>
+                  <a:schemeClr val="tx1"/>
+                </a:solidFill>
+                <a:latin typeface="Tahoma" panose="020B0604030504040204" pitchFamily="34" charset="0"/>
+                <a:ea typeface="Tahoma" panose="020B0604030504040204" pitchFamily="34" charset="0"/>
+                <a:cs typeface="Tahoma" panose="020B0604030504040204" pitchFamily="34" charset="0"/>
+              </a:rPr>
+              <a:t>, naturalmente: principale terreno di applicazione della </a:t>
+            </a:r>
+            <a:r>
+              <a:rPr lang="it-IT" sz="2400" b="1" dirty="0" err="1">
+                <a:solidFill>
+                  <a:schemeClr val="tx1"/>
+                </a:solidFill>
+                <a:latin typeface="Tahoma" panose="020B0604030504040204" pitchFamily="34" charset="0"/>
+                <a:ea typeface="Tahoma" panose="020B0604030504040204" pitchFamily="34" charset="0"/>
+                <a:cs typeface="Tahoma" panose="020B0604030504040204" pitchFamily="34" charset="0"/>
+              </a:rPr>
+              <a:t>blockchain</a:t>
+            </a:r>
+            <a:r>
+              <a:rPr lang="it-IT" sz="2400" dirty="0">
+                <a:solidFill>
+                  <a:schemeClr val="tx1"/>
+                </a:solidFill>
+                <a:latin typeface="Tahoma" panose="020B0604030504040204" pitchFamily="34" charset="0"/>
+                <a:ea typeface="Tahoma" panose="020B0604030504040204" pitchFamily="34" charset="0"/>
+                <a:cs typeface="Tahoma" panose="020B0604030504040204" pitchFamily="34" charset="0"/>
+              </a:rPr>
+              <a:t>. </a:t>
+            </a:r>
           </a:p>
         </p:txBody>
       </p:sp>
@@ -7697,6 +8384,687 @@
           </a:p>
         </p:txBody>
       </p:sp>
+      <p:pic>
+        <p:nvPicPr>
+          <p:cNvPr id="3" name="Immagine 2"/>
+          <p:cNvPicPr>
+            <a:picLocks noChangeAspect="1"/>
+          </p:cNvPicPr>
+          <p:nvPr/>
+        </p:nvPicPr>
+        <p:blipFill>
+          <a:blip r:embed="rId2">
+            <a:extLst>
+              <a:ext uri="{28A0092B-C50C-407E-A947-70E740481C1C}">
+                <a14:useLocalDpi xmlns:a14="http://schemas.microsoft.com/office/drawing/2010/main" val="0"/>
+              </a:ext>
+            </a:extLst>
+          </a:blip>
+          <a:stretch>
+            <a:fillRect/>
+          </a:stretch>
+        </p:blipFill>
+        <p:spPr>
+          <a:xfrm>
+            <a:off x="8011293" y="2527966"/>
+            <a:ext cx="3839950" cy="2555312"/>
+          </a:xfrm>
+          <a:prstGeom prst="rect">
+            <a:avLst/>
+          </a:prstGeom>
+        </p:spPr>
+      </p:pic>
+    </p:spTree>
+    <p:extLst>
+      <p:ext uri="{BB962C8B-B14F-4D97-AF65-F5344CB8AC3E}">
+        <p14:creationId xmlns:p14="http://schemas.microsoft.com/office/powerpoint/2010/main" val="3099086481"/>
+      </p:ext>
+    </p:extLst>
+  </p:cSld>
+  <p:clrMapOvr>
+    <a:masterClrMapping/>
+  </p:clrMapOvr>
+</p:sld>
+</file>
+
+<file path=ppt/slides/slide13.xml><?xml version="1.0" encoding="utf-8"?>
+<p:sld xmlns:a="http://schemas.openxmlformats.org/drawingml/2006/main" xmlns:r="http://schemas.openxmlformats.org/officeDocument/2006/relationships" xmlns:p="http://schemas.openxmlformats.org/presentationml/2006/main">
+  <p:cSld>
+    <p:spTree>
+      <p:nvGrpSpPr>
+        <p:cNvPr id="1" name=""/>
+        <p:cNvGrpSpPr/>
+        <p:nvPr/>
+      </p:nvGrpSpPr>
+      <p:grpSpPr>
+        <a:xfrm>
+          <a:off x="0" y="0"/>
+          <a:ext cx="0" cy="0"/>
+          <a:chOff x="0" y="0"/>
+          <a:chExt cx="0" cy="0"/>
+        </a:xfrm>
+      </p:grpSpPr>
+      <p:sp>
+        <p:nvSpPr>
+          <p:cNvPr id="2" name="Segnaposto testo 1">
+            <a:extLst>
+              <a:ext uri="{FF2B5EF4-FFF2-40B4-BE49-F238E27FC236}">
+                <a16:creationId xmlns:a16="http://schemas.microsoft.com/office/drawing/2014/main" id="{E5AE986C-196F-4141-A898-FA4C4198CDCC}"/>
+              </a:ext>
+            </a:extLst>
+          </p:cNvPr>
+          <p:cNvSpPr>
+            <a:spLocks noGrp="1"/>
+          </p:cNvSpPr>
+          <p:nvPr>
+            <p:ph type="body" idx="1"/>
+          </p:nvPr>
+        </p:nvSpPr>
+        <p:spPr>
+          <a:xfrm>
+            <a:off x="323469" y="1305471"/>
+            <a:ext cx="11140944" cy="1831019"/>
+          </a:xfrm>
+        </p:spPr>
+        <p:txBody>
+          <a:bodyPr/>
+          <a:lstStyle/>
+          <a:p>
+            <a:pPr marL="342900" indent="-342900" algn="just">
+              <a:lnSpc>
+                <a:spcPct val="115000"/>
+              </a:lnSpc>
+              <a:spcBef>
+                <a:spcPts val="2400"/>
+              </a:spcBef>
+              <a:buFont typeface="Wingdings" panose="05000000000000000000" pitchFamily="2" charset="2"/>
+              <a:buChar char="ü"/>
+              <a:tabLst>
+                <a:tab pos="457200" algn="l"/>
+              </a:tabLst>
+            </a:pPr>
+            <a:r>
+              <a:rPr lang="it-IT" sz="2400" dirty="0" smtClean="0">
+                <a:latin typeface="Tahoma" panose="020B0604030504040204" pitchFamily="34" charset="0"/>
+                <a:ea typeface="Tahoma" panose="020B0604030504040204" pitchFamily="34" charset="0"/>
+                <a:cs typeface="Tahoma" panose="020B0604030504040204" pitchFamily="34" charset="0"/>
+              </a:rPr>
+              <a:t>C’è </a:t>
+            </a:r>
+            <a:r>
+              <a:rPr lang="it-IT" sz="2400" dirty="0">
+                <a:latin typeface="Tahoma" panose="020B0604030504040204" pitchFamily="34" charset="0"/>
+                <a:ea typeface="Tahoma" panose="020B0604030504040204" pitchFamily="34" charset="0"/>
+                <a:cs typeface="Tahoma" panose="020B0604030504040204" pitchFamily="34" charset="0"/>
+              </a:rPr>
+              <a:t>anche la </a:t>
+            </a:r>
+            <a:r>
+              <a:rPr lang="it-IT" sz="2400" b="1" dirty="0">
+                <a:latin typeface="Tahoma" panose="020B0604030504040204" pitchFamily="34" charset="0"/>
+                <a:ea typeface="Tahoma" panose="020B0604030504040204" pitchFamily="34" charset="0"/>
+                <a:cs typeface="Tahoma" panose="020B0604030504040204" pitchFamily="34" charset="0"/>
+              </a:rPr>
+              <a:t>finanza</a:t>
+            </a:r>
+            <a:r>
+              <a:rPr lang="it-IT" sz="2400" dirty="0">
+                <a:latin typeface="Tahoma" panose="020B0604030504040204" pitchFamily="34" charset="0"/>
+                <a:ea typeface="Tahoma" panose="020B0604030504040204" pitchFamily="34" charset="0"/>
+                <a:cs typeface="Tahoma" panose="020B0604030504040204" pitchFamily="34" charset="0"/>
+              </a:rPr>
+              <a:t>, naturalmente: </a:t>
+            </a:r>
+            <a:r>
+              <a:rPr lang="it-IT" sz="2400" b="1" dirty="0">
+                <a:latin typeface="Tahoma" panose="020B0604030504040204" pitchFamily="34" charset="0"/>
+                <a:ea typeface="Tahoma" panose="020B0604030504040204" pitchFamily="34" charset="0"/>
+                <a:cs typeface="Tahoma" panose="020B0604030504040204" pitchFamily="34" charset="0"/>
+              </a:rPr>
+              <a:t>principale</a:t>
+            </a:r>
+            <a:r>
+              <a:rPr lang="it-IT" sz="2400" dirty="0">
+                <a:latin typeface="Tahoma" panose="020B0604030504040204" pitchFamily="34" charset="0"/>
+                <a:ea typeface="Tahoma" panose="020B0604030504040204" pitchFamily="34" charset="0"/>
+                <a:cs typeface="Tahoma" panose="020B0604030504040204" pitchFamily="34" charset="0"/>
+              </a:rPr>
+              <a:t> </a:t>
+            </a:r>
+            <a:r>
+              <a:rPr lang="it-IT" sz="2400" b="1" dirty="0">
+                <a:latin typeface="Tahoma" panose="020B0604030504040204" pitchFamily="34" charset="0"/>
+                <a:ea typeface="Tahoma" panose="020B0604030504040204" pitchFamily="34" charset="0"/>
+                <a:cs typeface="Tahoma" panose="020B0604030504040204" pitchFamily="34" charset="0"/>
+              </a:rPr>
+              <a:t>terreno</a:t>
+            </a:r>
+            <a:r>
+              <a:rPr lang="it-IT" sz="2400" dirty="0">
+                <a:latin typeface="Tahoma" panose="020B0604030504040204" pitchFamily="34" charset="0"/>
+                <a:ea typeface="Tahoma" panose="020B0604030504040204" pitchFamily="34" charset="0"/>
+                <a:cs typeface="Tahoma" panose="020B0604030504040204" pitchFamily="34" charset="0"/>
+              </a:rPr>
+              <a:t> di applicazione della </a:t>
+            </a:r>
+            <a:r>
+              <a:rPr lang="it-IT" sz="2400" b="1" dirty="0" err="1">
+                <a:latin typeface="Tahoma" panose="020B0604030504040204" pitchFamily="34" charset="0"/>
+                <a:ea typeface="Tahoma" panose="020B0604030504040204" pitchFamily="34" charset="0"/>
+                <a:cs typeface="Tahoma" panose="020B0604030504040204" pitchFamily="34" charset="0"/>
+              </a:rPr>
+              <a:t>blockchain</a:t>
+            </a:r>
+            <a:r>
+              <a:rPr lang="it-IT" sz="2400" dirty="0">
+                <a:latin typeface="Tahoma" panose="020B0604030504040204" pitchFamily="34" charset="0"/>
+                <a:ea typeface="Tahoma" panose="020B0604030504040204" pitchFamily="34" charset="0"/>
+                <a:cs typeface="Tahoma" panose="020B0604030504040204" pitchFamily="34" charset="0"/>
+              </a:rPr>
+              <a:t>. Gli avvocati di </a:t>
+            </a:r>
+            <a:r>
+              <a:rPr lang="it-IT" sz="2400" b="1" dirty="0" err="1">
+                <a:latin typeface="Tahoma" panose="020B0604030504040204" pitchFamily="34" charset="0"/>
+                <a:ea typeface="Tahoma" panose="020B0604030504040204" pitchFamily="34" charset="0"/>
+                <a:cs typeface="Tahoma" panose="020B0604030504040204" pitchFamily="34" charset="0"/>
+              </a:rPr>
+              <a:t>Linklaters</a:t>
+            </a:r>
+            <a:r>
+              <a:rPr lang="it-IT" sz="2400" dirty="0">
+                <a:latin typeface="Tahoma" panose="020B0604030504040204" pitchFamily="34" charset="0"/>
+                <a:ea typeface="Tahoma" panose="020B0604030504040204" pitchFamily="34" charset="0"/>
+                <a:cs typeface="Tahoma" panose="020B0604030504040204" pitchFamily="34" charset="0"/>
+              </a:rPr>
+              <a:t>, ad esempio, hanno collaborato con </a:t>
+            </a:r>
+            <a:r>
+              <a:rPr lang="it-IT" sz="2400" b="1" dirty="0">
+                <a:latin typeface="Tahoma" panose="020B0604030504040204" pitchFamily="34" charset="0"/>
+                <a:ea typeface="Tahoma" panose="020B0604030504040204" pitchFamily="34" charset="0"/>
+                <a:cs typeface="Tahoma" panose="020B0604030504040204" pitchFamily="34" charset="0"/>
+              </a:rPr>
+              <a:t>l’International</a:t>
+            </a:r>
+            <a:r>
+              <a:rPr lang="it-IT" sz="2400" dirty="0">
+                <a:latin typeface="Tahoma" panose="020B0604030504040204" pitchFamily="34" charset="0"/>
+                <a:ea typeface="Tahoma" panose="020B0604030504040204" pitchFamily="34" charset="0"/>
+                <a:cs typeface="Tahoma" panose="020B0604030504040204" pitchFamily="34" charset="0"/>
+              </a:rPr>
+              <a:t> </a:t>
+            </a:r>
+            <a:r>
+              <a:rPr lang="it-IT" sz="2400" b="1" dirty="0" err="1">
+                <a:latin typeface="Tahoma" panose="020B0604030504040204" pitchFamily="34" charset="0"/>
+                <a:ea typeface="Tahoma" panose="020B0604030504040204" pitchFamily="34" charset="0"/>
+                <a:cs typeface="Tahoma" panose="020B0604030504040204" pitchFamily="34" charset="0"/>
+              </a:rPr>
+              <a:t>swaps</a:t>
+            </a:r>
+            <a:r>
+              <a:rPr lang="it-IT" sz="2400" dirty="0">
+                <a:latin typeface="Tahoma" panose="020B0604030504040204" pitchFamily="34" charset="0"/>
+                <a:ea typeface="Tahoma" panose="020B0604030504040204" pitchFamily="34" charset="0"/>
+                <a:cs typeface="Tahoma" panose="020B0604030504040204" pitchFamily="34" charset="0"/>
+              </a:rPr>
+              <a:t> and </a:t>
+            </a:r>
+            <a:r>
+              <a:rPr lang="it-IT" sz="2400" b="1" dirty="0" err="1">
+                <a:latin typeface="Tahoma" panose="020B0604030504040204" pitchFamily="34" charset="0"/>
+                <a:ea typeface="Tahoma" panose="020B0604030504040204" pitchFamily="34" charset="0"/>
+                <a:cs typeface="Tahoma" panose="020B0604030504040204" pitchFamily="34" charset="0"/>
+              </a:rPr>
+              <a:t>derivatives</a:t>
+            </a:r>
+            <a:r>
+              <a:rPr lang="it-IT" sz="2400" dirty="0">
+                <a:latin typeface="Tahoma" panose="020B0604030504040204" pitchFamily="34" charset="0"/>
+                <a:ea typeface="Tahoma" panose="020B0604030504040204" pitchFamily="34" charset="0"/>
+                <a:cs typeface="Tahoma" panose="020B0604030504040204" pitchFamily="34" charset="0"/>
+              </a:rPr>
+              <a:t> </a:t>
+            </a:r>
+            <a:r>
+              <a:rPr lang="it-IT" sz="2400" b="1" dirty="0" err="1">
+                <a:latin typeface="Tahoma" panose="020B0604030504040204" pitchFamily="34" charset="0"/>
+                <a:ea typeface="Tahoma" panose="020B0604030504040204" pitchFamily="34" charset="0"/>
+                <a:cs typeface="Tahoma" panose="020B0604030504040204" pitchFamily="34" charset="0"/>
+              </a:rPr>
+              <a:t>association</a:t>
+            </a:r>
+            <a:r>
+              <a:rPr lang="it-IT" sz="2400" dirty="0">
+                <a:latin typeface="Tahoma" panose="020B0604030504040204" pitchFamily="34" charset="0"/>
+                <a:ea typeface="Tahoma" panose="020B0604030504040204" pitchFamily="34" charset="0"/>
+                <a:cs typeface="Tahoma" panose="020B0604030504040204" pitchFamily="34" charset="0"/>
+              </a:rPr>
+              <a:t> (</a:t>
+            </a:r>
+            <a:r>
+              <a:rPr lang="it-IT" sz="2400" dirty="0" err="1">
+                <a:latin typeface="Tahoma" panose="020B0604030504040204" pitchFamily="34" charset="0"/>
+                <a:ea typeface="Tahoma" panose="020B0604030504040204" pitchFamily="34" charset="0"/>
+                <a:cs typeface="Tahoma" panose="020B0604030504040204" pitchFamily="34" charset="0"/>
+              </a:rPr>
+              <a:t>Isda</a:t>
+            </a:r>
+            <a:r>
+              <a:rPr lang="it-IT" sz="2400" dirty="0">
+                <a:latin typeface="Tahoma" panose="020B0604030504040204" pitchFamily="34" charset="0"/>
+                <a:ea typeface="Tahoma" panose="020B0604030504040204" pitchFamily="34" charset="0"/>
+                <a:cs typeface="Tahoma" panose="020B0604030504040204" pitchFamily="34" charset="0"/>
+              </a:rPr>
+              <a:t>) nello studio delle possibili applicazioni degli </a:t>
+            </a:r>
+            <a:r>
+              <a:rPr lang="it-IT" sz="2400" b="1" dirty="0" err="1">
+                <a:latin typeface="Tahoma" panose="020B0604030504040204" pitchFamily="34" charset="0"/>
+                <a:ea typeface="Tahoma" panose="020B0604030504040204" pitchFamily="34" charset="0"/>
+                <a:cs typeface="Tahoma" panose="020B0604030504040204" pitchFamily="34" charset="0"/>
+              </a:rPr>
+              <a:t>smart</a:t>
+            </a:r>
+            <a:r>
+              <a:rPr lang="it-IT" sz="2400" i="1" dirty="0">
+                <a:latin typeface="Tahoma" panose="020B0604030504040204" pitchFamily="34" charset="0"/>
+                <a:ea typeface="Tahoma" panose="020B0604030504040204" pitchFamily="34" charset="0"/>
+                <a:cs typeface="Tahoma" panose="020B0604030504040204" pitchFamily="34" charset="0"/>
+              </a:rPr>
+              <a:t> </a:t>
+            </a:r>
+            <a:r>
+              <a:rPr lang="it-IT" sz="2400" b="1" dirty="0" err="1">
+                <a:latin typeface="Tahoma" panose="020B0604030504040204" pitchFamily="34" charset="0"/>
+                <a:ea typeface="Tahoma" panose="020B0604030504040204" pitchFamily="34" charset="0"/>
+                <a:cs typeface="Tahoma" panose="020B0604030504040204" pitchFamily="34" charset="0"/>
+              </a:rPr>
+              <a:t>contract</a:t>
+            </a:r>
+            <a:r>
+              <a:rPr lang="it-IT" sz="2400" i="1" dirty="0">
+                <a:latin typeface="Tahoma" panose="020B0604030504040204" pitchFamily="34" charset="0"/>
+                <a:ea typeface="Tahoma" panose="020B0604030504040204" pitchFamily="34" charset="0"/>
+                <a:cs typeface="Tahoma" panose="020B0604030504040204" pitchFamily="34" charset="0"/>
+              </a:rPr>
+              <a:t> </a:t>
+            </a:r>
+            <a:r>
+              <a:rPr lang="it-IT" sz="2400" dirty="0">
+                <a:latin typeface="Tahoma" panose="020B0604030504040204" pitchFamily="34" charset="0"/>
+                <a:ea typeface="Tahoma" panose="020B0604030504040204" pitchFamily="34" charset="0"/>
+                <a:cs typeface="Tahoma" panose="020B0604030504040204" pitchFamily="34" charset="0"/>
+              </a:rPr>
+              <a:t>al </a:t>
+            </a:r>
+            <a:r>
+              <a:rPr lang="it-IT" sz="2400" b="1" dirty="0">
+                <a:latin typeface="Tahoma" panose="020B0604030504040204" pitchFamily="34" charset="0"/>
+                <a:ea typeface="Tahoma" panose="020B0604030504040204" pitchFamily="34" charset="0"/>
+                <a:cs typeface="Tahoma" panose="020B0604030504040204" pitchFamily="34" charset="0"/>
+              </a:rPr>
+              <a:t>settore dei derivati</a:t>
+            </a:r>
+            <a:r>
+              <a:rPr lang="it-IT" sz="2400" dirty="0">
+                <a:latin typeface="Tahoma" panose="020B0604030504040204" pitchFamily="34" charset="0"/>
+                <a:ea typeface="Tahoma" panose="020B0604030504040204" pitchFamily="34" charset="0"/>
+                <a:cs typeface="Tahoma" panose="020B0604030504040204" pitchFamily="34" charset="0"/>
+              </a:rPr>
+              <a:t>. </a:t>
+            </a:r>
+            <a:endParaRPr lang="it-IT" sz="2400" dirty="0" smtClean="0">
+              <a:latin typeface="Tahoma" panose="020B0604030504040204" pitchFamily="34" charset="0"/>
+              <a:ea typeface="Tahoma" panose="020B0604030504040204" pitchFamily="34" charset="0"/>
+              <a:cs typeface="Tahoma" panose="020B0604030504040204" pitchFamily="34" charset="0"/>
+            </a:endParaRPr>
+          </a:p>
+          <a:p>
+            <a:pPr marL="342900" indent="-342900" algn="just">
+              <a:lnSpc>
+                <a:spcPct val="115000"/>
+              </a:lnSpc>
+              <a:spcBef>
+                <a:spcPts val="2400"/>
+              </a:spcBef>
+              <a:buFont typeface="Wingdings" panose="05000000000000000000" pitchFamily="2" charset="2"/>
+              <a:buChar char="ü"/>
+              <a:tabLst>
+                <a:tab pos="457200" algn="l"/>
+              </a:tabLst>
+            </a:pPr>
+            <a:r>
+              <a:rPr lang="it-IT" sz="2400" dirty="0" smtClean="0">
+                <a:latin typeface="Tahoma" panose="020B0604030504040204" pitchFamily="34" charset="0"/>
+                <a:ea typeface="Tahoma" panose="020B0604030504040204" pitchFamily="34" charset="0"/>
+                <a:cs typeface="Tahoma" panose="020B0604030504040204" pitchFamily="34" charset="0"/>
+              </a:rPr>
+              <a:t>«</a:t>
+            </a:r>
+            <a:r>
+              <a:rPr lang="it-IT" sz="2400" dirty="0">
+                <a:latin typeface="Tahoma" panose="020B0604030504040204" pitchFamily="34" charset="0"/>
+                <a:ea typeface="Tahoma" panose="020B0604030504040204" pitchFamily="34" charset="0"/>
+                <a:cs typeface="Tahoma" panose="020B0604030504040204" pitchFamily="34" charset="0"/>
+              </a:rPr>
+              <a:t>Questa tipologia di contratti si presta infatti </a:t>
+            </a:r>
+            <a:r>
+              <a:rPr lang="it-IT" sz="2400" b="1" dirty="0">
+                <a:latin typeface="Tahoma" panose="020B0604030504040204" pitchFamily="34" charset="0"/>
+                <a:ea typeface="Tahoma" panose="020B0604030504040204" pitchFamily="34" charset="0"/>
+                <a:cs typeface="Tahoma" panose="020B0604030504040204" pitchFamily="34" charset="0"/>
+              </a:rPr>
+              <a:t>all’automazione</a:t>
+            </a:r>
+            <a:r>
+              <a:rPr lang="it-IT" sz="2400" dirty="0">
+                <a:latin typeface="Tahoma" panose="020B0604030504040204" pitchFamily="34" charset="0"/>
+                <a:ea typeface="Tahoma" panose="020B0604030504040204" pitchFamily="34" charset="0"/>
+                <a:cs typeface="Tahoma" panose="020B0604030504040204" pitchFamily="34" charset="0"/>
+              </a:rPr>
+              <a:t> grazie alla già elevata </a:t>
+            </a:r>
+            <a:r>
+              <a:rPr lang="it-IT" sz="2400" b="1" dirty="0">
+                <a:latin typeface="Tahoma" panose="020B0604030504040204" pitchFamily="34" charset="0"/>
+                <a:ea typeface="Tahoma" panose="020B0604030504040204" pitchFamily="34" charset="0"/>
+                <a:cs typeface="Tahoma" panose="020B0604030504040204" pitchFamily="34" charset="0"/>
+              </a:rPr>
+              <a:t>standardizzazione</a:t>
+            </a:r>
+            <a:r>
+              <a:rPr lang="it-IT" sz="2400" dirty="0">
+                <a:latin typeface="Tahoma" panose="020B0604030504040204" pitchFamily="34" charset="0"/>
+                <a:ea typeface="Tahoma" panose="020B0604030504040204" pitchFamily="34" charset="0"/>
+                <a:cs typeface="Tahoma" panose="020B0604030504040204" pitchFamily="34" charset="0"/>
+              </a:rPr>
+              <a:t> documentale e alla </a:t>
+            </a:r>
+            <a:r>
+              <a:rPr lang="it-IT" sz="2400" dirty="0" err="1">
+                <a:latin typeface="Tahoma" panose="020B0604030504040204" pitchFamily="34" charset="0"/>
+                <a:ea typeface="Tahoma" panose="020B0604030504040204" pitchFamily="34" charset="0"/>
+                <a:cs typeface="Tahoma" panose="020B0604030504040204" pitchFamily="34" charset="0"/>
+              </a:rPr>
+              <a:t>trasponibilità</a:t>
+            </a:r>
+            <a:r>
+              <a:rPr lang="it-IT" sz="2400" dirty="0">
+                <a:latin typeface="Tahoma" panose="020B0604030504040204" pitchFamily="34" charset="0"/>
+                <a:ea typeface="Tahoma" panose="020B0604030504040204" pitchFamily="34" charset="0"/>
+                <a:cs typeface="Tahoma" panose="020B0604030504040204" pitchFamily="34" charset="0"/>
+              </a:rPr>
+              <a:t> in </a:t>
+            </a:r>
+            <a:r>
+              <a:rPr lang="it-IT" sz="2400" b="1" dirty="0">
+                <a:latin typeface="Tahoma" panose="020B0604030504040204" pitchFamily="34" charset="0"/>
+                <a:ea typeface="Tahoma" panose="020B0604030504040204" pitchFamily="34" charset="0"/>
+                <a:cs typeface="Tahoma" panose="020B0604030504040204" pitchFamily="34" charset="0"/>
+              </a:rPr>
+              <a:t>codice informatico </a:t>
+            </a:r>
+            <a:r>
+              <a:rPr lang="it-IT" sz="2400" dirty="0">
+                <a:latin typeface="Tahoma" panose="020B0604030504040204" pitchFamily="34" charset="0"/>
+                <a:ea typeface="Tahoma" panose="020B0604030504040204" pitchFamily="34" charset="0"/>
+                <a:cs typeface="Tahoma" panose="020B0604030504040204" pitchFamily="34" charset="0"/>
+              </a:rPr>
+              <a:t>che li caratterizza», afferma Marta Sassella, </a:t>
+            </a:r>
+            <a:r>
+              <a:rPr lang="it-IT" sz="2400" dirty="0" err="1">
+                <a:latin typeface="Tahoma" panose="020B0604030504040204" pitchFamily="34" charset="0"/>
+                <a:ea typeface="Tahoma" panose="020B0604030504040204" pitchFamily="34" charset="0"/>
+                <a:cs typeface="Tahoma" panose="020B0604030504040204" pitchFamily="34" charset="0"/>
+              </a:rPr>
+              <a:t>counsel</a:t>
+            </a:r>
+            <a:r>
+              <a:rPr lang="it-IT" sz="2400" dirty="0">
+                <a:latin typeface="Tahoma" panose="020B0604030504040204" pitchFamily="34" charset="0"/>
+                <a:ea typeface="Tahoma" panose="020B0604030504040204" pitchFamily="34" charset="0"/>
+                <a:cs typeface="Tahoma" panose="020B0604030504040204" pitchFamily="34" charset="0"/>
+              </a:rPr>
+              <a:t> </a:t>
+            </a:r>
+            <a:r>
+              <a:rPr lang="it-IT" sz="2400" dirty="0" err="1">
+                <a:latin typeface="Tahoma" panose="020B0604030504040204" pitchFamily="34" charset="0"/>
+                <a:ea typeface="Tahoma" panose="020B0604030504040204" pitchFamily="34" charset="0"/>
+                <a:cs typeface="Tahoma" panose="020B0604030504040204" pitchFamily="34" charset="0"/>
+              </a:rPr>
+              <a:t>Linklaters</a:t>
+            </a:r>
+            <a:r>
+              <a:rPr lang="it-IT" sz="2400" dirty="0">
+                <a:latin typeface="Tahoma" panose="020B0604030504040204" pitchFamily="34" charset="0"/>
+                <a:ea typeface="Tahoma" panose="020B0604030504040204" pitchFamily="34" charset="0"/>
+                <a:cs typeface="Tahoma" panose="020B0604030504040204" pitchFamily="34" charset="0"/>
+              </a:rPr>
+              <a:t> e coordinatrice del team </a:t>
+            </a:r>
+            <a:r>
+              <a:rPr lang="it-IT" sz="2400" b="1" dirty="0" err="1">
+                <a:latin typeface="Tahoma" panose="020B0604030504040204" pitchFamily="34" charset="0"/>
+                <a:ea typeface="Tahoma" panose="020B0604030504040204" pitchFamily="34" charset="0"/>
+                <a:cs typeface="Tahoma" panose="020B0604030504040204" pitchFamily="34" charset="0"/>
+              </a:rPr>
+              <a:t>fintech</a:t>
+            </a:r>
+            <a:r>
+              <a:rPr lang="it-IT" sz="2400" dirty="0">
+                <a:latin typeface="Tahoma" panose="020B0604030504040204" pitchFamily="34" charset="0"/>
+                <a:ea typeface="Tahoma" panose="020B0604030504040204" pitchFamily="34" charset="0"/>
+                <a:cs typeface="Tahoma" panose="020B0604030504040204" pitchFamily="34" charset="0"/>
+              </a:rPr>
+              <a:t> in Italia</a:t>
+            </a:r>
+            <a:r>
+              <a:rPr lang="it-IT" sz="2400" dirty="0" smtClean="0">
+                <a:latin typeface="Tahoma" panose="020B0604030504040204" pitchFamily="34" charset="0"/>
+                <a:ea typeface="Tahoma" panose="020B0604030504040204" pitchFamily="34" charset="0"/>
+                <a:cs typeface="Tahoma" panose="020B0604030504040204" pitchFamily="34" charset="0"/>
+              </a:rPr>
+              <a:t>.</a:t>
+            </a:r>
+          </a:p>
+          <a:p>
+            <a:pPr marL="342900" indent="-342900" algn="just">
+              <a:lnSpc>
+                <a:spcPct val="115000"/>
+              </a:lnSpc>
+              <a:spcBef>
+                <a:spcPts val="2400"/>
+              </a:spcBef>
+              <a:buFont typeface="Wingdings" panose="05000000000000000000" pitchFamily="2" charset="2"/>
+              <a:buChar char="ü"/>
+              <a:tabLst>
+                <a:tab pos="457200" algn="l"/>
+              </a:tabLst>
+            </a:pPr>
+            <a:r>
+              <a:rPr lang="it-IT" sz="2400" dirty="0"/>
+              <a:t>La law </a:t>
+            </a:r>
+            <a:r>
+              <a:rPr lang="it-IT" sz="2400" dirty="0" err="1"/>
+              <a:t>firm</a:t>
+            </a:r>
+            <a:r>
+              <a:rPr lang="it-IT" sz="2400" dirty="0"/>
+              <a:t> è anche tra i partner del progetto Accord per lo sviluppo di </a:t>
+            </a:r>
+            <a:r>
+              <a:rPr lang="it-IT" sz="2400" i="1" dirty="0" err="1"/>
+              <a:t>smart</a:t>
+            </a:r>
+            <a:r>
+              <a:rPr lang="it-IT" sz="2400" i="1" dirty="0"/>
+              <a:t> “</a:t>
+            </a:r>
+            <a:r>
+              <a:rPr lang="it-IT" sz="2400" i="1" dirty="0" err="1"/>
+              <a:t>legal</a:t>
+            </a:r>
+            <a:r>
+              <a:rPr lang="it-IT" sz="2400" i="1" dirty="0"/>
+              <a:t>” </a:t>
+            </a:r>
+            <a:r>
+              <a:rPr lang="it-IT" sz="2400" i="1" dirty="0" err="1"/>
+              <a:t>contract</a:t>
+            </a:r>
+            <a:r>
+              <a:rPr lang="it-IT" sz="2400" dirty="0"/>
+              <a:t>, «strutturati in forma tale da poter essere considerati contratti con </a:t>
+            </a:r>
+            <a:r>
+              <a:rPr lang="it-IT" sz="2400" dirty="0">
+                <a:hlinkClick r:id="rId2"/>
+              </a:rPr>
+              <a:t>valenza giuridica</a:t>
+            </a:r>
+            <a:r>
+              <a:rPr lang="it-IT" sz="2400" dirty="0"/>
+              <a:t> e non solo software di esecuzione. Un progetto importante – evidenzia Sassella – per raggiungere un punto di contatto tra un documento in “linguaggio naturale” e uno </a:t>
+            </a:r>
+            <a:r>
+              <a:rPr lang="it-IT" sz="2400" i="1" dirty="0" err="1"/>
+              <a:t>smart</a:t>
+            </a:r>
+            <a:r>
+              <a:rPr lang="it-IT" sz="2400" i="1" dirty="0"/>
+              <a:t> </a:t>
+            </a:r>
+            <a:r>
+              <a:rPr lang="it-IT" sz="2400" i="1" dirty="0" err="1"/>
+              <a:t>contract</a:t>
+            </a:r>
+            <a:r>
+              <a:rPr lang="it-IT" sz="2400" dirty="0"/>
+              <a:t> rappresentato da solo codice».</a:t>
+            </a:r>
+            <a:endParaRPr lang="it-IT" sz="2400" dirty="0">
+              <a:solidFill>
+                <a:schemeClr val="tx1"/>
+              </a:solidFill>
+              <a:latin typeface="Tahoma" panose="020B0604030504040204" pitchFamily="34" charset="0"/>
+              <a:ea typeface="Tahoma" panose="020B0604030504040204" pitchFamily="34" charset="0"/>
+              <a:cs typeface="Tahoma" panose="020B0604030504040204" pitchFamily="34" charset="0"/>
+            </a:endParaRPr>
+          </a:p>
+          <a:p>
+            <a:pPr marL="342900" indent="-342900" algn="just">
+              <a:lnSpc>
+                <a:spcPct val="115000"/>
+              </a:lnSpc>
+              <a:spcBef>
+                <a:spcPts val="2400"/>
+              </a:spcBef>
+              <a:buFont typeface="Wingdings" panose="05000000000000000000" pitchFamily="2" charset="2"/>
+              <a:buChar char="ü"/>
+              <a:tabLst>
+                <a:tab pos="457200" algn="l"/>
+              </a:tabLst>
+            </a:pPr>
+            <a:endParaRPr lang="it-IT" sz="2400" dirty="0">
+              <a:solidFill>
+                <a:schemeClr val="tx1"/>
+              </a:solidFill>
+              <a:latin typeface="Tahoma" panose="020B0604030504040204" pitchFamily="34" charset="0"/>
+              <a:ea typeface="Tahoma" panose="020B0604030504040204" pitchFamily="34" charset="0"/>
+              <a:cs typeface="Tahoma" panose="020B0604030504040204" pitchFamily="34" charset="0"/>
+            </a:endParaRPr>
+          </a:p>
+        </p:txBody>
+      </p:sp>
+      <p:sp>
+        <p:nvSpPr>
+          <p:cNvPr id="7" name="Segnaposto numero diapositiva 6">
+            <a:extLst>
+              <a:ext uri="{FF2B5EF4-FFF2-40B4-BE49-F238E27FC236}">
+                <a16:creationId xmlns:a16="http://schemas.microsoft.com/office/drawing/2014/main" id="{AB740BE9-E218-4144-BFDE-AE473D230A3D}"/>
+              </a:ext>
+            </a:extLst>
+          </p:cNvPr>
+          <p:cNvSpPr>
+            <a:spLocks noGrp="1"/>
+          </p:cNvSpPr>
+          <p:nvPr>
+            <p:ph type="sldNum" sz="quarter" idx="12"/>
+          </p:nvPr>
+        </p:nvSpPr>
+        <p:spPr/>
+        <p:txBody>
+          <a:bodyPr/>
+          <a:lstStyle/>
+          <a:p>
+            <a:pPr>
+              <a:defRPr/>
+            </a:pPr>
+            <a:fld id="{48B4153A-D4C5-4CEF-8992-0D8815C829E3}" type="slidenum">
+              <a:rPr lang="en-US" smtClean="0"/>
+              <a:pPr>
+                <a:defRPr/>
+              </a:pPr>
+              <a:t>13</a:t>
+            </a:fld>
+            <a:endParaRPr lang="en-US" dirty="0"/>
+          </a:p>
+        </p:txBody>
+      </p:sp>
+      <p:sp>
+        <p:nvSpPr>
+          <p:cNvPr id="6" name="Titolo 4">
+            <a:extLst>
+              <a:ext uri="{FF2B5EF4-FFF2-40B4-BE49-F238E27FC236}">
+                <a16:creationId xmlns:a16="http://schemas.microsoft.com/office/drawing/2014/main" id="{CF9A4806-60B4-80DC-1F76-D2EB3E6C376B}"/>
+              </a:ext>
+            </a:extLst>
+          </p:cNvPr>
+          <p:cNvSpPr>
+            <a:spLocks noGrp="1"/>
+          </p:cNvSpPr>
+          <p:nvPr>
+            <p:ph type="title"/>
+          </p:nvPr>
+        </p:nvSpPr>
+        <p:spPr>
+          <a:xfrm>
+            <a:off x="468313" y="671508"/>
+            <a:ext cx="11269662" cy="384721"/>
+          </a:xfrm>
+        </p:spPr>
+        <p:txBody>
+          <a:bodyPr/>
+          <a:lstStyle/>
+          <a:p>
+            <a:r>
+              <a:rPr lang="it-IT">
+                <a:solidFill>
+                  <a:schemeClr val="tx1"/>
+                </a:solidFill>
+                <a:latin typeface="Tahoma" panose="020B0604030504040204" pitchFamily="34" charset="0"/>
+                <a:ea typeface="Tahoma" panose="020B0604030504040204" pitchFamily="34" charset="0"/>
+                <a:cs typeface="Tahoma" panose="020B0604030504040204" pitchFamily="34" charset="0"/>
+              </a:rPr>
+              <a:t>I campi di applicazione</a:t>
+            </a:r>
+            <a:endParaRPr lang="it-IT" dirty="0">
+              <a:solidFill>
+                <a:schemeClr val="tx1"/>
+              </a:solidFill>
+              <a:latin typeface="Tahoma" panose="020B0604030504040204" pitchFamily="34" charset="0"/>
+              <a:ea typeface="Tahoma" panose="020B0604030504040204" pitchFamily="34" charset="0"/>
+              <a:cs typeface="Tahoma" panose="020B0604030504040204" pitchFamily="34" charset="0"/>
+            </a:endParaRPr>
+          </a:p>
+        </p:txBody>
+      </p:sp>
     </p:spTree>
     <p:extLst>
       <p:ext uri="{BB962C8B-B14F-4D97-AF65-F5344CB8AC3E}">
@@ -7710,7 +9078,2601 @@
 </p:sld>
 </file>
 
-<file path=ppt/slides/slide13.xml><?xml version="1.0" encoding="utf-8"?>
+<file path=ppt/slides/slide14.xml><?xml version="1.0" encoding="utf-8"?>
+<p:sld xmlns:a="http://schemas.openxmlformats.org/drawingml/2006/main" xmlns:r="http://schemas.openxmlformats.org/officeDocument/2006/relationships" xmlns:p="http://schemas.openxmlformats.org/presentationml/2006/main">
+  <p:cSld>
+    <p:spTree>
+      <p:nvGrpSpPr>
+        <p:cNvPr id="1" name=""/>
+        <p:cNvGrpSpPr/>
+        <p:nvPr/>
+      </p:nvGrpSpPr>
+      <p:grpSpPr>
+        <a:xfrm>
+          <a:off x="0" y="0"/>
+          <a:ext cx="0" cy="0"/>
+          <a:chOff x="0" y="0"/>
+          <a:chExt cx="0" cy="0"/>
+        </a:xfrm>
+      </p:grpSpPr>
+      <p:sp>
+        <p:nvSpPr>
+          <p:cNvPr id="2" name="Segnaposto testo 1">
+            <a:extLst>
+              <a:ext uri="{FF2B5EF4-FFF2-40B4-BE49-F238E27FC236}">
+                <a16:creationId xmlns:a16="http://schemas.microsoft.com/office/drawing/2014/main" id="{E5AE986C-196F-4141-A898-FA4C4198CDCC}"/>
+              </a:ext>
+            </a:extLst>
+          </p:cNvPr>
+          <p:cNvSpPr>
+            <a:spLocks noGrp="1"/>
+          </p:cNvSpPr>
+          <p:nvPr>
+            <p:ph type="body" idx="1"/>
+          </p:nvPr>
+        </p:nvSpPr>
+        <p:spPr>
+          <a:xfrm>
+            <a:off x="323469" y="1305471"/>
+            <a:ext cx="11101615" cy="1831019"/>
+          </a:xfrm>
+        </p:spPr>
+        <p:txBody>
+          <a:bodyPr/>
+          <a:lstStyle/>
+          <a:p>
+            <a:pPr marL="342900" indent="-342900" algn="just">
+              <a:lnSpc>
+                <a:spcPct val="115000"/>
+              </a:lnSpc>
+              <a:spcBef>
+                <a:spcPts val="2400"/>
+              </a:spcBef>
+              <a:buFont typeface="Wingdings" panose="05000000000000000000" pitchFamily="2" charset="2"/>
+              <a:buChar char="ü"/>
+              <a:tabLst>
+                <a:tab pos="457200" algn="l"/>
+              </a:tabLst>
+            </a:pPr>
+            <a:r>
+              <a:rPr lang="it-IT" sz="2400" dirty="0" smtClean="0">
+                <a:latin typeface="Tahoma" panose="020B0604030504040204" pitchFamily="34" charset="0"/>
+                <a:ea typeface="Tahoma" panose="020B0604030504040204" pitchFamily="34" charset="0"/>
+                <a:cs typeface="Tahoma" panose="020B0604030504040204" pitchFamily="34" charset="0"/>
+              </a:rPr>
+              <a:t>C’è </a:t>
+            </a:r>
+            <a:r>
+              <a:rPr lang="it-IT" sz="2400" dirty="0">
+                <a:latin typeface="Tahoma" panose="020B0604030504040204" pitchFamily="34" charset="0"/>
+                <a:ea typeface="Tahoma" panose="020B0604030504040204" pitchFamily="34" charset="0"/>
+                <a:cs typeface="Tahoma" panose="020B0604030504040204" pitchFamily="34" charset="0"/>
+              </a:rPr>
+              <a:t>anche la </a:t>
+            </a:r>
+            <a:r>
+              <a:rPr lang="it-IT" sz="2400" b="1" dirty="0">
+                <a:latin typeface="Tahoma" panose="020B0604030504040204" pitchFamily="34" charset="0"/>
+                <a:ea typeface="Tahoma" panose="020B0604030504040204" pitchFamily="34" charset="0"/>
+                <a:cs typeface="Tahoma" panose="020B0604030504040204" pitchFamily="34" charset="0"/>
+              </a:rPr>
+              <a:t>finanza</a:t>
+            </a:r>
+            <a:r>
+              <a:rPr lang="it-IT" sz="2400" dirty="0">
+                <a:latin typeface="Tahoma" panose="020B0604030504040204" pitchFamily="34" charset="0"/>
+                <a:ea typeface="Tahoma" panose="020B0604030504040204" pitchFamily="34" charset="0"/>
+                <a:cs typeface="Tahoma" panose="020B0604030504040204" pitchFamily="34" charset="0"/>
+              </a:rPr>
+              <a:t>, naturalmente: </a:t>
+            </a:r>
+            <a:r>
+              <a:rPr lang="it-IT" sz="2400" b="1" dirty="0">
+                <a:latin typeface="Tahoma" panose="020B0604030504040204" pitchFamily="34" charset="0"/>
+                <a:ea typeface="Tahoma" panose="020B0604030504040204" pitchFamily="34" charset="0"/>
+                <a:cs typeface="Tahoma" panose="020B0604030504040204" pitchFamily="34" charset="0"/>
+              </a:rPr>
+              <a:t>principale</a:t>
+            </a:r>
+            <a:r>
+              <a:rPr lang="it-IT" sz="2400" dirty="0">
+                <a:latin typeface="Tahoma" panose="020B0604030504040204" pitchFamily="34" charset="0"/>
+                <a:ea typeface="Tahoma" panose="020B0604030504040204" pitchFamily="34" charset="0"/>
+                <a:cs typeface="Tahoma" panose="020B0604030504040204" pitchFamily="34" charset="0"/>
+              </a:rPr>
+              <a:t> </a:t>
+            </a:r>
+            <a:r>
+              <a:rPr lang="it-IT" sz="2400" b="1" dirty="0">
+                <a:latin typeface="Tahoma" panose="020B0604030504040204" pitchFamily="34" charset="0"/>
+                <a:ea typeface="Tahoma" panose="020B0604030504040204" pitchFamily="34" charset="0"/>
+                <a:cs typeface="Tahoma" panose="020B0604030504040204" pitchFamily="34" charset="0"/>
+              </a:rPr>
+              <a:t>terreno</a:t>
+            </a:r>
+            <a:r>
+              <a:rPr lang="it-IT" sz="2400" dirty="0">
+                <a:latin typeface="Tahoma" panose="020B0604030504040204" pitchFamily="34" charset="0"/>
+                <a:ea typeface="Tahoma" panose="020B0604030504040204" pitchFamily="34" charset="0"/>
+                <a:cs typeface="Tahoma" panose="020B0604030504040204" pitchFamily="34" charset="0"/>
+              </a:rPr>
+              <a:t> di applicazione della </a:t>
+            </a:r>
+            <a:r>
+              <a:rPr lang="it-IT" sz="2400" b="1" dirty="0" err="1">
+                <a:latin typeface="Tahoma" panose="020B0604030504040204" pitchFamily="34" charset="0"/>
+                <a:ea typeface="Tahoma" panose="020B0604030504040204" pitchFamily="34" charset="0"/>
+                <a:cs typeface="Tahoma" panose="020B0604030504040204" pitchFamily="34" charset="0"/>
+              </a:rPr>
+              <a:t>blockchain</a:t>
+            </a:r>
+            <a:r>
+              <a:rPr lang="it-IT" sz="2400" dirty="0">
+                <a:latin typeface="Tahoma" panose="020B0604030504040204" pitchFamily="34" charset="0"/>
+                <a:ea typeface="Tahoma" panose="020B0604030504040204" pitchFamily="34" charset="0"/>
+                <a:cs typeface="Tahoma" panose="020B0604030504040204" pitchFamily="34" charset="0"/>
+              </a:rPr>
+              <a:t>. Gli avvocati di </a:t>
+            </a:r>
+            <a:r>
+              <a:rPr lang="it-IT" sz="2400" b="1" dirty="0" err="1">
+                <a:latin typeface="Tahoma" panose="020B0604030504040204" pitchFamily="34" charset="0"/>
+                <a:ea typeface="Tahoma" panose="020B0604030504040204" pitchFamily="34" charset="0"/>
+                <a:cs typeface="Tahoma" panose="020B0604030504040204" pitchFamily="34" charset="0"/>
+              </a:rPr>
+              <a:t>Linklaters</a:t>
+            </a:r>
+            <a:r>
+              <a:rPr lang="it-IT" sz="2400" dirty="0">
+                <a:latin typeface="Tahoma" panose="020B0604030504040204" pitchFamily="34" charset="0"/>
+                <a:ea typeface="Tahoma" panose="020B0604030504040204" pitchFamily="34" charset="0"/>
+                <a:cs typeface="Tahoma" panose="020B0604030504040204" pitchFamily="34" charset="0"/>
+              </a:rPr>
+              <a:t>, ad esempio, hanno collaborato con </a:t>
+            </a:r>
+            <a:r>
+              <a:rPr lang="it-IT" sz="2400" b="1" dirty="0">
+                <a:latin typeface="Tahoma" panose="020B0604030504040204" pitchFamily="34" charset="0"/>
+                <a:ea typeface="Tahoma" panose="020B0604030504040204" pitchFamily="34" charset="0"/>
+                <a:cs typeface="Tahoma" panose="020B0604030504040204" pitchFamily="34" charset="0"/>
+              </a:rPr>
+              <a:t>l’International</a:t>
+            </a:r>
+            <a:r>
+              <a:rPr lang="it-IT" sz="2400" dirty="0">
+                <a:latin typeface="Tahoma" panose="020B0604030504040204" pitchFamily="34" charset="0"/>
+                <a:ea typeface="Tahoma" panose="020B0604030504040204" pitchFamily="34" charset="0"/>
+                <a:cs typeface="Tahoma" panose="020B0604030504040204" pitchFamily="34" charset="0"/>
+              </a:rPr>
+              <a:t> </a:t>
+            </a:r>
+            <a:r>
+              <a:rPr lang="it-IT" sz="2400" b="1" dirty="0" err="1">
+                <a:latin typeface="Tahoma" panose="020B0604030504040204" pitchFamily="34" charset="0"/>
+                <a:ea typeface="Tahoma" panose="020B0604030504040204" pitchFamily="34" charset="0"/>
+                <a:cs typeface="Tahoma" panose="020B0604030504040204" pitchFamily="34" charset="0"/>
+              </a:rPr>
+              <a:t>swaps</a:t>
+            </a:r>
+            <a:r>
+              <a:rPr lang="it-IT" sz="2400" dirty="0">
+                <a:latin typeface="Tahoma" panose="020B0604030504040204" pitchFamily="34" charset="0"/>
+                <a:ea typeface="Tahoma" panose="020B0604030504040204" pitchFamily="34" charset="0"/>
+                <a:cs typeface="Tahoma" panose="020B0604030504040204" pitchFamily="34" charset="0"/>
+              </a:rPr>
+              <a:t> and </a:t>
+            </a:r>
+            <a:r>
+              <a:rPr lang="it-IT" sz="2400" b="1" dirty="0" err="1">
+                <a:latin typeface="Tahoma" panose="020B0604030504040204" pitchFamily="34" charset="0"/>
+                <a:ea typeface="Tahoma" panose="020B0604030504040204" pitchFamily="34" charset="0"/>
+                <a:cs typeface="Tahoma" panose="020B0604030504040204" pitchFamily="34" charset="0"/>
+              </a:rPr>
+              <a:t>derivatives</a:t>
+            </a:r>
+            <a:r>
+              <a:rPr lang="it-IT" sz="2400" dirty="0">
+                <a:latin typeface="Tahoma" panose="020B0604030504040204" pitchFamily="34" charset="0"/>
+                <a:ea typeface="Tahoma" panose="020B0604030504040204" pitchFamily="34" charset="0"/>
+                <a:cs typeface="Tahoma" panose="020B0604030504040204" pitchFamily="34" charset="0"/>
+              </a:rPr>
+              <a:t> </a:t>
+            </a:r>
+            <a:r>
+              <a:rPr lang="it-IT" sz="2400" b="1" dirty="0" err="1">
+                <a:latin typeface="Tahoma" panose="020B0604030504040204" pitchFamily="34" charset="0"/>
+                <a:ea typeface="Tahoma" panose="020B0604030504040204" pitchFamily="34" charset="0"/>
+                <a:cs typeface="Tahoma" panose="020B0604030504040204" pitchFamily="34" charset="0"/>
+              </a:rPr>
+              <a:t>association</a:t>
+            </a:r>
+            <a:r>
+              <a:rPr lang="it-IT" sz="2400" dirty="0">
+                <a:latin typeface="Tahoma" panose="020B0604030504040204" pitchFamily="34" charset="0"/>
+                <a:ea typeface="Tahoma" panose="020B0604030504040204" pitchFamily="34" charset="0"/>
+                <a:cs typeface="Tahoma" panose="020B0604030504040204" pitchFamily="34" charset="0"/>
+              </a:rPr>
+              <a:t> (</a:t>
+            </a:r>
+            <a:r>
+              <a:rPr lang="it-IT" sz="2400" dirty="0" err="1">
+                <a:latin typeface="Tahoma" panose="020B0604030504040204" pitchFamily="34" charset="0"/>
+                <a:ea typeface="Tahoma" panose="020B0604030504040204" pitchFamily="34" charset="0"/>
+                <a:cs typeface="Tahoma" panose="020B0604030504040204" pitchFamily="34" charset="0"/>
+              </a:rPr>
+              <a:t>Isda</a:t>
+            </a:r>
+            <a:r>
+              <a:rPr lang="it-IT" sz="2400" dirty="0">
+                <a:latin typeface="Tahoma" panose="020B0604030504040204" pitchFamily="34" charset="0"/>
+                <a:ea typeface="Tahoma" panose="020B0604030504040204" pitchFamily="34" charset="0"/>
+                <a:cs typeface="Tahoma" panose="020B0604030504040204" pitchFamily="34" charset="0"/>
+              </a:rPr>
+              <a:t>) nello studio delle possibili applicazioni degli </a:t>
+            </a:r>
+            <a:r>
+              <a:rPr lang="it-IT" sz="2400" b="1" dirty="0" err="1">
+                <a:latin typeface="Tahoma" panose="020B0604030504040204" pitchFamily="34" charset="0"/>
+                <a:ea typeface="Tahoma" panose="020B0604030504040204" pitchFamily="34" charset="0"/>
+                <a:cs typeface="Tahoma" panose="020B0604030504040204" pitchFamily="34" charset="0"/>
+              </a:rPr>
+              <a:t>smart</a:t>
+            </a:r>
+            <a:r>
+              <a:rPr lang="it-IT" sz="2400" i="1" dirty="0">
+                <a:latin typeface="Tahoma" panose="020B0604030504040204" pitchFamily="34" charset="0"/>
+                <a:ea typeface="Tahoma" panose="020B0604030504040204" pitchFamily="34" charset="0"/>
+                <a:cs typeface="Tahoma" panose="020B0604030504040204" pitchFamily="34" charset="0"/>
+              </a:rPr>
+              <a:t> </a:t>
+            </a:r>
+            <a:r>
+              <a:rPr lang="it-IT" sz="2400" b="1" dirty="0" err="1">
+                <a:latin typeface="Tahoma" panose="020B0604030504040204" pitchFamily="34" charset="0"/>
+                <a:ea typeface="Tahoma" panose="020B0604030504040204" pitchFamily="34" charset="0"/>
+                <a:cs typeface="Tahoma" panose="020B0604030504040204" pitchFamily="34" charset="0"/>
+              </a:rPr>
+              <a:t>contract</a:t>
+            </a:r>
+            <a:r>
+              <a:rPr lang="it-IT" sz="2400" i="1" dirty="0">
+                <a:latin typeface="Tahoma" panose="020B0604030504040204" pitchFamily="34" charset="0"/>
+                <a:ea typeface="Tahoma" panose="020B0604030504040204" pitchFamily="34" charset="0"/>
+                <a:cs typeface="Tahoma" panose="020B0604030504040204" pitchFamily="34" charset="0"/>
+              </a:rPr>
+              <a:t> </a:t>
+            </a:r>
+            <a:r>
+              <a:rPr lang="it-IT" sz="2400" dirty="0">
+                <a:latin typeface="Tahoma" panose="020B0604030504040204" pitchFamily="34" charset="0"/>
+                <a:ea typeface="Tahoma" panose="020B0604030504040204" pitchFamily="34" charset="0"/>
+                <a:cs typeface="Tahoma" panose="020B0604030504040204" pitchFamily="34" charset="0"/>
+              </a:rPr>
+              <a:t>al </a:t>
+            </a:r>
+            <a:r>
+              <a:rPr lang="it-IT" sz="2400" b="1" dirty="0">
+                <a:latin typeface="Tahoma" panose="020B0604030504040204" pitchFamily="34" charset="0"/>
+                <a:ea typeface="Tahoma" panose="020B0604030504040204" pitchFamily="34" charset="0"/>
+                <a:cs typeface="Tahoma" panose="020B0604030504040204" pitchFamily="34" charset="0"/>
+              </a:rPr>
+              <a:t>settore dei derivati</a:t>
+            </a:r>
+            <a:r>
+              <a:rPr lang="it-IT" sz="2400" dirty="0">
+                <a:latin typeface="Tahoma" panose="020B0604030504040204" pitchFamily="34" charset="0"/>
+                <a:ea typeface="Tahoma" panose="020B0604030504040204" pitchFamily="34" charset="0"/>
+                <a:cs typeface="Tahoma" panose="020B0604030504040204" pitchFamily="34" charset="0"/>
+              </a:rPr>
+              <a:t>. </a:t>
+            </a:r>
+            <a:endParaRPr lang="it-IT" sz="2400" dirty="0" smtClean="0">
+              <a:latin typeface="Tahoma" panose="020B0604030504040204" pitchFamily="34" charset="0"/>
+              <a:ea typeface="Tahoma" panose="020B0604030504040204" pitchFamily="34" charset="0"/>
+              <a:cs typeface="Tahoma" panose="020B0604030504040204" pitchFamily="34" charset="0"/>
+            </a:endParaRPr>
+          </a:p>
+          <a:p>
+            <a:pPr marL="342900" indent="-342900" algn="just">
+              <a:lnSpc>
+                <a:spcPct val="115000"/>
+              </a:lnSpc>
+              <a:spcBef>
+                <a:spcPts val="2400"/>
+              </a:spcBef>
+              <a:buFont typeface="Wingdings" panose="05000000000000000000" pitchFamily="2" charset="2"/>
+              <a:buChar char="ü"/>
+              <a:tabLst>
+                <a:tab pos="457200" algn="l"/>
+              </a:tabLst>
+            </a:pPr>
+            <a:r>
+              <a:rPr lang="it-IT" sz="2400" dirty="0" smtClean="0">
+                <a:latin typeface="Tahoma" panose="020B0604030504040204" pitchFamily="34" charset="0"/>
+                <a:ea typeface="Tahoma" panose="020B0604030504040204" pitchFamily="34" charset="0"/>
+                <a:cs typeface="Tahoma" panose="020B0604030504040204" pitchFamily="34" charset="0"/>
+              </a:rPr>
+              <a:t>«</a:t>
+            </a:r>
+            <a:r>
+              <a:rPr lang="it-IT" sz="2400" dirty="0">
+                <a:latin typeface="Tahoma" panose="020B0604030504040204" pitchFamily="34" charset="0"/>
+                <a:ea typeface="Tahoma" panose="020B0604030504040204" pitchFamily="34" charset="0"/>
+                <a:cs typeface="Tahoma" panose="020B0604030504040204" pitchFamily="34" charset="0"/>
+              </a:rPr>
+              <a:t>Questa tipologia di contratti si presta infatti </a:t>
+            </a:r>
+            <a:r>
+              <a:rPr lang="it-IT" sz="2400" b="1" dirty="0">
+                <a:latin typeface="Tahoma" panose="020B0604030504040204" pitchFamily="34" charset="0"/>
+                <a:ea typeface="Tahoma" panose="020B0604030504040204" pitchFamily="34" charset="0"/>
+                <a:cs typeface="Tahoma" panose="020B0604030504040204" pitchFamily="34" charset="0"/>
+              </a:rPr>
+              <a:t>all’automazione</a:t>
+            </a:r>
+            <a:r>
+              <a:rPr lang="it-IT" sz="2400" dirty="0">
+                <a:latin typeface="Tahoma" panose="020B0604030504040204" pitchFamily="34" charset="0"/>
+                <a:ea typeface="Tahoma" panose="020B0604030504040204" pitchFamily="34" charset="0"/>
+                <a:cs typeface="Tahoma" panose="020B0604030504040204" pitchFamily="34" charset="0"/>
+              </a:rPr>
+              <a:t> grazie alla già elevata </a:t>
+            </a:r>
+            <a:r>
+              <a:rPr lang="it-IT" sz="2400" b="1" dirty="0">
+                <a:latin typeface="Tahoma" panose="020B0604030504040204" pitchFamily="34" charset="0"/>
+                <a:ea typeface="Tahoma" panose="020B0604030504040204" pitchFamily="34" charset="0"/>
+                <a:cs typeface="Tahoma" panose="020B0604030504040204" pitchFamily="34" charset="0"/>
+              </a:rPr>
+              <a:t>standardizzazione</a:t>
+            </a:r>
+            <a:r>
+              <a:rPr lang="it-IT" sz="2400" dirty="0">
+                <a:latin typeface="Tahoma" panose="020B0604030504040204" pitchFamily="34" charset="0"/>
+                <a:ea typeface="Tahoma" panose="020B0604030504040204" pitchFamily="34" charset="0"/>
+                <a:cs typeface="Tahoma" panose="020B0604030504040204" pitchFamily="34" charset="0"/>
+              </a:rPr>
+              <a:t> documentale e alla </a:t>
+            </a:r>
+            <a:r>
+              <a:rPr lang="it-IT" sz="2400" dirty="0" err="1">
+                <a:latin typeface="Tahoma" panose="020B0604030504040204" pitchFamily="34" charset="0"/>
+                <a:ea typeface="Tahoma" panose="020B0604030504040204" pitchFamily="34" charset="0"/>
+                <a:cs typeface="Tahoma" panose="020B0604030504040204" pitchFamily="34" charset="0"/>
+              </a:rPr>
+              <a:t>trasponibilità</a:t>
+            </a:r>
+            <a:r>
+              <a:rPr lang="it-IT" sz="2400" dirty="0">
+                <a:latin typeface="Tahoma" panose="020B0604030504040204" pitchFamily="34" charset="0"/>
+                <a:ea typeface="Tahoma" panose="020B0604030504040204" pitchFamily="34" charset="0"/>
+                <a:cs typeface="Tahoma" panose="020B0604030504040204" pitchFamily="34" charset="0"/>
+              </a:rPr>
+              <a:t> in </a:t>
+            </a:r>
+            <a:r>
+              <a:rPr lang="it-IT" sz="2400" b="1" dirty="0">
+                <a:latin typeface="Tahoma" panose="020B0604030504040204" pitchFamily="34" charset="0"/>
+                <a:ea typeface="Tahoma" panose="020B0604030504040204" pitchFamily="34" charset="0"/>
+                <a:cs typeface="Tahoma" panose="020B0604030504040204" pitchFamily="34" charset="0"/>
+              </a:rPr>
+              <a:t>codice informatico </a:t>
+            </a:r>
+            <a:r>
+              <a:rPr lang="it-IT" sz="2400" dirty="0">
+                <a:latin typeface="Tahoma" panose="020B0604030504040204" pitchFamily="34" charset="0"/>
+                <a:ea typeface="Tahoma" panose="020B0604030504040204" pitchFamily="34" charset="0"/>
+                <a:cs typeface="Tahoma" panose="020B0604030504040204" pitchFamily="34" charset="0"/>
+              </a:rPr>
+              <a:t>che li caratterizza», afferma Marta Sassella, </a:t>
+            </a:r>
+            <a:r>
+              <a:rPr lang="it-IT" sz="2400" dirty="0" err="1">
+                <a:latin typeface="Tahoma" panose="020B0604030504040204" pitchFamily="34" charset="0"/>
+                <a:ea typeface="Tahoma" panose="020B0604030504040204" pitchFamily="34" charset="0"/>
+                <a:cs typeface="Tahoma" panose="020B0604030504040204" pitchFamily="34" charset="0"/>
+              </a:rPr>
+              <a:t>counsel</a:t>
+            </a:r>
+            <a:r>
+              <a:rPr lang="it-IT" sz="2400" dirty="0">
+                <a:latin typeface="Tahoma" panose="020B0604030504040204" pitchFamily="34" charset="0"/>
+                <a:ea typeface="Tahoma" panose="020B0604030504040204" pitchFamily="34" charset="0"/>
+                <a:cs typeface="Tahoma" panose="020B0604030504040204" pitchFamily="34" charset="0"/>
+              </a:rPr>
+              <a:t> </a:t>
+            </a:r>
+            <a:r>
+              <a:rPr lang="it-IT" sz="2400" dirty="0" err="1">
+                <a:latin typeface="Tahoma" panose="020B0604030504040204" pitchFamily="34" charset="0"/>
+                <a:ea typeface="Tahoma" panose="020B0604030504040204" pitchFamily="34" charset="0"/>
+                <a:cs typeface="Tahoma" panose="020B0604030504040204" pitchFamily="34" charset="0"/>
+              </a:rPr>
+              <a:t>Linklaters</a:t>
+            </a:r>
+            <a:r>
+              <a:rPr lang="it-IT" sz="2400" dirty="0">
+                <a:latin typeface="Tahoma" panose="020B0604030504040204" pitchFamily="34" charset="0"/>
+                <a:ea typeface="Tahoma" panose="020B0604030504040204" pitchFamily="34" charset="0"/>
+                <a:cs typeface="Tahoma" panose="020B0604030504040204" pitchFamily="34" charset="0"/>
+              </a:rPr>
+              <a:t> e coordinatrice del team </a:t>
+            </a:r>
+            <a:r>
+              <a:rPr lang="it-IT" sz="2400" b="1" dirty="0" err="1">
+                <a:latin typeface="Tahoma" panose="020B0604030504040204" pitchFamily="34" charset="0"/>
+                <a:ea typeface="Tahoma" panose="020B0604030504040204" pitchFamily="34" charset="0"/>
+                <a:cs typeface="Tahoma" panose="020B0604030504040204" pitchFamily="34" charset="0"/>
+              </a:rPr>
+              <a:t>fintech</a:t>
+            </a:r>
+            <a:r>
+              <a:rPr lang="it-IT" sz="2400" dirty="0">
+                <a:latin typeface="Tahoma" panose="020B0604030504040204" pitchFamily="34" charset="0"/>
+                <a:ea typeface="Tahoma" panose="020B0604030504040204" pitchFamily="34" charset="0"/>
+                <a:cs typeface="Tahoma" panose="020B0604030504040204" pitchFamily="34" charset="0"/>
+              </a:rPr>
+              <a:t> in Italia</a:t>
+            </a:r>
+            <a:r>
+              <a:rPr lang="it-IT" sz="2400" dirty="0" smtClean="0">
+                <a:latin typeface="Tahoma" panose="020B0604030504040204" pitchFamily="34" charset="0"/>
+                <a:ea typeface="Tahoma" panose="020B0604030504040204" pitchFamily="34" charset="0"/>
+                <a:cs typeface="Tahoma" panose="020B0604030504040204" pitchFamily="34" charset="0"/>
+              </a:rPr>
+              <a:t>.</a:t>
+            </a:r>
+          </a:p>
+          <a:p>
+            <a:pPr algn="just">
+              <a:lnSpc>
+                <a:spcPct val="115000"/>
+              </a:lnSpc>
+              <a:spcBef>
+                <a:spcPts val="2400"/>
+              </a:spcBef>
+              <a:tabLst>
+                <a:tab pos="457200" algn="l"/>
+              </a:tabLst>
+            </a:pPr>
+            <a:endParaRPr lang="it-IT" sz="2400" dirty="0">
+              <a:solidFill>
+                <a:schemeClr val="tx1"/>
+              </a:solidFill>
+              <a:latin typeface="Tahoma" panose="020B0604030504040204" pitchFamily="34" charset="0"/>
+              <a:ea typeface="Tahoma" panose="020B0604030504040204" pitchFamily="34" charset="0"/>
+              <a:cs typeface="Tahoma" panose="020B0604030504040204" pitchFamily="34" charset="0"/>
+            </a:endParaRPr>
+          </a:p>
+        </p:txBody>
+      </p:sp>
+      <p:sp>
+        <p:nvSpPr>
+          <p:cNvPr id="7" name="Segnaposto numero diapositiva 6">
+            <a:extLst>
+              <a:ext uri="{FF2B5EF4-FFF2-40B4-BE49-F238E27FC236}">
+                <a16:creationId xmlns:a16="http://schemas.microsoft.com/office/drawing/2014/main" id="{AB740BE9-E218-4144-BFDE-AE473D230A3D}"/>
+              </a:ext>
+            </a:extLst>
+          </p:cNvPr>
+          <p:cNvSpPr>
+            <a:spLocks noGrp="1"/>
+          </p:cNvSpPr>
+          <p:nvPr>
+            <p:ph type="sldNum" sz="quarter" idx="12"/>
+          </p:nvPr>
+        </p:nvSpPr>
+        <p:spPr/>
+        <p:txBody>
+          <a:bodyPr/>
+          <a:lstStyle/>
+          <a:p>
+            <a:pPr>
+              <a:defRPr/>
+            </a:pPr>
+            <a:fld id="{48B4153A-D4C5-4CEF-8992-0D8815C829E3}" type="slidenum">
+              <a:rPr lang="en-US" smtClean="0"/>
+              <a:pPr>
+                <a:defRPr/>
+              </a:pPr>
+              <a:t>14</a:t>
+            </a:fld>
+            <a:endParaRPr lang="en-US" dirty="0"/>
+          </a:p>
+        </p:txBody>
+      </p:sp>
+      <p:sp>
+        <p:nvSpPr>
+          <p:cNvPr id="6" name="Titolo 4">
+            <a:extLst>
+              <a:ext uri="{FF2B5EF4-FFF2-40B4-BE49-F238E27FC236}">
+                <a16:creationId xmlns:a16="http://schemas.microsoft.com/office/drawing/2014/main" id="{CF9A4806-60B4-80DC-1F76-D2EB3E6C376B}"/>
+              </a:ext>
+            </a:extLst>
+          </p:cNvPr>
+          <p:cNvSpPr>
+            <a:spLocks noGrp="1"/>
+          </p:cNvSpPr>
+          <p:nvPr>
+            <p:ph type="title"/>
+          </p:nvPr>
+        </p:nvSpPr>
+        <p:spPr>
+          <a:xfrm>
+            <a:off x="468313" y="671508"/>
+            <a:ext cx="11269662" cy="384721"/>
+          </a:xfrm>
+        </p:spPr>
+        <p:txBody>
+          <a:bodyPr/>
+          <a:lstStyle/>
+          <a:p>
+            <a:r>
+              <a:rPr lang="it-IT">
+                <a:solidFill>
+                  <a:schemeClr val="tx1"/>
+                </a:solidFill>
+                <a:latin typeface="Tahoma" panose="020B0604030504040204" pitchFamily="34" charset="0"/>
+                <a:ea typeface="Tahoma" panose="020B0604030504040204" pitchFamily="34" charset="0"/>
+                <a:cs typeface="Tahoma" panose="020B0604030504040204" pitchFamily="34" charset="0"/>
+              </a:rPr>
+              <a:t>I campi di applicazione</a:t>
+            </a:r>
+            <a:endParaRPr lang="it-IT" dirty="0">
+              <a:solidFill>
+                <a:schemeClr val="tx1"/>
+              </a:solidFill>
+              <a:latin typeface="Tahoma" panose="020B0604030504040204" pitchFamily="34" charset="0"/>
+              <a:ea typeface="Tahoma" panose="020B0604030504040204" pitchFamily="34" charset="0"/>
+              <a:cs typeface="Tahoma" panose="020B0604030504040204" pitchFamily="34" charset="0"/>
+            </a:endParaRPr>
+          </a:p>
+        </p:txBody>
+      </p:sp>
+      <p:pic>
+        <p:nvPicPr>
+          <p:cNvPr id="3" name="Immagine 2"/>
+          <p:cNvPicPr>
+            <a:picLocks noChangeAspect="1"/>
+          </p:cNvPicPr>
+          <p:nvPr/>
+        </p:nvPicPr>
+        <p:blipFill>
+          <a:blip r:embed="rId2">
+            <a:extLst>
+              <a:ext uri="{28A0092B-C50C-407E-A947-70E740481C1C}">
+                <a14:useLocalDpi xmlns:a14="http://schemas.microsoft.com/office/drawing/2010/main" val="0"/>
+              </a:ext>
+            </a:extLst>
+          </a:blip>
+          <a:stretch>
+            <a:fillRect/>
+          </a:stretch>
+        </p:blipFill>
+        <p:spPr>
+          <a:xfrm>
+            <a:off x="6829607" y="4729367"/>
+            <a:ext cx="3553258" cy="2032983"/>
+          </a:xfrm>
+          <a:prstGeom prst="rect">
+            <a:avLst/>
+          </a:prstGeom>
+        </p:spPr>
+      </p:pic>
+    </p:spTree>
+    <p:extLst>
+      <p:ext uri="{BB962C8B-B14F-4D97-AF65-F5344CB8AC3E}">
+        <p14:creationId xmlns:p14="http://schemas.microsoft.com/office/powerpoint/2010/main" val="4224089410"/>
+      </p:ext>
+    </p:extLst>
+  </p:cSld>
+  <p:clrMapOvr>
+    <a:masterClrMapping/>
+  </p:clrMapOvr>
+</p:sld>
+</file>
+
+<file path=ppt/slides/slide15.xml><?xml version="1.0" encoding="utf-8"?>
+<p:sld xmlns:a="http://schemas.openxmlformats.org/drawingml/2006/main" xmlns:r="http://schemas.openxmlformats.org/officeDocument/2006/relationships" xmlns:p="http://schemas.openxmlformats.org/presentationml/2006/main">
+  <p:cSld>
+    <p:spTree>
+      <p:nvGrpSpPr>
+        <p:cNvPr id="1" name=""/>
+        <p:cNvGrpSpPr/>
+        <p:nvPr/>
+      </p:nvGrpSpPr>
+      <p:grpSpPr>
+        <a:xfrm>
+          <a:off x="0" y="0"/>
+          <a:ext cx="0" cy="0"/>
+          <a:chOff x="0" y="0"/>
+          <a:chExt cx="0" cy="0"/>
+        </a:xfrm>
+      </p:grpSpPr>
+      <p:sp>
+        <p:nvSpPr>
+          <p:cNvPr id="2" name="Segnaposto testo 1">
+            <a:extLst>
+              <a:ext uri="{FF2B5EF4-FFF2-40B4-BE49-F238E27FC236}">
+                <a16:creationId xmlns:a16="http://schemas.microsoft.com/office/drawing/2014/main" id="{E5AE986C-196F-4141-A898-FA4C4198CDCC}"/>
+              </a:ext>
+            </a:extLst>
+          </p:cNvPr>
+          <p:cNvSpPr>
+            <a:spLocks noGrp="1"/>
+          </p:cNvSpPr>
+          <p:nvPr>
+            <p:ph type="body" idx="1"/>
+          </p:nvPr>
+        </p:nvSpPr>
+        <p:spPr>
+          <a:xfrm>
+            <a:off x="323470" y="1305471"/>
+            <a:ext cx="6637770" cy="1831019"/>
+          </a:xfrm>
+        </p:spPr>
+        <p:txBody>
+          <a:bodyPr/>
+          <a:lstStyle/>
+          <a:p>
+            <a:pPr marL="342900" indent="-342900" algn="just">
+              <a:lnSpc>
+                <a:spcPct val="115000"/>
+              </a:lnSpc>
+              <a:spcBef>
+                <a:spcPts val="2400"/>
+              </a:spcBef>
+              <a:buFont typeface="Wingdings" panose="05000000000000000000" pitchFamily="2" charset="2"/>
+              <a:buChar char="ü"/>
+              <a:tabLst>
+                <a:tab pos="457200" algn="l"/>
+              </a:tabLst>
+            </a:pPr>
+            <a:r>
+              <a:rPr lang="it-IT" sz="2400" dirty="0" smtClean="0">
+                <a:latin typeface="Tahoma" panose="020B0604030504040204" pitchFamily="34" charset="0"/>
+                <a:ea typeface="Tahoma" panose="020B0604030504040204" pitchFamily="34" charset="0"/>
+                <a:cs typeface="Tahoma" panose="020B0604030504040204" pitchFamily="34" charset="0"/>
+              </a:rPr>
+              <a:t>La </a:t>
+            </a:r>
+            <a:r>
+              <a:rPr lang="it-IT" sz="2400" b="1" dirty="0">
+                <a:latin typeface="Tahoma" panose="020B0604030504040204" pitchFamily="34" charset="0"/>
+                <a:ea typeface="Tahoma" panose="020B0604030504040204" pitchFamily="34" charset="0"/>
+                <a:cs typeface="Tahoma" panose="020B0604030504040204" pitchFamily="34" charset="0"/>
+              </a:rPr>
+              <a:t>law</a:t>
+            </a:r>
+            <a:r>
+              <a:rPr lang="it-IT" sz="2400" dirty="0">
+                <a:latin typeface="Tahoma" panose="020B0604030504040204" pitchFamily="34" charset="0"/>
+                <a:ea typeface="Tahoma" panose="020B0604030504040204" pitchFamily="34" charset="0"/>
+                <a:cs typeface="Tahoma" panose="020B0604030504040204" pitchFamily="34" charset="0"/>
+              </a:rPr>
+              <a:t> </a:t>
+            </a:r>
+            <a:r>
+              <a:rPr lang="it-IT" sz="2400" b="1" dirty="0" err="1">
+                <a:latin typeface="Tahoma" panose="020B0604030504040204" pitchFamily="34" charset="0"/>
+                <a:ea typeface="Tahoma" panose="020B0604030504040204" pitchFamily="34" charset="0"/>
+                <a:cs typeface="Tahoma" panose="020B0604030504040204" pitchFamily="34" charset="0"/>
+              </a:rPr>
+              <a:t>firm</a:t>
+            </a:r>
+            <a:r>
+              <a:rPr lang="it-IT" sz="2400" dirty="0">
+                <a:latin typeface="Tahoma" panose="020B0604030504040204" pitchFamily="34" charset="0"/>
+                <a:ea typeface="Tahoma" panose="020B0604030504040204" pitchFamily="34" charset="0"/>
+                <a:cs typeface="Tahoma" panose="020B0604030504040204" pitchFamily="34" charset="0"/>
+              </a:rPr>
+              <a:t> è anche tra i partner del progetto </a:t>
+            </a:r>
+            <a:r>
+              <a:rPr lang="it-IT" sz="2400" b="1" dirty="0">
+                <a:latin typeface="Tahoma" panose="020B0604030504040204" pitchFamily="34" charset="0"/>
+                <a:ea typeface="Tahoma" panose="020B0604030504040204" pitchFamily="34" charset="0"/>
+                <a:cs typeface="Tahoma" panose="020B0604030504040204" pitchFamily="34" charset="0"/>
+              </a:rPr>
+              <a:t>Accord</a:t>
+            </a:r>
+            <a:r>
+              <a:rPr lang="it-IT" sz="2400" dirty="0">
+                <a:latin typeface="Tahoma" panose="020B0604030504040204" pitchFamily="34" charset="0"/>
+                <a:ea typeface="Tahoma" panose="020B0604030504040204" pitchFamily="34" charset="0"/>
+                <a:cs typeface="Tahoma" panose="020B0604030504040204" pitchFamily="34" charset="0"/>
+              </a:rPr>
+              <a:t> per lo sviluppo di </a:t>
+            </a:r>
+            <a:r>
+              <a:rPr lang="it-IT" sz="2400" b="1" dirty="0" err="1">
+                <a:latin typeface="Tahoma" panose="020B0604030504040204" pitchFamily="34" charset="0"/>
+                <a:ea typeface="Tahoma" panose="020B0604030504040204" pitchFamily="34" charset="0"/>
+                <a:cs typeface="Tahoma" panose="020B0604030504040204" pitchFamily="34" charset="0"/>
+              </a:rPr>
+              <a:t>smart</a:t>
+            </a:r>
+            <a:r>
+              <a:rPr lang="it-IT" sz="2400" dirty="0">
+                <a:latin typeface="Tahoma" panose="020B0604030504040204" pitchFamily="34" charset="0"/>
+                <a:ea typeface="Tahoma" panose="020B0604030504040204" pitchFamily="34" charset="0"/>
+                <a:cs typeface="Tahoma" panose="020B0604030504040204" pitchFamily="34" charset="0"/>
+              </a:rPr>
+              <a:t> “</a:t>
+            </a:r>
+            <a:r>
+              <a:rPr lang="it-IT" sz="2400" b="1" dirty="0" err="1">
+                <a:latin typeface="Tahoma" panose="020B0604030504040204" pitchFamily="34" charset="0"/>
+                <a:ea typeface="Tahoma" panose="020B0604030504040204" pitchFamily="34" charset="0"/>
+                <a:cs typeface="Tahoma" panose="020B0604030504040204" pitchFamily="34" charset="0"/>
+              </a:rPr>
+              <a:t>legal</a:t>
+            </a:r>
+            <a:r>
+              <a:rPr lang="it-IT" sz="2400" dirty="0">
+                <a:latin typeface="Tahoma" panose="020B0604030504040204" pitchFamily="34" charset="0"/>
+                <a:ea typeface="Tahoma" panose="020B0604030504040204" pitchFamily="34" charset="0"/>
+                <a:cs typeface="Tahoma" panose="020B0604030504040204" pitchFamily="34" charset="0"/>
+              </a:rPr>
+              <a:t>” </a:t>
+            </a:r>
+            <a:r>
+              <a:rPr lang="it-IT" sz="2400" b="1" dirty="0" err="1">
+                <a:latin typeface="Tahoma" panose="020B0604030504040204" pitchFamily="34" charset="0"/>
+                <a:ea typeface="Tahoma" panose="020B0604030504040204" pitchFamily="34" charset="0"/>
+                <a:cs typeface="Tahoma" panose="020B0604030504040204" pitchFamily="34" charset="0"/>
+              </a:rPr>
+              <a:t>contract</a:t>
+            </a:r>
+            <a:r>
+              <a:rPr lang="it-IT" sz="2400" dirty="0">
+                <a:latin typeface="Tahoma" panose="020B0604030504040204" pitchFamily="34" charset="0"/>
+                <a:ea typeface="Tahoma" panose="020B0604030504040204" pitchFamily="34" charset="0"/>
+                <a:cs typeface="Tahoma" panose="020B0604030504040204" pitchFamily="34" charset="0"/>
+              </a:rPr>
+              <a:t>, «strutturati in forma tale da poter essere considerati contratti </a:t>
+            </a:r>
+            <a:r>
+              <a:rPr lang="it-IT" sz="2400" dirty="0" smtClean="0">
+                <a:latin typeface="Tahoma" panose="020B0604030504040204" pitchFamily="34" charset="0"/>
+                <a:ea typeface="Tahoma" panose="020B0604030504040204" pitchFamily="34" charset="0"/>
+                <a:cs typeface="Tahoma" panose="020B0604030504040204" pitchFamily="34" charset="0"/>
+              </a:rPr>
+              <a:t>con </a:t>
+            </a:r>
+            <a:r>
+              <a:rPr lang="it-IT" sz="2400" b="1" dirty="0" smtClean="0">
+                <a:latin typeface="Tahoma" panose="020B0604030504040204" pitchFamily="34" charset="0"/>
+                <a:ea typeface="Tahoma" panose="020B0604030504040204" pitchFamily="34" charset="0"/>
+                <a:cs typeface="Tahoma" panose="020B0604030504040204" pitchFamily="34" charset="0"/>
+              </a:rPr>
+              <a:t>valenza giuridica</a:t>
+            </a:r>
+            <a:r>
+              <a:rPr lang="it-IT" sz="2400" dirty="0" smtClean="0">
+                <a:latin typeface="Tahoma" panose="020B0604030504040204" pitchFamily="34" charset="0"/>
+                <a:ea typeface="Tahoma" panose="020B0604030504040204" pitchFamily="34" charset="0"/>
+                <a:cs typeface="Tahoma" panose="020B0604030504040204" pitchFamily="34" charset="0"/>
+              </a:rPr>
+              <a:t> </a:t>
+            </a:r>
+            <a:r>
+              <a:rPr lang="it-IT" sz="2400" dirty="0">
+                <a:latin typeface="Tahoma" panose="020B0604030504040204" pitchFamily="34" charset="0"/>
+                <a:ea typeface="Tahoma" panose="020B0604030504040204" pitchFamily="34" charset="0"/>
+                <a:cs typeface="Tahoma" panose="020B0604030504040204" pitchFamily="34" charset="0"/>
+              </a:rPr>
+              <a:t>e non solo software di esecuzione. </a:t>
+            </a:r>
+            <a:endParaRPr lang="it-IT" sz="2400" dirty="0" smtClean="0">
+              <a:latin typeface="Tahoma" panose="020B0604030504040204" pitchFamily="34" charset="0"/>
+              <a:ea typeface="Tahoma" panose="020B0604030504040204" pitchFamily="34" charset="0"/>
+              <a:cs typeface="Tahoma" panose="020B0604030504040204" pitchFamily="34" charset="0"/>
+            </a:endParaRPr>
+          </a:p>
+          <a:p>
+            <a:pPr marL="342900" indent="-342900" algn="just">
+              <a:lnSpc>
+                <a:spcPct val="115000"/>
+              </a:lnSpc>
+              <a:spcBef>
+                <a:spcPts val="2400"/>
+              </a:spcBef>
+              <a:buFont typeface="Wingdings" panose="05000000000000000000" pitchFamily="2" charset="2"/>
+              <a:buChar char="ü"/>
+              <a:tabLst>
+                <a:tab pos="457200" algn="l"/>
+              </a:tabLst>
+            </a:pPr>
+            <a:r>
+              <a:rPr lang="it-IT" sz="2400" dirty="0" smtClean="0">
+                <a:latin typeface="Tahoma" panose="020B0604030504040204" pitchFamily="34" charset="0"/>
+                <a:ea typeface="Tahoma" panose="020B0604030504040204" pitchFamily="34" charset="0"/>
+                <a:cs typeface="Tahoma" panose="020B0604030504040204" pitchFamily="34" charset="0"/>
+              </a:rPr>
+              <a:t>Un </a:t>
+            </a:r>
+            <a:r>
+              <a:rPr lang="it-IT" sz="2400" b="1" dirty="0">
+                <a:latin typeface="Tahoma" panose="020B0604030504040204" pitchFamily="34" charset="0"/>
+                <a:ea typeface="Tahoma" panose="020B0604030504040204" pitchFamily="34" charset="0"/>
+                <a:cs typeface="Tahoma" panose="020B0604030504040204" pitchFamily="34" charset="0"/>
+              </a:rPr>
+              <a:t>progetto</a:t>
+            </a:r>
+            <a:r>
+              <a:rPr lang="it-IT" sz="2400" dirty="0">
+                <a:latin typeface="Tahoma" panose="020B0604030504040204" pitchFamily="34" charset="0"/>
+                <a:ea typeface="Tahoma" panose="020B0604030504040204" pitchFamily="34" charset="0"/>
+                <a:cs typeface="Tahoma" panose="020B0604030504040204" pitchFamily="34" charset="0"/>
+              </a:rPr>
+              <a:t> importante – evidenzia Sassella – per raggiungere un </a:t>
+            </a:r>
+            <a:r>
+              <a:rPr lang="it-IT" sz="2400" b="1" dirty="0">
+                <a:latin typeface="Tahoma" panose="020B0604030504040204" pitchFamily="34" charset="0"/>
+                <a:ea typeface="Tahoma" panose="020B0604030504040204" pitchFamily="34" charset="0"/>
+                <a:cs typeface="Tahoma" panose="020B0604030504040204" pitchFamily="34" charset="0"/>
+              </a:rPr>
+              <a:t>punto</a:t>
+            </a:r>
+            <a:r>
+              <a:rPr lang="it-IT" sz="2400" dirty="0">
+                <a:latin typeface="Tahoma" panose="020B0604030504040204" pitchFamily="34" charset="0"/>
+                <a:ea typeface="Tahoma" panose="020B0604030504040204" pitchFamily="34" charset="0"/>
+                <a:cs typeface="Tahoma" panose="020B0604030504040204" pitchFamily="34" charset="0"/>
+              </a:rPr>
+              <a:t> </a:t>
+            </a:r>
+            <a:r>
+              <a:rPr lang="it-IT" sz="2400" b="1" dirty="0">
+                <a:latin typeface="Tahoma" panose="020B0604030504040204" pitchFamily="34" charset="0"/>
+                <a:ea typeface="Tahoma" panose="020B0604030504040204" pitchFamily="34" charset="0"/>
+                <a:cs typeface="Tahoma" panose="020B0604030504040204" pitchFamily="34" charset="0"/>
+              </a:rPr>
+              <a:t>di</a:t>
+            </a:r>
+            <a:r>
+              <a:rPr lang="it-IT" sz="2400" dirty="0">
+                <a:latin typeface="Tahoma" panose="020B0604030504040204" pitchFamily="34" charset="0"/>
+                <a:ea typeface="Tahoma" panose="020B0604030504040204" pitchFamily="34" charset="0"/>
+                <a:cs typeface="Tahoma" panose="020B0604030504040204" pitchFamily="34" charset="0"/>
+              </a:rPr>
+              <a:t> </a:t>
+            </a:r>
+            <a:r>
+              <a:rPr lang="it-IT" sz="2400" b="1" dirty="0">
+                <a:latin typeface="Tahoma" panose="020B0604030504040204" pitchFamily="34" charset="0"/>
+                <a:ea typeface="Tahoma" panose="020B0604030504040204" pitchFamily="34" charset="0"/>
+                <a:cs typeface="Tahoma" panose="020B0604030504040204" pitchFamily="34" charset="0"/>
+              </a:rPr>
+              <a:t>contatto</a:t>
+            </a:r>
+            <a:r>
+              <a:rPr lang="it-IT" sz="2400" dirty="0">
+                <a:latin typeface="Tahoma" panose="020B0604030504040204" pitchFamily="34" charset="0"/>
+                <a:ea typeface="Tahoma" panose="020B0604030504040204" pitchFamily="34" charset="0"/>
+                <a:cs typeface="Tahoma" panose="020B0604030504040204" pitchFamily="34" charset="0"/>
+              </a:rPr>
+              <a:t> tra un documento in “</a:t>
+            </a:r>
+            <a:r>
+              <a:rPr lang="it-IT" sz="2400" b="1" dirty="0">
+                <a:latin typeface="Tahoma" panose="020B0604030504040204" pitchFamily="34" charset="0"/>
+                <a:ea typeface="Tahoma" panose="020B0604030504040204" pitchFamily="34" charset="0"/>
+                <a:cs typeface="Tahoma" panose="020B0604030504040204" pitchFamily="34" charset="0"/>
+              </a:rPr>
+              <a:t>linguaggio</a:t>
+            </a:r>
+            <a:r>
+              <a:rPr lang="it-IT" sz="2400" dirty="0">
+                <a:latin typeface="Tahoma" panose="020B0604030504040204" pitchFamily="34" charset="0"/>
+                <a:ea typeface="Tahoma" panose="020B0604030504040204" pitchFamily="34" charset="0"/>
+                <a:cs typeface="Tahoma" panose="020B0604030504040204" pitchFamily="34" charset="0"/>
+              </a:rPr>
+              <a:t> </a:t>
+            </a:r>
+            <a:r>
+              <a:rPr lang="it-IT" sz="2400" b="1" dirty="0">
+                <a:latin typeface="Tahoma" panose="020B0604030504040204" pitchFamily="34" charset="0"/>
+                <a:ea typeface="Tahoma" panose="020B0604030504040204" pitchFamily="34" charset="0"/>
+                <a:cs typeface="Tahoma" panose="020B0604030504040204" pitchFamily="34" charset="0"/>
+              </a:rPr>
+              <a:t>naturale</a:t>
+            </a:r>
+            <a:r>
+              <a:rPr lang="it-IT" sz="2400" dirty="0">
+                <a:latin typeface="Tahoma" panose="020B0604030504040204" pitchFamily="34" charset="0"/>
+                <a:ea typeface="Tahoma" panose="020B0604030504040204" pitchFamily="34" charset="0"/>
+                <a:cs typeface="Tahoma" panose="020B0604030504040204" pitchFamily="34" charset="0"/>
+              </a:rPr>
+              <a:t>” e uno </a:t>
+            </a:r>
+            <a:r>
+              <a:rPr lang="it-IT" sz="2400" b="1" dirty="0" err="1">
+                <a:latin typeface="Tahoma" panose="020B0604030504040204" pitchFamily="34" charset="0"/>
+                <a:ea typeface="Tahoma" panose="020B0604030504040204" pitchFamily="34" charset="0"/>
+                <a:cs typeface="Tahoma" panose="020B0604030504040204" pitchFamily="34" charset="0"/>
+              </a:rPr>
+              <a:t>smart</a:t>
+            </a:r>
+            <a:r>
+              <a:rPr lang="it-IT" sz="2400" dirty="0">
+                <a:latin typeface="Tahoma" panose="020B0604030504040204" pitchFamily="34" charset="0"/>
+                <a:ea typeface="Tahoma" panose="020B0604030504040204" pitchFamily="34" charset="0"/>
+                <a:cs typeface="Tahoma" panose="020B0604030504040204" pitchFamily="34" charset="0"/>
+              </a:rPr>
+              <a:t> </a:t>
+            </a:r>
+            <a:r>
+              <a:rPr lang="it-IT" sz="2400" b="1" dirty="0" err="1">
+                <a:latin typeface="Tahoma" panose="020B0604030504040204" pitchFamily="34" charset="0"/>
+                <a:ea typeface="Tahoma" panose="020B0604030504040204" pitchFamily="34" charset="0"/>
+                <a:cs typeface="Tahoma" panose="020B0604030504040204" pitchFamily="34" charset="0"/>
+              </a:rPr>
+              <a:t>contract</a:t>
+            </a:r>
+            <a:r>
+              <a:rPr lang="it-IT" sz="2400" dirty="0">
+                <a:latin typeface="Tahoma" panose="020B0604030504040204" pitchFamily="34" charset="0"/>
+                <a:ea typeface="Tahoma" panose="020B0604030504040204" pitchFamily="34" charset="0"/>
+                <a:cs typeface="Tahoma" panose="020B0604030504040204" pitchFamily="34" charset="0"/>
+              </a:rPr>
+              <a:t> rappresentato da solo codice</a:t>
+            </a:r>
+            <a:r>
+              <a:rPr lang="it-IT" sz="2400" dirty="0" smtClean="0">
+                <a:latin typeface="Tahoma" panose="020B0604030504040204" pitchFamily="34" charset="0"/>
+                <a:ea typeface="Tahoma" panose="020B0604030504040204" pitchFamily="34" charset="0"/>
+                <a:cs typeface="Tahoma" panose="020B0604030504040204" pitchFamily="34" charset="0"/>
+              </a:rPr>
+              <a:t>».</a:t>
+            </a:r>
+            <a:endParaRPr lang="it-IT" sz="2400" dirty="0">
+              <a:latin typeface="Tahoma" panose="020B0604030504040204" pitchFamily="34" charset="0"/>
+              <a:ea typeface="Tahoma" panose="020B0604030504040204" pitchFamily="34" charset="0"/>
+              <a:cs typeface="Tahoma" panose="020B0604030504040204" pitchFamily="34" charset="0"/>
+            </a:endParaRPr>
+          </a:p>
+          <a:p>
+            <a:pPr algn="just">
+              <a:lnSpc>
+                <a:spcPct val="115000"/>
+              </a:lnSpc>
+              <a:spcBef>
+                <a:spcPts val="2400"/>
+              </a:spcBef>
+              <a:tabLst>
+                <a:tab pos="457200" algn="l"/>
+              </a:tabLst>
+            </a:pPr>
+            <a:endParaRPr lang="it-IT" sz="2400" dirty="0">
+              <a:latin typeface="Tahoma" panose="020B0604030504040204" pitchFamily="34" charset="0"/>
+              <a:ea typeface="Tahoma" panose="020B0604030504040204" pitchFamily="34" charset="0"/>
+              <a:cs typeface="Tahoma" panose="020B0604030504040204" pitchFamily="34" charset="0"/>
+            </a:endParaRPr>
+          </a:p>
+        </p:txBody>
+      </p:sp>
+      <p:sp>
+        <p:nvSpPr>
+          <p:cNvPr id="7" name="Segnaposto numero diapositiva 6">
+            <a:extLst>
+              <a:ext uri="{FF2B5EF4-FFF2-40B4-BE49-F238E27FC236}">
+                <a16:creationId xmlns:a16="http://schemas.microsoft.com/office/drawing/2014/main" id="{AB740BE9-E218-4144-BFDE-AE473D230A3D}"/>
+              </a:ext>
+            </a:extLst>
+          </p:cNvPr>
+          <p:cNvSpPr>
+            <a:spLocks noGrp="1"/>
+          </p:cNvSpPr>
+          <p:nvPr>
+            <p:ph type="sldNum" sz="quarter" idx="12"/>
+          </p:nvPr>
+        </p:nvSpPr>
+        <p:spPr/>
+        <p:txBody>
+          <a:bodyPr/>
+          <a:lstStyle/>
+          <a:p>
+            <a:pPr>
+              <a:defRPr/>
+            </a:pPr>
+            <a:fld id="{48B4153A-D4C5-4CEF-8992-0D8815C829E3}" type="slidenum">
+              <a:rPr lang="en-US" smtClean="0"/>
+              <a:pPr>
+                <a:defRPr/>
+              </a:pPr>
+              <a:t>15</a:t>
+            </a:fld>
+            <a:endParaRPr lang="en-US" dirty="0"/>
+          </a:p>
+        </p:txBody>
+      </p:sp>
+      <p:sp>
+        <p:nvSpPr>
+          <p:cNvPr id="6" name="Titolo 4">
+            <a:extLst>
+              <a:ext uri="{FF2B5EF4-FFF2-40B4-BE49-F238E27FC236}">
+                <a16:creationId xmlns:a16="http://schemas.microsoft.com/office/drawing/2014/main" id="{CF9A4806-60B4-80DC-1F76-D2EB3E6C376B}"/>
+              </a:ext>
+            </a:extLst>
+          </p:cNvPr>
+          <p:cNvSpPr>
+            <a:spLocks noGrp="1"/>
+          </p:cNvSpPr>
+          <p:nvPr>
+            <p:ph type="title"/>
+          </p:nvPr>
+        </p:nvSpPr>
+        <p:spPr>
+          <a:xfrm>
+            <a:off x="468313" y="671508"/>
+            <a:ext cx="11269662" cy="384721"/>
+          </a:xfrm>
+        </p:spPr>
+        <p:txBody>
+          <a:bodyPr/>
+          <a:lstStyle/>
+          <a:p>
+            <a:r>
+              <a:rPr lang="it-IT" dirty="0">
+                <a:solidFill>
+                  <a:schemeClr val="tx1"/>
+                </a:solidFill>
+                <a:latin typeface="Tahoma" panose="020B0604030504040204" pitchFamily="34" charset="0"/>
+                <a:ea typeface="Tahoma" panose="020B0604030504040204" pitchFamily="34" charset="0"/>
+                <a:cs typeface="Tahoma" panose="020B0604030504040204" pitchFamily="34" charset="0"/>
+              </a:rPr>
+              <a:t>I </a:t>
+            </a:r>
+            <a:r>
+              <a:rPr lang="it-IT" dirty="0" smtClean="0">
+                <a:solidFill>
+                  <a:schemeClr val="tx1"/>
+                </a:solidFill>
+                <a:latin typeface="Tahoma" panose="020B0604030504040204" pitchFamily="34" charset="0"/>
+                <a:ea typeface="Tahoma" panose="020B0604030504040204" pitchFamily="34" charset="0"/>
+                <a:cs typeface="Tahoma" panose="020B0604030504040204" pitchFamily="34" charset="0"/>
+              </a:rPr>
+              <a:t>confini applicativi</a:t>
+            </a:r>
+            <a:endParaRPr lang="it-IT" dirty="0">
+              <a:solidFill>
+                <a:schemeClr val="tx1"/>
+              </a:solidFill>
+              <a:latin typeface="Tahoma" panose="020B0604030504040204" pitchFamily="34" charset="0"/>
+              <a:ea typeface="Tahoma" panose="020B0604030504040204" pitchFamily="34" charset="0"/>
+              <a:cs typeface="Tahoma" panose="020B0604030504040204" pitchFamily="34" charset="0"/>
+            </a:endParaRPr>
+          </a:p>
+        </p:txBody>
+      </p:sp>
+      <p:pic>
+        <p:nvPicPr>
+          <p:cNvPr id="4" name="Immagine 3"/>
+          <p:cNvPicPr>
+            <a:picLocks noChangeAspect="1"/>
+          </p:cNvPicPr>
+          <p:nvPr/>
+        </p:nvPicPr>
+        <p:blipFill>
+          <a:blip r:embed="rId2">
+            <a:extLst>
+              <a:ext uri="{28A0092B-C50C-407E-A947-70E740481C1C}">
+                <a14:useLocalDpi xmlns:a14="http://schemas.microsoft.com/office/drawing/2010/main" val="0"/>
+              </a:ext>
+            </a:extLst>
+          </a:blip>
+          <a:stretch>
+            <a:fillRect/>
+          </a:stretch>
+        </p:blipFill>
+        <p:spPr>
+          <a:xfrm>
+            <a:off x="7902776" y="1563328"/>
+            <a:ext cx="3235836" cy="4527755"/>
+          </a:xfrm>
+          <a:prstGeom prst="rect">
+            <a:avLst/>
+          </a:prstGeom>
+        </p:spPr>
+      </p:pic>
+    </p:spTree>
+    <p:extLst>
+      <p:ext uri="{BB962C8B-B14F-4D97-AF65-F5344CB8AC3E}">
+        <p14:creationId xmlns:p14="http://schemas.microsoft.com/office/powerpoint/2010/main" val="2500084499"/>
+      </p:ext>
+    </p:extLst>
+  </p:cSld>
+  <p:clrMapOvr>
+    <a:masterClrMapping/>
+  </p:clrMapOvr>
+</p:sld>
+</file>
+
+<file path=ppt/slides/slide16.xml><?xml version="1.0" encoding="utf-8"?>
+<p:sld xmlns:a="http://schemas.openxmlformats.org/drawingml/2006/main" xmlns:r="http://schemas.openxmlformats.org/officeDocument/2006/relationships" xmlns:p="http://schemas.openxmlformats.org/presentationml/2006/main">
+  <p:cSld>
+    <p:spTree>
+      <p:nvGrpSpPr>
+        <p:cNvPr id="1" name=""/>
+        <p:cNvGrpSpPr/>
+        <p:nvPr/>
+      </p:nvGrpSpPr>
+      <p:grpSpPr>
+        <a:xfrm>
+          <a:off x="0" y="0"/>
+          <a:ext cx="0" cy="0"/>
+          <a:chOff x="0" y="0"/>
+          <a:chExt cx="0" cy="0"/>
+        </a:xfrm>
+      </p:grpSpPr>
+      <p:sp>
+        <p:nvSpPr>
+          <p:cNvPr id="2" name="Segnaposto testo 1">
+            <a:extLst>
+              <a:ext uri="{FF2B5EF4-FFF2-40B4-BE49-F238E27FC236}">
+                <a16:creationId xmlns:a16="http://schemas.microsoft.com/office/drawing/2014/main" id="{E5AE986C-196F-4141-A898-FA4C4198CDCC}"/>
+              </a:ext>
+            </a:extLst>
+          </p:cNvPr>
+          <p:cNvSpPr>
+            <a:spLocks noGrp="1"/>
+          </p:cNvSpPr>
+          <p:nvPr>
+            <p:ph type="body" idx="1"/>
+          </p:nvPr>
+        </p:nvSpPr>
+        <p:spPr>
+          <a:xfrm>
+            <a:off x="323469" y="1305471"/>
+            <a:ext cx="5939679" cy="1831019"/>
+          </a:xfrm>
+        </p:spPr>
+        <p:txBody>
+          <a:bodyPr/>
+          <a:lstStyle/>
+          <a:p>
+            <a:pPr marL="342900" indent="-342900" algn="just">
+              <a:lnSpc>
+                <a:spcPct val="115000"/>
+              </a:lnSpc>
+              <a:spcBef>
+                <a:spcPts val="2400"/>
+              </a:spcBef>
+              <a:buFont typeface="Wingdings" panose="05000000000000000000" pitchFamily="2" charset="2"/>
+              <a:buChar char="ü"/>
+              <a:tabLst>
+                <a:tab pos="457200" algn="l"/>
+              </a:tabLst>
+            </a:pPr>
+            <a:r>
+              <a:rPr lang="it-IT" sz="2400" dirty="0" smtClean="0">
+                <a:latin typeface="Tahoma" panose="020B0604030504040204" pitchFamily="34" charset="0"/>
+                <a:ea typeface="Tahoma" panose="020B0604030504040204" pitchFamily="34" charset="0"/>
+                <a:cs typeface="Tahoma" panose="020B0604030504040204" pitchFamily="34" charset="0"/>
+              </a:rPr>
+              <a:t>Resta </a:t>
+            </a:r>
+            <a:r>
+              <a:rPr lang="it-IT" sz="2400" dirty="0">
+                <a:latin typeface="Tahoma" panose="020B0604030504040204" pitchFamily="34" charset="0"/>
+                <a:ea typeface="Tahoma" panose="020B0604030504040204" pitchFamily="34" charset="0"/>
+                <a:cs typeface="Tahoma" panose="020B0604030504040204" pitchFamily="34" charset="0"/>
+              </a:rPr>
+              <a:t>il fatto che gli </a:t>
+            </a:r>
+            <a:r>
+              <a:rPr lang="it-IT" sz="2400" b="1" dirty="0" err="1">
+                <a:latin typeface="Tahoma" panose="020B0604030504040204" pitchFamily="34" charset="0"/>
+                <a:ea typeface="Tahoma" panose="020B0604030504040204" pitchFamily="34" charset="0"/>
+                <a:cs typeface="Tahoma" panose="020B0604030504040204" pitchFamily="34" charset="0"/>
+              </a:rPr>
+              <a:t>smart</a:t>
+            </a:r>
+            <a:r>
+              <a:rPr lang="it-IT" sz="2400" dirty="0">
+                <a:latin typeface="Tahoma" panose="020B0604030504040204" pitchFamily="34" charset="0"/>
+                <a:ea typeface="Tahoma" panose="020B0604030504040204" pitchFamily="34" charset="0"/>
+                <a:cs typeface="Tahoma" panose="020B0604030504040204" pitchFamily="34" charset="0"/>
+              </a:rPr>
+              <a:t> </a:t>
+            </a:r>
+            <a:r>
+              <a:rPr lang="it-IT" sz="2400" b="1" dirty="0" err="1">
+                <a:latin typeface="Tahoma" panose="020B0604030504040204" pitchFamily="34" charset="0"/>
+                <a:ea typeface="Tahoma" panose="020B0604030504040204" pitchFamily="34" charset="0"/>
+                <a:cs typeface="Tahoma" panose="020B0604030504040204" pitchFamily="34" charset="0"/>
+              </a:rPr>
+              <a:t>contract</a:t>
+            </a:r>
+            <a:r>
+              <a:rPr lang="it-IT" sz="2400" dirty="0">
+                <a:latin typeface="Tahoma" panose="020B0604030504040204" pitchFamily="34" charset="0"/>
+                <a:ea typeface="Tahoma" panose="020B0604030504040204" pitchFamily="34" charset="0"/>
+                <a:cs typeface="Tahoma" panose="020B0604030504040204" pitchFamily="34" charset="0"/>
+              </a:rPr>
+              <a:t> incontrano inevitabili </a:t>
+            </a:r>
+            <a:r>
+              <a:rPr lang="it-IT" sz="2400" b="1" dirty="0">
+                <a:latin typeface="Tahoma" panose="020B0604030504040204" pitchFamily="34" charset="0"/>
+                <a:ea typeface="Tahoma" panose="020B0604030504040204" pitchFamily="34" charset="0"/>
+                <a:cs typeface="Tahoma" panose="020B0604030504040204" pitchFamily="34" charset="0"/>
+              </a:rPr>
+              <a:t>limiti</a:t>
+            </a:r>
+            <a:r>
+              <a:rPr lang="it-IT" sz="2400" dirty="0">
+                <a:latin typeface="Tahoma" panose="020B0604030504040204" pitchFamily="34" charset="0"/>
+                <a:ea typeface="Tahoma" panose="020B0604030504040204" pitchFamily="34" charset="0"/>
+                <a:cs typeface="Tahoma" panose="020B0604030504040204" pitchFamily="34" charset="0"/>
+              </a:rPr>
+              <a:t> </a:t>
+            </a:r>
+            <a:r>
+              <a:rPr lang="it-IT" sz="2400" b="1" dirty="0">
+                <a:latin typeface="Tahoma" panose="020B0604030504040204" pitchFamily="34" charset="0"/>
+                <a:ea typeface="Tahoma" panose="020B0604030504040204" pitchFamily="34" charset="0"/>
+                <a:cs typeface="Tahoma" panose="020B0604030504040204" pitchFamily="34" charset="0"/>
+              </a:rPr>
+              <a:t>tecnico-giuridici</a:t>
+            </a:r>
+            <a:r>
+              <a:rPr lang="it-IT" sz="2400" dirty="0">
+                <a:latin typeface="Tahoma" panose="020B0604030504040204" pitchFamily="34" charset="0"/>
+                <a:ea typeface="Tahoma" panose="020B0604030504040204" pitchFamily="34" charset="0"/>
+                <a:cs typeface="Tahoma" panose="020B0604030504040204" pitchFamily="34" charset="0"/>
+              </a:rPr>
+              <a:t>. </a:t>
+            </a:r>
+            <a:endParaRPr lang="it-IT" sz="2400" dirty="0" smtClean="0">
+              <a:latin typeface="Tahoma" panose="020B0604030504040204" pitchFamily="34" charset="0"/>
+              <a:ea typeface="Tahoma" panose="020B0604030504040204" pitchFamily="34" charset="0"/>
+              <a:cs typeface="Tahoma" panose="020B0604030504040204" pitchFamily="34" charset="0"/>
+            </a:endParaRPr>
+          </a:p>
+          <a:p>
+            <a:pPr marL="342900" indent="-342900" algn="just">
+              <a:lnSpc>
+                <a:spcPct val="115000"/>
+              </a:lnSpc>
+              <a:spcBef>
+                <a:spcPts val="2400"/>
+              </a:spcBef>
+              <a:buFont typeface="Wingdings" panose="05000000000000000000" pitchFamily="2" charset="2"/>
+              <a:buChar char="ü"/>
+              <a:tabLst>
+                <a:tab pos="457200" algn="l"/>
+              </a:tabLst>
+            </a:pPr>
+            <a:r>
+              <a:rPr lang="it-IT" sz="2400" dirty="0" smtClean="0">
+                <a:latin typeface="Tahoma" panose="020B0604030504040204" pitchFamily="34" charset="0"/>
+                <a:ea typeface="Tahoma" panose="020B0604030504040204" pitchFamily="34" charset="0"/>
+                <a:cs typeface="Tahoma" panose="020B0604030504040204" pitchFamily="34" charset="0"/>
+              </a:rPr>
+              <a:t>E</a:t>
+            </a:r>
+            <a:r>
+              <a:rPr lang="it-IT" sz="2400" dirty="0">
+                <a:latin typeface="Tahoma" panose="020B0604030504040204" pitchFamily="34" charset="0"/>
+                <a:ea typeface="Tahoma" panose="020B0604030504040204" pitchFamily="34" charset="0"/>
+                <a:cs typeface="Tahoma" panose="020B0604030504040204" pitchFamily="34" charset="0"/>
+              </a:rPr>
+              <a:t> che la loro </a:t>
+            </a:r>
+            <a:r>
+              <a:rPr lang="it-IT" sz="2400" b="1" dirty="0">
+                <a:latin typeface="Tahoma" panose="020B0604030504040204" pitchFamily="34" charset="0"/>
+                <a:ea typeface="Tahoma" panose="020B0604030504040204" pitchFamily="34" charset="0"/>
+                <a:cs typeface="Tahoma" panose="020B0604030504040204" pitchFamily="34" charset="0"/>
+              </a:rPr>
+              <a:t>applicazione</a:t>
+            </a:r>
+            <a:r>
+              <a:rPr lang="it-IT" sz="2400" dirty="0">
+                <a:latin typeface="Tahoma" panose="020B0604030504040204" pitchFamily="34" charset="0"/>
+                <a:ea typeface="Tahoma" panose="020B0604030504040204" pitchFamily="34" charset="0"/>
+                <a:cs typeface="Tahoma" panose="020B0604030504040204" pitchFamily="34" charset="0"/>
+              </a:rPr>
+              <a:t> è </a:t>
+            </a:r>
+            <a:r>
+              <a:rPr lang="it-IT" sz="2400" b="1" dirty="0">
+                <a:latin typeface="Tahoma" panose="020B0604030504040204" pitchFamily="34" charset="0"/>
+                <a:ea typeface="Tahoma" panose="020B0604030504040204" pitchFamily="34" charset="0"/>
+                <a:cs typeface="Tahoma" panose="020B0604030504040204" pitchFamily="34" charset="0"/>
+              </a:rPr>
+              <a:t>profittevole</a:t>
+            </a:r>
+            <a:r>
+              <a:rPr lang="it-IT" sz="2400" dirty="0">
+                <a:latin typeface="Tahoma" panose="020B0604030504040204" pitchFamily="34" charset="0"/>
+                <a:ea typeface="Tahoma" panose="020B0604030504040204" pitchFamily="34" charset="0"/>
+                <a:cs typeface="Tahoma" panose="020B0604030504040204" pitchFamily="34" charset="0"/>
+              </a:rPr>
+              <a:t> solo quando è semplice tradurre le </a:t>
+            </a:r>
+            <a:r>
+              <a:rPr lang="it-IT" sz="2400" b="1" dirty="0">
+                <a:latin typeface="Tahoma" panose="020B0604030504040204" pitchFamily="34" charset="0"/>
+                <a:ea typeface="Tahoma" panose="020B0604030504040204" pitchFamily="34" charset="0"/>
+                <a:cs typeface="Tahoma" panose="020B0604030504040204" pitchFamily="34" charset="0"/>
+              </a:rPr>
+              <a:t>clausole</a:t>
+            </a:r>
+            <a:r>
+              <a:rPr lang="it-IT" sz="2400" dirty="0">
+                <a:latin typeface="Tahoma" panose="020B0604030504040204" pitchFamily="34" charset="0"/>
+                <a:ea typeface="Tahoma" panose="020B0604030504040204" pitchFamily="34" charset="0"/>
+                <a:cs typeface="Tahoma" panose="020B0604030504040204" pitchFamily="34" charset="0"/>
+              </a:rPr>
+              <a:t> </a:t>
+            </a:r>
+            <a:r>
+              <a:rPr lang="it-IT" sz="2400" b="1" dirty="0">
+                <a:latin typeface="Tahoma" panose="020B0604030504040204" pitchFamily="34" charset="0"/>
+                <a:ea typeface="Tahoma" panose="020B0604030504040204" pitchFamily="34" charset="0"/>
+                <a:cs typeface="Tahoma" panose="020B0604030504040204" pitchFamily="34" charset="0"/>
+              </a:rPr>
+              <a:t>contrattuali</a:t>
+            </a:r>
+            <a:r>
+              <a:rPr lang="it-IT" sz="2400" dirty="0">
+                <a:latin typeface="Tahoma" panose="020B0604030504040204" pitchFamily="34" charset="0"/>
+                <a:ea typeface="Tahoma" panose="020B0604030504040204" pitchFamily="34" charset="0"/>
+                <a:cs typeface="Tahoma" panose="020B0604030504040204" pitchFamily="34" charset="0"/>
+              </a:rPr>
+              <a:t> in linguaggio informatico: se c’è un ritardo del </a:t>
+            </a:r>
+            <a:r>
+              <a:rPr lang="it-IT" sz="2400" b="1" dirty="0">
+                <a:latin typeface="Tahoma" panose="020B0604030504040204" pitchFamily="34" charset="0"/>
+                <a:ea typeface="Tahoma" panose="020B0604030504040204" pitchFamily="34" charset="0"/>
+                <a:cs typeface="Tahoma" panose="020B0604030504040204" pitchFamily="34" charset="0"/>
+              </a:rPr>
+              <a:t>volo</a:t>
+            </a:r>
+            <a:r>
+              <a:rPr lang="it-IT" sz="2400" dirty="0">
+                <a:latin typeface="Tahoma" panose="020B0604030504040204" pitchFamily="34" charset="0"/>
+                <a:ea typeface="Tahoma" panose="020B0604030504040204" pitchFamily="34" charset="0"/>
+                <a:cs typeface="Tahoma" panose="020B0604030504040204" pitchFamily="34" charset="0"/>
+              </a:rPr>
+              <a:t>, scatta il </a:t>
+            </a:r>
+            <a:r>
+              <a:rPr lang="it-IT" sz="2400" b="1" dirty="0">
+                <a:latin typeface="Tahoma" panose="020B0604030504040204" pitchFamily="34" charset="0"/>
+                <a:ea typeface="Tahoma" panose="020B0604030504040204" pitchFamily="34" charset="0"/>
+                <a:cs typeface="Tahoma" panose="020B0604030504040204" pitchFamily="34" charset="0"/>
+              </a:rPr>
+              <a:t>rimborso</a:t>
+            </a:r>
+            <a:r>
+              <a:rPr lang="it-IT" sz="2400" dirty="0">
+                <a:latin typeface="Tahoma" panose="020B0604030504040204" pitchFamily="34" charset="0"/>
+                <a:ea typeface="Tahoma" panose="020B0604030504040204" pitchFamily="34" charset="0"/>
+                <a:cs typeface="Tahoma" panose="020B0604030504040204" pitchFamily="34" charset="0"/>
+              </a:rPr>
+              <a:t>; se c’è una </a:t>
+            </a:r>
+            <a:r>
+              <a:rPr lang="it-IT" sz="2400" b="1" dirty="0">
+                <a:latin typeface="Tahoma" panose="020B0604030504040204" pitchFamily="34" charset="0"/>
+                <a:ea typeface="Tahoma" panose="020B0604030504040204" pitchFamily="34" charset="0"/>
+                <a:cs typeface="Tahoma" panose="020B0604030504040204" pitchFamily="34" charset="0"/>
+              </a:rPr>
+              <a:t>scadenza</a:t>
+            </a:r>
+            <a:r>
+              <a:rPr lang="it-IT" sz="2400" dirty="0">
+                <a:latin typeface="Tahoma" panose="020B0604030504040204" pitchFamily="34" charset="0"/>
+                <a:ea typeface="Tahoma" panose="020B0604030504040204" pitchFamily="34" charset="0"/>
+                <a:cs typeface="Tahoma" panose="020B0604030504040204" pitchFamily="34" charset="0"/>
+              </a:rPr>
+              <a:t>, parte il </a:t>
+            </a:r>
+            <a:r>
+              <a:rPr lang="it-IT" sz="2400" b="1" dirty="0">
+                <a:latin typeface="Tahoma" panose="020B0604030504040204" pitchFamily="34" charset="0"/>
+                <a:ea typeface="Tahoma" panose="020B0604030504040204" pitchFamily="34" charset="0"/>
+                <a:cs typeface="Tahoma" panose="020B0604030504040204" pitchFamily="34" charset="0"/>
+              </a:rPr>
+              <a:t>pagamento</a:t>
+            </a:r>
+            <a:r>
+              <a:rPr lang="it-IT" sz="2400" dirty="0">
+                <a:latin typeface="Tahoma" panose="020B0604030504040204" pitchFamily="34" charset="0"/>
+                <a:ea typeface="Tahoma" panose="020B0604030504040204" pitchFamily="34" charset="0"/>
+                <a:cs typeface="Tahoma" panose="020B0604030504040204" pitchFamily="34" charset="0"/>
+              </a:rPr>
+              <a:t>. La </a:t>
+            </a:r>
+            <a:r>
+              <a:rPr lang="it-IT" sz="2400" b="1" dirty="0">
+                <a:latin typeface="Tahoma" panose="020B0604030504040204" pitchFamily="34" charset="0"/>
+                <a:ea typeface="Tahoma" panose="020B0604030504040204" pitchFamily="34" charset="0"/>
+                <a:cs typeface="Tahoma" panose="020B0604030504040204" pitchFamily="34" charset="0"/>
+              </a:rPr>
+              <a:t>complessità</a:t>
+            </a:r>
+            <a:r>
+              <a:rPr lang="it-IT" sz="2400" dirty="0">
+                <a:latin typeface="Tahoma" panose="020B0604030504040204" pitchFamily="34" charset="0"/>
+                <a:ea typeface="Tahoma" panose="020B0604030504040204" pitchFamily="34" charset="0"/>
+                <a:cs typeface="Tahoma" panose="020B0604030504040204" pitchFamily="34" charset="0"/>
+              </a:rPr>
+              <a:t>, insomma, non è </a:t>
+            </a:r>
+            <a:r>
+              <a:rPr lang="it-IT" sz="2400" dirty="0" smtClean="0">
+                <a:latin typeface="Tahoma" panose="020B0604030504040204" pitchFamily="34" charset="0"/>
+                <a:ea typeface="Tahoma" panose="020B0604030504040204" pitchFamily="34" charset="0"/>
+                <a:cs typeface="Tahoma" panose="020B0604030504040204" pitchFamily="34" charset="0"/>
+              </a:rPr>
+              <a:t>gestibile.</a:t>
+            </a:r>
+          </a:p>
+        </p:txBody>
+      </p:sp>
+      <p:sp>
+        <p:nvSpPr>
+          <p:cNvPr id="7" name="Segnaposto numero diapositiva 6">
+            <a:extLst>
+              <a:ext uri="{FF2B5EF4-FFF2-40B4-BE49-F238E27FC236}">
+                <a16:creationId xmlns:a16="http://schemas.microsoft.com/office/drawing/2014/main" id="{AB740BE9-E218-4144-BFDE-AE473D230A3D}"/>
+              </a:ext>
+            </a:extLst>
+          </p:cNvPr>
+          <p:cNvSpPr>
+            <a:spLocks noGrp="1"/>
+          </p:cNvSpPr>
+          <p:nvPr>
+            <p:ph type="sldNum" sz="quarter" idx="12"/>
+          </p:nvPr>
+        </p:nvSpPr>
+        <p:spPr/>
+        <p:txBody>
+          <a:bodyPr/>
+          <a:lstStyle/>
+          <a:p>
+            <a:pPr>
+              <a:defRPr/>
+            </a:pPr>
+            <a:fld id="{48B4153A-D4C5-4CEF-8992-0D8815C829E3}" type="slidenum">
+              <a:rPr lang="en-US" smtClean="0"/>
+              <a:pPr>
+                <a:defRPr/>
+              </a:pPr>
+              <a:t>16</a:t>
+            </a:fld>
+            <a:endParaRPr lang="en-US" dirty="0"/>
+          </a:p>
+        </p:txBody>
+      </p:sp>
+      <p:sp>
+        <p:nvSpPr>
+          <p:cNvPr id="6" name="Titolo 4">
+            <a:extLst>
+              <a:ext uri="{FF2B5EF4-FFF2-40B4-BE49-F238E27FC236}">
+                <a16:creationId xmlns:a16="http://schemas.microsoft.com/office/drawing/2014/main" id="{CF9A4806-60B4-80DC-1F76-D2EB3E6C376B}"/>
+              </a:ext>
+            </a:extLst>
+          </p:cNvPr>
+          <p:cNvSpPr>
+            <a:spLocks noGrp="1"/>
+          </p:cNvSpPr>
+          <p:nvPr>
+            <p:ph type="title"/>
+          </p:nvPr>
+        </p:nvSpPr>
+        <p:spPr>
+          <a:xfrm>
+            <a:off x="468313" y="671508"/>
+            <a:ext cx="11269662" cy="384721"/>
+          </a:xfrm>
+        </p:spPr>
+        <p:txBody>
+          <a:bodyPr/>
+          <a:lstStyle/>
+          <a:p>
+            <a:r>
+              <a:rPr lang="it-IT" dirty="0">
+                <a:solidFill>
+                  <a:schemeClr val="tx1"/>
+                </a:solidFill>
+                <a:latin typeface="Tahoma" panose="020B0604030504040204" pitchFamily="34" charset="0"/>
+                <a:ea typeface="Tahoma" panose="020B0604030504040204" pitchFamily="34" charset="0"/>
+                <a:cs typeface="Tahoma" panose="020B0604030504040204" pitchFamily="34" charset="0"/>
+              </a:rPr>
+              <a:t>I </a:t>
+            </a:r>
+            <a:r>
+              <a:rPr lang="it-IT" dirty="0" smtClean="0">
+                <a:solidFill>
+                  <a:schemeClr val="tx1"/>
+                </a:solidFill>
+                <a:latin typeface="Tahoma" panose="020B0604030504040204" pitchFamily="34" charset="0"/>
+                <a:ea typeface="Tahoma" panose="020B0604030504040204" pitchFamily="34" charset="0"/>
+                <a:cs typeface="Tahoma" panose="020B0604030504040204" pitchFamily="34" charset="0"/>
+              </a:rPr>
+              <a:t>confini applicativi</a:t>
+            </a:r>
+            <a:endParaRPr lang="it-IT" dirty="0">
+              <a:solidFill>
+                <a:schemeClr val="tx1"/>
+              </a:solidFill>
+              <a:latin typeface="Tahoma" panose="020B0604030504040204" pitchFamily="34" charset="0"/>
+              <a:ea typeface="Tahoma" panose="020B0604030504040204" pitchFamily="34" charset="0"/>
+              <a:cs typeface="Tahoma" panose="020B0604030504040204" pitchFamily="34" charset="0"/>
+            </a:endParaRPr>
+          </a:p>
+        </p:txBody>
+      </p:sp>
+      <p:pic>
+        <p:nvPicPr>
+          <p:cNvPr id="3" name="Immagine 2"/>
+          <p:cNvPicPr>
+            <a:picLocks noChangeAspect="1"/>
+          </p:cNvPicPr>
+          <p:nvPr/>
+        </p:nvPicPr>
+        <p:blipFill>
+          <a:blip r:embed="rId2">
+            <a:extLst>
+              <a:ext uri="{28A0092B-C50C-407E-A947-70E740481C1C}">
+                <a14:useLocalDpi xmlns:a14="http://schemas.microsoft.com/office/drawing/2010/main" val="0"/>
+              </a:ext>
+            </a:extLst>
+          </a:blip>
+          <a:stretch>
+            <a:fillRect/>
+          </a:stretch>
+        </p:blipFill>
+        <p:spPr>
+          <a:xfrm>
+            <a:off x="6725986" y="2280622"/>
+            <a:ext cx="5011989" cy="2979636"/>
+          </a:xfrm>
+          <a:prstGeom prst="rect">
+            <a:avLst/>
+          </a:prstGeom>
+        </p:spPr>
+      </p:pic>
+    </p:spTree>
+    <p:extLst>
+      <p:ext uri="{BB962C8B-B14F-4D97-AF65-F5344CB8AC3E}">
+        <p14:creationId xmlns:p14="http://schemas.microsoft.com/office/powerpoint/2010/main" val="2925057266"/>
+      </p:ext>
+    </p:extLst>
+  </p:cSld>
+  <p:clrMapOvr>
+    <a:masterClrMapping/>
+  </p:clrMapOvr>
+</p:sld>
+</file>
+
+<file path=ppt/slides/slide17.xml><?xml version="1.0" encoding="utf-8"?>
+<p:sld xmlns:a="http://schemas.openxmlformats.org/drawingml/2006/main" xmlns:r="http://schemas.openxmlformats.org/officeDocument/2006/relationships" xmlns:p="http://schemas.openxmlformats.org/presentationml/2006/main">
+  <p:cSld>
+    <p:spTree>
+      <p:nvGrpSpPr>
+        <p:cNvPr id="1" name=""/>
+        <p:cNvGrpSpPr/>
+        <p:nvPr/>
+      </p:nvGrpSpPr>
+      <p:grpSpPr>
+        <a:xfrm>
+          <a:off x="0" y="0"/>
+          <a:ext cx="0" cy="0"/>
+          <a:chOff x="0" y="0"/>
+          <a:chExt cx="0" cy="0"/>
+        </a:xfrm>
+      </p:grpSpPr>
+      <p:sp>
+        <p:nvSpPr>
+          <p:cNvPr id="2" name="Segnaposto testo 1">
+            <a:extLst>
+              <a:ext uri="{FF2B5EF4-FFF2-40B4-BE49-F238E27FC236}">
+                <a16:creationId xmlns:a16="http://schemas.microsoft.com/office/drawing/2014/main" id="{E5AE986C-196F-4141-A898-FA4C4198CDCC}"/>
+              </a:ext>
+            </a:extLst>
+          </p:cNvPr>
+          <p:cNvSpPr>
+            <a:spLocks noGrp="1"/>
+          </p:cNvSpPr>
+          <p:nvPr>
+            <p:ph type="body" idx="1"/>
+          </p:nvPr>
+        </p:nvSpPr>
+        <p:spPr>
+          <a:xfrm>
+            <a:off x="323470" y="1305471"/>
+            <a:ext cx="8230596" cy="1831019"/>
+          </a:xfrm>
+        </p:spPr>
+        <p:txBody>
+          <a:bodyPr/>
+          <a:lstStyle/>
+          <a:p>
+            <a:pPr marL="342900" indent="-342900" algn="just">
+              <a:lnSpc>
+                <a:spcPct val="115000"/>
+              </a:lnSpc>
+              <a:spcBef>
+                <a:spcPts val="2400"/>
+              </a:spcBef>
+              <a:buFont typeface="Wingdings" panose="05000000000000000000" pitchFamily="2" charset="2"/>
+              <a:buChar char="ü"/>
+              <a:tabLst>
+                <a:tab pos="457200" algn="l"/>
+              </a:tabLst>
+            </a:pPr>
+            <a:r>
+              <a:rPr lang="it-IT" sz="2400" dirty="0" smtClean="0">
+                <a:latin typeface="Tahoma" panose="020B0604030504040204" pitchFamily="34" charset="0"/>
+                <a:ea typeface="Tahoma" panose="020B0604030504040204" pitchFamily="34" charset="0"/>
+                <a:cs typeface="Tahoma" panose="020B0604030504040204" pitchFamily="34" charset="0"/>
+              </a:rPr>
+              <a:t>«Anzi</a:t>
+            </a:r>
+            <a:r>
+              <a:rPr lang="it-IT" sz="2400" dirty="0">
+                <a:latin typeface="Tahoma" panose="020B0604030504040204" pitchFamily="34" charset="0"/>
+                <a:ea typeface="Tahoma" panose="020B0604030504040204" pitchFamily="34" charset="0"/>
+                <a:cs typeface="Tahoma" panose="020B0604030504040204" pitchFamily="34" charset="0"/>
+              </a:rPr>
+              <a:t>, la </a:t>
+            </a:r>
+            <a:r>
+              <a:rPr lang="it-IT" sz="2400" b="1" dirty="0">
+                <a:latin typeface="Tahoma" panose="020B0604030504040204" pitchFamily="34" charset="0"/>
+                <a:ea typeface="Tahoma" panose="020B0604030504040204" pitchFamily="34" charset="0"/>
+                <a:cs typeface="Tahoma" panose="020B0604030504040204" pitchFamily="34" charset="0"/>
+              </a:rPr>
+              <a:t>tendenziale</a:t>
+            </a:r>
+            <a:r>
+              <a:rPr lang="it-IT" sz="2400" dirty="0">
+                <a:latin typeface="Tahoma" panose="020B0604030504040204" pitchFamily="34" charset="0"/>
+                <a:ea typeface="Tahoma" panose="020B0604030504040204" pitchFamily="34" charset="0"/>
+                <a:cs typeface="Tahoma" panose="020B0604030504040204" pitchFamily="34" charset="0"/>
+              </a:rPr>
+              <a:t> </a:t>
+            </a:r>
+            <a:r>
+              <a:rPr lang="it-IT" sz="2400" b="1" dirty="0" err="1">
+                <a:latin typeface="Tahoma" panose="020B0604030504040204" pitchFamily="34" charset="0"/>
+                <a:ea typeface="Tahoma" panose="020B0604030504040204" pitchFamily="34" charset="0"/>
+                <a:cs typeface="Tahoma" panose="020B0604030504040204" pitchFamily="34" charset="0"/>
+              </a:rPr>
+              <a:t>immodificabilità</a:t>
+            </a:r>
+            <a:r>
+              <a:rPr lang="it-IT" sz="2400" dirty="0">
+                <a:latin typeface="Tahoma" panose="020B0604030504040204" pitchFamily="34" charset="0"/>
+                <a:ea typeface="Tahoma" panose="020B0604030504040204" pitchFamily="34" charset="0"/>
+                <a:cs typeface="Tahoma" panose="020B0604030504040204" pitchFamily="34" charset="0"/>
+              </a:rPr>
+              <a:t> della </a:t>
+            </a:r>
+            <a:r>
+              <a:rPr lang="it-IT" sz="2400" b="1" dirty="0" err="1">
+                <a:latin typeface="Tahoma" panose="020B0604030504040204" pitchFamily="34" charset="0"/>
+                <a:ea typeface="Tahoma" panose="020B0604030504040204" pitchFamily="34" charset="0"/>
+                <a:cs typeface="Tahoma" panose="020B0604030504040204" pitchFamily="34" charset="0"/>
+              </a:rPr>
+              <a:t>blockchain</a:t>
+            </a:r>
+            <a:r>
+              <a:rPr lang="it-IT" sz="2400" i="1" dirty="0">
+                <a:latin typeface="Tahoma" panose="020B0604030504040204" pitchFamily="34" charset="0"/>
+                <a:ea typeface="Tahoma" panose="020B0604030504040204" pitchFamily="34" charset="0"/>
+                <a:cs typeface="Tahoma" panose="020B0604030504040204" pitchFamily="34" charset="0"/>
+              </a:rPr>
+              <a:t> </a:t>
+            </a:r>
+            <a:r>
+              <a:rPr lang="it-IT" sz="2400" dirty="0">
+                <a:latin typeface="Tahoma" panose="020B0604030504040204" pitchFamily="34" charset="0"/>
+                <a:ea typeface="Tahoma" panose="020B0604030504040204" pitchFamily="34" charset="0"/>
+                <a:cs typeface="Tahoma" panose="020B0604030504040204" pitchFamily="34" charset="0"/>
+              </a:rPr>
+              <a:t>può ritorcersi contro: che cosa accade se c’è una </a:t>
+            </a:r>
+            <a:r>
+              <a:rPr lang="it-IT" sz="2400" b="1" dirty="0">
+                <a:latin typeface="Tahoma" panose="020B0604030504040204" pitchFamily="34" charset="0"/>
+                <a:ea typeface="Tahoma" panose="020B0604030504040204" pitchFamily="34" charset="0"/>
+                <a:cs typeface="Tahoma" panose="020B0604030504040204" pitchFamily="34" charset="0"/>
+              </a:rPr>
+              <a:t>traduzione</a:t>
+            </a:r>
+            <a:r>
+              <a:rPr lang="it-IT" sz="2400" dirty="0">
+                <a:latin typeface="Tahoma" panose="020B0604030504040204" pitchFamily="34" charset="0"/>
+                <a:ea typeface="Tahoma" panose="020B0604030504040204" pitchFamily="34" charset="0"/>
+                <a:cs typeface="Tahoma" panose="020B0604030504040204" pitchFamily="34" charset="0"/>
+              </a:rPr>
+              <a:t> errata, </a:t>
+            </a:r>
+            <a:r>
+              <a:rPr lang="it-IT" sz="2400" b="1" dirty="0">
+                <a:latin typeface="Tahoma" panose="020B0604030504040204" pitchFamily="34" charset="0"/>
+                <a:ea typeface="Tahoma" panose="020B0604030504040204" pitchFamily="34" charset="0"/>
+                <a:cs typeface="Tahoma" panose="020B0604030504040204" pitchFamily="34" charset="0"/>
+              </a:rPr>
+              <a:t>se il codice è sbagliato</a:t>
+            </a:r>
+            <a:r>
+              <a:rPr lang="it-IT" sz="2400" dirty="0">
+                <a:latin typeface="Tahoma" panose="020B0604030504040204" pitchFamily="34" charset="0"/>
+                <a:ea typeface="Tahoma" panose="020B0604030504040204" pitchFamily="34" charset="0"/>
+                <a:cs typeface="Tahoma" panose="020B0604030504040204" pitchFamily="34" charset="0"/>
+              </a:rPr>
+              <a:t>? </a:t>
+            </a:r>
+            <a:endParaRPr lang="it-IT" sz="2400" dirty="0" smtClean="0">
+              <a:latin typeface="Tahoma" panose="020B0604030504040204" pitchFamily="34" charset="0"/>
+              <a:ea typeface="Tahoma" panose="020B0604030504040204" pitchFamily="34" charset="0"/>
+              <a:cs typeface="Tahoma" panose="020B0604030504040204" pitchFamily="34" charset="0"/>
+            </a:endParaRPr>
+          </a:p>
+          <a:p>
+            <a:pPr marL="342900" indent="-342900" algn="just">
+              <a:lnSpc>
+                <a:spcPct val="115000"/>
+              </a:lnSpc>
+              <a:spcBef>
+                <a:spcPts val="2400"/>
+              </a:spcBef>
+              <a:buFont typeface="Wingdings" panose="05000000000000000000" pitchFamily="2" charset="2"/>
+              <a:buChar char="ü"/>
+              <a:tabLst>
+                <a:tab pos="457200" algn="l"/>
+              </a:tabLst>
+            </a:pPr>
+            <a:r>
+              <a:rPr lang="it-IT" sz="2400" dirty="0">
+                <a:latin typeface="Tahoma" panose="020B0604030504040204" pitchFamily="34" charset="0"/>
+                <a:ea typeface="Tahoma" panose="020B0604030504040204" pitchFamily="34" charset="0"/>
+                <a:cs typeface="Tahoma" panose="020B0604030504040204" pitchFamily="34" charset="0"/>
+              </a:rPr>
+              <a:t>Gli </a:t>
+            </a:r>
+            <a:r>
+              <a:rPr lang="it-IT" sz="2400" dirty="0">
+                <a:latin typeface="Tahoma" panose="020B0604030504040204" pitchFamily="34" charset="0"/>
+                <a:ea typeface="Tahoma" panose="020B0604030504040204" pitchFamily="34" charset="0"/>
+                <a:cs typeface="Tahoma" panose="020B0604030504040204" pitchFamily="34" charset="0"/>
+              </a:rPr>
+              <a:t>adempimenti seguono </a:t>
+            </a:r>
+            <a:r>
+              <a:rPr lang="it-IT" sz="2400" b="1" dirty="0">
+                <a:latin typeface="Tahoma" panose="020B0604030504040204" pitchFamily="34" charset="0"/>
+                <a:ea typeface="Tahoma" panose="020B0604030504040204" pitchFamily="34" charset="0"/>
+                <a:cs typeface="Tahoma" panose="020B0604030504040204" pitchFamily="34" charset="0"/>
+              </a:rPr>
+              <a:t>l’errore</a:t>
+            </a:r>
+            <a:r>
+              <a:rPr lang="it-IT" sz="2400" dirty="0">
+                <a:latin typeface="Tahoma" panose="020B0604030504040204" pitchFamily="34" charset="0"/>
+                <a:ea typeface="Tahoma" panose="020B0604030504040204" pitchFamily="34" charset="0"/>
+                <a:cs typeface="Tahoma" panose="020B0604030504040204" pitchFamily="34" charset="0"/>
+              </a:rPr>
+              <a:t> - sentenzia Giulio Novellini, </a:t>
+            </a:r>
+            <a:r>
+              <a:rPr lang="it-IT" sz="2400" dirty="0" err="1">
+                <a:latin typeface="Tahoma" panose="020B0604030504040204" pitchFamily="34" charset="0"/>
+                <a:ea typeface="Tahoma" panose="020B0604030504040204" pitchFamily="34" charset="0"/>
+                <a:cs typeface="Tahoma" panose="020B0604030504040204" pitchFamily="34" charset="0"/>
+              </a:rPr>
+              <a:t>counsel</a:t>
+            </a:r>
+            <a:r>
+              <a:rPr lang="it-IT" sz="2400" dirty="0">
+                <a:latin typeface="Tahoma" panose="020B0604030504040204" pitchFamily="34" charset="0"/>
+                <a:ea typeface="Tahoma" panose="020B0604030504040204" pitchFamily="34" charset="0"/>
+                <a:cs typeface="Tahoma" panose="020B0604030504040204" pitchFamily="34" charset="0"/>
+              </a:rPr>
+              <a:t> di Portolano Cavallo -. Ecco perché </a:t>
+            </a:r>
+            <a:r>
+              <a:rPr lang="it-IT" sz="2400" b="1" dirty="0">
+                <a:latin typeface="Tahoma" panose="020B0604030504040204" pitchFamily="34" charset="0"/>
+                <a:ea typeface="Tahoma" panose="020B0604030504040204" pitchFamily="34" charset="0"/>
+                <a:cs typeface="Tahoma" panose="020B0604030504040204" pitchFamily="34" charset="0"/>
+              </a:rPr>
+              <a:t>concepisco</a:t>
+            </a:r>
+            <a:r>
+              <a:rPr lang="it-IT" sz="2400" dirty="0">
+                <a:latin typeface="Tahoma" panose="020B0604030504040204" pitchFamily="34" charset="0"/>
+                <a:ea typeface="Tahoma" panose="020B0604030504040204" pitchFamily="34" charset="0"/>
+                <a:cs typeface="Tahoma" panose="020B0604030504040204" pitchFamily="34" charset="0"/>
+              </a:rPr>
+              <a:t> piuttosto un’evoluzione dei </a:t>
+            </a:r>
+            <a:r>
+              <a:rPr lang="it-IT" sz="2400" b="1" dirty="0">
+                <a:latin typeface="Tahoma" panose="020B0604030504040204" pitchFamily="34" charset="0"/>
+                <a:ea typeface="Tahoma" panose="020B0604030504040204" pitchFamily="34" charset="0"/>
+                <a:cs typeface="Tahoma" panose="020B0604030504040204" pitchFamily="34" charset="0"/>
+              </a:rPr>
+              <a:t>computer</a:t>
+            </a:r>
+            <a:r>
+              <a:rPr lang="it-IT" sz="2400" dirty="0">
+                <a:latin typeface="Tahoma" panose="020B0604030504040204" pitchFamily="34" charset="0"/>
+                <a:ea typeface="Tahoma" panose="020B0604030504040204" pitchFamily="34" charset="0"/>
+                <a:cs typeface="Tahoma" panose="020B0604030504040204" pitchFamily="34" charset="0"/>
+              </a:rPr>
+              <a:t> </a:t>
+            </a:r>
+            <a:r>
+              <a:rPr lang="it-IT" sz="2400" b="1" dirty="0" err="1">
+                <a:latin typeface="Tahoma" panose="020B0604030504040204" pitchFamily="34" charset="0"/>
+                <a:ea typeface="Tahoma" panose="020B0604030504040204" pitchFamily="34" charset="0"/>
+                <a:cs typeface="Tahoma" panose="020B0604030504040204" pitchFamily="34" charset="0"/>
+              </a:rPr>
+              <a:t>contract</a:t>
+            </a:r>
+            <a:r>
+              <a:rPr lang="it-IT" sz="2400" dirty="0">
+                <a:latin typeface="Tahoma" panose="020B0604030504040204" pitchFamily="34" charset="0"/>
+                <a:ea typeface="Tahoma" panose="020B0604030504040204" pitchFamily="34" charset="0"/>
+                <a:cs typeface="Tahoma" panose="020B0604030504040204" pitchFamily="34" charset="0"/>
+              </a:rPr>
+              <a:t>. Partire da un documento cartaceo che è solo parzialmente demandato a </a:t>
+            </a:r>
+            <a:r>
+              <a:rPr lang="it-IT" sz="2400" b="1" dirty="0" err="1">
+                <a:latin typeface="Tahoma" panose="020B0604030504040204" pitchFamily="34" charset="0"/>
+                <a:ea typeface="Tahoma" panose="020B0604030504040204" pitchFamily="34" charset="0"/>
+                <a:cs typeface="Tahoma" panose="020B0604030504040204" pitchFamily="34" charset="0"/>
+              </a:rPr>
+              <a:t>smart</a:t>
+            </a:r>
+            <a:r>
+              <a:rPr lang="it-IT" sz="2400" dirty="0">
+                <a:latin typeface="Tahoma" panose="020B0604030504040204" pitchFamily="34" charset="0"/>
+                <a:ea typeface="Tahoma" panose="020B0604030504040204" pitchFamily="34" charset="0"/>
+                <a:cs typeface="Tahoma" panose="020B0604030504040204" pitchFamily="34" charset="0"/>
+              </a:rPr>
+              <a:t> </a:t>
+            </a:r>
+            <a:r>
+              <a:rPr lang="it-IT" sz="2400" b="1" dirty="0" err="1">
+                <a:latin typeface="Tahoma" panose="020B0604030504040204" pitchFamily="34" charset="0"/>
+                <a:ea typeface="Tahoma" panose="020B0604030504040204" pitchFamily="34" charset="0"/>
+                <a:cs typeface="Tahoma" panose="020B0604030504040204" pitchFamily="34" charset="0"/>
+              </a:rPr>
+              <a:t>contract</a:t>
+            </a:r>
+            <a:r>
+              <a:rPr lang="it-IT" sz="2400" dirty="0">
+                <a:latin typeface="Tahoma" panose="020B0604030504040204" pitchFamily="34" charset="0"/>
+                <a:ea typeface="Tahoma" panose="020B0604030504040204" pitchFamily="34" charset="0"/>
+                <a:cs typeface="Tahoma" panose="020B0604030504040204" pitchFamily="34" charset="0"/>
+              </a:rPr>
+              <a:t> su </a:t>
+            </a:r>
+            <a:r>
+              <a:rPr lang="it-IT" sz="2400" b="1" dirty="0" err="1">
+                <a:latin typeface="Tahoma" panose="020B0604030504040204" pitchFamily="34" charset="0"/>
+                <a:ea typeface="Tahoma" panose="020B0604030504040204" pitchFamily="34" charset="0"/>
+                <a:cs typeface="Tahoma" panose="020B0604030504040204" pitchFamily="34" charset="0"/>
+              </a:rPr>
+              <a:t>Ethereum</a:t>
+            </a:r>
+            <a:r>
+              <a:rPr lang="it-IT" sz="2400" dirty="0">
+                <a:latin typeface="Tahoma" panose="020B0604030504040204" pitchFamily="34" charset="0"/>
+                <a:ea typeface="Tahoma" panose="020B0604030504040204" pitchFamily="34" charset="0"/>
+                <a:cs typeface="Tahoma" panose="020B0604030504040204" pitchFamily="34" charset="0"/>
+              </a:rPr>
+              <a:t> e già prevede una funzione “</a:t>
+            </a:r>
+            <a:r>
+              <a:rPr lang="it-IT" sz="2400" b="1" dirty="0" err="1">
+                <a:latin typeface="Tahoma" panose="020B0604030504040204" pitchFamily="34" charset="0"/>
+                <a:ea typeface="Tahoma" panose="020B0604030504040204" pitchFamily="34" charset="0"/>
+                <a:cs typeface="Tahoma" panose="020B0604030504040204" pitchFamily="34" charset="0"/>
+              </a:rPr>
+              <a:t>kill</a:t>
+            </a:r>
+            <a:r>
+              <a:rPr lang="it-IT" sz="2400" dirty="0">
+                <a:latin typeface="Tahoma" panose="020B0604030504040204" pitchFamily="34" charset="0"/>
+                <a:ea typeface="Tahoma" panose="020B0604030504040204" pitchFamily="34" charset="0"/>
+                <a:cs typeface="Tahoma" panose="020B0604030504040204" pitchFamily="34" charset="0"/>
+              </a:rPr>
+              <a:t>” che annulla l’azione in caso di errore</a:t>
+            </a:r>
+            <a:r>
+              <a:rPr lang="it-IT" sz="2400" dirty="0" smtClean="0">
+                <a:latin typeface="Tahoma" panose="020B0604030504040204" pitchFamily="34" charset="0"/>
+                <a:ea typeface="Tahoma" panose="020B0604030504040204" pitchFamily="34" charset="0"/>
+                <a:cs typeface="Tahoma" panose="020B0604030504040204" pitchFamily="34" charset="0"/>
+              </a:rPr>
+              <a:t>».</a:t>
+            </a:r>
+          </a:p>
+        </p:txBody>
+      </p:sp>
+      <p:sp>
+        <p:nvSpPr>
+          <p:cNvPr id="7" name="Segnaposto numero diapositiva 6">
+            <a:extLst>
+              <a:ext uri="{FF2B5EF4-FFF2-40B4-BE49-F238E27FC236}">
+                <a16:creationId xmlns:a16="http://schemas.microsoft.com/office/drawing/2014/main" id="{AB740BE9-E218-4144-BFDE-AE473D230A3D}"/>
+              </a:ext>
+            </a:extLst>
+          </p:cNvPr>
+          <p:cNvSpPr>
+            <a:spLocks noGrp="1"/>
+          </p:cNvSpPr>
+          <p:nvPr>
+            <p:ph type="sldNum" sz="quarter" idx="12"/>
+          </p:nvPr>
+        </p:nvSpPr>
+        <p:spPr/>
+        <p:txBody>
+          <a:bodyPr/>
+          <a:lstStyle/>
+          <a:p>
+            <a:pPr>
+              <a:defRPr/>
+            </a:pPr>
+            <a:fld id="{48B4153A-D4C5-4CEF-8992-0D8815C829E3}" type="slidenum">
+              <a:rPr lang="en-US" smtClean="0"/>
+              <a:pPr>
+                <a:defRPr/>
+              </a:pPr>
+              <a:t>17</a:t>
+            </a:fld>
+            <a:endParaRPr lang="en-US" dirty="0"/>
+          </a:p>
+        </p:txBody>
+      </p:sp>
+      <p:sp>
+        <p:nvSpPr>
+          <p:cNvPr id="6" name="Titolo 4">
+            <a:extLst>
+              <a:ext uri="{FF2B5EF4-FFF2-40B4-BE49-F238E27FC236}">
+                <a16:creationId xmlns:a16="http://schemas.microsoft.com/office/drawing/2014/main" id="{CF9A4806-60B4-80DC-1F76-D2EB3E6C376B}"/>
+              </a:ext>
+            </a:extLst>
+          </p:cNvPr>
+          <p:cNvSpPr>
+            <a:spLocks noGrp="1"/>
+          </p:cNvSpPr>
+          <p:nvPr>
+            <p:ph type="title"/>
+          </p:nvPr>
+        </p:nvSpPr>
+        <p:spPr>
+          <a:xfrm>
+            <a:off x="468313" y="671508"/>
+            <a:ext cx="11269662" cy="384721"/>
+          </a:xfrm>
+        </p:spPr>
+        <p:txBody>
+          <a:bodyPr/>
+          <a:lstStyle/>
+          <a:p>
+            <a:r>
+              <a:rPr lang="it-IT" dirty="0">
+                <a:solidFill>
+                  <a:schemeClr val="tx1"/>
+                </a:solidFill>
+                <a:latin typeface="Tahoma" panose="020B0604030504040204" pitchFamily="34" charset="0"/>
+                <a:ea typeface="Tahoma" panose="020B0604030504040204" pitchFamily="34" charset="0"/>
+                <a:cs typeface="Tahoma" panose="020B0604030504040204" pitchFamily="34" charset="0"/>
+              </a:rPr>
+              <a:t>I </a:t>
+            </a:r>
+            <a:r>
+              <a:rPr lang="it-IT" dirty="0" smtClean="0">
+                <a:solidFill>
+                  <a:schemeClr val="tx1"/>
+                </a:solidFill>
+                <a:latin typeface="Tahoma" panose="020B0604030504040204" pitchFamily="34" charset="0"/>
+                <a:ea typeface="Tahoma" panose="020B0604030504040204" pitchFamily="34" charset="0"/>
+                <a:cs typeface="Tahoma" panose="020B0604030504040204" pitchFamily="34" charset="0"/>
+              </a:rPr>
+              <a:t>confini applicativi</a:t>
+            </a:r>
+            <a:endParaRPr lang="it-IT" dirty="0">
+              <a:solidFill>
+                <a:schemeClr val="tx1"/>
+              </a:solidFill>
+              <a:latin typeface="Tahoma" panose="020B0604030504040204" pitchFamily="34" charset="0"/>
+              <a:ea typeface="Tahoma" panose="020B0604030504040204" pitchFamily="34" charset="0"/>
+              <a:cs typeface="Tahoma" panose="020B0604030504040204" pitchFamily="34" charset="0"/>
+            </a:endParaRPr>
+          </a:p>
+        </p:txBody>
+      </p:sp>
+      <p:pic>
+        <p:nvPicPr>
+          <p:cNvPr id="3" name="Immagine 2"/>
+          <p:cNvPicPr>
+            <a:picLocks noChangeAspect="1"/>
+          </p:cNvPicPr>
+          <p:nvPr/>
+        </p:nvPicPr>
+        <p:blipFill>
+          <a:blip r:embed="rId2">
+            <a:extLst>
+              <a:ext uri="{28A0092B-C50C-407E-A947-70E740481C1C}">
+                <a14:useLocalDpi xmlns:a14="http://schemas.microsoft.com/office/drawing/2010/main" val="0"/>
+              </a:ext>
+            </a:extLst>
+          </a:blip>
+          <a:stretch>
+            <a:fillRect/>
+          </a:stretch>
+        </p:blipFill>
+        <p:spPr>
+          <a:xfrm>
+            <a:off x="8905383" y="2035277"/>
+            <a:ext cx="2940747" cy="3023419"/>
+          </a:xfrm>
+          <a:prstGeom prst="rect">
+            <a:avLst/>
+          </a:prstGeom>
+        </p:spPr>
+      </p:pic>
+    </p:spTree>
+    <p:extLst>
+      <p:ext uri="{BB962C8B-B14F-4D97-AF65-F5344CB8AC3E}">
+        <p14:creationId xmlns:p14="http://schemas.microsoft.com/office/powerpoint/2010/main" val="187003544"/>
+      </p:ext>
+    </p:extLst>
+  </p:cSld>
+  <p:clrMapOvr>
+    <a:masterClrMapping/>
+  </p:clrMapOvr>
+</p:sld>
+</file>
+
+<file path=ppt/slides/slide18.xml><?xml version="1.0" encoding="utf-8"?>
+<p:sld xmlns:a="http://schemas.openxmlformats.org/drawingml/2006/main" xmlns:r="http://schemas.openxmlformats.org/officeDocument/2006/relationships" xmlns:p="http://schemas.openxmlformats.org/presentationml/2006/main">
+  <p:cSld>
+    <p:spTree>
+      <p:nvGrpSpPr>
+        <p:cNvPr id="1" name=""/>
+        <p:cNvGrpSpPr/>
+        <p:nvPr/>
+      </p:nvGrpSpPr>
+      <p:grpSpPr>
+        <a:xfrm>
+          <a:off x="0" y="0"/>
+          <a:ext cx="0" cy="0"/>
+          <a:chOff x="0" y="0"/>
+          <a:chExt cx="0" cy="0"/>
+        </a:xfrm>
+      </p:grpSpPr>
+      <p:sp>
+        <p:nvSpPr>
+          <p:cNvPr id="2" name="Segnaposto testo 1">
+            <a:extLst>
+              <a:ext uri="{FF2B5EF4-FFF2-40B4-BE49-F238E27FC236}">
+                <a16:creationId xmlns:a16="http://schemas.microsoft.com/office/drawing/2014/main" id="{E5AE986C-196F-4141-A898-FA4C4198CDCC}"/>
+              </a:ext>
+            </a:extLst>
+          </p:cNvPr>
+          <p:cNvSpPr>
+            <a:spLocks noGrp="1"/>
+          </p:cNvSpPr>
+          <p:nvPr>
+            <p:ph type="body" idx="1"/>
+          </p:nvPr>
+        </p:nvSpPr>
+        <p:spPr>
+          <a:xfrm>
+            <a:off x="108155" y="1305471"/>
+            <a:ext cx="11818374" cy="1831019"/>
+          </a:xfrm>
+        </p:spPr>
+        <p:txBody>
+          <a:bodyPr/>
+          <a:lstStyle/>
+          <a:p>
+            <a:pPr marL="342900" indent="-342900" algn="just">
+              <a:lnSpc>
+                <a:spcPct val="115000"/>
+              </a:lnSpc>
+              <a:spcBef>
+                <a:spcPts val="2400"/>
+              </a:spcBef>
+              <a:buFont typeface="Wingdings" panose="05000000000000000000" pitchFamily="2" charset="2"/>
+              <a:buChar char="ü"/>
+              <a:tabLst>
+                <a:tab pos="457200" algn="l"/>
+              </a:tabLst>
+            </a:pPr>
+            <a:r>
+              <a:rPr lang="it-IT" sz="2400" dirty="0" smtClean="0">
+                <a:latin typeface="Tahoma" panose="020B0604030504040204" pitchFamily="34" charset="0"/>
+                <a:ea typeface="Tahoma" panose="020B0604030504040204" pitchFamily="34" charset="0"/>
+                <a:cs typeface="Tahoma" panose="020B0604030504040204" pitchFamily="34" charset="0"/>
+              </a:rPr>
+              <a:t>Lo </a:t>
+            </a:r>
+            <a:r>
+              <a:rPr lang="it-IT" sz="2400" dirty="0">
+                <a:latin typeface="Tahoma" panose="020B0604030504040204" pitchFamily="34" charset="0"/>
+                <a:ea typeface="Tahoma" panose="020B0604030504040204" pitchFamily="34" charset="0"/>
+                <a:cs typeface="Tahoma" panose="020B0604030504040204" pitchFamily="34" charset="0"/>
+              </a:rPr>
+              <a:t>studio legale </a:t>
+            </a:r>
+            <a:r>
+              <a:rPr lang="it-IT" sz="2400" dirty="0" err="1">
+                <a:latin typeface="Tahoma" panose="020B0604030504040204" pitchFamily="34" charset="0"/>
+                <a:ea typeface="Tahoma" panose="020B0604030504040204" pitchFamily="34" charset="0"/>
+                <a:cs typeface="Tahoma" panose="020B0604030504040204" pitchFamily="34" charset="0"/>
+              </a:rPr>
+              <a:t>Lca</a:t>
+            </a:r>
+            <a:r>
+              <a:rPr lang="it-IT" sz="2400" dirty="0">
+                <a:latin typeface="Tahoma" panose="020B0604030504040204" pitchFamily="34" charset="0"/>
+                <a:ea typeface="Tahoma" panose="020B0604030504040204" pitchFamily="34" charset="0"/>
+                <a:cs typeface="Tahoma" panose="020B0604030504040204" pitchFamily="34" charset="0"/>
+              </a:rPr>
+              <a:t>, invece, ha lanciato un servizio di archiviazione documentale per la </a:t>
+            </a:r>
+            <a:r>
+              <a:rPr lang="it-IT" sz="2400" b="1" dirty="0">
+                <a:latin typeface="Tahoma" panose="020B0604030504040204" pitchFamily="34" charset="0"/>
+                <a:ea typeface="Tahoma" panose="020B0604030504040204" pitchFamily="34" charset="0"/>
+                <a:cs typeface="Tahoma" panose="020B0604030504040204" pitchFamily="34" charset="0"/>
+              </a:rPr>
+              <a:t>tutela della proprietà intellettuale</a:t>
+            </a:r>
+            <a:r>
+              <a:rPr lang="it-IT" sz="2400" dirty="0">
+                <a:latin typeface="Tahoma" panose="020B0604030504040204" pitchFamily="34" charset="0"/>
+                <a:ea typeface="Tahoma" panose="020B0604030504040204" pitchFamily="34" charset="0"/>
+                <a:cs typeface="Tahoma" panose="020B0604030504040204" pitchFamily="34" charset="0"/>
+              </a:rPr>
+              <a:t>, che utilizza la </a:t>
+            </a:r>
+            <a:r>
+              <a:rPr lang="it-IT" sz="2400" b="1" dirty="0" err="1">
+                <a:latin typeface="Tahoma" panose="020B0604030504040204" pitchFamily="34" charset="0"/>
+                <a:ea typeface="Tahoma" panose="020B0604030504040204" pitchFamily="34" charset="0"/>
+                <a:cs typeface="Tahoma" panose="020B0604030504040204" pitchFamily="34" charset="0"/>
+              </a:rPr>
+              <a:t>blockchain</a:t>
+            </a:r>
+            <a:r>
+              <a:rPr lang="it-IT" sz="2400" dirty="0">
+                <a:latin typeface="Tahoma" panose="020B0604030504040204" pitchFamily="34" charset="0"/>
+                <a:ea typeface="Tahoma" panose="020B0604030504040204" pitchFamily="34" charset="0"/>
+                <a:cs typeface="Tahoma" panose="020B0604030504040204" pitchFamily="34" charset="0"/>
+              </a:rPr>
+              <a:t>. E intende allargare il raggio d’azione del servizio agli ambiti </a:t>
+            </a:r>
+            <a:r>
+              <a:rPr lang="it-IT" sz="2400" b="1" dirty="0">
+                <a:latin typeface="Tahoma" panose="020B0604030504040204" pitchFamily="34" charset="0"/>
+                <a:ea typeface="Tahoma" panose="020B0604030504040204" pitchFamily="34" charset="0"/>
+                <a:cs typeface="Tahoma" panose="020B0604030504040204" pitchFamily="34" charset="0"/>
+              </a:rPr>
+              <a:t>dell’M&amp;A</a:t>
+            </a:r>
+            <a:r>
+              <a:rPr lang="it-IT" sz="2400" dirty="0">
+                <a:latin typeface="Tahoma" panose="020B0604030504040204" pitchFamily="34" charset="0"/>
+                <a:ea typeface="Tahoma" panose="020B0604030504040204" pitchFamily="34" charset="0"/>
+                <a:cs typeface="Tahoma" panose="020B0604030504040204" pitchFamily="34" charset="0"/>
+              </a:rPr>
+              <a:t>, della crisi d’impresa e del </a:t>
+            </a:r>
+            <a:r>
+              <a:rPr lang="it-IT" sz="2400" dirty="0" err="1">
+                <a:latin typeface="Tahoma" panose="020B0604030504040204" pitchFamily="34" charset="0"/>
+                <a:ea typeface="Tahoma" panose="020B0604030504040204" pitchFamily="34" charset="0"/>
+                <a:cs typeface="Tahoma" panose="020B0604030504040204" pitchFamily="34" charset="0"/>
+              </a:rPr>
+              <a:t>food</a:t>
+            </a:r>
+            <a:r>
+              <a:rPr lang="it-IT" sz="2400" dirty="0" smtClean="0">
+                <a:latin typeface="Tahoma" panose="020B0604030504040204" pitchFamily="34" charset="0"/>
+                <a:ea typeface="Tahoma" panose="020B0604030504040204" pitchFamily="34" charset="0"/>
+                <a:cs typeface="Tahoma" panose="020B0604030504040204" pitchFamily="34" charset="0"/>
+              </a:rPr>
+              <a:t>.</a:t>
+            </a:r>
+          </a:p>
+          <a:p>
+            <a:pPr marL="342900" indent="-342900" algn="just">
+              <a:lnSpc>
+                <a:spcPct val="115000"/>
+              </a:lnSpc>
+              <a:spcBef>
+                <a:spcPts val="2400"/>
+              </a:spcBef>
+              <a:buFont typeface="Wingdings" panose="05000000000000000000" pitchFamily="2" charset="2"/>
+              <a:buChar char="ü"/>
+              <a:tabLst>
+                <a:tab pos="457200" algn="l"/>
+              </a:tabLst>
+            </a:pPr>
+            <a:r>
+              <a:rPr lang="it-IT" sz="2400" dirty="0" smtClean="0">
+                <a:latin typeface="Tahoma" panose="020B0604030504040204" pitchFamily="34" charset="0"/>
+                <a:ea typeface="Tahoma" panose="020B0604030504040204" pitchFamily="34" charset="0"/>
+                <a:cs typeface="Tahoma" panose="020B0604030504040204" pitchFamily="34" charset="0"/>
+              </a:rPr>
+              <a:t>«</a:t>
+            </a:r>
+            <a:r>
+              <a:rPr lang="it-IT" sz="2400" dirty="0">
+                <a:latin typeface="Tahoma" panose="020B0604030504040204" pitchFamily="34" charset="0"/>
+                <a:ea typeface="Tahoma" panose="020B0604030504040204" pitchFamily="34" charset="0"/>
+                <a:cs typeface="Tahoma" panose="020B0604030504040204" pitchFamily="34" charset="0"/>
+              </a:rPr>
+              <a:t>Se i documenti </a:t>
+            </a:r>
+            <a:r>
+              <a:rPr lang="it-IT" sz="2400" b="1" dirty="0">
+                <a:latin typeface="Tahoma" panose="020B0604030504040204" pitchFamily="34" charset="0"/>
+                <a:ea typeface="Tahoma" panose="020B0604030504040204" pitchFamily="34" charset="0"/>
+                <a:cs typeface="Tahoma" panose="020B0604030504040204" pitchFamily="34" charset="0"/>
+              </a:rPr>
+              <a:t>complessi</a:t>
+            </a:r>
+            <a:r>
+              <a:rPr lang="it-IT" sz="2400" dirty="0">
+                <a:latin typeface="Tahoma" panose="020B0604030504040204" pitchFamily="34" charset="0"/>
+                <a:ea typeface="Tahoma" panose="020B0604030504040204" pitchFamily="34" charset="0"/>
+                <a:cs typeface="Tahoma" panose="020B0604030504040204" pitchFamily="34" charset="0"/>
+              </a:rPr>
+              <a:t> non possono essere certo demandati completamente a uno </a:t>
+            </a:r>
+            <a:r>
+              <a:rPr lang="it-IT" sz="2400" b="1" dirty="0" err="1">
+                <a:latin typeface="Tahoma" panose="020B0604030504040204" pitchFamily="34" charset="0"/>
+                <a:ea typeface="Tahoma" panose="020B0604030504040204" pitchFamily="34" charset="0"/>
+                <a:cs typeface="Tahoma" panose="020B0604030504040204" pitchFamily="34" charset="0"/>
+              </a:rPr>
+              <a:t>smart</a:t>
+            </a:r>
+            <a:r>
+              <a:rPr lang="it-IT" sz="2400" i="1" dirty="0">
+                <a:latin typeface="Tahoma" panose="020B0604030504040204" pitchFamily="34" charset="0"/>
+                <a:ea typeface="Tahoma" panose="020B0604030504040204" pitchFamily="34" charset="0"/>
+                <a:cs typeface="Tahoma" panose="020B0604030504040204" pitchFamily="34" charset="0"/>
+              </a:rPr>
+              <a:t> </a:t>
+            </a:r>
+            <a:r>
+              <a:rPr lang="it-IT" sz="2400" b="1" dirty="0" err="1">
+                <a:latin typeface="Tahoma" panose="020B0604030504040204" pitchFamily="34" charset="0"/>
+                <a:ea typeface="Tahoma" panose="020B0604030504040204" pitchFamily="34" charset="0"/>
+                <a:cs typeface="Tahoma" panose="020B0604030504040204" pitchFamily="34" charset="0"/>
+              </a:rPr>
+              <a:t>contract</a:t>
+            </a:r>
+            <a:r>
+              <a:rPr lang="it-IT" sz="2400" i="1" dirty="0">
+                <a:latin typeface="Tahoma" panose="020B0604030504040204" pitchFamily="34" charset="0"/>
+                <a:ea typeface="Tahoma" panose="020B0604030504040204" pitchFamily="34" charset="0"/>
+                <a:cs typeface="Tahoma" panose="020B0604030504040204" pitchFamily="34" charset="0"/>
+              </a:rPr>
+              <a:t> </a:t>
+            </a:r>
+            <a:r>
+              <a:rPr lang="it-IT" sz="2400" dirty="0">
+                <a:latin typeface="Tahoma" panose="020B0604030504040204" pitchFamily="34" charset="0"/>
+                <a:ea typeface="Tahoma" panose="020B0604030504040204" pitchFamily="34" charset="0"/>
+                <a:cs typeface="Tahoma" panose="020B0604030504040204" pitchFamily="34" charset="0"/>
+              </a:rPr>
+              <a:t>– rimarca Gianluca De Cristofaro, capo del dipartimento </a:t>
+            </a:r>
+            <a:r>
+              <a:rPr lang="it-IT" sz="2400" dirty="0" err="1">
+                <a:latin typeface="Tahoma" panose="020B0604030504040204" pitchFamily="34" charset="0"/>
+                <a:ea typeface="Tahoma" panose="020B0604030504040204" pitchFamily="34" charset="0"/>
+                <a:cs typeface="Tahoma" panose="020B0604030504040204" pitchFamily="34" charset="0"/>
+              </a:rPr>
+              <a:t>Ip</a:t>
+            </a:r>
+            <a:r>
+              <a:rPr lang="it-IT" sz="2400" dirty="0">
+                <a:latin typeface="Tahoma" panose="020B0604030504040204" pitchFamily="34" charset="0"/>
+                <a:ea typeface="Tahoma" panose="020B0604030504040204" pitchFamily="34" charset="0"/>
+                <a:cs typeface="Tahoma" panose="020B0604030504040204" pitchFamily="34" charset="0"/>
+              </a:rPr>
+              <a:t> di </a:t>
+            </a:r>
+            <a:r>
+              <a:rPr lang="it-IT" sz="2400" dirty="0" err="1">
+                <a:latin typeface="Tahoma" panose="020B0604030504040204" pitchFamily="34" charset="0"/>
+                <a:ea typeface="Tahoma" panose="020B0604030504040204" pitchFamily="34" charset="0"/>
+                <a:cs typeface="Tahoma" panose="020B0604030504040204" pitchFamily="34" charset="0"/>
+              </a:rPr>
+              <a:t>Lca</a:t>
+            </a:r>
+            <a:r>
+              <a:rPr lang="it-IT" sz="2400" dirty="0">
+                <a:latin typeface="Tahoma" panose="020B0604030504040204" pitchFamily="34" charset="0"/>
+                <a:ea typeface="Tahoma" panose="020B0604030504040204" pitchFamily="34" charset="0"/>
+                <a:cs typeface="Tahoma" panose="020B0604030504040204" pitchFamily="34" charset="0"/>
+              </a:rPr>
+              <a:t> –, lo </a:t>
+            </a:r>
+            <a:r>
+              <a:rPr lang="it-IT" sz="2400" b="1" dirty="0" err="1">
+                <a:latin typeface="Tahoma" panose="020B0604030504040204" pitchFamily="34" charset="0"/>
+                <a:ea typeface="Tahoma" panose="020B0604030504040204" pitchFamily="34" charset="0"/>
+                <a:cs typeface="Tahoma" panose="020B0604030504040204" pitchFamily="34" charset="0"/>
+              </a:rPr>
+              <a:t>smart</a:t>
+            </a:r>
+            <a:r>
+              <a:rPr lang="it-IT" sz="2400" i="1" dirty="0">
+                <a:latin typeface="Tahoma" panose="020B0604030504040204" pitchFamily="34" charset="0"/>
+                <a:ea typeface="Tahoma" panose="020B0604030504040204" pitchFamily="34" charset="0"/>
+                <a:cs typeface="Tahoma" panose="020B0604030504040204" pitchFamily="34" charset="0"/>
+              </a:rPr>
+              <a:t> </a:t>
+            </a:r>
+            <a:r>
+              <a:rPr lang="it-IT" sz="2400" b="1" dirty="0" err="1">
+                <a:latin typeface="Tahoma" panose="020B0604030504040204" pitchFamily="34" charset="0"/>
+                <a:ea typeface="Tahoma" panose="020B0604030504040204" pitchFamily="34" charset="0"/>
+                <a:cs typeface="Tahoma" panose="020B0604030504040204" pitchFamily="34" charset="0"/>
+              </a:rPr>
+              <a:t>contract</a:t>
+            </a:r>
+            <a:r>
+              <a:rPr lang="it-IT" sz="2400" i="1" dirty="0">
+                <a:latin typeface="Tahoma" panose="020B0604030504040204" pitchFamily="34" charset="0"/>
+                <a:ea typeface="Tahoma" panose="020B0604030504040204" pitchFamily="34" charset="0"/>
+                <a:cs typeface="Tahoma" panose="020B0604030504040204" pitchFamily="34" charset="0"/>
+              </a:rPr>
+              <a:t> </a:t>
+            </a:r>
+            <a:r>
+              <a:rPr lang="it-IT" sz="2400" dirty="0">
+                <a:latin typeface="Tahoma" panose="020B0604030504040204" pitchFamily="34" charset="0"/>
+                <a:ea typeface="Tahoma" panose="020B0604030504040204" pitchFamily="34" charset="0"/>
+                <a:cs typeface="Tahoma" panose="020B0604030504040204" pitchFamily="34" charset="0"/>
+              </a:rPr>
+              <a:t>può ben essere usato per </a:t>
+            </a:r>
+            <a:r>
+              <a:rPr lang="it-IT" sz="2400" b="1" dirty="0">
+                <a:latin typeface="Tahoma" panose="020B0604030504040204" pitchFamily="34" charset="0"/>
+                <a:ea typeface="Tahoma" panose="020B0604030504040204" pitchFamily="34" charset="0"/>
+                <a:cs typeface="Tahoma" panose="020B0604030504040204" pitchFamily="34" charset="0"/>
+              </a:rPr>
+              <a:t>una specifica clausola </a:t>
+            </a:r>
+            <a:r>
+              <a:rPr lang="it-IT" sz="2400" dirty="0">
+                <a:latin typeface="Tahoma" panose="020B0604030504040204" pitchFamily="34" charset="0"/>
+                <a:ea typeface="Tahoma" panose="020B0604030504040204" pitchFamily="34" charset="0"/>
+                <a:cs typeface="Tahoma" panose="020B0604030504040204" pitchFamily="34" charset="0"/>
+              </a:rPr>
+              <a:t>di un </a:t>
+            </a:r>
+            <a:r>
+              <a:rPr lang="it-IT" sz="2400" b="1" dirty="0">
+                <a:latin typeface="Tahoma" panose="020B0604030504040204" pitchFamily="34" charset="0"/>
+                <a:ea typeface="Tahoma" panose="020B0604030504040204" pitchFamily="34" charset="0"/>
+                <a:cs typeface="Tahoma" panose="020B0604030504040204" pitchFamily="34" charset="0"/>
+              </a:rPr>
+              <a:t>deal</a:t>
+            </a:r>
+            <a:r>
+              <a:rPr lang="it-IT" sz="2400" i="1" dirty="0">
+                <a:latin typeface="Tahoma" panose="020B0604030504040204" pitchFamily="34" charset="0"/>
+                <a:ea typeface="Tahoma" panose="020B0604030504040204" pitchFamily="34" charset="0"/>
+                <a:cs typeface="Tahoma" panose="020B0604030504040204" pitchFamily="34" charset="0"/>
+              </a:rPr>
+              <a:t> </a:t>
+            </a:r>
+            <a:r>
+              <a:rPr lang="it-IT" sz="2400" dirty="0">
+                <a:latin typeface="Tahoma" panose="020B0604030504040204" pitchFamily="34" charset="0"/>
+                <a:ea typeface="Tahoma" panose="020B0604030504040204" pitchFamily="34" charset="0"/>
+                <a:cs typeface="Tahoma" panose="020B0604030504040204" pitchFamily="34" charset="0"/>
+              </a:rPr>
+              <a:t>più composito». Innovando ancora il ruolo dell’avvocato e le professionalità richieste.</a:t>
+            </a:r>
+          </a:p>
+          <a:p>
+            <a:pPr marL="342900" indent="-342900" algn="just">
+              <a:lnSpc>
+                <a:spcPct val="115000"/>
+              </a:lnSpc>
+              <a:spcBef>
+                <a:spcPts val="2400"/>
+              </a:spcBef>
+              <a:buFont typeface="Wingdings" panose="05000000000000000000" pitchFamily="2" charset="2"/>
+              <a:buChar char="ü"/>
+              <a:tabLst>
+                <a:tab pos="457200" algn="l"/>
+              </a:tabLst>
+            </a:pPr>
+            <a:endParaRPr lang="it-IT" sz="2400" dirty="0">
+              <a:latin typeface="Tahoma" panose="020B0604030504040204" pitchFamily="34" charset="0"/>
+              <a:ea typeface="Tahoma" panose="020B0604030504040204" pitchFamily="34" charset="0"/>
+              <a:cs typeface="Tahoma" panose="020B0604030504040204" pitchFamily="34" charset="0"/>
+            </a:endParaRPr>
+          </a:p>
+          <a:p>
+            <a:pPr algn="just">
+              <a:lnSpc>
+                <a:spcPct val="115000"/>
+              </a:lnSpc>
+              <a:spcBef>
+                <a:spcPts val="2400"/>
+              </a:spcBef>
+              <a:tabLst>
+                <a:tab pos="457200" algn="l"/>
+              </a:tabLst>
+            </a:pPr>
+            <a:endParaRPr lang="it-IT" sz="2400" dirty="0">
+              <a:latin typeface="Tahoma" panose="020B0604030504040204" pitchFamily="34" charset="0"/>
+              <a:ea typeface="Tahoma" panose="020B0604030504040204" pitchFamily="34" charset="0"/>
+              <a:cs typeface="Tahoma" panose="020B0604030504040204" pitchFamily="34" charset="0"/>
+            </a:endParaRPr>
+          </a:p>
+        </p:txBody>
+      </p:sp>
+      <p:sp>
+        <p:nvSpPr>
+          <p:cNvPr id="7" name="Segnaposto numero diapositiva 6">
+            <a:extLst>
+              <a:ext uri="{FF2B5EF4-FFF2-40B4-BE49-F238E27FC236}">
+                <a16:creationId xmlns:a16="http://schemas.microsoft.com/office/drawing/2014/main" id="{AB740BE9-E218-4144-BFDE-AE473D230A3D}"/>
+              </a:ext>
+            </a:extLst>
+          </p:cNvPr>
+          <p:cNvSpPr>
+            <a:spLocks noGrp="1"/>
+          </p:cNvSpPr>
+          <p:nvPr>
+            <p:ph type="sldNum" sz="quarter" idx="12"/>
+          </p:nvPr>
+        </p:nvSpPr>
+        <p:spPr/>
+        <p:txBody>
+          <a:bodyPr/>
+          <a:lstStyle/>
+          <a:p>
+            <a:pPr>
+              <a:defRPr/>
+            </a:pPr>
+            <a:fld id="{48B4153A-D4C5-4CEF-8992-0D8815C829E3}" type="slidenum">
+              <a:rPr lang="en-US" smtClean="0"/>
+              <a:pPr>
+                <a:defRPr/>
+              </a:pPr>
+              <a:t>18</a:t>
+            </a:fld>
+            <a:endParaRPr lang="en-US" dirty="0"/>
+          </a:p>
+        </p:txBody>
+      </p:sp>
+      <p:sp>
+        <p:nvSpPr>
+          <p:cNvPr id="6" name="Titolo 4">
+            <a:extLst>
+              <a:ext uri="{FF2B5EF4-FFF2-40B4-BE49-F238E27FC236}">
+                <a16:creationId xmlns:a16="http://schemas.microsoft.com/office/drawing/2014/main" id="{CF9A4806-60B4-80DC-1F76-D2EB3E6C376B}"/>
+              </a:ext>
+            </a:extLst>
+          </p:cNvPr>
+          <p:cNvSpPr>
+            <a:spLocks noGrp="1"/>
+          </p:cNvSpPr>
+          <p:nvPr>
+            <p:ph type="title"/>
+          </p:nvPr>
+        </p:nvSpPr>
+        <p:spPr>
+          <a:xfrm>
+            <a:off x="468313" y="671508"/>
+            <a:ext cx="11269662" cy="384721"/>
+          </a:xfrm>
+        </p:spPr>
+        <p:txBody>
+          <a:bodyPr/>
+          <a:lstStyle/>
+          <a:p>
+            <a:r>
+              <a:rPr lang="it-IT" dirty="0">
+                <a:solidFill>
+                  <a:schemeClr val="tx1"/>
+                </a:solidFill>
+                <a:latin typeface="Tahoma" panose="020B0604030504040204" pitchFamily="34" charset="0"/>
+                <a:ea typeface="Tahoma" panose="020B0604030504040204" pitchFamily="34" charset="0"/>
+                <a:cs typeface="Tahoma" panose="020B0604030504040204" pitchFamily="34" charset="0"/>
+              </a:rPr>
+              <a:t>I </a:t>
+            </a:r>
+            <a:r>
+              <a:rPr lang="it-IT" dirty="0" smtClean="0">
+                <a:solidFill>
+                  <a:schemeClr val="tx1"/>
+                </a:solidFill>
+                <a:latin typeface="Tahoma" panose="020B0604030504040204" pitchFamily="34" charset="0"/>
+                <a:ea typeface="Tahoma" panose="020B0604030504040204" pitchFamily="34" charset="0"/>
+                <a:cs typeface="Tahoma" panose="020B0604030504040204" pitchFamily="34" charset="0"/>
+              </a:rPr>
+              <a:t>confini applicativi</a:t>
+            </a:r>
+            <a:endParaRPr lang="it-IT" dirty="0">
+              <a:solidFill>
+                <a:schemeClr val="tx1"/>
+              </a:solidFill>
+              <a:latin typeface="Tahoma" panose="020B0604030504040204" pitchFamily="34" charset="0"/>
+              <a:ea typeface="Tahoma" panose="020B0604030504040204" pitchFamily="34" charset="0"/>
+              <a:cs typeface="Tahoma" panose="020B0604030504040204" pitchFamily="34" charset="0"/>
+            </a:endParaRPr>
+          </a:p>
+        </p:txBody>
+      </p:sp>
+      <p:pic>
+        <p:nvPicPr>
+          <p:cNvPr id="3" name="Immagine 2"/>
+          <p:cNvPicPr>
+            <a:picLocks noChangeAspect="1"/>
+          </p:cNvPicPr>
+          <p:nvPr/>
+        </p:nvPicPr>
+        <p:blipFill>
+          <a:blip r:embed="rId2">
+            <a:extLst>
+              <a:ext uri="{28A0092B-C50C-407E-A947-70E740481C1C}">
+                <a14:useLocalDpi xmlns:a14="http://schemas.microsoft.com/office/drawing/2010/main" val="0"/>
+              </a:ext>
+            </a:extLst>
+          </a:blip>
+          <a:stretch>
+            <a:fillRect/>
+          </a:stretch>
+        </p:blipFill>
+        <p:spPr>
+          <a:xfrm>
+            <a:off x="7192707" y="5145037"/>
+            <a:ext cx="2962275" cy="1543050"/>
+          </a:xfrm>
+          <a:prstGeom prst="rect">
+            <a:avLst/>
+          </a:prstGeom>
+        </p:spPr>
+      </p:pic>
+    </p:spTree>
+    <p:extLst>
+      <p:ext uri="{BB962C8B-B14F-4D97-AF65-F5344CB8AC3E}">
+        <p14:creationId xmlns:p14="http://schemas.microsoft.com/office/powerpoint/2010/main" val="1185667249"/>
+      </p:ext>
+    </p:extLst>
+  </p:cSld>
+  <p:clrMapOvr>
+    <a:masterClrMapping/>
+  </p:clrMapOvr>
+</p:sld>
+</file>
+
+<file path=ppt/slides/slide19.xml><?xml version="1.0" encoding="utf-8"?>
 <p:sld xmlns:a="http://schemas.openxmlformats.org/drawingml/2006/main" xmlns:r="http://schemas.openxmlformats.org/officeDocument/2006/relationships" xmlns:p="http://schemas.openxmlformats.org/presentationml/2006/main">
   <p:cSld>
     <p:spTree>
@@ -7756,7 +11718,7 @@
               <a:pPr>
                 <a:defRPr/>
               </a:pPr>
-              <a:t>13</a:t>
+              <a:t>19</a:t>
             </a:fld>
             <a:endParaRPr lang="en-US" dirty="0"/>
           </a:p>
@@ -7858,7 +11820,7 @@
           <a:lstStyle/>
           <a:p>
             <a:r>
-              <a:rPr lang="it-IT"/>
+              <a:rPr lang="it-IT" dirty="0"/>
               <a:t>https://www.ilsole24ore.com/art/smart-contract-cosa-sono-e-come-funzionano-clausole-blockchain-ACsDo2P?refresh_ce=1</a:t>
             </a:r>
           </a:p>
@@ -7895,6 +11857,34 @@
             <a:r>
               <a:rPr lang="it-IT"/>
               <a:t>https://it.wikipedia.org/wiki/Smart_contract</a:t>
+            </a:r>
+          </a:p>
+        </p:txBody>
+      </p:sp>
+      <p:sp>
+        <p:nvSpPr>
+          <p:cNvPr id="2" name="Rettangolo 1"/>
+          <p:cNvSpPr/>
+          <p:nvPr/>
+        </p:nvSpPr>
+        <p:spPr>
+          <a:xfrm>
+            <a:off x="827463" y="3151644"/>
+            <a:ext cx="6096000" cy="646331"/>
+          </a:xfrm>
+          <a:prstGeom prst="rect">
+            <a:avLst/>
+          </a:prstGeom>
+        </p:spPr>
+        <p:txBody>
+          <a:bodyPr>
+            <a:spAutoFit/>
+          </a:bodyPr>
+          <a:lstStyle/>
+          <a:p>
+            <a:r>
+              <a:rPr lang="it-IT" dirty="0"/>
+              <a:t>https://www.forbes.com/advisor/it/investire/criptovalute/smart-contract-cosa-sono-e-come-funzionano/</a:t>
             </a:r>
           </a:p>
         </p:txBody>
@@ -7969,29 +11959,117 @@
               </a:tabLst>
             </a:pPr>
             <a:r>
-              <a:rPr lang="it-IT" sz="2400">
-                <a:solidFill>
-                  <a:schemeClr val="tx1"/>
-                </a:solidFill>
-                <a:latin typeface="Tahoma" panose="020B0604030504040204" pitchFamily="34" charset="0"/>
-                <a:ea typeface="Tahoma" panose="020B0604030504040204" pitchFamily="34" charset="0"/>
-                <a:cs typeface="Tahoma" panose="020B0604030504040204" pitchFamily="34" charset="0"/>
-              </a:rPr>
-              <a:t>Dai rimborsi assicurativi alle transazioni finanziarie, dalle operazioni societarie alla tracciabilità delle merci e alla tutela della proprietà intellettuale. Il campo d’azione degli </a:t>
-            </a:r>
-            <a:r>
-              <a:rPr lang="it-IT" sz="2400" b="1">
-                <a:solidFill>
-                  <a:schemeClr val="tx1"/>
-                </a:solidFill>
-                <a:latin typeface="Tahoma" panose="020B0604030504040204" pitchFamily="34" charset="0"/>
-                <a:ea typeface="Tahoma" panose="020B0604030504040204" pitchFamily="34" charset="0"/>
-                <a:cs typeface="Tahoma" panose="020B0604030504040204" pitchFamily="34" charset="0"/>
-              </a:rPr>
-              <a:t>smart contract</a:t>
-            </a:r>
-            <a:r>
-              <a:rPr lang="it-IT" sz="2400">
+              <a:rPr lang="it-IT" sz="2400" dirty="0">
+                <a:solidFill>
+                  <a:schemeClr val="tx1"/>
+                </a:solidFill>
+                <a:latin typeface="Tahoma" panose="020B0604030504040204" pitchFamily="34" charset="0"/>
+                <a:ea typeface="Tahoma" panose="020B0604030504040204" pitchFamily="34" charset="0"/>
+                <a:cs typeface="Tahoma" panose="020B0604030504040204" pitchFamily="34" charset="0"/>
+              </a:rPr>
+              <a:t>Dai </a:t>
+            </a:r>
+            <a:r>
+              <a:rPr lang="it-IT" sz="2400" b="1" dirty="0">
+                <a:solidFill>
+                  <a:schemeClr val="tx1"/>
+                </a:solidFill>
+                <a:latin typeface="Tahoma" panose="020B0604030504040204" pitchFamily="34" charset="0"/>
+                <a:ea typeface="Tahoma" panose="020B0604030504040204" pitchFamily="34" charset="0"/>
+                <a:cs typeface="Tahoma" panose="020B0604030504040204" pitchFamily="34" charset="0"/>
+              </a:rPr>
+              <a:t>rimborsi</a:t>
+            </a:r>
+            <a:r>
+              <a:rPr lang="it-IT" sz="2400" dirty="0">
+                <a:solidFill>
+                  <a:schemeClr val="tx1"/>
+                </a:solidFill>
+                <a:latin typeface="Tahoma" panose="020B0604030504040204" pitchFamily="34" charset="0"/>
+                <a:ea typeface="Tahoma" panose="020B0604030504040204" pitchFamily="34" charset="0"/>
+                <a:cs typeface="Tahoma" panose="020B0604030504040204" pitchFamily="34" charset="0"/>
+              </a:rPr>
+              <a:t> </a:t>
+            </a:r>
+            <a:r>
+              <a:rPr lang="it-IT" sz="2400" b="1" dirty="0">
+                <a:solidFill>
+                  <a:schemeClr val="tx1"/>
+                </a:solidFill>
+                <a:latin typeface="Tahoma" panose="020B0604030504040204" pitchFamily="34" charset="0"/>
+                <a:ea typeface="Tahoma" panose="020B0604030504040204" pitchFamily="34" charset="0"/>
+                <a:cs typeface="Tahoma" panose="020B0604030504040204" pitchFamily="34" charset="0"/>
+              </a:rPr>
+              <a:t>assicurativi</a:t>
+            </a:r>
+            <a:r>
+              <a:rPr lang="it-IT" sz="2400" dirty="0">
+                <a:solidFill>
+                  <a:schemeClr val="tx1"/>
+                </a:solidFill>
+                <a:latin typeface="Tahoma" panose="020B0604030504040204" pitchFamily="34" charset="0"/>
+                <a:ea typeface="Tahoma" panose="020B0604030504040204" pitchFamily="34" charset="0"/>
+                <a:cs typeface="Tahoma" panose="020B0604030504040204" pitchFamily="34" charset="0"/>
+              </a:rPr>
+              <a:t> alle </a:t>
+            </a:r>
+            <a:r>
+              <a:rPr lang="it-IT" sz="2400" b="1" dirty="0">
+                <a:solidFill>
+                  <a:schemeClr val="tx1"/>
+                </a:solidFill>
+                <a:latin typeface="Tahoma" panose="020B0604030504040204" pitchFamily="34" charset="0"/>
+                <a:ea typeface="Tahoma" panose="020B0604030504040204" pitchFamily="34" charset="0"/>
+                <a:cs typeface="Tahoma" panose="020B0604030504040204" pitchFamily="34" charset="0"/>
+              </a:rPr>
+              <a:t>transazioni</a:t>
+            </a:r>
+            <a:r>
+              <a:rPr lang="it-IT" sz="2400" dirty="0">
+                <a:solidFill>
+                  <a:schemeClr val="tx1"/>
+                </a:solidFill>
+                <a:latin typeface="Tahoma" panose="020B0604030504040204" pitchFamily="34" charset="0"/>
+                <a:ea typeface="Tahoma" panose="020B0604030504040204" pitchFamily="34" charset="0"/>
+                <a:cs typeface="Tahoma" panose="020B0604030504040204" pitchFamily="34" charset="0"/>
+              </a:rPr>
+              <a:t> finanziarie, dalle operazioni societarie alla tracciabilità delle merci e alla tutela della proprietà intellettuale. Il campo d’azione degli </a:t>
+            </a:r>
+            <a:r>
+              <a:rPr lang="it-IT" sz="2400" b="1" dirty="0" err="1">
+                <a:solidFill>
+                  <a:schemeClr val="tx1"/>
+                </a:solidFill>
+                <a:latin typeface="Tahoma" panose="020B0604030504040204" pitchFamily="34" charset="0"/>
+                <a:ea typeface="Tahoma" panose="020B0604030504040204" pitchFamily="34" charset="0"/>
+                <a:cs typeface="Tahoma" panose="020B0604030504040204" pitchFamily="34" charset="0"/>
+              </a:rPr>
+              <a:t>smart</a:t>
+            </a:r>
+            <a:r>
+              <a:rPr lang="it-IT" sz="2400" b="1" dirty="0">
+                <a:solidFill>
+                  <a:schemeClr val="tx1"/>
+                </a:solidFill>
+                <a:latin typeface="Tahoma" panose="020B0604030504040204" pitchFamily="34" charset="0"/>
+                <a:ea typeface="Tahoma" panose="020B0604030504040204" pitchFamily="34" charset="0"/>
+                <a:cs typeface="Tahoma" panose="020B0604030504040204" pitchFamily="34" charset="0"/>
+              </a:rPr>
+              <a:t> </a:t>
+            </a:r>
+            <a:r>
+              <a:rPr lang="it-IT" sz="2400" b="1" dirty="0" err="1">
+                <a:solidFill>
+                  <a:schemeClr val="tx1"/>
+                </a:solidFill>
+                <a:latin typeface="Tahoma" panose="020B0604030504040204" pitchFamily="34" charset="0"/>
+                <a:ea typeface="Tahoma" panose="020B0604030504040204" pitchFamily="34" charset="0"/>
+                <a:cs typeface="Tahoma" panose="020B0604030504040204" pitchFamily="34" charset="0"/>
+              </a:rPr>
+              <a:t>contract</a:t>
+            </a:r>
+            <a:r>
+              <a:rPr lang="it-IT" sz="2400" dirty="0">
                 <a:solidFill>
                   <a:schemeClr val="tx1"/>
                 </a:solidFill>
@@ -8017,7 +12095,7 @@
               </a:tabLst>
             </a:pPr>
             <a:r>
-              <a:rPr lang="it-IT" sz="2400">
+              <a:rPr lang="it-IT" sz="2400" dirty="0">
                 <a:solidFill>
                   <a:schemeClr val="tx1"/>
                 </a:solidFill>
@@ -8028,7 +12106,7 @@
               <a:t>E sottolinearlo serve a tener lontana qualsiasi tentazione di eleggere questi strumenti a sostituti </a:t>
             </a:r>
             <a:r>
-              <a:rPr lang="it-IT" sz="2400" b="1">
+              <a:rPr lang="it-IT" sz="2400" b="1" dirty="0">
                 <a:solidFill>
                   <a:schemeClr val="tx1"/>
                 </a:solidFill>
@@ -8039,7 +12117,7 @@
               <a:t>tout court </a:t>
             </a:r>
             <a:r>
-              <a:rPr lang="it-IT" sz="2400">
+              <a:rPr lang="it-IT" sz="2400" dirty="0">
                 <a:solidFill>
                   <a:schemeClr val="tx1"/>
                 </a:solidFill>
@@ -8228,15 +12306,125 @@
               </a:tabLst>
             </a:pPr>
             <a:r>
-              <a:rPr lang="it-IT" sz="2400">
-                <a:solidFill>
-                  <a:schemeClr val="tx1"/>
-                </a:solidFill>
-                <a:latin typeface="Tahoma" panose="020B0604030504040204" pitchFamily="34" charset="0"/>
-                <a:ea typeface="Tahoma" panose="020B0604030504040204" pitchFamily="34" charset="0"/>
-                <a:cs typeface="Tahoma" panose="020B0604030504040204" pitchFamily="34" charset="0"/>
-              </a:rPr>
-              <a:t>È l’espressione “smart contract”, però, che può esser fuorviante. «Perché, anche rispetto alle differenze dei vari sistemi normativi, in alcuni casi non è possibile parlare di “contratti” in senso strettamente giuridico, ma di funzioni “if/then” incorporate in software o protocolli informatici.</a:t>
+              <a:rPr lang="it-IT" sz="2400" dirty="0">
+                <a:solidFill>
+                  <a:schemeClr val="tx1"/>
+                </a:solidFill>
+                <a:latin typeface="Tahoma" panose="020B0604030504040204" pitchFamily="34" charset="0"/>
+                <a:ea typeface="Tahoma" panose="020B0604030504040204" pitchFamily="34" charset="0"/>
+                <a:cs typeface="Tahoma" panose="020B0604030504040204" pitchFamily="34" charset="0"/>
+              </a:rPr>
+              <a:t>È l’espressione “</a:t>
+            </a:r>
+            <a:r>
+              <a:rPr lang="it-IT" sz="2400" b="1" dirty="0" err="1">
+                <a:solidFill>
+                  <a:schemeClr val="tx1"/>
+                </a:solidFill>
+                <a:latin typeface="Tahoma" panose="020B0604030504040204" pitchFamily="34" charset="0"/>
+                <a:ea typeface="Tahoma" panose="020B0604030504040204" pitchFamily="34" charset="0"/>
+                <a:cs typeface="Tahoma" panose="020B0604030504040204" pitchFamily="34" charset="0"/>
+              </a:rPr>
+              <a:t>smart</a:t>
+            </a:r>
+            <a:r>
+              <a:rPr lang="it-IT" sz="2400" dirty="0">
+                <a:solidFill>
+                  <a:schemeClr val="tx1"/>
+                </a:solidFill>
+                <a:latin typeface="Tahoma" panose="020B0604030504040204" pitchFamily="34" charset="0"/>
+                <a:ea typeface="Tahoma" panose="020B0604030504040204" pitchFamily="34" charset="0"/>
+                <a:cs typeface="Tahoma" panose="020B0604030504040204" pitchFamily="34" charset="0"/>
+              </a:rPr>
+              <a:t> </a:t>
+            </a:r>
+            <a:r>
+              <a:rPr lang="it-IT" sz="2400" b="1" dirty="0" err="1">
+                <a:solidFill>
+                  <a:schemeClr val="tx1"/>
+                </a:solidFill>
+                <a:latin typeface="Tahoma" panose="020B0604030504040204" pitchFamily="34" charset="0"/>
+                <a:ea typeface="Tahoma" panose="020B0604030504040204" pitchFamily="34" charset="0"/>
+                <a:cs typeface="Tahoma" panose="020B0604030504040204" pitchFamily="34" charset="0"/>
+              </a:rPr>
+              <a:t>contract</a:t>
+            </a:r>
+            <a:r>
+              <a:rPr lang="it-IT" sz="2400" dirty="0">
+                <a:solidFill>
+                  <a:schemeClr val="tx1"/>
+                </a:solidFill>
+                <a:latin typeface="Tahoma" panose="020B0604030504040204" pitchFamily="34" charset="0"/>
+                <a:ea typeface="Tahoma" panose="020B0604030504040204" pitchFamily="34" charset="0"/>
+                <a:cs typeface="Tahoma" panose="020B0604030504040204" pitchFamily="34" charset="0"/>
+              </a:rPr>
+              <a:t>”, però, che può esser fuorviante. «Perché, anche rispetto alle differenze dei vari sistemi normativi, in alcuni casi non è possibile parlare di “</a:t>
+            </a:r>
+            <a:r>
+              <a:rPr lang="it-IT" sz="2400" b="1" dirty="0">
+                <a:solidFill>
+                  <a:schemeClr val="tx1"/>
+                </a:solidFill>
+                <a:latin typeface="Tahoma" panose="020B0604030504040204" pitchFamily="34" charset="0"/>
+                <a:ea typeface="Tahoma" panose="020B0604030504040204" pitchFamily="34" charset="0"/>
+                <a:cs typeface="Tahoma" panose="020B0604030504040204" pitchFamily="34" charset="0"/>
+              </a:rPr>
+              <a:t>contratti</a:t>
+            </a:r>
+            <a:r>
+              <a:rPr lang="it-IT" sz="2400" dirty="0">
+                <a:solidFill>
+                  <a:schemeClr val="tx1"/>
+                </a:solidFill>
+                <a:latin typeface="Tahoma" panose="020B0604030504040204" pitchFamily="34" charset="0"/>
+                <a:ea typeface="Tahoma" panose="020B0604030504040204" pitchFamily="34" charset="0"/>
+                <a:cs typeface="Tahoma" panose="020B0604030504040204" pitchFamily="34" charset="0"/>
+              </a:rPr>
+              <a:t>” in senso strettamente giuridico, ma di funzioni “</a:t>
+            </a:r>
+            <a:r>
+              <a:rPr lang="it-IT" sz="2400" b="1" dirty="0" err="1">
+                <a:solidFill>
+                  <a:schemeClr val="tx1"/>
+                </a:solidFill>
+                <a:latin typeface="Tahoma" panose="020B0604030504040204" pitchFamily="34" charset="0"/>
+                <a:ea typeface="Tahoma" panose="020B0604030504040204" pitchFamily="34" charset="0"/>
+                <a:cs typeface="Tahoma" panose="020B0604030504040204" pitchFamily="34" charset="0"/>
+              </a:rPr>
+              <a:t>if</a:t>
+            </a:r>
+            <a:r>
+              <a:rPr lang="it-IT" sz="2400" b="1" dirty="0">
+                <a:solidFill>
+                  <a:schemeClr val="tx1"/>
+                </a:solidFill>
+                <a:latin typeface="Tahoma" panose="020B0604030504040204" pitchFamily="34" charset="0"/>
+                <a:ea typeface="Tahoma" panose="020B0604030504040204" pitchFamily="34" charset="0"/>
+                <a:cs typeface="Tahoma" panose="020B0604030504040204" pitchFamily="34" charset="0"/>
+              </a:rPr>
+              <a:t>/</a:t>
+            </a:r>
+            <a:r>
+              <a:rPr lang="it-IT" sz="2400" b="1" dirty="0" err="1">
+                <a:solidFill>
+                  <a:schemeClr val="tx1"/>
+                </a:solidFill>
+                <a:latin typeface="Tahoma" panose="020B0604030504040204" pitchFamily="34" charset="0"/>
+                <a:ea typeface="Tahoma" panose="020B0604030504040204" pitchFamily="34" charset="0"/>
+                <a:cs typeface="Tahoma" panose="020B0604030504040204" pitchFamily="34" charset="0"/>
+              </a:rPr>
+              <a:t>then</a:t>
+            </a:r>
+            <a:r>
+              <a:rPr lang="it-IT" sz="2400" dirty="0">
+                <a:solidFill>
+                  <a:schemeClr val="tx1"/>
+                </a:solidFill>
+                <a:latin typeface="Tahoma" panose="020B0604030504040204" pitchFamily="34" charset="0"/>
+                <a:ea typeface="Tahoma" panose="020B0604030504040204" pitchFamily="34" charset="0"/>
+                <a:cs typeface="Tahoma" panose="020B0604030504040204" pitchFamily="34" charset="0"/>
+              </a:rPr>
+              <a:t>” incorporate in software o protocolli informatici.</a:t>
             </a:r>
           </a:p>
           <a:p>
@@ -8254,15 +12442,301 @@
               </a:tabLst>
             </a:pPr>
             <a:r>
-              <a:rPr lang="it-IT" sz="2400">
-                <a:solidFill>
-                  <a:schemeClr val="tx1"/>
-                </a:solidFill>
-                <a:latin typeface="Tahoma" panose="020B0604030504040204" pitchFamily="34" charset="0"/>
-                <a:ea typeface="Tahoma" panose="020B0604030504040204" pitchFamily="34" charset="0"/>
-                <a:cs typeface="Tahoma" panose="020B0604030504040204" pitchFamily="34" charset="0"/>
-              </a:rPr>
-              <a:t>Del tipo: se c’è una scadenza, allora parte il pagamento», spiega Andrea Reghelin, associate partner di P4I, società di advisory del gruppo Digital360. «In altre parole, tramite gli smart contract – continua Reghelin – può anche avvenire una trasposizione “informatica” di accordi che si concludono al di fuori dalla piattaforma tecnologica».</a:t>
+              <a:rPr lang="it-IT" sz="2400" dirty="0">
+                <a:solidFill>
+                  <a:schemeClr val="tx1"/>
+                </a:solidFill>
+                <a:latin typeface="Tahoma" panose="020B0604030504040204" pitchFamily="34" charset="0"/>
+                <a:ea typeface="Tahoma" panose="020B0604030504040204" pitchFamily="34" charset="0"/>
+                <a:cs typeface="Tahoma" panose="020B0604030504040204" pitchFamily="34" charset="0"/>
+              </a:rPr>
+              <a:t>Del tipo: se c’è una </a:t>
+            </a:r>
+            <a:r>
+              <a:rPr lang="it-IT" sz="2400" b="1" dirty="0">
+                <a:solidFill>
+                  <a:schemeClr val="tx1"/>
+                </a:solidFill>
+                <a:latin typeface="Tahoma" panose="020B0604030504040204" pitchFamily="34" charset="0"/>
+                <a:ea typeface="Tahoma" panose="020B0604030504040204" pitchFamily="34" charset="0"/>
+                <a:cs typeface="Tahoma" panose="020B0604030504040204" pitchFamily="34" charset="0"/>
+              </a:rPr>
+              <a:t>scadenza</a:t>
+            </a:r>
+            <a:r>
+              <a:rPr lang="it-IT" sz="2400" dirty="0">
+                <a:solidFill>
+                  <a:schemeClr val="tx1"/>
+                </a:solidFill>
+                <a:latin typeface="Tahoma" panose="020B0604030504040204" pitchFamily="34" charset="0"/>
+                <a:ea typeface="Tahoma" panose="020B0604030504040204" pitchFamily="34" charset="0"/>
+                <a:cs typeface="Tahoma" panose="020B0604030504040204" pitchFamily="34" charset="0"/>
+              </a:rPr>
+              <a:t>, allora parte il </a:t>
+            </a:r>
+            <a:r>
+              <a:rPr lang="it-IT" sz="2400" b="1" dirty="0">
+                <a:solidFill>
+                  <a:schemeClr val="tx1"/>
+                </a:solidFill>
+                <a:latin typeface="Tahoma" panose="020B0604030504040204" pitchFamily="34" charset="0"/>
+                <a:ea typeface="Tahoma" panose="020B0604030504040204" pitchFamily="34" charset="0"/>
+                <a:cs typeface="Tahoma" panose="020B0604030504040204" pitchFamily="34" charset="0"/>
+              </a:rPr>
+              <a:t>pagamento</a:t>
+            </a:r>
+            <a:r>
+              <a:rPr lang="it-IT" sz="2400" dirty="0">
+                <a:solidFill>
+                  <a:schemeClr val="tx1"/>
+                </a:solidFill>
+                <a:latin typeface="Tahoma" panose="020B0604030504040204" pitchFamily="34" charset="0"/>
+                <a:ea typeface="Tahoma" panose="020B0604030504040204" pitchFamily="34" charset="0"/>
+                <a:cs typeface="Tahoma" panose="020B0604030504040204" pitchFamily="34" charset="0"/>
+              </a:rPr>
+              <a:t>», spiega Andrea </a:t>
+            </a:r>
+            <a:r>
+              <a:rPr lang="it-IT" sz="2400" dirty="0" err="1">
+                <a:solidFill>
+                  <a:schemeClr val="tx1"/>
+                </a:solidFill>
+                <a:latin typeface="Tahoma" panose="020B0604030504040204" pitchFamily="34" charset="0"/>
+                <a:ea typeface="Tahoma" panose="020B0604030504040204" pitchFamily="34" charset="0"/>
+                <a:cs typeface="Tahoma" panose="020B0604030504040204" pitchFamily="34" charset="0"/>
+              </a:rPr>
+              <a:t>Reghelin</a:t>
+            </a:r>
+            <a:r>
+              <a:rPr lang="it-IT" sz="2400" dirty="0">
+                <a:solidFill>
+                  <a:schemeClr val="tx1"/>
+                </a:solidFill>
+                <a:latin typeface="Tahoma" panose="020B0604030504040204" pitchFamily="34" charset="0"/>
+                <a:ea typeface="Tahoma" panose="020B0604030504040204" pitchFamily="34" charset="0"/>
+                <a:cs typeface="Tahoma" panose="020B0604030504040204" pitchFamily="34" charset="0"/>
+              </a:rPr>
+              <a:t>, associate partner di </a:t>
+            </a:r>
+            <a:r>
+              <a:rPr lang="it-IT" sz="2400" b="1" dirty="0">
+                <a:solidFill>
+                  <a:schemeClr val="tx1"/>
+                </a:solidFill>
+                <a:latin typeface="Tahoma" panose="020B0604030504040204" pitchFamily="34" charset="0"/>
+                <a:ea typeface="Tahoma" panose="020B0604030504040204" pitchFamily="34" charset="0"/>
+                <a:cs typeface="Tahoma" panose="020B0604030504040204" pitchFamily="34" charset="0"/>
+              </a:rPr>
+              <a:t>P4I</a:t>
+            </a:r>
+            <a:r>
+              <a:rPr lang="it-IT" sz="2400" dirty="0">
+                <a:solidFill>
+                  <a:schemeClr val="tx1"/>
+                </a:solidFill>
+                <a:latin typeface="Tahoma" panose="020B0604030504040204" pitchFamily="34" charset="0"/>
+                <a:ea typeface="Tahoma" panose="020B0604030504040204" pitchFamily="34" charset="0"/>
+                <a:cs typeface="Tahoma" panose="020B0604030504040204" pitchFamily="34" charset="0"/>
+              </a:rPr>
+              <a:t>, società di </a:t>
+            </a:r>
+            <a:r>
+              <a:rPr lang="it-IT" sz="2400" dirty="0" err="1">
+                <a:solidFill>
+                  <a:schemeClr val="tx1"/>
+                </a:solidFill>
+                <a:latin typeface="Tahoma" panose="020B0604030504040204" pitchFamily="34" charset="0"/>
+                <a:ea typeface="Tahoma" panose="020B0604030504040204" pitchFamily="34" charset="0"/>
+                <a:cs typeface="Tahoma" panose="020B0604030504040204" pitchFamily="34" charset="0"/>
+              </a:rPr>
+              <a:t>advisory</a:t>
+            </a:r>
+            <a:r>
+              <a:rPr lang="it-IT" sz="2400" dirty="0">
+                <a:solidFill>
+                  <a:schemeClr val="tx1"/>
+                </a:solidFill>
+                <a:latin typeface="Tahoma" panose="020B0604030504040204" pitchFamily="34" charset="0"/>
+                <a:ea typeface="Tahoma" panose="020B0604030504040204" pitchFamily="34" charset="0"/>
+                <a:cs typeface="Tahoma" panose="020B0604030504040204" pitchFamily="34" charset="0"/>
+              </a:rPr>
+              <a:t> del gruppo </a:t>
+            </a:r>
+            <a:r>
+              <a:rPr lang="it-IT" sz="2400" b="1" dirty="0">
+                <a:solidFill>
+                  <a:schemeClr val="tx1"/>
+                </a:solidFill>
+                <a:latin typeface="Tahoma" panose="020B0604030504040204" pitchFamily="34" charset="0"/>
+                <a:ea typeface="Tahoma" panose="020B0604030504040204" pitchFamily="34" charset="0"/>
+                <a:cs typeface="Tahoma" panose="020B0604030504040204" pitchFamily="34" charset="0"/>
+              </a:rPr>
+              <a:t>Digital360</a:t>
+            </a:r>
+            <a:r>
+              <a:rPr lang="it-IT" sz="2400" dirty="0">
+                <a:solidFill>
+                  <a:schemeClr val="tx1"/>
+                </a:solidFill>
+                <a:latin typeface="Tahoma" panose="020B0604030504040204" pitchFamily="34" charset="0"/>
+                <a:ea typeface="Tahoma" panose="020B0604030504040204" pitchFamily="34" charset="0"/>
+                <a:cs typeface="Tahoma" panose="020B0604030504040204" pitchFamily="34" charset="0"/>
+              </a:rPr>
+              <a:t>. «In altre parole, tramite gli </a:t>
+            </a:r>
+            <a:r>
+              <a:rPr lang="it-IT" sz="2400" b="1" dirty="0" err="1">
+                <a:solidFill>
+                  <a:schemeClr val="tx1"/>
+                </a:solidFill>
+                <a:latin typeface="Tahoma" panose="020B0604030504040204" pitchFamily="34" charset="0"/>
+                <a:ea typeface="Tahoma" panose="020B0604030504040204" pitchFamily="34" charset="0"/>
+                <a:cs typeface="Tahoma" panose="020B0604030504040204" pitchFamily="34" charset="0"/>
+              </a:rPr>
+              <a:t>smart</a:t>
+            </a:r>
+            <a:r>
+              <a:rPr lang="it-IT" sz="2400" dirty="0">
+                <a:solidFill>
+                  <a:schemeClr val="tx1"/>
+                </a:solidFill>
+                <a:latin typeface="Tahoma" panose="020B0604030504040204" pitchFamily="34" charset="0"/>
+                <a:ea typeface="Tahoma" panose="020B0604030504040204" pitchFamily="34" charset="0"/>
+                <a:cs typeface="Tahoma" panose="020B0604030504040204" pitchFamily="34" charset="0"/>
+              </a:rPr>
+              <a:t> </a:t>
+            </a:r>
+            <a:r>
+              <a:rPr lang="it-IT" sz="2400" b="1" dirty="0" err="1">
+                <a:solidFill>
+                  <a:schemeClr val="tx1"/>
+                </a:solidFill>
+                <a:latin typeface="Tahoma" panose="020B0604030504040204" pitchFamily="34" charset="0"/>
+                <a:ea typeface="Tahoma" panose="020B0604030504040204" pitchFamily="34" charset="0"/>
+                <a:cs typeface="Tahoma" panose="020B0604030504040204" pitchFamily="34" charset="0"/>
+              </a:rPr>
+              <a:t>contract</a:t>
+            </a:r>
+            <a:r>
+              <a:rPr lang="it-IT" sz="2400" dirty="0">
+                <a:solidFill>
+                  <a:schemeClr val="tx1"/>
+                </a:solidFill>
+                <a:latin typeface="Tahoma" panose="020B0604030504040204" pitchFamily="34" charset="0"/>
+                <a:ea typeface="Tahoma" panose="020B0604030504040204" pitchFamily="34" charset="0"/>
+                <a:cs typeface="Tahoma" panose="020B0604030504040204" pitchFamily="34" charset="0"/>
+              </a:rPr>
+              <a:t> – continua </a:t>
+            </a:r>
+            <a:r>
+              <a:rPr lang="it-IT" sz="2400" dirty="0" err="1">
+                <a:solidFill>
+                  <a:schemeClr val="tx1"/>
+                </a:solidFill>
+                <a:latin typeface="Tahoma" panose="020B0604030504040204" pitchFamily="34" charset="0"/>
+                <a:ea typeface="Tahoma" panose="020B0604030504040204" pitchFamily="34" charset="0"/>
+                <a:cs typeface="Tahoma" panose="020B0604030504040204" pitchFamily="34" charset="0"/>
+              </a:rPr>
+              <a:t>Reghelin</a:t>
+            </a:r>
+            <a:r>
+              <a:rPr lang="it-IT" sz="2400" dirty="0">
+                <a:solidFill>
+                  <a:schemeClr val="tx1"/>
+                </a:solidFill>
+                <a:latin typeface="Tahoma" panose="020B0604030504040204" pitchFamily="34" charset="0"/>
+                <a:ea typeface="Tahoma" panose="020B0604030504040204" pitchFamily="34" charset="0"/>
+                <a:cs typeface="Tahoma" panose="020B0604030504040204" pitchFamily="34" charset="0"/>
+              </a:rPr>
+              <a:t> – può anche avvenire una </a:t>
+            </a:r>
+            <a:r>
+              <a:rPr lang="it-IT" sz="2400" b="1" dirty="0">
+                <a:solidFill>
+                  <a:schemeClr val="tx1"/>
+                </a:solidFill>
+                <a:latin typeface="Tahoma" panose="020B0604030504040204" pitchFamily="34" charset="0"/>
+                <a:ea typeface="Tahoma" panose="020B0604030504040204" pitchFamily="34" charset="0"/>
+                <a:cs typeface="Tahoma" panose="020B0604030504040204" pitchFamily="34" charset="0"/>
+              </a:rPr>
+              <a:t>trasposizione</a:t>
+            </a:r>
+            <a:r>
+              <a:rPr lang="it-IT" sz="2400" dirty="0">
+                <a:solidFill>
+                  <a:schemeClr val="tx1"/>
+                </a:solidFill>
+                <a:latin typeface="Tahoma" panose="020B0604030504040204" pitchFamily="34" charset="0"/>
+                <a:ea typeface="Tahoma" panose="020B0604030504040204" pitchFamily="34" charset="0"/>
+                <a:cs typeface="Tahoma" panose="020B0604030504040204" pitchFamily="34" charset="0"/>
+              </a:rPr>
+              <a:t> “</a:t>
+            </a:r>
+            <a:r>
+              <a:rPr lang="it-IT" sz="2400" b="1" dirty="0">
+                <a:solidFill>
+                  <a:schemeClr val="tx1"/>
+                </a:solidFill>
+                <a:latin typeface="Tahoma" panose="020B0604030504040204" pitchFamily="34" charset="0"/>
+                <a:ea typeface="Tahoma" panose="020B0604030504040204" pitchFamily="34" charset="0"/>
+                <a:cs typeface="Tahoma" panose="020B0604030504040204" pitchFamily="34" charset="0"/>
+              </a:rPr>
+              <a:t>informatica</a:t>
+            </a:r>
+            <a:r>
+              <a:rPr lang="it-IT" sz="2400" dirty="0">
+                <a:solidFill>
+                  <a:schemeClr val="tx1"/>
+                </a:solidFill>
+                <a:latin typeface="Tahoma" panose="020B0604030504040204" pitchFamily="34" charset="0"/>
+                <a:ea typeface="Tahoma" panose="020B0604030504040204" pitchFamily="34" charset="0"/>
+                <a:cs typeface="Tahoma" panose="020B0604030504040204" pitchFamily="34" charset="0"/>
+              </a:rPr>
+              <a:t>” di accordi che si concludono al di fuori dalla </a:t>
+            </a:r>
+            <a:r>
+              <a:rPr lang="it-IT" sz="2400" b="1" dirty="0">
+                <a:solidFill>
+                  <a:schemeClr val="tx1"/>
+                </a:solidFill>
+                <a:latin typeface="Tahoma" panose="020B0604030504040204" pitchFamily="34" charset="0"/>
+                <a:ea typeface="Tahoma" panose="020B0604030504040204" pitchFamily="34" charset="0"/>
+                <a:cs typeface="Tahoma" panose="020B0604030504040204" pitchFamily="34" charset="0"/>
+              </a:rPr>
+              <a:t>piattaforma</a:t>
+            </a:r>
+            <a:r>
+              <a:rPr lang="it-IT" sz="2400" dirty="0">
+                <a:solidFill>
+                  <a:schemeClr val="tx1"/>
+                </a:solidFill>
+                <a:latin typeface="Tahoma" panose="020B0604030504040204" pitchFamily="34" charset="0"/>
+                <a:ea typeface="Tahoma" panose="020B0604030504040204" pitchFamily="34" charset="0"/>
+                <a:cs typeface="Tahoma" panose="020B0604030504040204" pitchFamily="34" charset="0"/>
+              </a:rPr>
+              <a:t> </a:t>
+            </a:r>
+            <a:r>
+              <a:rPr lang="it-IT" sz="2400" b="1" dirty="0">
+                <a:solidFill>
+                  <a:schemeClr val="tx1"/>
+                </a:solidFill>
+                <a:latin typeface="Tahoma" panose="020B0604030504040204" pitchFamily="34" charset="0"/>
+                <a:ea typeface="Tahoma" panose="020B0604030504040204" pitchFamily="34" charset="0"/>
+                <a:cs typeface="Tahoma" panose="020B0604030504040204" pitchFamily="34" charset="0"/>
+              </a:rPr>
+              <a:t>tecnologica</a:t>
+            </a:r>
+            <a:r>
+              <a:rPr lang="it-IT" sz="2400" dirty="0">
+                <a:solidFill>
+                  <a:schemeClr val="tx1"/>
+                </a:solidFill>
+                <a:latin typeface="Tahoma" panose="020B0604030504040204" pitchFamily="34" charset="0"/>
+                <a:ea typeface="Tahoma" panose="020B0604030504040204" pitchFamily="34" charset="0"/>
+                <a:cs typeface="Tahoma" panose="020B0604030504040204" pitchFamily="34" charset="0"/>
+              </a:rPr>
+              <a:t>».</a:t>
             </a:r>
           </a:p>
         </p:txBody>
@@ -8421,8 +12895,8 @@
         </p:nvSpPr>
         <p:spPr>
           <a:xfrm>
-            <a:off x="574295" y="1309856"/>
-            <a:ext cx="11163680" cy="4764963"/>
+            <a:off x="323469" y="1309856"/>
+            <a:ext cx="11414506" cy="4764963"/>
           </a:xfrm>
         </p:spPr>
         <p:txBody>
@@ -8443,7 +12917,7 @@
               </a:tabLst>
             </a:pPr>
             <a:r>
-              <a:rPr lang="it-IT" sz="2400">
+              <a:rPr lang="it-IT" sz="2400" dirty="0">
                 <a:solidFill>
                   <a:schemeClr val="tx1"/>
                 </a:solidFill>
@@ -8454,7 +12928,7 @@
               <a:t>Gli </a:t>
             </a:r>
             <a:r>
-              <a:rPr lang="it-IT" sz="2400" b="1">
+              <a:rPr lang="it-IT" sz="2400" b="1" dirty="0">
                 <a:solidFill>
                   <a:schemeClr val="tx1"/>
                 </a:solidFill>
@@ -8465,7 +12939,7 @@
               <a:t>Smart</a:t>
             </a:r>
             <a:r>
-              <a:rPr lang="it-IT" sz="2400">
+              <a:rPr lang="it-IT" sz="2400" dirty="0">
                 <a:solidFill>
                   <a:schemeClr val="tx1"/>
                 </a:solidFill>
@@ -8476,7 +12950,7 @@
               <a:t> </a:t>
             </a:r>
             <a:r>
-              <a:rPr lang="it-IT" sz="2400" b="1">
+              <a:rPr lang="it-IT" sz="2400" b="1" dirty="0" err="1">
                 <a:solidFill>
                   <a:schemeClr val="tx1"/>
                 </a:solidFill>
@@ -8487,15 +12961,59 @@
               <a:t>contract</a:t>
             </a:r>
             <a:r>
-              <a:rPr lang="it-IT" sz="2400">
-                <a:solidFill>
-                  <a:schemeClr val="tx1"/>
-                </a:solidFill>
-                <a:latin typeface="Tahoma" panose="020B0604030504040204" pitchFamily="34" charset="0"/>
-                <a:ea typeface="Tahoma" panose="020B0604030504040204" pitchFamily="34" charset="0"/>
-                <a:cs typeface="Tahoma" panose="020B0604030504040204" pitchFamily="34" charset="0"/>
-              </a:rPr>
-              <a:t> sono dunque protocolli informatici che facilitano, verificano, o fanno rispettare, la negoziazione o l'esecuzione di un contratto, permettendo talvolta la parziale o la totale esclusione di una clausola contrattuale. </a:t>
+              <a:rPr lang="it-IT" sz="2400" dirty="0">
+                <a:solidFill>
+                  <a:schemeClr val="tx1"/>
+                </a:solidFill>
+                <a:latin typeface="Tahoma" panose="020B0604030504040204" pitchFamily="34" charset="0"/>
+                <a:ea typeface="Tahoma" panose="020B0604030504040204" pitchFamily="34" charset="0"/>
+                <a:cs typeface="Tahoma" panose="020B0604030504040204" pitchFamily="34" charset="0"/>
+              </a:rPr>
+              <a:t> sono dunque </a:t>
+            </a:r>
+            <a:r>
+              <a:rPr lang="it-IT" sz="2400" b="1" dirty="0">
+                <a:solidFill>
+                  <a:schemeClr val="tx1"/>
+                </a:solidFill>
+                <a:latin typeface="Tahoma" panose="020B0604030504040204" pitchFamily="34" charset="0"/>
+                <a:ea typeface="Tahoma" panose="020B0604030504040204" pitchFamily="34" charset="0"/>
+                <a:cs typeface="Tahoma" panose="020B0604030504040204" pitchFamily="34" charset="0"/>
+              </a:rPr>
+              <a:t>protocolli</a:t>
+            </a:r>
+            <a:r>
+              <a:rPr lang="it-IT" sz="2400" dirty="0">
+                <a:solidFill>
+                  <a:schemeClr val="tx1"/>
+                </a:solidFill>
+                <a:latin typeface="Tahoma" panose="020B0604030504040204" pitchFamily="34" charset="0"/>
+                <a:ea typeface="Tahoma" panose="020B0604030504040204" pitchFamily="34" charset="0"/>
+                <a:cs typeface="Tahoma" panose="020B0604030504040204" pitchFamily="34" charset="0"/>
+              </a:rPr>
+              <a:t> informatici che facilitano, verificano, o fanno rispettare, la </a:t>
+            </a:r>
+            <a:r>
+              <a:rPr lang="it-IT" sz="2400" b="1" dirty="0">
+                <a:solidFill>
+                  <a:schemeClr val="tx1"/>
+                </a:solidFill>
+                <a:latin typeface="Tahoma" panose="020B0604030504040204" pitchFamily="34" charset="0"/>
+                <a:ea typeface="Tahoma" panose="020B0604030504040204" pitchFamily="34" charset="0"/>
+                <a:cs typeface="Tahoma" panose="020B0604030504040204" pitchFamily="34" charset="0"/>
+              </a:rPr>
+              <a:t>negoziazione</a:t>
+            </a:r>
+            <a:r>
+              <a:rPr lang="it-IT" sz="2400" dirty="0">
+                <a:solidFill>
+                  <a:schemeClr val="tx1"/>
+                </a:solidFill>
+                <a:latin typeface="Tahoma" panose="020B0604030504040204" pitchFamily="34" charset="0"/>
+                <a:ea typeface="Tahoma" panose="020B0604030504040204" pitchFamily="34" charset="0"/>
+                <a:cs typeface="Tahoma" panose="020B0604030504040204" pitchFamily="34" charset="0"/>
+              </a:rPr>
+              <a:t> o l'esecuzione di un contratto, permettendo talvolta la parziale o la totale esclusione di una clausola contrattuale. </a:t>
             </a:r>
           </a:p>
           <a:p>
@@ -8513,15 +13031,103 @@
               </a:tabLst>
             </a:pPr>
             <a:r>
-              <a:rPr lang="it-IT" sz="2400">
-                <a:solidFill>
-                  <a:schemeClr val="tx1"/>
-                </a:solidFill>
-                <a:latin typeface="Tahoma" panose="020B0604030504040204" pitchFamily="34" charset="0"/>
-                <a:ea typeface="Tahoma" panose="020B0604030504040204" pitchFamily="34" charset="0"/>
-                <a:cs typeface="Tahoma" panose="020B0604030504040204" pitchFamily="34" charset="0"/>
-              </a:rPr>
-              <a:t>Gli smart contract, di solito, hanno anche un'interfaccia utente e spesso simulano la logica delle clausole contrattuali.</a:t>
+              <a:rPr lang="it-IT" sz="2400" dirty="0">
+                <a:solidFill>
+                  <a:schemeClr val="tx1"/>
+                </a:solidFill>
+                <a:latin typeface="Tahoma" panose="020B0604030504040204" pitchFamily="34" charset="0"/>
+                <a:ea typeface="Tahoma" panose="020B0604030504040204" pitchFamily="34" charset="0"/>
+                <a:cs typeface="Tahoma" panose="020B0604030504040204" pitchFamily="34" charset="0"/>
+              </a:rPr>
+              <a:t>Gli </a:t>
+            </a:r>
+            <a:r>
+              <a:rPr lang="it-IT" sz="2400" b="1" dirty="0" err="1">
+                <a:solidFill>
+                  <a:schemeClr val="tx1"/>
+                </a:solidFill>
+                <a:latin typeface="Tahoma" panose="020B0604030504040204" pitchFamily="34" charset="0"/>
+                <a:ea typeface="Tahoma" panose="020B0604030504040204" pitchFamily="34" charset="0"/>
+                <a:cs typeface="Tahoma" panose="020B0604030504040204" pitchFamily="34" charset="0"/>
+              </a:rPr>
+              <a:t>smart</a:t>
+            </a:r>
+            <a:r>
+              <a:rPr lang="it-IT" sz="2400" dirty="0">
+                <a:solidFill>
+                  <a:schemeClr val="tx1"/>
+                </a:solidFill>
+                <a:latin typeface="Tahoma" panose="020B0604030504040204" pitchFamily="34" charset="0"/>
+                <a:ea typeface="Tahoma" panose="020B0604030504040204" pitchFamily="34" charset="0"/>
+                <a:cs typeface="Tahoma" panose="020B0604030504040204" pitchFamily="34" charset="0"/>
+              </a:rPr>
+              <a:t> </a:t>
+            </a:r>
+            <a:r>
+              <a:rPr lang="it-IT" sz="2400" b="1" dirty="0" err="1">
+                <a:solidFill>
+                  <a:schemeClr val="tx1"/>
+                </a:solidFill>
+                <a:latin typeface="Tahoma" panose="020B0604030504040204" pitchFamily="34" charset="0"/>
+                <a:ea typeface="Tahoma" panose="020B0604030504040204" pitchFamily="34" charset="0"/>
+                <a:cs typeface="Tahoma" panose="020B0604030504040204" pitchFamily="34" charset="0"/>
+              </a:rPr>
+              <a:t>contract</a:t>
+            </a:r>
+            <a:r>
+              <a:rPr lang="it-IT" sz="2400" dirty="0">
+                <a:solidFill>
+                  <a:schemeClr val="tx1"/>
+                </a:solidFill>
+                <a:latin typeface="Tahoma" panose="020B0604030504040204" pitchFamily="34" charset="0"/>
+                <a:ea typeface="Tahoma" panose="020B0604030504040204" pitchFamily="34" charset="0"/>
+                <a:cs typeface="Tahoma" panose="020B0604030504040204" pitchFamily="34" charset="0"/>
+              </a:rPr>
+              <a:t>, di solito, hanno anche un'interfaccia utente e spesso simulano la logica delle </a:t>
+            </a:r>
+            <a:r>
+              <a:rPr lang="it-IT" sz="2400" b="1" dirty="0">
+                <a:solidFill>
+                  <a:schemeClr val="tx1"/>
+                </a:solidFill>
+                <a:latin typeface="Tahoma" panose="020B0604030504040204" pitchFamily="34" charset="0"/>
+                <a:ea typeface="Tahoma" panose="020B0604030504040204" pitchFamily="34" charset="0"/>
+                <a:cs typeface="Tahoma" panose="020B0604030504040204" pitchFamily="34" charset="0"/>
+              </a:rPr>
+              <a:t>clausole</a:t>
+            </a:r>
+            <a:r>
+              <a:rPr lang="it-IT" sz="2400" dirty="0">
+                <a:solidFill>
+                  <a:schemeClr val="tx1"/>
+                </a:solidFill>
+                <a:latin typeface="Tahoma" panose="020B0604030504040204" pitchFamily="34" charset="0"/>
+                <a:ea typeface="Tahoma" panose="020B0604030504040204" pitchFamily="34" charset="0"/>
+                <a:cs typeface="Tahoma" panose="020B0604030504040204" pitchFamily="34" charset="0"/>
+              </a:rPr>
+              <a:t> </a:t>
+            </a:r>
+            <a:r>
+              <a:rPr lang="it-IT" sz="2400" b="1" dirty="0">
+                <a:solidFill>
+                  <a:schemeClr val="tx1"/>
+                </a:solidFill>
+                <a:latin typeface="Tahoma" panose="020B0604030504040204" pitchFamily="34" charset="0"/>
+                <a:ea typeface="Tahoma" panose="020B0604030504040204" pitchFamily="34" charset="0"/>
+                <a:cs typeface="Tahoma" panose="020B0604030504040204" pitchFamily="34" charset="0"/>
+              </a:rPr>
+              <a:t>contrattuali</a:t>
+            </a:r>
+            <a:r>
+              <a:rPr lang="it-IT" sz="2400" dirty="0">
+                <a:solidFill>
+                  <a:schemeClr val="tx1"/>
+                </a:solidFill>
+                <a:latin typeface="Tahoma" panose="020B0604030504040204" pitchFamily="34" charset="0"/>
+                <a:ea typeface="Tahoma" panose="020B0604030504040204" pitchFamily="34" charset="0"/>
+                <a:cs typeface="Tahoma" panose="020B0604030504040204" pitchFamily="34" charset="0"/>
+              </a:rPr>
+              <a:t>.</a:t>
             </a:r>
           </a:p>
           <a:p>
@@ -8539,7 +13145,7 @@
               </a:tabLst>
             </a:pPr>
             <a:r>
-              <a:rPr lang="it-IT" sz="2400" b="0" i="0">
+              <a:rPr lang="it-IT" sz="2400" b="0" i="0" dirty="0">
                 <a:solidFill>
                   <a:srgbClr val="202122"/>
                 </a:solidFill>
@@ -8549,7 +13155,7 @@
               <a:t>È importante sottolineare che la definizione nella </a:t>
             </a:r>
             <a:r>
-              <a:rPr lang="it-IT" sz="2400" b="1" i="0">
+              <a:rPr lang="it-IT" sz="2400" b="1" i="0" dirty="0">
                 <a:solidFill>
                   <a:srgbClr val="202122"/>
                 </a:solidFill>
@@ -8559,7 +13165,7 @@
               <a:t>pratica</a:t>
             </a:r>
             <a:r>
-              <a:rPr lang="it-IT" sz="2400" b="0" i="0">
+              <a:rPr lang="it-IT" sz="2400" b="0" i="0" dirty="0">
                 <a:solidFill>
                   <a:srgbClr val="202122"/>
                 </a:solidFill>
@@ -8569,7 +13175,7 @@
               <a:t> </a:t>
             </a:r>
             <a:r>
-              <a:rPr lang="it-IT" sz="2400" b="1" i="0">
+              <a:rPr lang="it-IT" sz="2400" b="1" i="0" dirty="0">
                 <a:solidFill>
                   <a:srgbClr val="202122"/>
                 </a:solidFill>
@@ -8579,27 +13185,27 @@
               <a:t>industriale</a:t>
             </a:r>
             <a:r>
-              <a:rPr lang="it-IT" sz="2400" b="0" i="0">
+              <a:rPr lang="it-IT" sz="2400" b="0" i="0" dirty="0">
                 <a:solidFill>
                   <a:srgbClr val="202122"/>
                 </a:solidFill>
                 <a:effectLst/>
                 <a:latin typeface="Arial" panose="020B0604020202020204" pitchFamily="34" charset="0"/>
               </a:rPr>
-              <a:t> corrente si intende per smart contract un programma che viene messo in esecuzione sui </a:t>
-            </a:r>
-            <a:r>
-              <a:rPr lang="it-IT" sz="2400" b="1" i="0">
+              <a:t> corrente si intende per </a:t>
+            </a:r>
+            <a:r>
+              <a:rPr lang="it-IT" sz="2400" b="1" i="0" dirty="0" err="1">
                 <a:solidFill>
                   <a:srgbClr val="202122"/>
                 </a:solidFill>
                 <a:effectLst/>
                 <a:latin typeface="Arial" panose="020B0604020202020204" pitchFamily="34" charset="0"/>
               </a:rPr>
-              <a:t>nodi</a:t>
-            </a:r>
-            <a:r>
-              <a:rPr lang="it-IT" sz="2400" b="0" i="0">
+              <a:t>smart</a:t>
+            </a:r>
+            <a:r>
+              <a:rPr lang="it-IT" sz="2400" b="0" i="0" dirty="0">
                 <a:solidFill>
                   <a:srgbClr val="202122"/>
                 </a:solidFill>
@@ -8609,46 +13215,146 @@
               <a:t> </a:t>
             </a:r>
             <a:r>
-              <a:rPr lang="it-IT" sz="2400" b="1" i="0">
+              <a:rPr lang="it-IT" sz="2400" b="1" i="0" dirty="0" err="1">
                 <a:solidFill>
                   <a:srgbClr val="202122"/>
                 </a:solidFill>
                 <a:effectLst/>
                 <a:latin typeface="Arial" panose="020B0604020202020204" pitchFamily="34" charset="0"/>
               </a:rPr>
-              <a:t>validatori</a:t>
-            </a:r>
-            <a:r>
-              <a:rPr lang="it-IT" sz="2400" b="0" i="0">
+              <a:t>contract</a:t>
+            </a:r>
+            <a:r>
+              <a:rPr lang="it-IT" sz="2400" b="0" i="0" dirty="0">
                 <a:solidFill>
                   <a:srgbClr val="202122"/>
                 </a:solidFill>
                 <a:effectLst/>
                 <a:latin typeface="Arial" panose="020B0604020202020204" pitchFamily="34" charset="0"/>
               </a:rPr>
-              <a:t> di una </a:t>
-            </a:r>
-            <a:r>
-              <a:rPr lang="it-IT" sz="2400" b="1" i="0">
+              <a:t> un programma che viene messo in esecuzione sui </a:t>
+            </a:r>
+            <a:r>
+              <a:rPr lang="it-IT" sz="2400" b="1" i="0" dirty="0">
                 <a:solidFill>
                   <a:srgbClr val="202122"/>
                 </a:solidFill>
                 <a:effectLst/>
                 <a:latin typeface="Arial" panose="020B0604020202020204" pitchFamily="34" charset="0"/>
               </a:rPr>
-              <a:t>blockchain</a:t>
-            </a:r>
-            <a:r>
-              <a:rPr lang="it-IT" sz="2400" b="0" i="0">
+              <a:t>nodi</a:t>
+            </a:r>
+            <a:r>
+              <a:rPr lang="it-IT" sz="2400" b="0" i="0" dirty="0">
                 <a:solidFill>
                   <a:srgbClr val="202122"/>
                 </a:solidFill>
                 <a:effectLst/>
                 <a:latin typeface="Arial" panose="020B0604020202020204" pitchFamily="34" charset="0"/>
               </a:rPr>
-              <a:t> e il cui risultato, che in genere corrisponde ad un cambio di stato della blockchain stessa, rappresenta una transazione sulla quale i nodi validatori devono trovare un consenso.</a:t>
-            </a:r>
-            <a:endParaRPr lang="it-IT" sz="2400">
+              <a:t> </a:t>
+            </a:r>
+            <a:r>
+              <a:rPr lang="it-IT" sz="2400" b="1" i="0" dirty="0" err="1">
+                <a:solidFill>
+                  <a:srgbClr val="202122"/>
+                </a:solidFill>
+                <a:effectLst/>
+                <a:latin typeface="Arial" panose="020B0604020202020204" pitchFamily="34" charset="0"/>
+              </a:rPr>
+              <a:t>validatori</a:t>
+            </a:r>
+            <a:r>
+              <a:rPr lang="it-IT" sz="2400" b="0" i="0" dirty="0">
+                <a:solidFill>
+                  <a:srgbClr val="202122"/>
+                </a:solidFill>
+                <a:effectLst/>
+                <a:latin typeface="Arial" panose="020B0604020202020204" pitchFamily="34" charset="0"/>
+              </a:rPr>
+              <a:t> di una </a:t>
+            </a:r>
+            <a:r>
+              <a:rPr lang="it-IT" sz="2400" b="1" i="0" dirty="0" err="1">
+                <a:solidFill>
+                  <a:srgbClr val="202122"/>
+                </a:solidFill>
+                <a:effectLst/>
+                <a:latin typeface="Arial" panose="020B0604020202020204" pitchFamily="34" charset="0"/>
+              </a:rPr>
+              <a:t>blockchain</a:t>
+            </a:r>
+            <a:r>
+              <a:rPr lang="it-IT" sz="2400" b="0" i="0" dirty="0">
+                <a:solidFill>
+                  <a:srgbClr val="202122"/>
+                </a:solidFill>
+                <a:effectLst/>
+                <a:latin typeface="Arial" panose="020B0604020202020204" pitchFamily="34" charset="0"/>
+              </a:rPr>
+              <a:t> e il cui risultato, che in genere corrisponde ad un cambio di stato della </a:t>
+            </a:r>
+            <a:r>
+              <a:rPr lang="it-IT" sz="2400" b="1" i="0" dirty="0" err="1">
+                <a:solidFill>
+                  <a:srgbClr val="202122"/>
+                </a:solidFill>
+                <a:effectLst/>
+                <a:latin typeface="Arial" panose="020B0604020202020204" pitchFamily="34" charset="0"/>
+              </a:rPr>
+              <a:t>blockchain</a:t>
+            </a:r>
+            <a:r>
+              <a:rPr lang="it-IT" sz="2400" b="0" i="0" dirty="0">
+                <a:solidFill>
+                  <a:srgbClr val="202122"/>
+                </a:solidFill>
+                <a:effectLst/>
+                <a:latin typeface="Arial" panose="020B0604020202020204" pitchFamily="34" charset="0"/>
+              </a:rPr>
+              <a:t> stessa, rappresenta una transazione sulla quale i nodi </a:t>
+            </a:r>
+            <a:r>
+              <a:rPr lang="it-IT" sz="2400" b="1" i="0" dirty="0" err="1">
+                <a:solidFill>
+                  <a:srgbClr val="202122"/>
+                </a:solidFill>
+                <a:effectLst/>
+                <a:latin typeface="Arial" panose="020B0604020202020204" pitchFamily="34" charset="0"/>
+              </a:rPr>
+              <a:t>validatori</a:t>
+            </a:r>
+            <a:r>
+              <a:rPr lang="it-IT" sz="2400" b="0" i="0" dirty="0">
+                <a:solidFill>
+                  <a:srgbClr val="202122"/>
+                </a:solidFill>
+                <a:effectLst/>
+                <a:latin typeface="Arial" panose="020B0604020202020204" pitchFamily="34" charset="0"/>
+              </a:rPr>
+              <a:t> devono trovare un </a:t>
+            </a:r>
+            <a:r>
+              <a:rPr lang="it-IT" sz="2400" b="1" i="0" dirty="0">
+                <a:solidFill>
+                  <a:srgbClr val="202122"/>
+                </a:solidFill>
+                <a:effectLst/>
+                <a:latin typeface="Arial" panose="020B0604020202020204" pitchFamily="34" charset="0"/>
+              </a:rPr>
+              <a:t>consenso</a:t>
+            </a:r>
+            <a:r>
+              <a:rPr lang="it-IT" sz="2400" b="0" i="0" dirty="0">
+                <a:solidFill>
+                  <a:srgbClr val="202122"/>
+                </a:solidFill>
+                <a:effectLst/>
+                <a:latin typeface="Arial" panose="020B0604020202020204" pitchFamily="34" charset="0"/>
+              </a:rPr>
+              <a:t>.</a:t>
+            </a:r>
+            <a:endParaRPr lang="it-IT" sz="2400" dirty="0">
               <a:solidFill>
                 <a:schemeClr val="tx1"/>
               </a:solidFill>
@@ -8783,8 +13489,8 @@
         </p:nvSpPr>
         <p:spPr>
           <a:xfrm>
-            <a:off x="574295" y="1309856"/>
-            <a:ext cx="8035133" cy="4764963"/>
+            <a:off x="468313" y="1309856"/>
+            <a:ext cx="8141115" cy="4764963"/>
           </a:xfrm>
         </p:spPr>
         <p:txBody>
@@ -8805,7 +13511,7 @@
               </a:tabLst>
             </a:pPr>
             <a:r>
-              <a:rPr lang="it-IT" sz="2400">
+              <a:rPr lang="it-IT" sz="2400" dirty="0">
                 <a:solidFill>
                   <a:schemeClr val="tx1"/>
                 </a:solidFill>
@@ -8816,18 +13522,29 @@
               <a:t>L'algoritmo di consenso può eventualmente essere di tipo </a:t>
             </a:r>
             <a:r>
-              <a:rPr lang="it-IT" sz="2400" b="1">
-                <a:solidFill>
-                  <a:schemeClr val="tx1"/>
-                </a:solidFill>
-                <a:latin typeface="Tahoma" panose="020B0604030504040204" pitchFamily="34" charset="0"/>
-                <a:ea typeface="Tahoma" panose="020B0604030504040204" pitchFamily="34" charset="0"/>
-                <a:cs typeface="Tahoma" panose="020B0604030504040204" pitchFamily="34" charset="0"/>
-              </a:rPr>
-              <a:t>proof-of-work</a:t>
-            </a:r>
-            <a:r>
-              <a:rPr lang="it-IT" sz="2400">
+              <a:rPr lang="it-IT" sz="2400" b="1" dirty="0" err="1">
+                <a:solidFill>
+                  <a:schemeClr val="tx1"/>
+                </a:solidFill>
+                <a:latin typeface="Tahoma" panose="020B0604030504040204" pitchFamily="34" charset="0"/>
+                <a:ea typeface="Tahoma" panose="020B0604030504040204" pitchFamily="34" charset="0"/>
+                <a:cs typeface="Tahoma" panose="020B0604030504040204" pitchFamily="34" charset="0"/>
+              </a:rPr>
+              <a:t>proof</a:t>
+            </a:r>
+            <a:r>
+              <a:rPr lang="it-IT" sz="2400" b="1" dirty="0">
+                <a:solidFill>
+                  <a:schemeClr val="tx1"/>
+                </a:solidFill>
+                <a:latin typeface="Tahoma" panose="020B0604030504040204" pitchFamily="34" charset="0"/>
+                <a:ea typeface="Tahoma" panose="020B0604030504040204" pitchFamily="34" charset="0"/>
+                <a:cs typeface="Tahoma" panose="020B0604030504040204" pitchFamily="34" charset="0"/>
+              </a:rPr>
+              <a:t>-of-work</a:t>
+            </a:r>
+            <a:r>
+              <a:rPr lang="it-IT" sz="2400" dirty="0">
                 <a:solidFill>
                   <a:schemeClr val="tx1"/>
                 </a:solidFill>
@@ -8838,26 +13555,92 @@
               <a:t> o </a:t>
             </a:r>
             <a:r>
-              <a:rPr lang="it-IT" sz="2400" b="1">
-                <a:solidFill>
-                  <a:schemeClr val="tx1"/>
-                </a:solidFill>
-                <a:latin typeface="Tahoma" panose="020B0604030504040204" pitchFamily="34" charset="0"/>
-                <a:ea typeface="Tahoma" panose="020B0604030504040204" pitchFamily="34" charset="0"/>
-                <a:cs typeface="Tahoma" panose="020B0604030504040204" pitchFamily="34" charset="0"/>
-              </a:rPr>
-              <a:t>proof-of-stake</a:t>
-            </a:r>
-            <a:r>
-              <a:rPr lang="it-IT" sz="2400">
-                <a:solidFill>
-                  <a:schemeClr val="tx1"/>
-                </a:solidFill>
-                <a:latin typeface="Tahoma" panose="020B0604030504040204" pitchFamily="34" charset="0"/>
-                <a:ea typeface="Tahoma" panose="020B0604030504040204" pitchFamily="34" charset="0"/>
-                <a:cs typeface="Tahoma" panose="020B0604030504040204" pitchFamily="34" charset="0"/>
-              </a:rPr>
-              <a:t> o qualunque altra tipologia che garantisca l'integrità del cambiamento di stato e del rispetto delle regole del protocollo.</a:t>
+              <a:rPr lang="it-IT" sz="2400" b="1" dirty="0" err="1">
+                <a:solidFill>
+                  <a:schemeClr val="tx1"/>
+                </a:solidFill>
+                <a:latin typeface="Tahoma" panose="020B0604030504040204" pitchFamily="34" charset="0"/>
+                <a:ea typeface="Tahoma" panose="020B0604030504040204" pitchFamily="34" charset="0"/>
+                <a:cs typeface="Tahoma" panose="020B0604030504040204" pitchFamily="34" charset="0"/>
+              </a:rPr>
+              <a:t>proof</a:t>
+            </a:r>
+            <a:r>
+              <a:rPr lang="it-IT" sz="2400" b="1" dirty="0">
+                <a:solidFill>
+                  <a:schemeClr val="tx1"/>
+                </a:solidFill>
+                <a:latin typeface="Tahoma" panose="020B0604030504040204" pitchFamily="34" charset="0"/>
+                <a:ea typeface="Tahoma" panose="020B0604030504040204" pitchFamily="34" charset="0"/>
+                <a:cs typeface="Tahoma" panose="020B0604030504040204" pitchFamily="34" charset="0"/>
+              </a:rPr>
+              <a:t>-of-</a:t>
+            </a:r>
+            <a:r>
+              <a:rPr lang="it-IT" sz="2400" b="1" dirty="0" err="1">
+                <a:solidFill>
+                  <a:schemeClr val="tx1"/>
+                </a:solidFill>
+                <a:latin typeface="Tahoma" panose="020B0604030504040204" pitchFamily="34" charset="0"/>
+                <a:ea typeface="Tahoma" panose="020B0604030504040204" pitchFamily="34" charset="0"/>
+                <a:cs typeface="Tahoma" panose="020B0604030504040204" pitchFamily="34" charset="0"/>
+              </a:rPr>
+              <a:t>stake</a:t>
+            </a:r>
+            <a:r>
+              <a:rPr lang="it-IT" sz="2400" dirty="0">
+                <a:solidFill>
+                  <a:schemeClr val="tx1"/>
+                </a:solidFill>
+                <a:latin typeface="Tahoma" panose="020B0604030504040204" pitchFamily="34" charset="0"/>
+                <a:ea typeface="Tahoma" panose="020B0604030504040204" pitchFamily="34" charset="0"/>
+                <a:cs typeface="Tahoma" panose="020B0604030504040204" pitchFamily="34" charset="0"/>
+              </a:rPr>
+              <a:t> o qualunque altra tipologia che garantisca </a:t>
+            </a:r>
+            <a:r>
+              <a:rPr lang="it-IT" sz="2400" b="1" dirty="0">
+                <a:solidFill>
+                  <a:schemeClr val="tx1"/>
+                </a:solidFill>
+                <a:latin typeface="Tahoma" panose="020B0604030504040204" pitchFamily="34" charset="0"/>
+                <a:ea typeface="Tahoma" panose="020B0604030504040204" pitchFamily="34" charset="0"/>
+                <a:cs typeface="Tahoma" panose="020B0604030504040204" pitchFamily="34" charset="0"/>
+              </a:rPr>
+              <a:t>l'integrità</a:t>
+            </a:r>
+            <a:r>
+              <a:rPr lang="it-IT" sz="2400" dirty="0">
+                <a:solidFill>
+                  <a:schemeClr val="tx1"/>
+                </a:solidFill>
+                <a:latin typeface="Tahoma" panose="020B0604030504040204" pitchFamily="34" charset="0"/>
+                <a:ea typeface="Tahoma" panose="020B0604030504040204" pitchFamily="34" charset="0"/>
+                <a:cs typeface="Tahoma" panose="020B0604030504040204" pitchFamily="34" charset="0"/>
+              </a:rPr>
+              <a:t> del cambiamento di stato e del rispetto delle regole del </a:t>
+            </a:r>
+            <a:r>
+              <a:rPr lang="it-IT" sz="2400" b="1" dirty="0">
+                <a:solidFill>
+                  <a:schemeClr val="tx1"/>
+                </a:solidFill>
+                <a:latin typeface="Tahoma" panose="020B0604030504040204" pitchFamily="34" charset="0"/>
+                <a:ea typeface="Tahoma" panose="020B0604030504040204" pitchFamily="34" charset="0"/>
+                <a:cs typeface="Tahoma" panose="020B0604030504040204" pitchFamily="34" charset="0"/>
+              </a:rPr>
+              <a:t>protocollo</a:t>
+            </a:r>
+            <a:r>
+              <a:rPr lang="it-IT" sz="2400" dirty="0">
+                <a:solidFill>
+                  <a:schemeClr val="tx1"/>
+                </a:solidFill>
+                <a:latin typeface="Tahoma" panose="020B0604030504040204" pitchFamily="34" charset="0"/>
+                <a:ea typeface="Tahoma" panose="020B0604030504040204" pitchFamily="34" charset="0"/>
+                <a:cs typeface="Tahoma" panose="020B0604030504040204" pitchFamily="34" charset="0"/>
+              </a:rPr>
+              <a:t>.</a:t>
             </a:r>
           </a:p>
           <a:p>
@@ -8875,27 +13658,27 @@
               </a:tabLst>
             </a:pPr>
             <a:r>
-              <a:rPr lang="it-IT" sz="2400" b="0" i="0">
+              <a:rPr lang="it-IT" sz="2400" b="0" i="0" dirty="0">
                 <a:solidFill>
                   <a:srgbClr val="202122"/>
                 </a:solidFill>
                 <a:effectLst/>
                 <a:latin typeface="Arial" panose="020B0604020202020204" pitchFamily="34" charset="0"/>
               </a:rPr>
-              <a:t>Questa accezione di smart contract non è esattamente quella di un contratto, ma piuttosto quella di un programma la cui esecuzione e i cui risultati sono garantiti integri dalle proprietà di una </a:t>
-            </a:r>
-            <a:r>
-              <a:rPr lang="it-IT" sz="2400" b="1" i="0">
+              <a:t>Questa accezione di </a:t>
+            </a:r>
+            <a:r>
+              <a:rPr lang="it-IT" sz="2400" b="1" i="0" dirty="0" err="1">
                 <a:solidFill>
                   <a:srgbClr val="202122"/>
                 </a:solidFill>
                 <a:effectLst/>
                 <a:latin typeface="Arial" panose="020B0604020202020204" pitchFamily="34" charset="0"/>
               </a:rPr>
-              <a:t>blockchain</a:t>
-            </a:r>
-            <a:r>
-              <a:rPr lang="it-IT" sz="2400" b="0" i="0">
+              <a:t>smart</a:t>
+            </a:r>
+            <a:r>
+              <a:rPr lang="it-IT" sz="2400" b="0" i="0" dirty="0">
                 <a:solidFill>
                   <a:srgbClr val="202122"/>
                 </a:solidFill>
@@ -8905,46 +13688,166 @@
               <a:t> </a:t>
             </a:r>
             <a:r>
-              <a:rPr lang="it-IT" sz="2400" b="1" i="0">
+              <a:rPr lang="it-IT" sz="2400" b="1" i="0" dirty="0" err="1">
                 <a:solidFill>
                   <a:srgbClr val="202122"/>
                 </a:solidFill>
                 <a:effectLst/>
                 <a:latin typeface="Arial" panose="020B0604020202020204" pitchFamily="34" charset="0"/>
               </a:rPr>
-              <a:t>pubblica</a:t>
-            </a:r>
-            <a:r>
-              <a:rPr lang="it-IT" sz="2400" b="0" i="0">
+              <a:t>contract</a:t>
+            </a:r>
+            <a:r>
+              <a:rPr lang="it-IT" sz="2400" b="0" i="0" dirty="0">
                 <a:solidFill>
                   <a:srgbClr val="202122"/>
                 </a:solidFill>
                 <a:effectLst/>
                 <a:latin typeface="Arial" panose="020B0604020202020204" pitchFamily="34" charset="0"/>
               </a:rPr>
-              <a:t>, tale accezione deriva dalla scelta del progetto </a:t>
-            </a:r>
-            <a:r>
-              <a:rPr lang="it-IT" sz="2400" b="1" i="0">
+              <a:t> non è esattamente quella di un contratto, ma piuttosto quella di un </a:t>
+            </a:r>
+            <a:r>
+              <a:rPr lang="it-IT" sz="2400" b="1" i="0" dirty="0">
                 <a:solidFill>
                   <a:srgbClr val="202122"/>
                 </a:solidFill>
                 <a:effectLst/>
                 <a:latin typeface="Arial" panose="020B0604020202020204" pitchFamily="34" charset="0"/>
               </a:rPr>
-              <a:t>Ethereum</a:t>
-            </a:r>
-            <a:r>
-              <a:rPr lang="it-IT" sz="2400" b="0" i="0">
+              <a:t>programma</a:t>
+            </a:r>
+            <a:r>
+              <a:rPr lang="it-IT" sz="2400" b="0" i="0" dirty="0">
                 <a:solidFill>
                   <a:srgbClr val="202122"/>
                 </a:solidFill>
                 <a:effectLst/>
                 <a:latin typeface="Arial" panose="020B0604020202020204" pitchFamily="34" charset="0"/>
               </a:rPr>
-              <a:t> di denominare tale codice in esecuzione come smart contract.</a:t>
-            </a:r>
-            <a:endParaRPr lang="it-IT" sz="2400">
+              <a:t> la cui esecuzione e i cui risultati sono garantiti </a:t>
+            </a:r>
+            <a:r>
+              <a:rPr lang="it-IT" sz="2400" b="1" i="0" dirty="0">
+                <a:solidFill>
+                  <a:srgbClr val="202122"/>
+                </a:solidFill>
+                <a:effectLst/>
+                <a:latin typeface="Arial" panose="020B0604020202020204" pitchFamily="34" charset="0"/>
+              </a:rPr>
+              <a:t>integri</a:t>
+            </a:r>
+            <a:r>
+              <a:rPr lang="it-IT" sz="2400" b="0" i="0" dirty="0">
+                <a:solidFill>
+                  <a:srgbClr val="202122"/>
+                </a:solidFill>
+                <a:effectLst/>
+                <a:latin typeface="Arial" panose="020B0604020202020204" pitchFamily="34" charset="0"/>
+              </a:rPr>
+              <a:t> dalle proprietà di una </a:t>
+            </a:r>
+            <a:r>
+              <a:rPr lang="it-IT" sz="2400" b="1" i="0" dirty="0" err="1">
+                <a:solidFill>
+                  <a:srgbClr val="202122"/>
+                </a:solidFill>
+                <a:effectLst/>
+                <a:latin typeface="Arial" panose="020B0604020202020204" pitchFamily="34" charset="0"/>
+              </a:rPr>
+              <a:t>blockchain</a:t>
+            </a:r>
+            <a:r>
+              <a:rPr lang="it-IT" sz="2400" b="0" i="0" dirty="0">
+                <a:solidFill>
+                  <a:srgbClr val="202122"/>
+                </a:solidFill>
+                <a:effectLst/>
+                <a:latin typeface="Arial" panose="020B0604020202020204" pitchFamily="34" charset="0"/>
+              </a:rPr>
+              <a:t> </a:t>
+            </a:r>
+            <a:r>
+              <a:rPr lang="it-IT" sz="2400" b="1" i="0" dirty="0">
+                <a:solidFill>
+                  <a:srgbClr val="202122"/>
+                </a:solidFill>
+                <a:effectLst/>
+                <a:latin typeface="Arial" panose="020B0604020202020204" pitchFamily="34" charset="0"/>
+              </a:rPr>
+              <a:t>pubblica</a:t>
+            </a:r>
+            <a:r>
+              <a:rPr lang="it-IT" sz="2400" b="0" i="0" dirty="0">
+                <a:solidFill>
+                  <a:srgbClr val="202122"/>
+                </a:solidFill>
+                <a:effectLst/>
+                <a:latin typeface="Arial" panose="020B0604020202020204" pitchFamily="34" charset="0"/>
+              </a:rPr>
+              <a:t>, tale accezione deriva dalla scelta del progetto </a:t>
+            </a:r>
+            <a:r>
+              <a:rPr lang="it-IT" sz="2400" b="1" i="0" dirty="0" err="1">
+                <a:solidFill>
+                  <a:srgbClr val="202122"/>
+                </a:solidFill>
+                <a:effectLst/>
+                <a:latin typeface="Arial" panose="020B0604020202020204" pitchFamily="34" charset="0"/>
+              </a:rPr>
+              <a:t>Ethereum</a:t>
+            </a:r>
+            <a:r>
+              <a:rPr lang="it-IT" sz="2400" b="0" i="0" dirty="0">
+                <a:solidFill>
+                  <a:srgbClr val="202122"/>
+                </a:solidFill>
+                <a:effectLst/>
+                <a:latin typeface="Arial" panose="020B0604020202020204" pitchFamily="34" charset="0"/>
+              </a:rPr>
+              <a:t> di denominare tale codice in esecuzione come </a:t>
+            </a:r>
+            <a:r>
+              <a:rPr lang="it-IT" sz="2400" b="1" i="0" dirty="0" err="1">
+                <a:solidFill>
+                  <a:srgbClr val="202122"/>
+                </a:solidFill>
+                <a:effectLst/>
+                <a:latin typeface="Arial" panose="020B0604020202020204" pitchFamily="34" charset="0"/>
+              </a:rPr>
+              <a:t>smart</a:t>
+            </a:r>
+            <a:r>
+              <a:rPr lang="it-IT" sz="2400" b="0" i="0" dirty="0">
+                <a:solidFill>
+                  <a:srgbClr val="202122"/>
+                </a:solidFill>
+                <a:effectLst/>
+                <a:latin typeface="Arial" panose="020B0604020202020204" pitchFamily="34" charset="0"/>
+              </a:rPr>
+              <a:t> </a:t>
+            </a:r>
+            <a:r>
+              <a:rPr lang="it-IT" sz="2400" b="1" i="0" dirty="0" err="1">
+                <a:solidFill>
+                  <a:srgbClr val="202122"/>
+                </a:solidFill>
+                <a:effectLst/>
+                <a:latin typeface="Arial" panose="020B0604020202020204" pitchFamily="34" charset="0"/>
+              </a:rPr>
+              <a:t>contract</a:t>
+            </a:r>
+            <a:r>
+              <a:rPr lang="it-IT" sz="2400" b="0" i="0" dirty="0">
+                <a:solidFill>
+                  <a:srgbClr val="202122"/>
+                </a:solidFill>
+                <a:effectLst/>
+                <a:latin typeface="Arial" panose="020B0604020202020204" pitchFamily="34" charset="0"/>
+              </a:rPr>
+              <a:t>.</a:t>
+            </a:r>
+            <a:endParaRPr lang="it-IT" sz="2400" dirty="0">
               <a:solidFill>
                 <a:schemeClr val="tx1"/>
               </a:solidFill>
@@ -9131,18 +14034,62 @@
               </a:tabLst>
             </a:pPr>
             <a:r>
-              <a:rPr lang="it-IT" sz="2400">
-                <a:solidFill>
-                  <a:schemeClr val="tx1"/>
-                </a:solidFill>
-                <a:latin typeface="Tahoma" panose="020B0604030504040204" pitchFamily="34" charset="0"/>
-                <a:ea typeface="Tahoma" panose="020B0604030504040204" pitchFamily="34" charset="0"/>
-                <a:cs typeface="Tahoma" panose="020B0604030504040204" pitchFamily="34" charset="0"/>
-              </a:rPr>
-              <a:t>I sostenitori degli smart contract affermano che molti tipi di </a:t>
-            </a:r>
-            <a:r>
-              <a:rPr lang="it-IT" sz="2400" b="1">
+              <a:rPr lang="it-IT" sz="2400" dirty="0">
+                <a:solidFill>
+                  <a:schemeClr val="tx1"/>
+                </a:solidFill>
+                <a:latin typeface="Tahoma" panose="020B0604030504040204" pitchFamily="34" charset="0"/>
+                <a:ea typeface="Tahoma" panose="020B0604030504040204" pitchFamily="34" charset="0"/>
+                <a:cs typeface="Tahoma" panose="020B0604030504040204" pitchFamily="34" charset="0"/>
+              </a:rPr>
+              <a:t>I sostenitori degli </a:t>
+            </a:r>
+            <a:r>
+              <a:rPr lang="it-IT" sz="2400" b="1" dirty="0" err="1">
+                <a:solidFill>
+                  <a:schemeClr val="tx1"/>
+                </a:solidFill>
+                <a:latin typeface="Tahoma" panose="020B0604030504040204" pitchFamily="34" charset="0"/>
+                <a:ea typeface="Tahoma" panose="020B0604030504040204" pitchFamily="34" charset="0"/>
+                <a:cs typeface="Tahoma" panose="020B0604030504040204" pitchFamily="34" charset="0"/>
+              </a:rPr>
+              <a:t>smart</a:t>
+            </a:r>
+            <a:r>
+              <a:rPr lang="it-IT" sz="2400" dirty="0">
+                <a:solidFill>
+                  <a:schemeClr val="tx1"/>
+                </a:solidFill>
+                <a:latin typeface="Tahoma" panose="020B0604030504040204" pitchFamily="34" charset="0"/>
+                <a:ea typeface="Tahoma" panose="020B0604030504040204" pitchFamily="34" charset="0"/>
+                <a:cs typeface="Tahoma" panose="020B0604030504040204" pitchFamily="34" charset="0"/>
+              </a:rPr>
+              <a:t> </a:t>
+            </a:r>
+            <a:r>
+              <a:rPr lang="it-IT" sz="2400" b="1" dirty="0" err="1">
+                <a:solidFill>
+                  <a:schemeClr val="tx1"/>
+                </a:solidFill>
+                <a:latin typeface="Tahoma" panose="020B0604030504040204" pitchFamily="34" charset="0"/>
+                <a:ea typeface="Tahoma" panose="020B0604030504040204" pitchFamily="34" charset="0"/>
+                <a:cs typeface="Tahoma" panose="020B0604030504040204" pitchFamily="34" charset="0"/>
+              </a:rPr>
+              <a:t>contract</a:t>
+            </a:r>
+            <a:r>
+              <a:rPr lang="it-IT" sz="2400" dirty="0">
+                <a:solidFill>
+                  <a:schemeClr val="tx1"/>
+                </a:solidFill>
+                <a:latin typeface="Tahoma" panose="020B0604030504040204" pitchFamily="34" charset="0"/>
+                <a:ea typeface="Tahoma" panose="020B0604030504040204" pitchFamily="34" charset="0"/>
+                <a:cs typeface="Tahoma" panose="020B0604030504040204" pitchFamily="34" charset="0"/>
+              </a:rPr>
+              <a:t> affermano che molti tipi di </a:t>
+            </a:r>
+            <a:r>
+              <a:rPr lang="it-IT" sz="2400" b="1" dirty="0">
                 <a:solidFill>
                   <a:schemeClr val="tx1"/>
                 </a:solidFill>
@@ -9153,7 +14100,7 @@
               <a:t>clausole</a:t>
             </a:r>
             <a:r>
-              <a:rPr lang="it-IT" sz="2400">
+              <a:rPr lang="it-IT" sz="2400" dirty="0">
                 <a:solidFill>
                   <a:schemeClr val="tx1"/>
                 </a:solidFill>
@@ -9164,7 +14111,7 @@
               <a:t> </a:t>
             </a:r>
             <a:r>
-              <a:rPr lang="it-IT" sz="2400" b="1">
+              <a:rPr lang="it-IT" sz="2400" b="1" dirty="0">
                 <a:solidFill>
                   <a:schemeClr val="tx1"/>
                 </a:solidFill>
@@ -9175,15 +14122,59 @@
               <a:t>contrattuali</a:t>
             </a:r>
             <a:r>
-              <a:rPr lang="it-IT" sz="2400">
-                <a:solidFill>
-                  <a:schemeClr val="tx1"/>
-                </a:solidFill>
-                <a:latin typeface="Tahoma" panose="020B0604030504040204" pitchFamily="34" charset="0"/>
-                <a:ea typeface="Tahoma" panose="020B0604030504040204" pitchFamily="34" charset="0"/>
-                <a:cs typeface="Tahoma" panose="020B0604030504040204" pitchFamily="34" charset="0"/>
-              </a:rPr>
-              <a:t> possono quindi essere rese parzialmente o integralmente automatizzate, auto-ottemperanti, o entrambe le cose. </a:t>
+              <a:rPr lang="it-IT" sz="2400" dirty="0">
+                <a:solidFill>
+                  <a:schemeClr val="tx1"/>
+                </a:solidFill>
+                <a:latin typeface="Tahoma" panose="020B0604030504040204" pitchFamily="34" charset="0"/>
+                <a:ea typeface="Tahoma" panose="020B0604030504040204" pitchFamily="34" charset="0"/>
+                <a:cs typeface="Tahoma" panose="020B0604030504040204" pitchFamily="34" charset="0"/>
+              </a:rPr>
+              <a:t> possono quindi essere rese parzialmente o integralmente </a:t>
+            </a:r>
+            <a:r>
+              <a:rPr lang="it-IT" sz="2400" b="1" dirty="0">
+                <a:solidFill>
+                  <a:schemeClr val="tx1"/>
+                </a:solidFill>
+                <a:latin typeface="Tahoma" panose="020B0604030504040204" pitchFamily="34" charset="0"/>
+                <a:ea typeface="Tahoma" panose="020B0604030504040204" pitchFamily="34" charset="0"/>
+                <a:cs typeface="Tahoma" panose="020B0604030504040204" pitchFamily="34" charset="0"/>
+              </a:rPr>
+              <a:t>automatizzate</a:t>
+            </a:r>
+            <a:r>
+              <a:rPr lang="it-IT" sz="2400" dirty="0">
+                <a:solidFill>
+                  <a:schemeClr val="tx1"/>
+                </a:solidFill>
+                <a:latin typeface="Tahoma" panose="020B0604030504040204" pitchFamily="34" charset="0"/>
+                <a:ea typeface="Tahoma" panose="020B0604030504040204" pitchFamily="34" charset="0"/>
+                <a:cs typeface="Tahoma" panose="020B0604030504040204" pitchFamily="34" charset="0"/>
+              </a:rPr>
+              <a:t>, </a:t>
+            </a:r>
+            <a:r>
+              <a:rPr lang="it-IT" sz="2400" b="1" dirty="0">
+                <a:solidFill>
+                  <a:schemeClr val="tx1"/>
+                </a:solidFill>
+                <a:latin typeface="Tahoma" panose="020B0604030504040204" pitchFamily="34" charset="0"/>
+                <a:ea typeface="Tahoma" panose="020B0604030504040204" pitchFamily="34" charset="0"/>
+                <a:cs typeface="Tahoma" panose="020B0604030504040204" pitchFamily="34" charset="0"/>
+              </a:rPr>
+              <a:t>auto-ottemperanti</a:t>
+            </a:r>
+            <a:r>
+              <a:rPr lang="it-IT" sz="2400" dirty="0">
+                <a:solidFill>
+                  <a:schemeClr val="tx1"/>
+                </a:solidFill>
+                <a:latin typeface="Tahoma" panose="020B0604030504040204" pitchFamily="34" charset="0"/>
+                <a:ea typeface="Tahoma" panose="020B0604030504040204" pitchFamily="34" charset="0"/>
+                <a:cs typeface="Tahoma" panose="020B0604030504040204" pitchFamily="34" charset="0"/>
+              </a:rPr>
+              <a:t>, o entrambe le cose. </a:t>
             </a:r>
           </a:p>
           <a:p>
@@ -9201,18 +14192,84 @@
               </a:tabLst>
             </a:pPr>
             <a:r>
-              <a:rPr lang="it-IT" sz="2400">
-                <a:solidFill>
-                  <a:schemeClr val="tx1"/>
-                </a:solidFill>
-                <a:latin typeface="Tahoma" panose="020B0604030504040204" pitchFamily="34" charset="0"/>
-                <a:ea typeface="Tahoma" panose="020B0604030504040204" pitchFamily="34" charset="0"/>
-                <a:cs typeface="Tahoma" panose="020B0604030504040204" pitchFamily="34" charset="0"/>
-              </a:rPr>
-              <a:t>Gli smart contract aspirano ad assicurare una sicurezza superiore alla contrattualistica esistente e di ridurre i </a:t>
-            </a:r>
-            <a:r>
-              <a:rPr lang="it-IT" sz="2400" b="1">
+              <a:rPr lang="it-IT" sz="2400" dirty="0">
+                <a:solidFill>
+                  <a:schemeClr val="tx1"/>
+                </a:solidFill>
+                <a:latin typeface="Tahoma" panose="020B0604030504040204" pitchFamily="34" charset="0"/>
+                <a:ea typeface="Tahoma" panose="020B0604030504040204" pitchFamily="34" charset="0"/>
+                <a:cs typeface="Tahoma" panose="020B0604030504040204" pitchFamily="34" charset="0"/>
+              </a:rPr>
+              <a:t>Gli </a:t>
+            </a:r>
+            <a:r>
+              <a:rPr lang="it-IT" sz="2400" b="1" dirty="0" err="1">
+                <a:solidFill>
+                  <a:schemeClr val="tx1"/>
+                </a:solidFill>
+                <a:latin typeface="Tahoma" panose="020B0604030504040204" pitchFamily="34" charset="0"/>
+                <a:ea typeface="Tahoma" panose="020B0604030504040204" pitchFamily="34" charset="0"/>
+                <a:cs typeface="Tahoma" panose="020B0604030504040204" pitchFamily="34" charset="0"/>
+              </a:rPr>
+              <a:t>smart</a:t>
+            </a:r>
+            <a:r>
+              <a:rPr lang="it-IT" sz="2400" dirty="0">
+                <a:solidFill>
+                  <a:schemeClr val="tx1"/>
+                </a:solidFill>
+                <a:latin typeface="Tahoma" panose="020B0604030504040204" pitchFamily="34" charset="0"/>
+                <a:ea typeface="Tahoma" panose="020B0604030504040204" pitchFamily="34" charset="0"/>
+                <a:cs typeface="Tahoma" panose="020B0604030504040204" pitchFamily="34" charset="0"/>
+              </a:rPr>
+              <a:t> </a:t>
+            </a:r>
+            <a:r>
+              <a:rPr lang="it-IT" sz="2400" b="1" dirty="0" err="1">
+                <a:solidFill>
+                  <a:schemeClr val="tx1"/>
+                </a:solidFill>
+                <a:latin typeface="Tahoma" panose="020B0604030504040204" pitchFamily="34" charset="0"/>
+                <a:ea typeface="Tahoma" panose="020B0604030504040204" pitchFamily="34" charset="0"/>
+                <a:cs typeface="Tahoma" panose="020B0604030504040204" pitchFamily="34" charset="0"/>
+              </a:rPr>
+              <a:t>contract</a:t>
+            </a:r>
+            <a:r>
+              <a:rPr lang="it-IT" sz="2400" dirty="0">
+                <a:solidFill>
+                  <a:schemeClr val="tx1"/>
+                </a:solidFill>
+                <a:latin typeface="Tahoma" panose="020B0604030504040204" pitchFamily="34" charset="0"/>
+                <a:ea typeface="Tahoma" panose="020B0604030504040204" pitchFamily="34" charset="0"/>
+                <a:cs typeface="Tahoma" panose="020B0604030504040204" pitchFamily="34" charset="0"/>
+              </a:rPr>
+              <a:t> aspirano ad assicurare una sicurezza superiore alla </a:t>
+            </a:r>
+            <a:r>
+              <a:rPr lang="it-IT" sz="2400" b="1" dirty="0">
+                <a:solidFill>
+                  <a:schemeClr val="tx1"/>
+                </a:solidFill>
+                <a:latin typeface="Tahoma" panose="020B0604030504040204" pitchFamily="34" charset="0"/>
+                <a:ea typeface="Tahoma" panose="020B0604030504040204" pitchFamily="34" charset="0"/>
+                <a:cs typeface="Tahoma" panose="020B0604030504040204" pitchFamily="34" charset="0"/>
+              </a:rPr>
+              <a:t>contrattualistica</a:t>
+            </a:r>
+            <a:r>
+              <a:rPr lang="it-IT" sz="2400" dirty="0">
+                <a:solidFill>
+                  <a:schemeClr val="tx1"/>
+                </a:solidFill>
+                <a:latin typeface="Tahoma" panose="020B0604030504040204" pitchFamily="34" charset="0"/>
+                <a:ea typeface="Tahoma" panose="020B0604030504040204" pitchFamily="34" charset="0"/>
+                <a:cs typeface="Tahoma" panose="020B0604030504040204" pitchFamily="34" charset="0"/>
+              </a:rPr>
+              <a:t> esistente e di ridurre i </a:t>
+            </a:r>
+            <a:r>
+              <a:rPr lang="it-IT" sz="2400" b="1" dirty="0">
                 <a:solidFill>
                   <a:schemeClr val="tx1"/>
                 </a:solidFill>
@@ -9223,7 +14280,7 @@
               <a:t>costi di transazione</a:t>
             </a:r>
             <a:r>
-              <a:rPr lang="it-IT" sz="2400">
+              <a:rPr lang="it-IT" sz="2400" dirty="0">
                 <a:solidFill>
                   <a:schemeClr val="tx1"/>
                 </a:solidFill>
@@ -9412,18 +14469,40 @@
               </a:tabLst>
             </a:pPr>
             <a:r>
-              <a:rPr lang="it-IT" sz="2400">
-                <a:solidFill>
-                  <a:schemeClr val="tx1"/>
-                </a:solidFill>
-                <a:latin typeface="Tahoma" panose="020B0604030504040204" pitchFamily="34" charset="0"/>
-                <a:ea typeface="Tahoma" panose="020B0604030504040204" pitchFamily="34" charset="0"/>
-                <a:cs typeface="Tahoma" panose="020B0604030504040204" pitchFamily="34" charset="0"/>
-              </a:rPr>
-              <a:t>La piattaforma tecnologica, oggi, è la </a:t>
-            </a:r>
-            <a:r>
-              <a:rPr lang="it-IT" sz="2400" b="1">
+              <a:rPr lang="it-IT" sz="2400" dirty="0">
+                <a:solidFill>
+                  <a:schemeClr val="tx1"/>
+                </a:solidFill>
+                <a:latin typeface="Tahoma" panose="020B0604030504040204" pitchFamily="34" charset="0"/>
+                <a:ea typeface="Tahoma" panose="020B0604030504040204" pitchFamily="34" charset="0"/>
+                <a:cs typeface="Tahoma" panose="020B0604030504040204" pitchFamily="34" charset="0"/>
+              </a:rPr>
+              <a:t>La </a:t>
+            </a:r>
+            <a:r>
+              <a:rPr lang="it-IT" sz="2400" b="1" dirty="0">
+                <a:solidFill>
+                  <a:schemeClr val="tx1"/>
+                </a:solidFill>
+                <a:latin typeface="Tahoma" panose="020B0604030504040204" pitchFamily="34" charset="0"/>
+                <a:ea typeface="Tahoma" panose="020B0604030504040204" pitchFamily="34" charset="0"/>
+                <a:cs typeface="Tahoma" panose="020B0604030504040204" pitchFamily="34" charset="0"/>
+              </a:rPr>
+              <a:t>piattaforma</a:t>
+            </a:r>
+            <a:r>
+              <a:rPr lang="it-IT" sz="2400" dirty="0">
+                <a:solidFill>
+                  <a:schemeClr val="tx1"/>
+                </a:solidFill>
+                <a:latin typeface="Tahoma" panose="020B0604030504040204" pitchFamily="34" charset="0"/>
+                <a:ea typeface="Tahoma" panose="020B0604030504040204" pitchFamily="34" charset="0"/>
+                <a:cs typeface="Tahoma" panose="020B0604030504040204" pitchFamily="34" charset="0"/>
+              </a:rPr>
+              <a:t> tecnologica, oggi, è la </a:t>
+            </a:r>
+            <a:r>
+              <a:rPr lang="it-IT" sz="2400" b="1" dirty="0" err="1">
                 <a:solidFill>
                   <a:schemeClr val="tx1"/>
                 </a:solidFill>
@@ -9434,18 +14513,62 @@
               <a:t>Blockchain</a:t>
             </a:r>
             <a:r>
-              <a:rPr lang="it-IT" sz="2400">
-                <a:solidFill>
-                  <a:schemeClr val="tx1"/>
-                </a:solidFill>
-                <a:latin typeface="Tahoma" panose="020B0604030504040204" pitchFamily="34" charset="0"/>
-                <a:ea typeface="Tahoma" panose="020B0604030504040204" pitchFamily="34" charset="0"/>
-                <a:cs typeface="Tahoma" panose="020B0604030504040204" pitchFamily="34" charset="0"/>
-              </a:rPr>
-              <a:t>. Perché il concetto di smart contract esiste già da tempo (teorizzato dall’informatico </a:t>
-            </a:r>
-            <a:r>
-              <a:rPr lang="it-IT" sz="2400" b="1">
+              <a:rPr lang="it-IT" sz="2400" dirty="0">
+                <a:solidFill>
+                  <a:schemeClr val="tx1"/>
+                </a:solidFill>
+                <a:latin typeface="Tahoma" panose="020B0604030504040204" pitchFamily="34" charset="0"/>
+                <a:ea typeface="Tahoma" panose="020B0604030504040204" pitchFamily="34" charset="0"/>
+                <a:cs typeface="Tahoma" panose="020B0604030504040204" pitchFamily="34" charset="0"/>
+              </a:rPr>
+              <a:t>. Perché il concetto di </a:t>
+            </a:r>
+            <a:r>
+              <a:rPr lang="it-IT" sz="2400" b="1" dirty="0" err="1">
+                <a:solidFill>
+                  <a:schemeClr val="tx1"/>
+                </a:solidFill>
+                <a:latin typeface="Tahoma" panose="020B0604030504040204" pitchFamily="34" charset="0"/>
+                <a:ea typeface="Tahoma" panose="020B0604030504040204" pitchFamily="34" charset="0"/>
+                <a:cs typeface="Tahoma" panose="020B0604030504040204" pitchFamily="34" charset="0"/>
+              </a:rPr>
+              <a:t>smart</a:t>
+            </a:r>
+            <a:r>
+              <a:rPr lang="it-IT" sz="2400" dirty="0">
+                <a:solidFill>
+                  <a:schemeClr val="tx1"/>
+                </a:solidFill>
+                <a:latin typeface="Tahoma" panose="020B0604030504040204" pitchFamily="34" charset="0"/>
+                <a:ea typeface="Tahoma" panose="020B0604030504040204" pitchFamily="34" charset="0"/>
+                <a:cs typeface="Tahoma" panose="020B0604030504040204" pitchFamily="34" charset="0"/>
+              </a:rPr>
+              <a:t> </a:t>
+            </a:r>
+            <a:r>
+              <a:rPr lang="it-IT" sz="2400" b="1" dirty="0" err="1">
+                <a:solidFill>
+                  <a:schemeClr val="tx1"/>
+                </a:solidFill>
+                <a:latin typeface="Tahoma" panose="020B0604030504040204" pitchFamily="34" charset="0"/>
+                <a:ea typeface="Tahoma" panose="020B0604030504040204" pitchFamily="34" charset="0"/>
+                <a:cs typeface="Tahoma" panose="020B0604030504040204" pitchFamily="34" charset="0"/>
+              </a:rPr>
+              <a:t>contract</a:t>
+            </a:r>
+            <a:r>
+              <a:rPr lang="it-IT" sz="2400" dirty="0">
+                <a:solidFill>
+                  <a:schemeClr val="tx1"/>
+                </a:solidFill>
+                <a:latin typeface="Tahoma" panose="020B0604030504040204" pitchFamily="34" charset="0"/>
+                <a:ea typeface="Tahoma" panose="020B0604030504040204" pitchFamily="34" charset="0"/>
+                <a:cs typeface="Tahoma" panose="020B0604030504040204" pitchFamily="34" charset="0"/>
+              </a:rPr>
+              <a:t> esiste già da tempo (teorizzato dall’informatico </a:t>
+            </a:r>
+            <a:r>
+              <a:rPr lang="it-IT" sz="2400" b="1" dirty="0">
                 <a:solidFill>
                   <a:schemeClr val="tx1"/>
                 </a:solidFill>
@@ -9456,7 +14579,7 @@
               <a:t>Nick</a:t>
             </a:r>
             <a:r>
-              <a:rPr lang="it-IT" sz="2400">
+              <a:rPr lang="it-IT" sz="2400" dirty="0">
                 <a:solidFill>
                   <a:schemeClr val="tx1"/>
                 </a:solidFill>
@@ -9467,7 +14590,7 @@
               <a:t> </a:t>
             </a:r>
             <a:r>
-              <a:rPr lang="it-IT" sz="2400" b="1">
+              <a:rPr lang="it-IT" sz="2400" b="1" dirty="0" err="1">
                 <a:solidFill>
                   <a:schemeClr val="tx1"/>
                 </a:solidFill>
@@ -9478,7 +14601,7 @@
               <a:t>Szabo</a:t>
             </a:r>
             <a:r>
-              <a:rPr lang="it-IT" sz="2400">
+              <a:rPr lang="it-IT" sz="2400" dirty="0">
                 <a:solidFill>
                   <a:schemeClr val="tx1"/>
                 </a:solidFill>
@@ -9489,7 +14612,7 @@
               <a:t> negli anni 90), ma proprio nella "</a:t>
             </a:r>
             <a:r>
-              <a:rPr lang="it-IT" sz="2400" b="1">
+              <a:rPr lang="it-IT" sz="2400" b="1" dirty="0">
                 <a:solidFill>
                   <a:schemeClr val="tx1"/>
                 </a:solidFill>
@@ -9500,15 +14623,81 @@
               <a:t>catena dei blocchi</a:t>
             </a:r>
             <a:r>
-              <a:rPr lang="it-IT" sz="2400">
-                <a:solidFill>
-                  <a:schemeClr val="tx1"/>
-                </a:solidFill>
-                <a:latin typeface="Tahoma" panose="020B0604030504040204" pitchFamily="34" charset="0"/>
-                <a:ea typeface="Tahoma" panose="020B0604030504040204" pitchFamily="34" charset="0"/>
-                <a:cs typeface="Tahoma" panose="020B0604030504040204" pitchFamily="34" charset="0"/>
-              </a:rPr>
-              <a:t>" ha trovato un approdo ideale, che ne esalta le qualità: tra automatismi, trasparenza e sicurezza.</a:t>
+              <a:rPr lang="it-IT" sz="2400" dirty="0">
+                <a:solidFill>
+                  <a:schemeClr val="tx1"/>
+                </a:solidFill>
+                <a:latin typeface="Tahoma" panose="020B0604030504040204" pitchFamily="34" charset="0"/>
+                <a:ea typeface="Tahoma" panose="020B0604030504040204" pitchFamily="34" charset="0"/>
+                <a:cs typeface="Tahoma" panose="020B0604030504040204" pitchFamily="34" charset="0"/>
+              </a:rPr>
+              <a:t>" ha trovato un approdo ideale, che ne esalta le qualità: tra </a:t>
+            </a:r>
+            <a:r>
+              <a:rPr lang="it-IT" sz="2400" b="1" dirty="0">
+                <a:solidFill>
+                  <a:schemeClr val="tx1"/>
+                </a:solidFill>
+                <a:latin typeface="Tahoma" panose="020B0604030504040204" pitchFamily="34" charset="0"/>
+                <a:ea typeface="Tahoma" panose="020B0604030504040204" pitchFamily="34" charset="0"/>
+                <a:cs typeface="Tahoma" panose="020B0604030504040204" pitchFamily="34" charset="0"/>
+              </a:rPr>
+              <a:t>automatismi</a:t>
+            </a:r>
+            <a:r>
+              <a:rPr lang="it-IT" sz="2400" dirty="0">
+                <a:solidFill>
+                  <a:schemeClr val="tx1"/>
+                </a:solidFill>
+                <a:latin typeface="Tahoma" panose="020B0604030504040204" pitchFamily="34" charset="0"/>
+                <a:ea typeface="Tahoma" panose="020B0604030504040204" pitchFamily="34" charset="0"/>
+                <a:cs typeface="Tahoma" panose="020B0604030504040204" pitchFamily="34" charset="0"/>
+              </a:rPr>
+              <a:t>, </a:t>
+            </a:r>
+            <a:r>
+              <a:rPr lang="it-IT" sz="2400" b="1" dirty="0">
+                <a:solidFill>
+                  <a:schemeClr val="tx1"/>
+                </a:solidFill>
+                <a:latin typeface="Tahoma" panose="020B0604030504040204" pitchFamily="34" charset="0"/>
+                <a:ea typeface="Tahoma" panose="020B0604030504040204" pitchFamily="34" charset="0"/>
+                <a:cs typeface="Tahoma" panose="020B0604030504040204" pitchFamily="34" charset="0"/>
+              </a:rPr>
+              <a:t>trasparenza</a:t>
+            </a:r>
+            <a:r>
+              <a:rPr lang="it-IT" sz="2400" dirty="0">
+                <a:solidFill>
+                  <a:schemeClr val="tx1"/>
+                </a:solidFill>
+                <a:latin typeface="Tahoma" panose="020B0604030504040204" pitchFamily="34" charset="0"/>
+                <a:ea typeface="Tahoma" panose="020B0604030504040204" pitchFamily="34" charset="0"/>
+                <a:cs typeface="Tahoma" panose="020B0604030504040204" pitchFamily="34" charset="0"/>
+              </a:rPr>
+              <a:t> e </a:t>
+            </a:r>
+            <a:r>
+              <a:rPr lang="it-IT" sz="2400" b="1" dirty="0">
+                <a:solidFill>
+                  <a:schemeClr val="tx1"/>
+                </a:solidFill>
+                <a:latin typeface="Tahoma" panose="020B0604030504040204" pitchFamily="34" charset="0"/>
+                <a:ea typeface="Tahoma" panose="020B0604030504040204" pitchFamily="34" charset="0"/>
+                <a:cs typeface="Tahoma" panose="020B0604030504040204" pitchFamily="34" charset="0"/>
+              </a:rPr>
+              <a:t>sicurezza</a:t>
+            </a:r>
+            <a:r>
+              <a:rPr lang="it-IT" sz="2400" dirty="0">
+                <a:solidFill>
+                  <a:schemeClr val="tx1"/>
+                </a:solidFill>
+                <a:latin typeface="Tahoma" panose="020B0604030504040204" pitchFamily="34" charset="0"/>
+                <a:ea typeface="Tahoma" panose="020B0604030504040204" pitchFamily="34" charset="0"/>
+                <a:cs typeface="Tahoma" panose="020B0604030504040204" pitchFamily="34" charset="0"/>
+              </a:rPr>
+              <a:t>.</a:t>
             </a:r>
           </a:p>
         </p:txBody>
@@ -9611,8 +14800,8 @@
         </p:blipFill>
         <p:spPr>
           <a:xfrm>
-            <a:off x="825118" y="3259675"/>
-            <a:ext cx="10499375" cy="3492465"/>
+            <a:off x="825118" y="3569110"/>
+            <a:ext cx="10499375" cy="3183030"/>
           </a:xfrm>
           <a:prstGeom prst="rect">
             <a:avLst/>
@@ -9689,18 +14878,62 @@
               </a:tabLst>
             </a:pPr>
             <a:r>
-              <a:rPr lang="it-IT" sz="2400">
-                <a:solidFill>
-                  <a:schemeClr val="tx1"/>
-                </a:solidFill>
-                <a:latin typeface="Tahoma" panose="020B0604030504040204" pitchFamily="34" charset="0"/>
-                <a:ea typeface="Tahoma" panose="020B0604030504040204" pitchFamily="34" charset="0"/>
-                <a:cs typeface="Tahoma" panose="020B0604030504040204" pitchFamily="34" charset="0"/>
-              </a:rPr>
-              <a:t>Un esempio attuale? Ingegneri e avvocati citano subito </a:t>
-            </a:r>
-            <a:r>
-              <a:rPr lang="it-IT" sz="2400" b="1">
+              <a:rPr lang="it-IT" sz="2400" dirty="0">
+                <a:solidFill>
+                  <a:schemeClr val="tx1"/>
+                </a:solidFill>
+                <a:latin typeface="Tahoma" panose="020B0604030504040204" pitchFamily="34" charset="0"/>
+                <a:ea typeface="Tahoma" panose="020B0604030504040204" pitchFamily="34" charset="0"/>
+                <a:cs typeface="Tahoma" panose="020B0604030504040204" pitchFamily="34" charset="0"/>
+              </a:rPr>
+              <a:t>Un esempio attuale? </a:t>
+            </a:r>
+            <a:r>
+              <a:rPr lang="it-IT" sz="2400" b="1" dirty="0">
+                <a:solidFill>
+                  <a:schemeClr val="tx1"/>
+                </a:solidFill>
+                <a:latin typeface="Tahoma" panose="020B0604030504040204" pitchFamily="34" charset="0"/>
+                <a:ea typeface="Tahoma" panose="020B0604030504040204" pitchFamily="34" charset="0"/>
+                <a:cs typeface="Tahoma" panose="020B0604030504040204" pitchFamily="34" charset="0"/>
+              </a:rPr>
+              <a:t>Ingegneri</a:t>
+            </a:r>
+            <a:r>
+              <a:rPr lang="it-IT" sz="2400" dirty="0">
+                <a:solidFill>
+                  <a:schemeClr val="tx1"/>
+                </a:solidFill>
+                <a:latin typeface="Tahoma" panose="020B0604030504040204" pitchFamily="34" charset="0"/>
+                <a:ea typeface="Tahoma" panose="020B0604030504040204" pitchFamily="34" charset="0"/>
+                <a:cs typeface="Tahoma" panose="020B0604030504040204" pitchFamily="34" charset="0"/>
+              </a:rPr>
+              <a:t> e </a:t>
+            </a:r>
+            <a:r>
+              <a:rPr lang="it-IT" sz="2400" b="1" dirty="0">
+                <a:solidFill>
+                  <a:schemeClr val="tx1"/>
+                </a:solidFill>
+                <a:latin typeface="Tahoma" panose="020B0604030504040204" pitchFamily="34" charset="0"/>
+                <a:ea typeface="Tahoma" panose="020B0604030504040204" pitchFamily="34" charset="0"/>
+                <a:cs typeface="Tahoma" panose="020B0604030504040204" pitchFamily="34" charset="0"/>
+              </a:rPr>
+              <a:t>avvocati</a:t>
+            </a:r>
+            <a:r>
+              <a:rPr lang="it-IT" sz="2400" dirty="0">
+                <a:solidFill>
+                  <a:schemeClr val="tx1"/>
+                </a:solidFill>
+                <a:latin typeface="Tahoma" panose="020B0604030504040204" pitchFamily="34" charset="0"/>
+                <a:ea typeface="Tahoma" panose="020B0604030504040204" pitchFamily="34" charset="0"/>
+                <a:cs typeface="Tahoma" panose="020B0604030504040204" pitchFamily="34" charset="0"/>
+              </a:rPr>
+              <a:t> citano subito </a:t>
+            </a:r>
+            <a:r>
+              <a:rPr lang="it-IT" sz="2400" b="1" dirty="0">
                 <a:solidFill>
                   <a:schemeClr val="tx1"/>
                 </a:solidFill>
@@ -9711,7 +14944,7 @@
               <a:t>le polizze assicurative </a:t>
             </a:r>
             <a:r>
-              <a:rPr lang="it-IT" sz="2400">
+              <a:rPr lang="it-IT" sz="2400" dirty="0">
                 <a:solidFill>
                   <a:schemeClr val="tx1"/>
                 </a:solidFill>
@@ -9737,7 +14970,7 @@
               </a:tabLst>
             </a:pPr>
             <a:r>
-              <a:rPr lang="it-IT" sz="2400">
+              <a:rPr lang="it-IT" sz="2400" dirty="0">
                 <a:solidFill>
                   <a:schemeClr val="tx1"/>
                 </a:solidFill>
@@ -9748,7 +14981,7 @@
               <a:t>«Pensiamo ad </a:t>
             </a:r>
             <a:r>
-              <a:rPr lang="it-IT" sz="2400" b="1">
+              <a:rPr lang="it-IT" sz="2400" b="1" dirty="0" err="1">
                 <a:solidFill>
                   <a:schemeClr val="tx1"/>
                 </a:solidFill>
@@ -9759,15 +14992,235 @@
               <a:t>Etherisc</a:t>
             </a:r>
             <a:r>
-              <a:rPr lang="it-IT" sz="2400">
-                <a:solidFill>
-                  <a:schemeClr val="tx1"/>
-                </a:solidFill>
-                <a:latin typeface="Tahoma" panose="020B0604030504040204" pitchFamily="34" charset="0"/>
-                <a:ea typeface="Tahoma" panose="020B0604030504040204" pitchFamily="34" charset="0"/>
-                <a:cs typeface="Tahoma" panose="020B0604030504040204" pitchFamily="34" charset="0"/>
-              </a:rPr>
-              <a:t> - risponde il direttore dell’Osservatorio blockchain del Politecnico di Milano, Francesco Bruschi -. È un’assicurazione sui viaggi aerei decentralizzata, che opera sulla piattaforma Ethereum. Lo smart contract interroga delle Api (interfacce per la programmazione di applicazioni, ndr) per avere informazioni sugli orari di partenza e, in caso di ritardo del volo garantito dalla polizza, fa scattare automaticamente il rimborso».</a:t>
+              <a:rPr lang="it-IT" sz="2400" dirty="0">
+                <a:solidFill>
+                  <a:schemeClr val="tx1"/>
+                </a:solidFill>
+                <a:latin typeface="Tahoma" panose="020B0604030504040204" pitchFamily="34" charset="0"/>
+                <a:ea typeface="Tahoma" panose="020B0604030504040204" pitchFamily="34" charset="0"/>
+                <a:cs typeface="Tahoma" panose="020B0604030504040204" pitchFamily="34" charset="0"/>
+              </a:rPr>
+              <a:t> - risponde il direttore </a:t>
+            </a:r>
+            <a:r>
+              <a:rPr lang="it-IT" sz="2400" b="1" dirty="0">
+                <a:solidFill>
+                  <a:schemeClr val="tx1"/>
+                </a:solidFill>
+                <a:latin typeface="Tahoma" panose="020B0604030504040204" pitchFamily="34" charset="0"/>
+                <a:ea typeface="Tahoma" panose="020B0604030504040204" pitchFamily="34" charset="0"/>
+                <a:cs typeface="Tahoma" panose="020B0604030504040204" pitchFamily="34" charset="0"/>
+              </a:rPr>
+              <a:t>dell’Osservatorio</a:t>
+            </a:r>
+            <a:r>
+              <a:rPr lang="it-IT" sz="2400" dirty="0">
+                <a:solidFill>
+                  <a:schemeClr val="tx1"/>
+                </a:solidFill>
+                <a:latin typeface="Tahoma" panose="020B0604030504040204" pitchFamily="34" charset="0"/>
+                <a:ea typeface="Tahoma" panose="020B0604030504040204" pitchFamily="34" charset="0"/>
+                <a:cs typeface="Tahoma" panose="020B0604030504040204" pitchFamily="34" charset="0"/>
+              </a:rPr>
+              <a:t> </a:t>
+            </a:r>
+            <a:r>
+              <a:rPr lang="it-IT" sz="2400" b="1" dirty="0" err="1">
+                <a:solidFill>
+                  <a:schemeClr val="tx1"/>
+                </a:solidFill>
+                <a:latin typeface="Tahoma" panose="020B0604030504040204" pitchFamily="34" charset="0"/>
+                <a:ea typeface="Tahoma" panose="020B0604030504040204" pitchFamily="34" charset="0"/>
+                <a:cs typeface="Tahoma" panose="020B0604030504040204" pitchFamily="34" charset="0"/>
+              </a:rPr>
+              <a:t>blockchain</a:t>
+            </a:r>
+            <a:r>
+              <a:rPr lang="it-IT" sz="2400" dirty="0">
+                <a:solidFill>
+                  <a:schemeClr val="tx1"/>
+                </a:solidFill>
+                <a:latin typeface="Tahoma" panose="020B0604030504040204" pitchFamily="34" charset="0"/>
+                <a:ea typeface="Tahoma" panose="020B0604030504040204" pitchFamily="34" charset="0"/>
+                <a:cs typeface="Tahoma" panose="020B0604030504040204" pitchFamily="34" charset="0"/>
+              </a:rPr>
+              <a:t> del Politecnico di Milano, Francesco Bruschi -. È un’assicurazione sui viaggi aerei </a:t>
+            </a:r>
+            <a:r>
+              <a:rPr lang="it-IT" sz="2400" b="1" dirty="0">
+                <a:solidFill>
+                  <a:schemeClr val="tx1"/>
+                </a:solidFill>
+                <a:latin typeface="Tahoma" panose="020B0604030504040204" pitchFamily="34" charset="0"/>
+                <a:ea typeface="Tahoma" panose="020B0604030504040204" pitchFamily="34" charset="0"/>
+                <a:cs typeface="Tahoma" panose="020B0604030504040204" pitchFamily="34" charset="0"/>
+              </a:rPr>
+              <a:t>decentralizzata</a:t>
+            </a:r>
+            <a:r>
+              <a:rPr lang="it-IT" sz="2400" dirty="0">
+                <a:solidFill>
+                  <a:schemeClr val="tx1"/>
+                </a:solidFill>
+                <a:latin typeface="Tahoma" panose="020B0604030504040204" pitchFamily="34" charset="0"/>
+                <a:ea typeface="Tahoma" panose="020B0604030504040204" pitchFamily="34" charset="0"/>
+                <a:cs typeface="Tahoma" panose="020B0604030504040204" pitchFamily="34" charset="0"/>
+              </a:rPr>
+              <a:t>, che opera sulla piattaforma </a:t>
+            </a:r>
+            <a:r>
+              <a:rPr lang="it-IT" sz="2400" b="1" dirty="0" err="1">
+                <a:solidFill>
+                  <a:schemeClr val="tx1"/>
+                </a:solidFill>
+                <a:latin typeface="Tahoma" panose="020B0604030504040204" pitchFamily="34" charset="0"/>
+                <a:ea typeface="Tahoma" panose="020B0604030504040204" pitchFamily="34" charset="0"/>
+                <a:cs typeface="Tahoma" panose="020B0604030504040204" pitchFamily="34" charset="0"/>
+              </a:rPr>
+              <a:t>Ethereum</a:t>
+            </a:r>
+            <a:r>
+              <a:rPr lang="it-IT" sz="2400" dirty="0">
+                <a:solidFill>
+                  <a:schemeClr val="tx1"/>
+                </a:solidFill>
+                <a:latin typeface="Tahoma" panose="020B0604030504040204" pitchFamily="34" charset="0"/>
+                <a:ea typeface="Tahoma" panose="020B0604030504040204" pitchFamily="34" charset="0"/>
+                <a:cs typeface="Tahoma" panose="020B0604030504040204" pitchFamily="34" charset="0"/>
+              </a:rPr>
+              <a:t>. Lo </a:t>
+            </a:r>
+            <a:r>
+              <a:rPr lang="it-IT" sz="2400" b="1" dirty="0" err="1">
+                <a:solidFill>
+                  <a:schemeClr val="tx1"/>
+                </a:solidFill>
+                <a:latin typeface="Tahoma" panose="020B0604030504040204" pitchFamily="34" charset="0"/>
+                <a:ea typeface="Tahoma" panose="020B0604030504040204" pitchFamily="34" charset="0"/>
+                <a:cs typeface="Tahoma" panose="020B0604030504040204" pitchFamily="34" charset="0"/>
+              </a:rPr>
+              <a:t>smart</a:t>
+            </a:r>
+            <a:r>
+              <a:rPr lang="it-IT" sz="2400" dirty="0">
+                <a:solidFill>
+                  <a:schemeClr val="tx1"/>
+                </a:solidFill>
+                <a:latin typeface="Tahoma" panose="020B0604030504040204" pitchFamily="34" charset="0"/>
+                <a:ea typeface="Tahoma" panose="020B0604030504040204" pitchFamily="34" charset="0"/>
+                <a:cs typeface="Tahoma" panose="020B0604030504040204" pitchFamily="34" charset="0"/>
+              </a:rPr>
+              <a:t> </a:t>
+            </a:r>
+            <a:r>
+              <a:rPr lang="it-IT" sz="2400" b="1" dirty="0" err="1">
+                <a:solidFill>
+                  <a:schemeClr val="tx1"/>
+                </a:solidFill>
+                <a:latin typeface="Tahoma" panose="020B0604030504040204" pitchFamily="34" charset="0"/>
+                <a:ea typeface="Tahoma" panose="020B0604030504040204" pitchFamily="34" charset="0"/>
+                <a:cs typeface="Tahoma" panose="020B0604030504040204" pitchFamily="34" charset="0"/>
+              </a:rPr>
+              <a:t>contract</a:t>
+            </a:r>
+            <a:r>
+              <a:rPr lang="it-IT" sz="2400" dirty="0">
+                <a:solidFill>
+                  <a:schemeClr val="tx1"/>
+                </a:solidFill>
+                <a:latin typeface="Tahoma" panose="020B0604030504040204" pitchFamily="34" charset="0"/>
+                <a:ea typeface="Tahoma" panose="020B0604030504040204" pitchFamily="34" charset="0"/>
+                <a:cs typeface="Tahoma" panose="020B0604030504040204" pitchFamily="34" charset="0"/>
+              </a:rPr>
+              <a:t> interroga delle Api (interfacce per la programmazione di applicazioni, </a:t>
+            </a:r>
+            <a:r>
+              <a:rPr lang="it-IT" sz="2400" dirty="0" err="1">
+                <a:solidFill>
+                  <a:schemeClr val="tx1"/>
+                </a:solidFill>
+                <a:latin typeface="Tahoma" panose="020B0604030504040204" pitchFamily="34" charset="0"/>
+                <a:ea typeface="Tahoma" panose="020B0604030504040204" pitchFamily="34" charset="0"/>
+                <a:cs typeface="Tahoma" panose="020B0604030504040204" pitchFamily="34" charset="0"/>
+              </a:rPr>
+              <a:t>ndr</a:t>
+            </a:r>
+            <a:r>
+              <a:rPr lang="it-IT" sz="2400" dirty="0">
+                <a:solidFill>
+                  <a:schemeClr val="tx1"/>
+                </a:solidFill>
+                <a:latin typeface="Tahoma" panose="020B0604030504040204" pitchFamily="34" charset="0"/>
+                <a:ea typeface="Tahoma" panose="020B0604030504040204" pitchFamily="34" charset="0"/>
+                <a:cs typeface="Tahoma" panose="020B0604030504040204" pitchFamily="34" charset="0"/>
+              </a:rPr>
+              <a:t>) per avere informazioni sugli </a:t>
+            </a:r>
+            <a:r>
+              <a:rPr lang="it-IT" sz="2400" b="1" dirty="0">
+                <a:solidFill>
+                  <a:schemeClr val="tx1"/>
+                </a:solidFill>
+                <a:latin typeface="Tahoma" panose="020B0604030504040204" pitchFamily="34" charset="0"/>
+                <a:ea typeface="Tahoma" panose="020B0604030504040204" pitchFamily="34" charset="0"/>
+                <a:cs typeface="Tahoma" panose="020B0604030504040204" pitchFamily="34" charset="0"/>
+              </a:rPr>
+              <a:t>orari</a:t>
+            </a:r>
+            <a:r>
+              <a:rPr lang="it-IT" sz="2400" dirty="0">
+                <a:solidFill>
+                  <a:schemeClr val="tx1"/>
+                </a:solidFill>
+                <a:latin typeface="Tahoma" panose="020B0604030504040204" pitchFamily="34" charset="0"/>
+                <a:ea typeface="Tahoma" panose="020B0604030504040204" pitchFamily="34" charset="0"/>
+                <a:cs typeface="Tahoma" panose="020B0604030504040204" pitchFamily="34" charset="0"/>
+              </a:rPr>
+              <a:t> </a:t>
+            </a:r>
+            <a:r>
+              <a:rPr lang="it-IT" sz="2400" b="1" dirty="0" smtClean="0">
+                <a:solidFill>
+                  <a:schemeClr val="tx1"/>
+                </a:solidFill>
+                <a:latin typeface="Tahoma" panose="020B0604030504040204" pitchFamily="34" charset="0"/>
+                <a:ea typeface="Tahoma" panose="020B0604030504040204" pitchFamily="34" charset="0"/>
+                <a:cs typeface="Tahoma" panose="020B0604030504040204" pitchFamily="34" charset="0"/>
+              </a:rPr>
+              <a:t>di</a:t>
+            </a:r>
+            <a:r>
+              <a:rPr lang="it-IT" sz="2400" dirty="0" smtClean="0">
+                <a:solidFill>
+                  <a:schemeClr val="tx1"/>
+                </a:solidFill>
+                <a:latin typeface="Tahoma" panose="020B0604030504040204" pitchFamily="34" charset="0"/>
+                <a:ea typeface="Tahoma" panose="020B0604030504040204" pitchFamily="34" charset="0"/>
+                <a:cs typeface="Tahoma" panose="020B0604030504040204" pitchFamily="34" charset="0"/>
+              </a:rPr>
+              <a:t> </a:t>
+            </a:r>
+            <a:r>
+              <a:rPr lang="it-IT" sz="2400" b="1" dirty="0">
+                <a:solidFill>
+                  <a:schemeClr val="tx1"/>
+                </a:solidFill>
+                <a:latin typeface="Tahoma" panose="020B0604030504040204" pitchFamily="34" charset="0"/>
+                <a:ea typeface="Tahoma" panose="020B0604030504040204" pitchFamily="34" charset="0"/>
+                <a:cs typeface="Tahoma" panose="020B0604030504040204" pitchFamily="34" charset="0"/>
+              </a:rPr>
+              <a:t>partenza</a:t>
+            </a:r>
+            <a:r>
+              <a:rPr lang="it-IT" sz="2400" dirty="0">
+                <a:solidFill>
+                  <a:schemeClr val="tx1"/>
+                </a:solidFill>
+                <a:latin typeface="Tahoma" panose="020B0604030504040204" pitchFamily="34" charset="0"/>
+                <a:ea typeface="Tahoma" panose="020B0604030504040204" pitchFamily="34" charset="0"/>
+                <a:cs typeface="Tahoma" panose="020B0604030504040204" pitchFamily="34" charset="0"/>
+              </a:rPr>
+              <a:t> e, in caso di ritardo del volo garantito dalla polizza, fa scattare automaticamente il rimborso».</a:t>
             </a:r>
           </a:p>
         </p:txBody>
@@ -9918,7 +15371,7 @@
               </a:tabLst>
             </a:pPr>
             <a:r>
-              <a:rPr lang="it-IT" sz="2400">
+              <a:rPr lang="it-IT" sz="2400" dirty="0">
                 <a:solidFill>
                   <a:schemeClr val="tx1"/>
                 </a:solidFill>
@@ -9929,7 +15382,7 @@
               <a:t>Per far questo, in teoria, basterebbe anche un “</a:t>
             </a:r>
             <a:r>
-              <a:rPr lang="it-IT" sz="2400" b="1">
+              <a:rPr lang="it-IT" sz="2400" b="1" dirty="0">
                 <a:solidFill>
                   <a:schemeClr val="tx1"/>
                 </a:solidFill>
@@ -9940,15 +15393,103 @@
               <a:t>semplice</a:t>
             </a:r>
             <a:r>
-              <a:rPr lang="it-IT" sz="2400">
-                <a:solidFill>
-                  <a:schemeClr val="tx1"/>
-                </a:solidFill>
-                <a:latin typeface="Tahoma" panose="020B0604030504040204" pitchFamily="34" charset="0"/>
-                <a:ea typeface="Tahoma" panose="020B0604030504040204" pitchFamily="34" charset="0"/>
-                <a:cs typeface="Tahoma" panose="020B0604030504040204" pitchFamily="34" charset="0"/>
-              </a:rPr>
-              <a:t>” programma informatico. «Sì, ma con uno script che gira su blockchain è il sistema stesso a garantire il funzionamento trasparente e verificabile e i soldi investiti», dice Bruschi.</a:t>
+              <a:rPr lang="it-IT" sz="2400" dirty="0">
+                <a:solidFill>
+                  <a:schemeClr val="tx1"/>
+                </a:solidFill>
+                <a:latin typeface="Tahoma" panose="020B0604030504040204" pitchFamily="34" charset="0"/>
+                <a:ea typeface="Tahoma" panose="020B0604030504040204" pitchFamily="34" charset="0"/>
+                <a:cs typeface="Tahoma" panose="020B0604030504040204" pitchFamily="34" charset="0"/>
+              </a:rPr>
+              <a:t>” programma informatico. «Sì, ma con uno </a:t>
+            </a:r>
+            <a:r>
+              <a:rPr lang="it-IT" sz="2400" b="1" dirty="0">
+                <a:solidFill>
+                  <a:schemeClr val="tx1"/>
+                </a:solidFill>
+                <a:latin typeface="Tahoma" panose="020B0604030504040204" pitchFamily="34" charset="0"/>
+                <a:ea typeface="Tahoma" panose="020B0604030504040204" pitchFamily="34" charset="0"/>
+                <a:cs typeface="Tahoma" panose="020B0604030504040204" pitchFamily="34" charset="0"/>
+              </a:rPr>
+              <a:t>script</a:t>
+            </a:r>
+            <a:r>
+              <a:rPr lang="it-IT" sz="2400" dirty="0">
+                <a:solidFill>
+                  <a:schemeClr val="tx1"/>
+                </a:solidFill>
+                <a:latin typeface="Tahoma" panose="020B0604030504040204" pitchFamily="34" charset="0"/>
+                <a:ea typeface="Tahoma" panose="020B0604030504040204" pitchFamily="34" charset="0"/>
+                <a:cs typeface="Tahoma" panose="020B0604030504040204" pitchFamily="34" charset="0"/>
+              </a:rPr>
+              <a:t> che gira su </a:t>
+            </a:r>
+            <a:r>
+              <a:rPr lang="it-IT" sz="2400" b="1" dirty="0" err="1">
+                <a:solidFill>
+                  <a:schemeClr val="tx1"/>
+                </a:solidFill>
+                <a:latin typeface="Tahoma" panose="020B0604030504040204" pitchFamily="34" charset="0"/>
+                <a:ea typeface="Tahoma" panose="020B0604030504040204" pitchFamily="34" charset="0"/>
+                <a:cs typeface="Tahoma" panose="020B0604030504040204" pitchFamily="34" charset="0"/>
+              </a:rPr>
+              <a:t>blockchain</a:t>
+            </a:r>
+            <a:r>
+              <a:rPr lang="it-IT" sz="2400" dirty="0">
+                <a:solidFill>
+                  <a:schemeClr val="tx1"/>
+                </a:solidFill>
+                <a:latin typeface="Tahoma" panose="020B0604030504040204" pitchFamily="34" charset="0"/>
+                <a:ea typeface="Tahoma" panose="020B0604030504040204" pitchFamily="34" charset="0"/>
+                <a:cs typeface="Tahoma" panose="020B0604030504040204" pitchFamily="34" charset="0"/>
+              </a:rPr>
+              <a:t> è il sistema stesso a garantire il funzionamento </a:t>
+            </a:r>
+            <a:r>
+              <a:rPr lang="it-IT" sz="2400" b="1" dirty="0">
+                <a:solidFill>
+                  <a:schemeClr val="tx1"/>
+                </a:solidFill>
+                <a:latin typeface="Tahoma" panose="020B0604030504040204" pitchFamily="34" charset="0"/>
+                <a:ea typeface="Tahoma" panose="020B0604030504040204" pitchFamily="34" charset="0"/>
+                <a:cs typeface="Tahoma" panose="020B0604030504040204" pitchFamily="34" charset="0"/>
+              </a:rPr>
+              <a:t>trasparente</a:t>
+            </a:r>
+            <a:r>
+              <a:rPr lang="it-IT" sz="2400" dirty="0">
+                <a:solidFill>
+                  <a:schemeClr val="tx1"/>
+                </a:solidFill>
+                <a:latin typeface="Tahoma" panose="020B0604030504040204" pitchFamily="34" charset="0"/>
+                <a:ea typeface="Tahoma" panose="020B0604030504040204" pitchFamily="34" charset="0"/>
+                <a:cs typeface="Tahoma" panose="020B0604030504040204" pitchFamily="34" charset="0"/>
+              </a:rPr>
+              <a:t> e </a:t>
+            </a:r>
+            <a:r>
+              <a:rPr lang="it-IT" sz="2400" b="1" dirty="0">
+                <a:solidFill>
+                  <a:schemeClr val="tx1"/>
+                </a:solidFill>
+                <a:latin typeface="Tahoma" panose="020B0604030504040204" pitchFamily="34" charset="0"/>
+                <a:ea typeface="Tahoma" panose="020B0604030504040204" pitchFamily="34" charset="0"/>
+                <a:cs typeface="Tahoma" panose="020B0604030504040204" pitchFamily="34" charset="0"/>
+              </a:rPr>
+              <a:t>verificabile</a:t>
+            </a:r>
+            <a:r>
+              <a:rPr lang="it-IT" sz="2400" dirty="0">
+                <a:solidFill>
+                  <a:schemeClr val="tx1"/>
+                </a:solidFill>
+                <a:latin typeface="Tahoma" panose="020B0604030504040204" pitchFamily="34" charset="0"/>
+                <a:ea typeface="Tahoma" panose="020B0604030504040204" pitchFamily="34" charset="0"/>
+                <a:cs typeface="Tahoma" panose="020B0604030504040204" pitchFamily="34" charset="0"/>
+              </a:rPr>
+              <a:t> e i soldi investiti», dice Bruschi.</a:t>
             </a:r>
           </a:p>
           <a:p>
@@ -9966,18 +15507,62 @@
               </a:tabLst>
             </a:pPr>
             <a:r>
-              <a:rPr lang="it-IT" sz="2400">
-                <a:solidFill>
-                  <a:schemeClr val="tx1"/>
-                </a:solidFill>
-                <a:latin typeface="Tahoma" panose="020B0604030504040204" pitchFamily="34" charset="0"/>
-                <a:ea typeface="Tahoma" panose="020B0604030504040204" pitchFamily="34" charset="0"/>
-                <a:cs typeface="Tahoma" panose="020B0604030504040204" pitchFamily="34" charset="0"/>
-              </a:rPr>
-              <a:t>Secondo lui «oggi tutti intendono lo smart contract come programma su </a:t>
-            </a:r>
-            <a:r>
-              <a:rPr lang="it-IT" sz="2400" b="1">
+              <a:rPr lang="it-IT" sz="2400" dirty="0">
+                <a:solidFill>
+                  <a:schemeClr val="tx1"/>
+                </a:solidFill>
+                <a:latin typeface="Tahoma" panose="020B0604030504040204" pitchFamily="34" charset="0"/>
+                <a:ea typeface="Tahoma" panose="020B0604030504040204" pitchFamily="34" charset="0"/>
+                <a:cs typeface="Tahoma" panose="020B0604030504040204" pitchFamily="34" charset="0"/>
+              </a:rPr>
+              <a:t>Secondo lui «oggi tutti intendono lo </a:t>
+            </a:r>
+            <a:r>
+              <a:rPr lang="it-IT" sz="2400" b="1" dirty="0" err="1">
+                <a:solidFill>
+                  <a:schemeClr val="tx1"/>
+                </a:solidFill>
+                <a:latin typeface="Tahoma" panose="020B0604030504040204" pitchFamily="34" charset="0"/>
+                <a:ea typeface="Tahoma" panose="020B0604030504040204" pitchFamily="34" charset="0"/>
+                <a:cs typeface="Tahoma" panose="020B0604030504040204" pitchFamily="34" charset="0"/>
+              </a:rPr>
+              <a:t>smart</a:t>
+            </a:r>
+            <a:r>
+              <a:rPr lang="it-IT" sz="2400" dirty="0">
+                <a:solidFill>
+                  <a:schemeClr val="tx1"/>
+                </a:solidFill>
+                <a:latin typeface="Tahoma" panose="020B0604030504040204" pitchFamily="34" charset="0"/>
+                <a:ea typeface="Tahoma" panose="020B0604030504040204" pitchFamily="34" charset="0"/>
+                <a:cs typeface="Tahoma" panose="020B0604030504040204" pitchFamily="34" charset="0"/>
+              </a:rPr>
+              <a:t> </a:t>
+            </a:r>
+            <a:r>
+              <a:rPr lang="it-IT" sz="2400" b="1" dirty="0" err="1">
+                <a:solidFill>
+                  <a:schemeClr val="tx1"/>
+                </a:solidFill>
+                <a:latin typeface="Tahoma" panose="020B0604030504040204" pitchFamily="34" charset="0"/>
+                <a:ea typeface="Tahoma" panose="020B0604030504040204" pitchFamily="34" charset="0"/>
+                <a:cs typeface="Tahoma" panose="020B0604030504040204" pitchFamily="34" charset="0"/>
+              </a:rPr>
+              <a:t>contract</a:t>
+            </a:r>
+            <a:r>
+              <a:rPr lang="it-IT" sz="2400" dirty="0">
+                <a:solidFill>
+                  <a:schemeClr val="tx1"/>
+                </a:solidFill>
+                <a:latin typeface="Tahoma" panose="020B0604030504040204" pitchFamily="34" charset="0"/>
+                <a:ea typeface="Tahoma" panose="020B0604030504040204" pitchFamily="34" charset="0"/>
+                <a:cs typeface="Tahoma" panose="020B0604030504040204" pitchFamily="34" charset="0"/>
+              </a:rPr>
+              <a:t> come programma su </a:t>
+            </a:r>
+            <a:r>
+              <a:rPr lang="it-IT" sz="2400" b="1" dirty="0" err="1">
                 <a:solidFill>
                   <a:schemeClr val="tx1"/>
                 </a:solidFill>
@@ -9988,15 +15573,103 @@
               <a:t>Ethereum</a:t>
             </a:r>
             <a:r>
-              <a:rPr lang="it-IT" sz="2400">
-                <a:solidFill>
-                  <a:schemeClr val="tx1"/>
-                </a:solidFill>
-                <a:latin typeface="Tahoma" panose="020B0604030504040204" pitchFamily="34" charset="0"/>
-                <a:ea typeface="Tahoma" panose="020B0604030504040204" pitchFamily="34" charset="0"/>
-                <a:cs typeface="Tahoma" panose="020B0604030504040204" pitchFamily="34" charset="0"/>
-              </a:rPr>
-              <a:t>, che è una forma di blockchain pubblica e aperta, permissionless, e dopo Bitcoin è quella a maggior capitalizzazione. Il motivo è semplice: la sicurezza delle transazioni aumenta proporzionalmente al grado di diffusione della piattaforma».</a:t>
+              <a:rPr lang="it-IT" sz="2400" dirty="0">
+                <a:solidFill>
+                  <a:schemeClr val="tx1"/>
+                </a:solidFill>
+                <a:latin typeface="Tahoma" panose="020B0604030504040204" pitchFamily="34" charset="0"/>
+                <a:ea typeface="Tahoma" panose="020B0604030504040204" pitchFamily="34" charset="0"/>
+                <a:cs typeface="Tahoma" panose="020B0604030504040204" pitchFamily="34" charset="0"/>
+              </a:rPr>
+              <a:t>, che è una forma di </a:t>
+            </a:r>
+            <a:r>
+              <a:rPr lang="it-IT" sz="2400" b="1" dirty="0" err="1">
+                <a:solidFill>
+                  <a:schemeClr val="tx1"/>
+                </a:solidFill>
+                <a:latin typeface="Tahoma" panose="020B0604030504040204" pitchFamily="34" charset="0"/>
+                <a:ea typeface="Tahoma" panose="020B0604030504040204" pitchFamily="34" charset="0"/>
+                <a:cs typeface="Tahoma" panose="020B0604030504040204" pitchFamily="34" charset="0"/>
+              </a:rPr>
+              <a:t>blockchain</a:t>
+            </a:r>
+            <a:r>
+              <a:rPr lang="it-IT" sz="2400" dirty="0">
+                <a:solidFill>
+                  <a:schemeClr val="tx1"/>
+                </a:solidFill>
+                <a:latin typeface="Tahoma" panose="020B0604030504040204" pitchFamily="34" charset="0"/>
+                <a:ea typeface="Tahoma" panose="020B0604030504040204" pitchFamily="34" charset="0"/>
+                <a:cs typeface="Tahoma" panose="020B0604030504040204" pitchFamily="34" charset="0"/>
+              </a:rPr>
+              <a:t> pubblica e aperta, </a:t>
+            </a:r>
+            <a:r>
+              <a:rPr lang="it-IT" sz="2400" b="1" dirty="0" err="1">
+                <a:solidFill>
+                  <a:schemeClr val="tx1"/>
+                </a:solidFill>
+                <a:latin typeface="Tahoma" panose="020B0604030504040204" pitchFamily="34" charset="0"/>
+                <a:ea typeface="Tahoma" panose="020B0604030504040204" pitchFamily="34" charset="0"/>
+                <a:cs typeface="Tahoma" panose="020B0604030504040204" pitchFamily="34" charset="0"/>
+              </a:rPr>
+              <a:t>permissionless</a:t>
+            </a:r>
+            <a:r>
+              <a:rPr lang="it-IT" sz="2400" dirty="0">
+                <a:solidFill>
+                  <a:schemeClr val="tx1"/>
+                </a:solidFill>
+                <a:latin typeface="Tahoma" panose="020B0604030504040204" pitchFamily="34" charset="0"/>
+                <a:ea typeface="Tahoma" panose="020B0604030504040204" pitchFamily="34" charset="0"/>
+                <a:cs typeface="Tahoma" panose="020B0604030504040204" pitchFamily="34" charset="0"/>
+              </a:rPr>
+              <a:t>, e dopo </a:t>
+            </a:r>
+            <a:r>
+              <a:rPr lang="it-IT" sz="2400" b="1" dirty="0" err="1">
+                <a:solidFill>
+                  <a:schemeClr val="tx1"/>
+                </a:solidFill>
+                <a:latin typeface="Tahoma" panose="020B0604030504040204" pitchFamily="34" charset="0"/>
+                <a:ea typeface="Tahoma" panose="020B0604030504040204" pitchFamily="34" charset="0"/>
+                <a:cs typeface="Tahoma" panose="020B0604030504040204" pitchFamily="34" charset="0"/>
+              </a:rPr>
+              <a:t>Bitcoin</a:t>
+            </a:r>
+            <a:r>
+              <a:rPr lang="it-IT" sz="2400" dirty="0">
+                <a:solidFill>
+                  <a:schemeClr val="tx1"/>
+                </a:solidFill>
+                <a:latin typeface="Tahoma" panose="020B0604030504040204" pitchFamily="34" charset="0"/>
+                <a:ea typeface="Tahoma" panose="020B0604030504040204" pitchFamily="34" charset="0"/>
+                <a:cs typeface="Tahoma" panose="020B0604030504040204" pitchFamily="34" charset="0"/>
+              </a:rPr>
+              <a:t> è quella a maggior capitalizzazione. Il motivo è semplice: la </a:t>
+            </a:r>
+            <a:r>
+              <a:rPr lang="it-IT" sz="2400" b="1" dirty="0">
+                <a:solidFill>
+                  <a:schemeClr val="tx1"/>
+                </a:solidFill>
+                <a:latin typeface="Tahoma" panose="020B0604030504040204" pitchFamily="34" charset="0"/>
+                <a:ea typeface="Tahoma" panose="020B0604030504040204" pitchFamily="34" charset="0"/>
+                <a:cs typeface="Tahoma" panose="020B0604030504040204" pitchFamily="34" charset="0"/>
+              </a:rPr>
+              <a:t>sicurezza</a:t>
+            </a:r>
+            <a:r>
+              <a:rPr lang="it-IT" sz="2400" dirty="0">
+                <a:solidFill>
+                  <a:schemeClr val="tx1"/>
+                </a:solidFill>
+                <a:latin typeface="Tahoma" panose="020B0604030504040204" pitchFamily="34" charset="0"/>
+                <a:ea typeface="Tahoma" panose="020B0604030504040204" pitchFamily="34" charset="0"/>
+                <a:cs typeface="Tahoma" panose="020B0604030504040204" pitchFamily="34" charset="0"/>
+              </a:rPr>
+              <a:t> delle transazioni aumenta proporzionalmente al grado di diffusione della piattaforma».</a:t>
             </a:r>
           </a:p>
         </p:txBody>
@@ -10694,17 +16367,53 @@
 </file>
 
 <file path=customXml/item2.xml><?xml version="1.0" encoding="utf-8"?>
-<p:properties xmlns:p="http://schemas.microsoft.com/office/2006/metadata/properties" xmlns:xsi="http://www.w3.org/2001/XMLSchema-instance" xmlns:pc="http://schemas.microsoft.com/office/infopath/2007/PartnerControls">
-  <documentManagement>
-    <SottoCategoria xmlns="679261c3-551f-4e86-913f-177e0e529669">-</SottoCategoria>
-    <Categoria xmlns="c58f2efd-82a8-4ecf-b395-8c25e928921d">Power Point</Categoria>
-    <_dlc_DocId xmlns="459159c4-d20a-4ff3-9b11-fbd127bd52e5">INTRANET-14-158</_dlc_DocId>
-    <_dlc_DocIdUrl xmlns="459159c4-d20a-4ff3-9b11-fbd127bd52e5">
-      <Url>https://intranet.istat.it/Collaborativi/_layouts/15/DocIdRedir.aspx?ID=INTRANET-14-158</Url>
-      <Description>INTRANET-14-158</Description>
-    </_dlc_DocIdUrl>
-  </documentManagement>
-</p:properties>
+<?mso-contentType ?>
+<spe:Receivers xmlns:spe="http://schemas.microsoft.com/sharepoint/events">
+  <Receiver>
+    <Name>Document ID Generator</Name>
+    <Synchronization>Synchronous</Synchronization>
+    <Type>10001</Type>
+    <SequenceNumber>1000</SequenceNumber>
+    <Url/>
+    <Assembly>Microsoft.Office.DocumentManagement, Version=15.0.0.0, Culture=neutral, PublicKeyToken=71e9bce111e9429c</Assembly>
+    <Class>Microsoft.Office.DocumentManagement.Internal.DocIdHandler</Class>
+    <Data/>
+    <Filter/>
+  </Receiver>
+  <Receiver>
+    <Name>Document ID Generator</Name>
+    <Synchronization>Synchronous</Synchronization>
+    <Type>10002</Type>
+    <SequenceNumber>1001</SequenceNumber>
+    <Url/>
+    <Assembly>Microsoft.Office.DocumentManagement, Version=15.0.0.0, Culture=neutral, PublicKeyToken=71e9bce111e9429c</Assembly>
+    <Class>Microsoft.Office.DocumentManagement.Internal.DocIdHandler</Class>
+    <Data/>
+    <Filter/>
+  </Receiver>
+  <Receiver>
+    <Name>Document ID Generator</Name>
+    <Synchronization>Synchronous</Synchronization>
+    <Type>10004</Type>
+    <SequenceNumber>1002</SequenceNumber>
+    <Url/>
+    <Assembly>Microsoft.Office.DocumentManagement, Version=15.0.0.0, Culture=neutral, PublicKeyToken=71e9bce111e9429c</Assembly>
+    <Class>Microsoft.Office.DocumentManagement.Internal.DocIdHandler</Class>
+    <Data/>
+    <Filter/>
+  </Receiver>
+  <Receiver>
+    <Name>Document ID Generator</Name>
+    <Synchronization>Synchronous</Synchronization>
+    <Type>10006</Type>
+    <SequenceNumber>1003</SequenceNumber>
+    <Url/>
+    <Assembly>Microsoft.Office.DocumentManagement, Version=15.0.0.0, Culture=neutral, PublicKeyToken=71e9bce111e9429c</Assembly>
+    <Class>Microsoft.Office.DocumentManagement.Internal.DocIdHandler</Class>
+    <Data/>
+    <Filter/>
+  </Receiver>
+</spe:Receivers>
 </file>
 
 <file path=customXml/item3.xml><?xml version="1.0" encoding="utf-8"?>
@@ -10895,53 +16604,17 @@
 </file>
 
 <file path=customXml/item4.xml><?xml version="1.0" encoding="utf-8"?>
-<?mso-contentType ?>
-<spe:Receivers xmlns:spe="http://schemas.microsoft.com/sharepoint/events">
-  <Receiver>
-    <Name>Document ID Generator</Name>
-    <Synchronization>Synchronous</Synchronization>
-    <Type>10001</Type>
-    <SequenceNumber>1000</SequenceNumber>
-    <Url/>
-    <Assembly>Microsoft.Office.DocumentManagement, Version=15.0.0.0, Culture=neutral, PublicKeyToken=71e9bce111e9429c</Assembly>
-    <Class>Microsoft.Office.DocumentManagement.Internal.DocIdHandler</Class>
-    <Data/>
-    <Filter/>
-  </Receiver>
-  <Receiver>
-    <Name>Document ID Generator</Name>
-    <Synchronization>Synchronous</Synchronization>
-    <Type>10002</Type>
-    <SequenceNumber>1001</SequenceNumber>
-    <Url/>
-    <Assembly>Microsoft.Office.DocumentManagement, Version=15.0.0.0, Culture=neutral, PublicKeyToken=71e9bce111e9429c</Assembly>
-    <Class>Microsoft.Office.DocumentManagement.Internal.DocIdHandler</Class>
-    <Data/>
-    <Filter/>
-  </Receiver>
-  <Receiver>
-    <Name>Document ID Generator</Name>
-    <Synchronization>Synchronous</Synchronization>
-    <Type>10004</Type>
-    <SequenceNumber>1002</SequenceNumber>
-    <Url/>
-    <Assembly>Microsoft.Office.DocumentManagement, Version=15.0.0.0, Culture=neutral, PublicKeyToken=71e9bce111e9429c</Assembly>
-    <Class>Microsoft.Office.DocumentManagement.Internal.DocIdHandler</Class>
-    <Data/>
-    <Filter/>
-  </Receiver>
-  <Receiver>
-    <Name>Document ID Generator</Name>
-    <Synchronization>Synchronous</Synchronization>
-    <Type>10006</Type>
-    <SequenceNumber>1003</SequenceNumber>
-    <Url/>
-    <Assembly>Microsoft.Office.DocumentManagement, Version=15.0.0.0, Culture=neutral, PublicKeyToken=71e9bce111e9429c</Assembly>
-    <Class>Microsoft.Office.DocumentManagement.Internal.DocIdHandler</Class>
-    <Data/>
-    <Filter/>
-  </Receiver>
-</spe:Receivers>
+<p:properties xmlns:p="http://schemas.microsoft.com/office/2006/metadata/properties" xmlns:xsi="http://www.w3.org/2001/XMLSchema-instance" xmlns:pc="http://schemas.microsoft.com/office/infopath/2007/PartnerControls">
+  <documentManagement>
+    <SottoCategoria xmlns="679261c3-551f-4e86-913f-177e0e529669">-</SottoCategoria>
+    <Categoria xmlns="c58f2efd-82a8-4ecf-b395-8c25e928921d">Power Point</Categoria>
+    <_dlc_DocId xmlns="459159c4-d20a-4ff3-9b11-fbd127bd52e5">INTRANET-14-158</_dlc_DocId>
+    <_dlc_DocIdUrl xmlns="459159c4-d20a-4ff3-9b11-fbd127bd52e5">
+      <Url>https://intranet.istat.it/Collaborativi/_layouts/15/DocIdRedir.aspx?ID=INTRANET-14-158</Url>
+      <Description>INTRANET-14-158</Description>
+    </_dlc_DocIdUrl>
+  </documentManagement>
+</p:properties>
 </file>
 
 <file path=customXml/itemProps1.xml><?xml version="1.0" encoding="utf-8"?>
@@ -10953,19 +16626,9 @@
 </file>
 
 <file path=customXml/itemProps2.xml><?xml version="1.0" encoding="utf-8"?>
-<ds:datastoreItem xmlns:ds="http://schemas.openxmlformats.org/officeDocument/2006/customXml" ds:itemID="{3EF378BC-F4D0-4510-B4EC-07B6EFE18CF8}">
+<ds:datastoreItem xmlns:ds="http://schemas.openxmlformats.org/officeDocument/2006/customXml" ds:itemID="{D9296C4F-9DE9-4B43-AA80-1FC85656CFFA}">
   <ds:schemaRefs>
-    <ds:schemaRef ds:uri="http://schemas.microsoft.com/office/infopath/2007/PartnerControls"/>
-    <ds:schemaRef ds:uri="http://purl.org/dc/elements/1.1/"/>
-    <ds:schemaRef ds:uri="http://schemas.microsoft.com/office/2006/metadata/properties"/>
-    <ds:schemaRef ds:uri="http://schemas.openxmlformats.org/package/2006/metadata/core-properties"/>
-    <ds:schemaRef ds:uri="http://purl.org/dc/terms/"/>
-    <ds:schemaRef ds:uri="679261c3-551f-4e86-913f-177e0e529669"/>
-    <ds:schemaRef ds:uri="459159c4-d20a-4ff3-9b11-fbd127bd52e5"/>
-    <ds:schemaRef ds:uri="http://schemas.microsoft.com/office/2006/documentManagement/types"/>
-    <ds:schemaRef ds:uri="c58f2efd-82a8-4ecf-b395-8c25e928921d"/>
-    <ds:schemaRef ds:uri="http://www.w3.org/XML/1998/namespace"/>
-    <ds:schemaRef ds:uri="http://purl.org/dc/dcmitype/"/>
+    <ds:schemaRef ds:uri="http://schemas.microsoft.com/sharepoint/events"/>
   </ds:schemaRefs>
 </ds:datastoreItem>
 </file>
@@ -10991,9 +16654,19 @@
 </file>
 
 <file path=customXml/itemProps4.xml><?xml version="1.0" encoding="utf-8"?>
-<ds:datastoreItem xmlns:ds="http://schemas.openxmlformats.org/officeDocument/2006/customXml" ds:itemID="{D9296C4F-9DE9-4B43-AA80-1FC85656CFFA}">
+<ds:datastoreItem xmlns:ds="http://schemas.openxmlformats.org/officeDocument/2006/customXml" ds:itemID="{3EF378BC-F4D0-4510-B4EC-07B6EFE18CF8}">
   <ds:schemaRefs>
-    <ds:schemaRef ds:uri="http://schemas.microsoft.com/sharepoint/events"/>
+    <ds:schemaRef ds:uri="http://schemas.microsoft.com/office/infopath/2007/PartnerControls"/>
+    <ds:schemaRef ds:uri="http://purl.org/dc/elements/1.1/"/>
+    <ds:schemaRef ds:uri="http://schemas.microsoft.com/office/2006/metadata/properties"/>
+    <ds:schemaRef ds:uri="http://schemas.openxmlformats.org/package/2006/metadata/core-properties"/>
+    <ds:schemaRef ds:uri="http://purl.org/dc/terms/"/>
+    <ds:schemaRef ds:uri="679261c3-551f-4e86-913f-177e0e529669"/>
+    <ds:schemaRef ds:uri="459159c4-d20a-4ff3-9b11-fbd127bd52e5"/>
+    <ds:schemaRef ds:uri="http://schemas.microsoft.com/office/2006/documentManagement/types"/>
+    <ds:schemaRef ds:uri="c58f2efd-82a8-4ecf-b395-8c25e928921d"/>
+    <ds:schemaRef ds:uri="http://www.w3.org/XML/1998/namespace"/>
+    <ds:schemaRef ds:uri="http://purl.org/dc/dcmitype/"/>
   </ds:schemaRefs>
 </ds:datastoreItem>
 </file>
--- a/Assicurazioni/Smart Contract_ita.pptx
+++ b/Assicurazioni/Smart Contract_ita.pptx
@@ -284,7 +284,7 @@
               <a:pPr>
                 <a:defRPr/>
               </a:pPr>
-              <a:t>4/3/2023</a:t>
+              <a:t>4/27/2023</a:t>
             </a:fld>
             <a:endParaRPr lang="en-US"/>
           </a:p>
@@ -7228,39 +7228,10 @@
                 <a:ea typeface="Tahoma" panose="020B0604030504040204" pitchFamily="34" charset="0"/>
                 <a:cs typeface="Tahoma" panose="020B0604030504040204" pitchFamily="34" charset="0"/>
               </a:rPr>
-              <a:t> al suo padre. In altre parole, i blocchi si incatenano tra </a:t>
-            </a:r>
-            <a:r>
-              <a:rPr lang="it-IT" sz="2400" dirty="0" smtClean="0">
-                <a:solidFill>
-                  <a:schemeClr val="tx1"/>
-                </a:solidFill>
-                <a:latin typeface="Tahoma" panose="020B0604030504040204" pitchFamily="34" charset="0"/>
-                <a:ea typeface="Tahoma" panose="020B0604030504040204" pitchFamily="34" charset="0"/>
-                <a:cs typeface="Tahoma" panose="020B0604030504040204" pitchFamily="34" charset="0"/>
-              </a:rPr>
-              <a:t>loro.</a:t>
-            </a:r>
-            <a:endParaRPr lang="it-IT" sz="2400" dirty="0">
-              <a:solidFill>
-                <a:schemeClr val="tx1"/>
-              </a:solidFill>
-              <a:latin typeface="Tahoma" panose="020B0604030504040204" pitchFamily="34" charset="0"/>
-              <a:ea typeface="Tahoma" panose="020B0604030504040204" pitchFamily="34" charset="0"/>
-              <a:cs typeface="Tahoma" panose="020B0604030504040204" pitchFamily="34" charset="0"/>
-            </a:endParaRPr>
+              <a:t> al suo padre. In altre parole, i blocchi si incatenano tra loro.</a:t>
+            </a:r>
           </a:p>
           <a:p>
-            <a:r>
-              <a:rPr lang="it-IT" sz="2400" b="0" i="0" dirty="0">
-                <a:solidFill>
-                  <a:srgbClr val="202124"/>
-                </a:solidFill>
-                <a:effectLst/>
-                <a:latin typeface="arial" panose="020B0604020202020204" pitchFamily="34" charset="0"/>
-              </a:rPr>
-              <a:t/>
-            </a:r>
             <a:br>
               <a:rPr lang="it-IT" sz="2400" b="0" i="0" dirty="0">
                 <a:solidFill>
@@ -8215,18 +8186,7 @@
                 <a:ea typeface="Tahoma" panose="020B0604030504040204" pitchFamily="34" charset="0"/>
                 <a:cs typeface="Tahoma" panose="020B0604030504040204" pitchFamily="34" charset="0"/>
               </a:rPr>
-              <a:t> - soprattutto le transazioni delle medie imprese</a:t>
-            </a:r>
-            <a:r>
-              <a:rPr lang="it-IT" sz="2400" dirty="0" smtClean="0">
-                <a:solidFill>
-                  <a:schemeClr val="tx1"/>
-                </a:solidFill>
-                <a:latin typeface="Tahoma" panose="020B0604030504040204" pitchFamily="34" charset="0"/>
-                <a:ea typeface="Tahoma" panose="020B0604030504040204" pitchFamily="34" charset="0"/>
-                <a:cs typeface="Tahoma" panose="020B0604030504040204" pitchFamily="34" charset="0"/>
-              </a:rPr>
-              <a:t>».</a:t>
+              <a:t> - soprattutto le transazioni delle medie imprese».</a:t>
             </a:r>
           </a:p>
           <a:p>
@@ -8484,20 +8444,12 @@
               </a:tabLst>
             </a:pPr>
             <a:r>
-              <a:rPr lang="it-IT" sz="2400" dirty="0" smtClean="0">
-                <a:latin typeface="Tahoma" panose="020B0604030504040204" pitchFamily="34" charset="0"/>
-                <a:ea typeface="Tahoma" panose="020B0604030504040204" pitchFamily="34" charset="0"/>
-                <a:cs typeface="Tahoma" panose="020B0604030504040204" pitchFamily="34" charset="0"/>
-              </a:rPr>
-              <a:t>C’è </a:t>
-            </a:r>
-            <a:r>
-              <a:rPr lang="it-IT" sz="2400" dirty="0">
-                <a:latin typeface="Tahoma" panose="020B0604030504040204" pitchFamily="34" charset="0"/>
-                <a:ea typeface="Tahoma" panose="020B0604030504040204" pitchFamily="34" charset="0"/>
-                <a:cs typeface="Tahoma" panose="020B0604030504040204" pitchFamily="34" charset="0"/>
-              </a:rPr>
-              <a:t>anche la </a:t>
+              <a:rPr lang="it-IT" sz="2400" dirty="0">
+                <a:latin typeface="Tahoma" panose="020B0604030504040204" pitchFamily="34" charset="0"/>
+                <a:ea typeface="Tahoma" panose="020B0604030504040204" pitchFamily="34" charset="0"/>
+                <a:cs typeface="Tahoma" panose="020B0604030504040204" pitchFamily="34" charset="0"/>
+              </a:rPr>
+              <a:t>C’è anche la </a:t>
             </a:r>
             <a:r>
               <a:rPr lang="it-IT" sz="2400" b="1" dirty="0">
@@ -8715,11 +8667,6 @@
               </a:rPr>
               <a:t>. </a:t>
             </a:r>
-            <a:endParaRPr lang="it-IT" sz="2400" dirty="0" smtClean="0">
-              <a:latin typeface="Tahoma" panose="020B0604030504040204" pitchFamily="34" charset="0"/>
-              <a:ea typeface="Tahoma" panose="020B0604030504040204" pitchFamily="34" charset="0"/>
-              <a:cs typeface="Tahoma" panose="020B0604030504040204" pitchFamily="34" charset="0"/>
-            </a:endParaRPr>
           </a:p>
           <a:p>
             <a:pPr marL="342900" indent="-342900" algn="just">
@@ -8736,20 +8683,12 @@
               </a:tabLst>
             </a:pPr>
             <a:r>
-              <a:rPr lang="it-IT" sz="2400" dirty="0" smtClean="0">
-                <a:latin typeface="Tahoma" panose="020B0604030504040204" pitchFamily="34" charset="0"/>
-                <a:ea typeface="Tahoma" panose="020B0604030504040204" pitchFamily="34" charset="0"/>
-                <a:cs typeface="Tahoma" panose="020B0604030504040204" pitchFamily="34" charset="0"/>
-              </a:rPr>
-              <a:t>«</a:t>
-            </a:r>
-            <a:r>
-              <a:rPr lang="it-IT" sz="2400" dirty="0">
-                <a:latin typeface="Tahoma" panose="020B0604030504040204" pitchFamily="34" charset="0"/>
-                <a:ea typeface="Tahoma" panose="020B0604030504040204" pitchFamily="34" charset="0"/>
-                <a:cs typeface="Tahoma" panose="020B0604030504040204" pitchFamily="34" charset="0"/>
-              </a:rPr>
-              <a:t>Questa tipologia di contratti si presta infatti </a:t>
+              <a:rPr lang="it-IT" sz="2400" dirty="0">
+                <a:latin typeface="Tahoma" panose="020B0604030504040204" pitchFamily="34" charset="0"/>
+                <a:ea typeface="Tahoma" panose="020B0604030504040204" pitchFamily="34" charset="0"/>
+                <a:cs typeface="Tahoma" panose="020B0604030504040204" pitchFamily="34" charset="0"/>
+              </a:rPr>
+              <a:t>«Questa tipologia di contratti si presta infatti </a:t>
             </a:r>
             <a:r>
               <a:rPr lang="it-IT" sz="2400" b="1" dirty="0">
@@ -8861,15 +8800,7 @@
                 <a:ea typeface="Tahoma" panose="020B0604030504040204" pitchFamily="34" charset="0"/>
                 <a:cs typeface="Tahoma" panose="020B0604030504040204" pitchFamily="34" charset="0"/>
               </a:rPr>
-              <a:t> in Italia</a:t>
-            </a:r>
-            <a:r>
-              <a:rPr lang="it-IT" sz="2400" dirty="0" smtClean="0">
-                <a:latin typeface="Tahoma" panose="020B0604030504040204" pitchFamily="34" charset="0"/>
-                <a:ea typeface="Tahoma" panose="020B0604030504040204" pitchFamily="34" charset="0"/>
-                <a:cs typeface="Tahoma" panose="020B0604030504040204" pitchFamily="34" charset="0"/>
-              </a:rPr>
-              <a:t>.</a:t>
+              <a:t> in Italia.</a:t>
             </a:r>
           </a:p>
           <a:p>
@@ -9135,20 +9066,12 @@
               </a:tabLst>
             </a:pPr>
             <a:r>
-              <a:rPr lang="it-IT" sz="2400" dirty="0" smtClean="0">
-                <a:latin typeface="Tahoma" panose="020B0604030504040204" pitchFamily="34" charset="0"/>
-                <a:ea typeface="Tahoma" panose="020B0604030504040204" pitchFamily="34" charset="0"/>
-                <a:cs typeface="Tahoma" panose="020B0604030504040204" pitchFamily="34" charset="0"/>
-              </a:rPr>
-              <a:t>C’è </a:t>
-            </a:r>
-            <a:r>
-              <a:rPr lang="it-IT" sz="2400" dirty="0">
-                <a:latin typeface="Tahoma" panose="020B0604030504040204" pitchFamily="34" charset="0"/>
-                <a:ea typeface="Tahoma" panose="020B0604030504040204" pitchFamily="34" charset="0"/>
-                <a:cs typeface="Tahoma" panose="020B0604030504040204" pitchFamily="34" charset="0"/>
-              </a:rPr>
-              <a:t>anche la </a:t>
+              <a:rPr lang="it-IT" sz="2400" dirty="0">
+                <a:latin typeface="Tahoma" panose="020B0604030504040204" pitchFamily="34" charset="0"/>
+                <a:ea typeface="Tahoma" panose="020B0604030504040204" pitchFamily="34" charset="0"/>
+                <a:cs typeface="Tahoma" panose="020B0604030504040204" pitchFamily="34" charset="0"/>
+              </a:rPr>
+              <a:t>C’è anche la </a:t>
             </a:r>
             <a:r>
               <a:rPr lang="it-IT" sz="2400" b="1" dirty="0">
@@ -9366,11 +9289,6 @@
               </a:rPr>
               <a:t>. </a:t>
             </a:r>
-            <a:endParaRPr lang="it-IT" sz="2400" dirty="0" smtClean="0">
-              <a:latin typeface="Tahoma" panose="020B0604030504040204" pitchFamily="34" charset="0"/>
-              <a:ea typeface="Tahoma" panose="020B0604030504040204" pitchFamily="34" charset="0"/>
-              <a:cs typeface="Tahoma" panose="020B0604030504040204" pitchFamily="34" charset="0"/>
-            </a:endParaRPr>
           </a:p>
           <a:p>
             <a:pPr marL="342900" indent="-342900" algn="just">
@@ -9387,20 +9305,12 @@
               </a:tabLst>
             </a:pPr>
             <a:r>
-              <a:rPr lang="it-IT" sz="2400" dirty="0" smtClean="0">
-                <a:latin typeface="Tahoma" panose="020B0604030504040204" pitchFamily="34" charset="0"/>
-                <a:ea typeface="Tahoma" panose="020B0604030504040204" pitchFamily="34" charset="0"/>
-                <a:cs typeface="Tahoma" panose="020B0604030504040204" pitchFamily="34" charset="0"/>
-              </a:rPr>
-              <a:t>«</a:t>
-            </a:r>
-            <a:r>
-              <a:rPr lang="it-IT" sz="2400" dirty="0">
-                <a:latin typeface="Tahoma" panose="020B0604030504040204" pitchFamily="34" charset="0"/>
-                <a:ea typeface="Tahoma" panose="020B0604030504040204" pitchFamily="34" charset="0"/>
-                <a:cs typeface="Tahoma" panose="020B0604030504040204" pitchFamily="34" charset="0"/>
-              </a:rPr>
-              <a:t>Questa tipologia di contratti si presta infatti </a:t>
+              <a:rPr lang="it-IT" sz="2400" dirty="0">
+                <a:latin typeface="Tahoma" panose="020B0604030504040204" pitchFamily="34" charset="0"/>
+                <a:ea typeface="Tahoma" panose="020B0604030504040204" pitchFamily="34" charset="0"/>
+                <a:cs typeface="Tahoma" panose="020B0604030504040204" pitchFamily="34" charset="0"/>
+              </a:rPr>
+              <a:t>«Questa tipologia di contratti si presta infatti </a:t>
             </a:r>
             <a:r>
               <a:rPr lang="it-IT" sz="2400" b="1" dirty="0">
@@ -9512,15 +9422,7 @@
                 <a:ea typeface="Tahoma" panose="020B0604030504040204" pitchFamily="34" charset="0"/>
                 <a:cs typeface="Tahoma" panose="020B0604030504040204" pitchFamily="34" charset="0"/>
               </a:rPr>
-              <a:t> in Italia</a:t>
-            </a:r>
-            <a:r>
-              <a:rPr lang="it-IT" sz="2400" dirty="0" smtClean="0">
-                <a:latin typeface="Tahoma" panose="020B0604030504040204" pitchFamily="34" charset="0"/>
-                <a:ea typeface="Tahoma" panose="020B0604030504040204" pitchFamily="34" charset="0"/>
-                <a:cs typeface="Tahoma" panose="020B0604030504040204" pitchFamily="34" charset="0"/>
-              </a:rPr>
-              <a:t>.</a:t>
+              <a:t> in Italia.</a:t>
             </a:r>
           </a:p>
           <a:p>
@@ -9729,7 +9631,7 @@
               </a:tabLst>
             </a:pPr>
             <a:r>
-              <a:rPr lang="it-IT" sz="2400" dirty="0" smtClean="0">
+              <a:rPr lang="it-IT" sz="2400" dirty="0">
                 <a:latin typeface="Tahoma" panose="020B0604030504040204" pitchFamily="34" charset="0"/>
                 <a:ea typeface="Tahoma" panose="020B0604030504040204" pitchFamily="34" charset="0"/>
                 <a:cs typeface="Tahoma" panose="020B0604030504040204" pitchFamily="34" charset="0"/>
@@ -9830,18 +9732,10 @@
                 <a:ea typeface="Tahoma" panose="020B0604030504040204" pitchFamily="34" charset="0"/>
                 <a:cs typeface="Tahoma" panose="020B0604030504040204" pitchFamily="34" charset="0"/>
               </a:rPr>
-              <a:t>, «strutturati in forma tale da poter essere considerati contratti </a:t>
-            </a:r>
-            <a:r>
-              <a:rPr lang="it-IT" sz="2400" dirty="0" smtClean="0">
-                <a:latin typeface="Tahoma" panose="020B0604030504040204" pitchFamily="34" charset="0"/>
-                <a:ea typeface="Tahoma" panose="020B0604030504040204" pitchFamily="34" charset="0"/>
-                <a:cs typeface="Tahoma" panose="020B0604030504040204" pitchFamily="34" charset="0"/>
-              </a:rPr>
-              <a:t>con </a:t>
-            </a:r>
-            <a:r>
-              <a:rPr lang="it-IT" sz="2400" b="1" dirty="0" smtClean="0">
+              <a:t>, «strutturati in forma tale da poter essere considerati contratti con </a:t>
+            </a:r>
+            <a:r>
+              <a:rPr lang="it-IT" sz="2400" b="1" dirty="0">
                 <a:latin typeface="Tahoma" panose="020B0604030504040204" pitchFamily="34" charset="0"/>
                 <a:ea typeface="Tahoma" panose="020B0604030504040204" pitchFamily="34" charset="0"/>
                 <a:cs typeface="Tahoma" panose="020B0604030504040204" pitchFamily="34" charset="0"/>
@@ -9849,26 +9743,13 @@
               <a:t>valenza giuridica</a:t>
             </a:r>
             <a:r>
-              <a:rPr lang="it-IT" sz="2400" dirty="0" smtClean="0">
-                <a:latin typeface="Tahoma" panose="020B0604030504040204" pitchFamily="34" charset="0"/>
-                <a:ea typeface="Tahoma" panose="020B0604030504040204" pitchFamily="34" charset="0"/>
-                <a:cs typeface="Tahoma" panose="020B0604030504040204" pitchFamily="34" charset="0"/>
-              </a:rPr>
-              <a:t> </a:t>
-            </a:r>
-            <a:r>
-              <a:rPr lang="it-IT" sz="2400" dirty="0">
-                <a:latin typeface="Tahoma" panose="020B0604030504040204" pitchFamily="34" charset="0"/>
-                <a:ea typeface="Tahoma" panose="020B0604030504040204" pitchFamily="34" charset="0"/>
-                <a:cs typeface="Tahoma" panose="020B0604030504040204" pitchFamily="34" charset="0"/>
-              </a:rPr>
-              <a:t>e non solo software di esecuzione. </a:t>
-            </a:r>
-            <a:endParaRPr lang="it-IT" sz="2400" dirty="0" smtClean="0">
-              <a:latin typeface="Tahoma" panose="020B0604030504040204" pitchFamily="34" charset="0"/>
-              <a:ea typeface="Tahoma" panose="020B0604030504040204" pitchFamily="34" charset="0"/>
-              <a:cs typeface="Tahoma" panose="020B0604030504040204" pitchFamily="34" charset="0"/>
-            </a:endParaRPr>
+              <a:rPr lang="it-IT" sz="2400" dirty="0">
+                <a:latin typeface="Tahoma" panose="020B0604030504040204" pitchFamily="34" charset="0"/>
+                <a:ea typeface="Tahoma" panose="020B0604030504040204" pitchFamily="34" charset="0"/>
+                <a:cs typeface="Tahoma" panose="020B0604030504040204" pitchFamily="34" charset="0"/>
+              </a:rPr>
+              <a:t> e non solo software di esecuzione. </a:t>
+            </a:r>
           </a:p>
           <a:p>
             <a:pPr marL="342900" indent="-342900" algn="just">
@@ -9885,7 +9766,7 @@
               </a:tabLst>
             </a:pPr>
             <a:r>
-              <a:rPr lang="it-IT" sz="2400" dirty="0" smtClean="0">
+              <a:rPr lang="it-IT" sz="2400" dirty="0">
                 <a:latin typeface="Tahoma" panose="020B0604030504040204" pitchFamily="34" charset="0"/>
                 <a:ea typeface="Tahoma" panose="020B0604030504040204" pitchFamily="34" charset="0"/>
                 <a:cs typeface="Tahoma" panose="020B0604030504040204" pitchFamily="34" charset="0"/>
@@ -10018,21 +9899,8 @@
                 <a:ea typeface="Tahoma" panose="020B0604030504040204" pitchFamily="34" charset="0"/>
                 <a:cs typeface="Tahoma" panose="020B0604030504040204" pitchFamily="34" charset="0"/>
               </a:rPr>
-              <a:t> rappresentato da solo codice</a:t>
-            </a:r>
-            <a:r>
-              <a:rPr lang="it-IT" sz="2400" dirty="0" smtClean="0">
-                <a:latin typeface="Tahoma" panose="020B0604030504040204" pitchFamily="34" charset="0"/>
-                <a:ea typeface="Tahoma" panose="020B0604030504040204" pitchFamily="34" charset="0"/>
-                <a:cs typeface="Tahoma" panose="020B0604030504040204" pitchFamily="34" charset="0"/>
-              </a:rPr>
-              <a:t>».</a:t>
-            </a:r>
-            <a:endParaRPr lang="it-IT" sz="2400" dirty="0">
-              <a:latin typeface="Tahoma" panose="020B0604030504040204" pitchFamily="34" charset="0"/>
-              <a:ea typeface="Tahoma" panose="020B0604030504040204" pitchFamily="34" charset="0"/>
-              <a:cs typeface="Tahoma" panose="020B0604030504040204" pitchFamily="34" charset="0"/>
-            </a:endParaRPr>
+              <a:t> rappresentato da solo codice».</a:t>
+            </a:r>
           </a:p>
           <a:p>
             <a:pPr algn="just">
@@ -10124,27 +9992,8 @@
                 <a:ea typeface="Tahoma" panose="020B0604030504040204" pitchFamily="34" charset="0"/>
                 <a:cs typeface="Tahoma" panose="020B0604030504040204" pitchFamily="34" charset="0"/>
               </a:rPr>
-              <a:t>I </a:t>
-            </a:r>
-            <a:r>
-              <a:rPr lang="it-IT" dirty="0" smtClean="0">
-                <a:solidFill>
-                  <a:schemeClr val="tx1"/>
-                </a:solidFill>
-                <a:latin typeface="Tahoma" panose="020B0604030504040204" pitchFamily="34" charset="0"/>
-                <a:ea typeface="Tahoma" panose="020B0604030504040204" pitchFamily="34" charset="0"/>
-                <a:cs typeface="Tahoma" panose="020B0604030504040204" pitchFamily="34" charset="0"/>
-              </a:rPr>
-              <a:t>confini applicativi</a:t>
-            </a:r>
-            <a:endParaRPr lang="it-IT" dirty="0">
-              <a:solidFill>
-                <a:schemeClr val="tx1"/>
-              </a:solidFill>
-              <a:latin typeface="Tahoma" panose="020B0604030504040204" pitchFamily="34" charset="0"/>
-              <a:ea typeface="Tahoma" panose="020B0604030504040204" pitchFamily="34" charset="0"/>
-              <a:cs typeface="Tahoma" panose="020B0604030504040204" pitchFamily="34" charset="0"/>
-            </a:endParaRPr>
+              <a:t>I confini applicativi</a:t>
+            </a:r>
           </a:p>
         </p:txBody>
       </p:sp>
@@ -10248,20 +10097,12 @@
               </a:tabLst>
             </a:pPr>
             <a:r>
-              <a:rPr lang="it-IT" sz="2400" dirty="0" smtClean="0">
-                <a:latin typeface="Tahoma" panose="020B0604030504040204" pitchFamily="34" charset="0"/>
-                <a:ea typeface="Tahoma" panose="020B0604030504040204" pitchFamily="34" charset="0"/>
-                <a:cs typeface="Tahoma" panose="020B0604030504040204" pitchFamily="34" charset="0"/>
-              </a:rPr>
-              <a:t>Resta </a:t>
-            </a:r>
-            <a:r>
-              <a:rPr lang="it-IT" sz="2400" dirty="0">
-                <a:latin typeface="Tahoma" panose="020B0604030504040204" pitchFamily="34" charset="0"/>
-                <a:ea typeface="Tahoma" panose="020B0604030504040204" pitchFamily="34" charset="0"/>
-                <a:cs typeface="Tahoma" panose="020B0604030504040204" pitchFamily="34" charset="0"/>
-              </a:rPr>
-              <a:t>il fatto che gli </a:t>
+              <a:rPr lang="it-IT" sz="2400" dirty="0">
+                <a:latin typeface="Tahoma" panose="020B0604030504040204" pitchFamily="34" charset="0"/>
+                <a:ea typeface="Tahoma" panose="020B0604030504040204" pitchFamily="34" charset="0"/>
+                <a:cs typeface="Tahoma" panose="020B0604030504040204" pitchFamily="34" charset="0"/>
+              </a:rPr>
+              <a:t>Resta il fatto che gli </a:t>
             </a:r>
             <a:r>
               <a:rPr lang="it-IT" sz="2400" b="1" dirty="0" err="1">
@@ -10327,11 +10168,6 @@
               </a:rPr>
               <a:t>. </a:t>
             </a:r>
-            <a:endParaRPr lang="it-IT" sz="2400" dirty="0" smtClean="0">
-              <a:latin typeface="Tahoma" panose="020B0604030504040204" pitchFamily="34" charset="0"/>
-              <a:ea typeface="Tahoma" panose="020B0604030504040204" pitchFamily="34" charset="0"/>
-              <a:cs typeface="Tahoma" panose="020B0604030504040204" pitchFamily="34" charset="0"/>
-            </a:endParaRPr>
           </a:p>
           <a:p>
             <a:pPr marL="342900" indent="-342900" algn="just">
@@ -10348,20 +10184,12 @@
               </a:tabLst>
             </a:pPr>
             <a:r>
-              <a:rPr lang="it-IT" sz="2400" dirty="0" smtClean="0">
-                <a:latin typeface="Tahoma" panose="020B0604030504040204" pitchFamily="34" charset="0"/>
-                <a:ea typeface="Tahoma" panose="020B0604030504040204" pitchFamily="34" charset="0"/>
-                <a:cs typeface="Tahoma" panose="020B0604030504040204" pitchFamily="34" charset="0"/>
-              </a:rPr>
-              <a:t>E</a:t>
-            </a:r>
-            <a:r>
-              <a:rPr lang="it-IT" sz="2400" dirty="0">
-                <a:latin typeface="Tahoma" panose="020B0604030504040204" pitchFamily="34" charset="0"/>
-                <a:ea typeface="Tahoma" panose="020B0604030504040204" pitchFamily="34" charset="0"/>
-                <a:cs typeface="Tahoma" panose="020B0604030504040204" pitchFamily="34" charset="0"/>
-              </a:rPr>
-              <a:t> che la loro </a:t>
+              <a:rPr lang="it-IT" sz="2400" dirty="0">
+                <a:latin typeface="Tahoma" panose="020B0604030504040204" pitchFamily="34" charset="0"/>
+                <a:ea typeface="Tahoma" panose="020B0604030504040204" pitchFamily="34" charset="0"/>
+                <a:cs typeface="Tahoma" panose="020B0604030504040204" pitchFamily="34" charset="0"/>
+              </a:rPr>
+              <a:t>E che la loro </a:t>
             </a:r>
             <a:r>
               <a:rPr lang="it-IT" sz="2400" b="1" dirty="0">
@@ -10505,15 +10333,7 @@
                 <a:ea typeface="Tahoma" panose="020B0604030504040204" pitchFamily="34" charset="0"/>
                 <a:cs typeface="Tahoma" panose="020B0604030504040204" pitchFamily="34" charset="0"/>
               </a:rPr>
-              <a:t>, insomma, non è </a:t>
-            </a:r>
-            <a:r>
-              <a:rPr lang="it-IT" sz="2400" dirty="0" smtClean="0">
-                <a:latin typeface="Tahoma" panose="020B0604030504040204" pitchFamily="34" charset="0"/>
-                <a:ea typeface="Tahoma" panose="020B0604030504040204" pitchFamily="34" charset="0"/>
-                <a:cs typeface="Tahoma" panose="020B0604030504040204" pitchFamily="34" charset="0"/>
-              </a:rPr>
-              <a:t>gestibile.</a:t>
+              <a:t>, insomma, non è gestibile.</a:t>
             </a:r>
           </a:p>
         </p:txBody>
@@ -10588,27 +10408,8 @@
                 <a:ea typeface="Tahoma" panose="020B0604030504040204" pitchFamily="34" charset="0"/>
                 <a:cs typeface="Tahoma" panose="020B0604030504040204" pitchFamily="34" charset="0"/>
               </a:rPr>
-              <a:t>I </a:t>
-            </a:r>
-            <a:r>
-              <a:rPr lang="it-IT" dirty="0" smtClean="0">
-                <a:solidFill>
-                  <a:schemeClr val="tx1"/>
-                </a:solidFill>
-                <a:latin typeface="Tahoma" panose="020B0604030504040204" pitchFamily="34" charset="0"/>
-                <a:ea typeface="Tahoma" panose="020B0604030504040204" pitchFamily="34" charset="0"/>
-                <a:cs typeface="Tahoma" panose="020B0604030504040204" pitchFamily="34" charset="0"/>
-              </a:rPr>
-              <a:t>confini applicativi</a:t>
-            </a:r>
-            <a:endParaRPr lang="it-IT" dirty="0">
-              <a:solidFill>
-                <a:schemeClr val="tx1"/>
-              </a:solidFill>
-              <a:latin typeface="Tahoma" panose="020B0604030504040204" pitchFamily="34" charset="0"/>
-              <a:ea typeface="Tahoma" panose="020B0604030504040204" pitchFamily="34" charset="0"/>
-              <a:cs typeface="Tahoma" panose="020B0604030504040204" pitchFamily="34" charset="0"/>
-            </a:endParaRPr>
+              <a:t>I confini applicativi</a:t>
+            </a:r>
           </a:p>
         </p:txBody>
       </p:sp>
@@ -10712,20 +10513,12 @@
               </a:tabLst>
             </a:pPr>
             <a:r>
-              <a:rPr lang="it-IT" sz="2400" dirty="0" smtClean="0">
-                <a:latin typeface="Tahoma" panose="020B0604030504040204" pitchFamily="34" charset="0"/>
-                <a:ea typeface="Tahoma" panose="020B0604030504040204" pitchFamily="34" charset="0"/>
-                <a:cs typeface="Tahoma" panose="020B0604030504040204" pitchFamily="34" charset="0"/>
-              </a:rPr>
-              <a:t>«Anzi</a:t>
-            </a:r>
-            <a:r>
-              <a:rPr lang="it-IT" sz="2400" dirty="0">
-                <a:latin typeface="Tahoma" panose="020B0604030504040204" pitchFamily="34" charset="0"/>
-                <a:ea typeface="Tahoma" panose="020B0604030504040204" pitchFamily="34" charset="0"/>
-                <a:cs typeface="Tahoma" panose="020B0604030504040204" pitchFamily="34" charset="0"/>
-              </a:rPr>
-              <a:t>, la </a:t>
+              <a:rPr lang="it-IT" sz="2400" dirty="0">
+                <a:latin typeface="Tahoma" panose="020B0604030504040204" pitchFamily="34" charset="0"/>
+                <a:ea typeface="Tahoma" panose="020B0604030504040204" pitchFamily="34" charset="0"/>
+                <a:cs typeface="Tahoma" panose="020B0604030504040204" pitchFamily="34" charset="0"/>
+              </a:rPr>
+              <a:t>«Anzi, la </a:t>
             </a:r>
             <a:r>
               <a:rPr lang="it-IT" sz="2400" b="1" dirty="0">
@@ -10815,11 +10608,6 @@
               </a:rPr>
               <a:t>? </a:t>
             </a:r>
-            <a:endParaRPr lang="it-IT" sz="2400" dirty="0" smtClean="0">
-              <a:latin typeface="Tahoma" panose="020B0604030504040204" pitchFamily="34" charset="0"/>
-              <a:ea typeface="Tahoma" panose="020B0604030504040204" pitchFamily="34" charset="0"/>
-              <a:cs typeface="Tahoma" panose="020B0604030504040204" pitchFamily="34" charset="0"/>
-            </a:endParaRPr>
           </a:p>
           <a:p>
             <a:pPr marL="342900" indent="-342900" algn="just">
@@ -10841,15 +10629,7 @@
                 <a:ea typeface="Tahoma" panose="020B0604030504040204" pitchFamily="34" charset="0"/>
                 <a:cs typeface="Tahoma" panose="020B0604030504040204" pitchFamily="34" charset="0"/>
               </a:rPr>
-              <a:t>Gli </a:t>
-            </a:r>
-            <a:r>
-              <a:rPr lang="it-IT" sz="2400" dirty="0">
-                <a:latin typeface="Tahoma" panose="020B0604030504040204" pitchFamily="34" charset="0"/>
-                <a:ea typeface="Tahoma" panose="020B0604030504040204" pitchFamily="34" charset="0"/>
-                <a:cs typeface="Tahoma" panose="020B0604030504040204" pitchFamily="34" charset="0"/>
-              </a:rPr>
-              <a:t>adempimenti seguono </a:t>
+              <a:t>Gli adempimenti seguono </a:t>
             </a:r>
             <a:r>
               <a:rPr lang="it-IT" sz="2400" b="1" dirty="0">
@@ -10993,15 +10773,7 @@
                 <a:ea typeface="Tahoma" panose="020B0604030504040204" pitchFamily="34" charset="0"/>
                 <a:cs typeface="Tahoma" panose="020B0604030504040204" pitchFamily="34" charset="0"/>
               </a:rPr>
-              <a:t>” che annulla l’azione in caso di errore</a:t>
-            </a:r>
-            <a:r>
-              <a:rPr lang="it-IT" sz="2400" dirty="0" smtClean="0">
-                <a:latin typeface="Tahoma" panose="020B0604030504040204" pitchFamily="34" charset="0"/>
-                <a:ea typeface="Tahoma" panose="020B0604030504040204" pitchFamily="34" charset="0"/>
-                <a:cs typeface="Tahoma" panose="020B0604030504040204" pitchFamily="34" charset="0"/>
-              </a:rPr>
-              <a:t>».</a:t>
+              <a:t>” che annulla l’azione in caso di errore».</a:t>
             </a:r>
           </a:p>
         </p:txBody>
@@ -11076,27 +10848,8 @@
                 <a:ea typeface="Tahoma" panose="020B0604030504040204" pitchFamily="34" charset="0"/>
                 <a:cs typeface="Tahoma" panose="020B0604030504040204" pitchFamily="34" charset="0"/>
               </a:rPr>
-              <a:t>I </a:t>
-            </a:r>
-            <a:r>
-              <a:rPr lang="it-IT" dirty="0" smtClean="0">
-                <a:solidFill>
-                  <a:schemeClr val="tx1"/>
-                </a:solidFill>
-                <a:latin typeface="Tahoma" panose="020B0604030504040204" pitchFamily="34" charset="0"/>
-                <a:ea typeface="Tahoma" panose="020B0604030504040204" pitchFamily="34" charset="0"/>
-                <a:cs typeface="Tahoma" panose="020B0604030504040204" pitchFamily="34" charset="0"/>
-              </a:rPr>
-              <a:t>confini applicativi</a:t>
-            </a:r>
-            <a:endParaRPr lang="it-IT" dirty="0">
-              <a:solidFill>
-                <a:schemeClr val="tx1"/>
-              </a:solidFill>
-              <a:latin typeface="Tahoma" panose="020B0604030504040204" pitchFamily="34" charset="0"/>
-              <a:ea typeface="Tahoma" panose="020B0604030504040204" pitchFamily="34" charset="0"/>
-              <a:cs typeface="Tahoma" panose="020B0604030504040204" pitchFamily="34" charset="0"/>
-            </a:endParaRPr>
+              <a:t>I confini applicativi</a:t>
+            </a:r>
           </a:p>
         </p:txBody>
       </p:sp>
@@ -11200,20 +10953,12 @@
               </a:tabLst>
             </a:pPr>
             <a:r>
-              <a:rPr lang="it-IT" sz="2400" dirty="0" smtClean="0">
-                <a:latin typeface="Tahoma" panose="020B0604030504040204" pitchFamily="34" charset="0"/>
-                <a:ea typeface="Tahoma" panose="020B0604030504040204" pitchFamily="34" charset="0"/>
-                <a:cs typeface="Tahoma" panose="020B0604030504040204" pitchFamily="34" charset="0"/>
-              </a:rPr>
-              <a:t>Lo </a:t>
-            </a:r>
-            <a:r>
-              <a:rPr lang="it-IT" sz="2400" dirty="0">
-                <a:latin typeface="Tahoma" panose="020B0604030504040204" pitchFamily="34" charset="0"/>
-                <a:ea typeface="Tahoma" panose="020B0604030504040204" pitchFamily="34" charset="0"/>
-                <a:cs typeface="Tahoma" panose="020B0604030504040204" pitchFamily="34" charset="0"/>
-              </a:rPr>
-              <a:t>studio legale </a:t>
+              <a:rPr lang="it-IT" sz="2400" dirty="0">
+                <a:latin typeface="Tahoma" panose="020B0604030504040204" pitchFamily="34" charset="0"/>
+                <a:ea typeface="Tahoma" panose="020B0604030504040204" pitchFamily="34" charset="0"/>
+                <a:cs typeface="Tahoma" panose="020B0604030504040204" pitchFamily="34" charset="0"/>
+              </a:rPr>
+              <a:t>Lo studio legale </a:t>
             </a:r>
             <a:r>
               <a:rPr lang="it-IT" sz="2400" dirty="0" err="1">
@@ -11288,7 +11033,7 @@
               <a:t>food</a:t>
             </a:r>
             <a:r>
-              <a:rPr lang="it-IT" sz="2400" dirty="0" smtClean="0">
+              <a:rPr lang="it-IT" sz="2400" dirty="0">
                 <a:latin typeface="Tahoma" panose="020B0604030504040204" pitchFamily="34" charset="0"/>
                 <a:ea typeface="Tahoma" panose="020B0604030504040204" pitchFamily="34" charset="0"/>
                 <a:cs typeface="Tahoma" panose="020B0604030504040204" pitchFamily="34" charset="0"/>
@@ -11311,20 +11056,12 @@
               </a:tabLst>
             </a:pPr>
             <a:r>
-              <a:rPr lang="it-IT" sz="2400" dirty="0" smtClean="0">
-                <a:latin typeface="Tahoma" panose="020B0604030504040204" pitchFamily="34" charset="0"/>
-                <a:ea typeface="Tahoma" panose="020B0604030504040204" pitchFamily="34" charset="0"/>
-                <a:cs typeface="Tahoma" panose="020B0604030504040204" pitchFamily="34" charset="0"/>
-              </a:rPr>
-              <a:t>«</a:t>
-            </a:r>
-            <a:r>
-              <a:rPr lang="it-IT" sz="2400" dirty="0">
-                <a:latin typeface="Tahoma" panose="020B0604030504040204" pitchFamily="34" charset="0"/>
-                <a:ea typeface="Tahoma" panose="020B0604030504040204" pitchFamily="34" charset="0"/>
-                <a:cs typeface="Tahoma" panose="020B0604030504040204" pitchFamily="34" charset="0"/>
-              </a:rPr>
-              <a:t>Se i documenti </a:t>
+              <a:rPr lang="it-IT" sz="2400" dirty="0">
+                <a:latin typeface="Tahoma" panose="020B0604030504040204" pitchFamily="34" charset="0"/>
+                <a:ea typeface="Tahoma" panose="020B0604030504040204" pitchFamily="34" charset="0"/>
+                <a:cs typeface="Tahoma" panose="020B0604030504040204" pitchFamily="34" charset="0"/>
+              </a:rPr>
+              <a:t>«Se i documenti </a:t>
             </a:r>
             <a:r>
               <a:rPr lang="it-IT" sz="2400" b="1" dirty="0">
@@ -11605,27 +11342,8 @@
                 <a:ea typeface="Tahoma" panose="020B0604030504040204" pitchFamily="34" charset="0"/>
                 <a:cs typeface="Tahoma" panose="020B0604030504040204" pitchFamily="34" charset="0"/>
               </a:rPr>
-              <a:t>I </a:t>
-            </a:r>
-            <a:r>
-              <a:rPr lang="it-IT" dirty="0" smtClean="0">
-                <a:solidFill>
-                  <a:schemeClr val="tx1"/>
-                </a:solidFill>
-                <a:latin typeface="Tahoma" panose="020B0604030504040204" pitchFamily="34" charset="0"/>
-                <a:ea typeface="Tahoma" panose="020B0604030504040204" pitchFamily="34" charset="0"/>
-                <a:cs typeface="Tahoma" panose="020B0604030504040204" pitchFamily="34" charset="0"/>
-              </a:rPr>
-              <a:t>confini applicativi</a:t>
-            </a:r>
-            <a:endParaRPr lang="it-IT" dirty="0">
-              <a:solidFill>
-                <a:schemeClr val="tx1"/>
-              </a:solidFill>
-              <a:latin typeface="Tahoma" panose="020B0604030504040204" pitchFamily="34" charset="0"/>
-              <a:ea typeface="Tahoma" panose="020B0604030504040204" pitchFamily="34" charset="0"/>
-              <a:cs typeface="Tahoma" panose="020B0604030504040204" pitchFamily="34" charset="0"/>
-            </a:endParaRPr>
+              <a:t>I confini applicativi</a:t>
+            </a:r>
           </a:p>
         </p:txBody>
       </p:sp>
@@ -15179,7 +14897,7 @@
               <a:t> </a:t>
             </a:r>
             <a:r>
-              <a:rPr lang="it-IT" sz="2400" b="1" dirty="0" smtClean="0">
+              <a:rPr lang="it-IT" sz="2400" b="1" dirty="0">
                 <a:solidFill>
                   <a:schemeClr val="tx1"/>
                 </a:solidFill>
@@ -15190,7 +14908,7 @@
               <a:t>di</a:t>
             </a:r>
             <a:r>
-              <a:rPr lang="it-IT" sz="2400" dirty="0" smtClean="0">
+              <a:rPr lang="it-IT" sz="2400" dirty="0">
                 <a:solidFill>
                   <a:schemeClr val="tx1"/>
                 </a:solidFill>
@@ -16359,15 +16077,6 @@
 
 <file path=customXml/item1.xml><?xml version="1.0" encoding="utf-8"?>
 <?mso-contentType ?>
-<FormTemplates xmlns="http://schemas.microsoft.com/sharepoint/v3/contenttype/forms">
-  <Display>DocumentLibraryForm</Display>
-  <Edit>DocumentLibraryForm</Edit>
-  <New>DocumentLibraryForm</New>
-</FormTemplates>
-</file>
-
-<file path=customXml/item2.xml><?xml version="1.0" encoding="utf-8"?>
-<?mso-contentType ?>
 <spe:Receivers xmlns:spe="http://schemas.microsoft.com/sharepoint/events">
   <Receiver>
     <Name>Document ID Generator</Name>
@@ -16416,7 +16125,30 @@
 </spe:Receivers>
 </file>
 
+<file path=customXml/item2.xml><?xml version="1.0" encoding="utf-8"?>
+<?mso-contentType ?>
+<FormTemplates xmlns="http://schemas.microsoft.com/sharepoint/v3/contenttype/forms">
+  <Display>DocumentLibraryForm</Display>
+  <Edit>DocumentLibraryForm</Edit>
+  <New>DocumentLibraryForm</New>
+</FormTemplates>
+</file>
+
 <file path=customXml/item3.xml><?xml version="1.0" encoding="utf-8"?>
+<p:properties xmlns:p="http://schemas.microsoft.com/office/2006/metadata/properties" xmlns:xsi="http://www.w3.org/2001/XMLSchema-instance" xmlns:pc="http://schemas.microsoft.com/office/infopath/2007/PartnerControls">
+  <documentManagement>
+    <SottoCategoria xmlns="679261c3-551f-4e86-913f-177e0e529669">-</SottoCategoria>
+    <Categoria xmlns="c58f2efd-82a8-4ecf-b395-8c25e928921d">Power Point</Categoria>
+    <_dlc_DocId xmlns="459159c4-d20a-4ff3-9b11-fbd127bd52e5">INTRANET-14-158</_dlc_DocId>
+    <_dlc_DocIdUrl xmlns="459159c4-d20a-4ff3-9b11-fbd127bd52e5">
+      <Url>https://intranet.istat.it/Collaborativi/_layouts/15/DocIdRedir.aspx?ID=INTRANET-14-158</Url>
+      <Description>INTRANET-14-158</Description>
+    </_dlc_DocIdUrl>
+  </documentManagement>
+</p:properties>
+</file>
+
+<file path=customXml/item4.xml><?xml version="1.0" encoding="utf-8"?>
 <ct:contentTypeSchema xmlns:ct="http://schemas.microsoft.com/office/2006/metadata/contentType" xmlns:ma="http://schemas.microsoft.com/office/2006/metadata/properties/metaAttributes" ct:_="" ma:_="" ma:contentTypeName="Documento" ma:contentTypeID="0x010100661A2BE3120D674DA36C11D6006822D4" ma:contentTypeVersion="3" ma:contentTypeDescription="Creare un nuovo documento." ma:contentTypeScope="" ma:versionID="2ad8b07f9840a1ce9cd199d874146b74">
   <xsd:schema xmlns:xsd="http://www.w3.org/2001/XMLSchema" xmlns:xs="http://www.w3.org/2001/XMLSchema" xmlns:p="http://schemas.microsoft.com/office/2006/metadata/properties" xmlns:ns2="c58f2efd-82a8-4ecf-b395-8c25e928921d" xmlns:ns3="459159c4-d20a-4ff3-9b11-fbd127bd52e5" xmlns:ns4="679261c3-551f-4e86-913f-177e0e529669" targetNamespace="http://schemas.microsoft.com/office/2006/metadata/properties" ma:root="true" ma:fieldsID="fffb0e16fb90ffea59fef1085e90ecca" ns2:_="" ns3:_="" ns4:_="">
     <xsd:import namespace="c58f2efd-82a8-4ecf-b395-8c25e928921d"/>
@@ -16603,21 +16335,15 @@
 </ct:contentTypeSchema>
 </file>
 
-<file path=customXml/item4.xml><?xml version="1.0" encoding="utf-8"?>
-<p:properties xmlns:p="http://schemas.microsoft.com/office/2006/metadata/properties" xmlns:xsi="http://www.w3.org/2001/XMLSchema-instance" xmlns:pc="http://schemas.microsoft.com/office/infopath/2007/PartnerControls">
-  <documentManagement>
-    <SottoCategoria xmlns="679261c3-551f-4e86-913f-177e0e529669">-</SottoCategoria>
-    <Categoria xmlns="c58f2efd-82a8-4ecf-b395-8c25e928921d">Power Point</Categoria>
-    <_dlc_DocId xmlns="459159c4-d20a-4ff3-9b11-fbd127bd52e5">INTRANET-14-158</_dlc_DocId>
-    <_dlc_DocIdUrl xmlns="459159c4-d20a-4ff3-9b11-fbd127bd52e5">
-      <Url>https://intranet.istat.it/Collaborativi/_layouts/15/DocIdRedir.aspx?ID=INTRANET-14-158</Url>
-      <Description>INTRANET-14-158</Description>
-    </_dlc_DocIdUrl>
-  </documentManagement>
-</p:properties>
+<file path=customXml/itemProps1.xml><?xml version="1.0" encoding="utf-8"?>
+<ds:datastoreItem xmlns:ds="http://schemas.openxmlformats.org/officeDocument/2006/customXml" ds:itemID="{D9296C4F-9DE9-4B43-AA80-1FC85656CFFA}">
+  <ds:schemaRefs>
+    <ds:schemaRef ds:uri="http://schemas.microsoft.com/sharepoint/events"/>
+  </ds:schemaRefs>
+</ds:datastoreItem>
 </file>
 
-<file path=customXml/itemProps1.xml><?xml version="1.0" encoding="utf-8"?>
+<file path=customXml/itemProps2.xml><?xml version="1.0" encoding="utf-8"?>
 <ds:datastoreItem xmlns:ds="http://schemas.openxmlformats.org/officeDocument/2006/customXml" ds:itemID="{BD9C238D-4D5C-4783-820B-4854DCE45D41}">
   <ds:schemaRefs>
     <ds:schemaRef ds:uri="http://schemas.microsoft.com/sharepoint/v3/contenttype/forms"/>
@@ -16625,15 +16351,25 @@
 </ds:datastoreItem>
 </file>
 
-<file path=customXml/itemProps2.xml><?xml version="1.0" encoding="utf-8"?>
-<ds:datastoreItem xmlns:ds="http://schemas.openxmlformats.org/officeDocument/2006/customXml" ds:itemID="{D9296C4F-9DE9-4B43-AA80-1FC85656CFFA}">
+<file path=customXml/itemProps3.xml><?xml version="1.0" encoding="utf-8"?>
+<ds:datastoreItem xmlns:ds="http://schemas.openxmlformats.org/officeDocument/2006/customXml" ds:itemID="{3EF378BC-F4D0-4510-B4EC-07B6EFE18CF8}">
   <ds:schemaRefs>
-    <ds:schemaRef ds:uri="http://schemas.microsoft.com/sharepoint/events"/>
+    <ds:schemaRef ds:uri="http://schemas.microsoft.com/office/infopath/2007/PartnerControls"/>
+    <ds:schemaRef ds:uri="http://purl.org/dc/elements/1.1/"/>
+    <ds:schemaRef ds:uri="http://schemas.microsoft.com/office/2006/metadata/properties"/>
+    <ds:schemaRef ds:uri="http://schemas.openxmlformats.org/package/2006/metadata/core-properties"/>
+    <ds:schemaRef ds:uri="http://purl.org/dc/terms/"/>
+    <ds:schemaRef ds:uri="679261c3-551f-4e86-913f-177e0e529669"/>
+    <ds:schemaRef ds:uri="459159c4-d20a-4ff3-9b11-fbd127bd52e5"/>
+    <ds:schemaRef ds:uri="http://schemas.microsoft.com/office/2006/documentManagement/types"/>
+    <ds:schemaRef ds:uri="c58f2efd-82a8-4ecf-b395-8c25e928921d"/>
+    <ds:schemaRef ds:uri="http://www.w3.org/XML/1998/namespace"/>
+    <ds:schemaRef ds:uri="http://purl.org/dc/dcmitype/"/>
   </ds:schemaRefs>
 </ds:datastoreItem>
 </file>
 
-<file path=customXml/itemProps3.xml><?xml version="1.0" encoding="utf-8"?>
+<file path=customXml/itemProps4.xml><?xml version="1.0" encoding="utf-8"?>
 <ds:datastoreItem xmlns:ds="http://schemas.openxmlformats.org/officeDocument/2006/customXml" ds:itemID="{3F66F418-6054-4EA5-BF8E-6AF3CEAE6265}">
   <ds:schemaRefs>
     <ds:schemaRef ds:uri="http://schemas.microsoft.com/office/2006/metadata/contentType"/>
@@ -16651,22 +16387,4 @@
     <ds:schemaRef ds:uri="http://schemas.microsoft.com/internal/obd"/>
   </ds:schemaRefs>
 </ds:datastoreItem>
-</file>
-
-<file path=customXml/itemProps4.xml><?xml version="1.0" encoding="utf-8"?>
-<ds:datastoreItem xmlns:ds="http://schemas.openxmlformats.org/officeDocument/2006/customXml" ds:itemID="{3EF378BC-F4D0-4510-B4EC-07B6EFE18CF8}">
-  <ds:schemaRefs>
-    <ds:schemaRef ds:uri="http://schemas.microsoft.com/office/infopath/2007/PartnerControls"/>
-    <ds:schemaRef ds:uri="http://purl.org/dc/elements/1.1/"/>
-    <ds:schemaRef ds:uri="http://schemas.microsoft.com/office/2006/metadata/properties"/>
-    <ds:schemaRef ds:uri="http://schemas.openxmlformats.org/package/2006/metadata/core-properties"/>
-    <ds:schemaRef ds:uri="http://purl.org/dc/terms/"/>
-    <ds:schemaRef ds:uri="679261c3-551f-4e86-913f-177e0e529669"/>
-    <ds:schemaRef ds:uri="459159c4-d20a-4ff3-9b11-fbd127bd52e5"/>
-    <ds:schemaRef ds:uri="http://schemas.microsoft.com/office/2006/documentManagement/types"/>
-    <ds:schemaRef ds:uri="c58f2efd-82a8-4ecf-b395-8c25e928921d"/>
-    <ds:schemaRef ds:uri="http://www.w3.org/XML/1998/namespace"/>
-    <ds:schemaRef ds:uri="http://purl.org/dc/dcmitype/"/>
-  </ds:schemaRefs>
-</ds:datastoreItem>
 </file>